--- a/AB_TOPs/ZZ_Soutenance_PE/S2_SEISM/Diapo/Diaporama_PE_PE66_Juin2019_V2.5.pptx
+++ b/AB_TOPs/ZZ_Soutenance_PE/S2_SEISM/Diapo/Diaporama_PE_PE66_Juin2019_V2.5.pptx
@@ -5,7 +5,7 @@
     <p:sldMasterId id="2147483648" r:id="rId1"/>
   </p:sldMasterIdLst>
   <p:notesMasterIdLst>
-    <p:notesMasterId r:id="rId22"/>
+    <p:notesMasterId r:id="rId23"/>
   </p:notesMasterIdLst>
   <p:sldIdLst>
     <p:sldId id="269" r:id="rId2"/>
@@ -22,12 +22,13 @@
     <p:sldId id="271" r:id="rId13"/>
     <p:sldId id="279" r:id="rId14"/>
     <p:sldId id="280" r:id="rId15"/>
-    <p:sldId id="281" r:id="rId16"/>
-    <p:sldId id="282" r:id="rId17"/>
-    <p:sldId id="283" r:id="rId18"/>
-    <p:sldId id="267" r:id="rId19"/>
-    <p:sldId id="268" r:id="rId20"/>
-    <p:sldId id="270" r:id="rId21"/>
+    <p:sldId id="284" r:id="rId16"/>
+    <p:sldId id="281" r:id="rId17"/>
+    <p:sldId id="282" r:id="rId18"/>
+    <p:sldId id="283" r:id="rId19"/>
+    <p:sldId id="267" r:id="rId20"/>
+    <p:sldId id="268" r:id="rId21"/>
+    <p:sldId id="270" r:id="rId22"/>
   </p:sldIdLst>
   <p:sldSz cx="12192000" cy="6858000"/>
   <p:notesSz cx="6858000" cy="9144000"/>
@@ -2897,19 +2898,19 @@
     </dgm:pt>
   </dgm:ptLst>
   <dgm:cxnLst>
-    <dgm:cxn modelId="{B23844BB-4EF8-4A9B-A8B4-A1450C98F3CE}" srcId="{B7F1182F-1475-447C-815C-EC5FA3FB2727}" destId="{28C850E5-9197-40F5-BF9C-08445227BE5F}" srcOrd="1" destOrd="0" parTransId="{EC4E3063-93A3-4E36-B2A6-47C5FB40664C}" sibTransId="{B9A88F52-2C46-435B-B3A1-0F3DB69B5A7E}"/>
-    <dgm:cxn modelId="{69E26939-2FE0-4AC4-8BAC-FE81E5FDFA06}" srcId="{B7F1182F-1475-447C-815C-EC5FA3FB2727}" destId="{E5FC72F6-F176-41DC-BF7E-BB04C4BA841C}" srcOrd="5" destOrd="0" parTransId="{BFF77CD9-9FA6-46B7-8101-3A42DA18C8C8}" sibTransId="{624A4424-0E0F-4834-A639-63971F62818F}"/>
+    <dgm:cxn modelId="{062BBB91-8A20-499A-8FFE-1A87B4166221}" type="presOf" srcId="{7AA661BB-9F6A-4851-A49D-5E7D69DD66C1}" destId="{63FC269B-94AD-42D1-B4A0-936F0CF2DADD}" srcOrd="0" destOrd="0" presId="urn:microsoft.com/office/officeart/2005/8/layout/hProcess11"/>
+    <dgm:cxn modelId="{D462411B-AE29-4850-9BDD-FC5819494A8E}" srcId="{B7F1182F-1475-447C-815C-EC5FA3FB2727}" destId="{DF9411F6-B16B-479C-9AC3-70553BC130B9}" srcOrd="3" destOrd="0" parTransId="{3C4FDD5C-6E67-4416-83AD-396FE45AA5E9}" sibTransId="{8E4CAE73-6191-4A89-A81D-936E1D5493B7}"/>
+    <dgm:cxn modelId="{89AFA891-254D-4084-852A-F96474950F46}" type="presOf" srcId="{B7F1182F-1475-447C-815C-EC5FA3FB2727}" destId="{C6504635-A78F-4D0A-A114-7541C0389596}" srcOrd="0" destOrd="0" presId="urn:microsoft.com/office/officeart/2005/8/layout/hProcess11"/>
+    <dgm:cxn modelId="{EB80668D-6CE9-43C5-B070-E4440438C952}" type="presOf" srcId="{46B086EA-1920-4D3C-8C34-C14909B14F6C}" destId="{C5C72B98-025E-48F0-9263-981AE597565F}" srcOrd="0" destOrd="0" presId="urn:microsoft.com/office/officeart/2005/8/layout/hProcess11"/>
     <dgm:cxn modelId="{43DD0816-D7FA-4E85-92D7-B78B86BD3182}" srcId="{B7F1182F-1475-447C-815C-EC5FA3FB2727}" destId="{7AA661BB-9F6A-4851-A49D-5E7D69DD66C1}" srcOrd="2" destOrd="0" parTransId="{0C4CE66D-A95A-4F7B-9E52-3C2923C3FED5}" sibTransId="{8825A330-D6DE-435F-8003-FBF94CCB5077}"/>
     <dgm:cxn modelId="{D424037B-ECE6-460A-B653-4198C49CC3A9}" type="presOf" srcId="{E5FC72F6-F176-41DC-BF7E-BB04C4BA841C}" destId="{2EF25808-AB54-4BE6-8189-089567D08685}" srcOrd="0" destOrd="0" presId="urn:microsoft.com/office/officeart/2005/8/layout/hProcess11"/>
-    <dgm:cxn modelId="{D462411B-AE29-4850-9BDD-FC5819494A8E}" srcId="{B7F1182F-1475-447C-815C-EC5FA3FB2727}" destId="{DF9411F6-B16B-479C-9AC3-70553BC130B9}" srcOrd="3" destOrd="0" parTransId="{3C4FDD5C-6E67-4416-83AD-396FE45AA5E9}" sibTransId="{8E4CAE73-6191-4A89-A81D-936E1D5493B7}"/>
-    <dgm:cxn modelId="{062BBB91-8A20-499A-8FFE-1A87B4166221}" type="presOf" srcId="{7AA661BB-9F6A-4851-A49D-5E7D69DD66C1}" destId="{63FC269B-94AD-42D1-B4A0-936F0CF2DADD}" srcOrd="0" destOrd="0" presId="urn:microsoft.com/office/officeart/2005/8/layout/hProcess11"/>
-    <dgm:cxn modelId="{3D09592C-0012-4FC8-8194-0E9C128F07A3}" srcId="{B7F1182F-1475-447C-815C-EC5FA3FB2727}" destId="{46B086EA-1920-4D3C-8C34-C14909B14F6C}" srcOrd="4" destOrd="0" parTransId="{D2CA9714-3CFA-497E-8FAB-54FD3AA250AB}" sibTransId="{74F6EE66-EEDA-46C3-A379-D45507DF74AD}"/>
-    <dgm:cxn modelId="{19E2099B-C5D2-4AD8-BB5F-78AB00A704C8}" srcId="{B7F1182F-1475-447C-815C-EC5FA3FB2727}" destId="{1B9385DF-FBA7-4F36-B803-83B821A29FAE}" srcOrd="6" destOrd="0" parTransId="{C401CFF4-AFDC-40E1-8EF9-CCC0B788AEC2}" sibTransId="{75B5C30D-2FA6-48E1-A69C-68894364F23C}"/>
-    <dgm:cxn modelId="{EB80668D-6CE9-43C5-B070-E4440438C952}" type="presOf" srcId="{46B086EA-1920-4D3C-8C34-C14909B14F6C}" destId="{C5C72B98-025E-48F0-9263-981AE597565F}" srcOrd="0" destOrd="0" presId="urn:microsoft.com/office/officeart/2005/8/layout/hProcess11"/>
     <dgm:cxn modelId="{2D00F66F-49B4-405D-806D-E402C766EE58}" type="presOf" srcId="{1B9385DF-FBA7-4F36-B803-83B821A29FAE}" destId="{BA9475B1-5F6F-4FB8-9242-67D241D50F5C}" srcOrd="0" destOrd="0" presId="urn:microsoft.com/office/officeart/2005/8/layout/hProcess11"/>
-    <dgm:cxn modelId="{89AFA891-254D-4084-852A-F96474950F46}" type="presOf" srcId="{B7F1182F-1475-447C-815C-EC5FA3FB2727}" destId="{C6504635-A78F-4D0A-A114-7541C0389596}" srcOrd="0" destOrd="0" presId="urn:microsoft.com/office/officeart/2005/8/layout/hProcess11"/>
     <dgm:cxn modelId="{3DCE3E14-B137-480C-899E-2F392E8940C9}" type="presOf" srcId="{DF9411F6-B16B-479C-9AC3-70553BC130B9}" destId="{708FBFE0-C936-4BEE-A417-2E71A7D041F8}" srcOrd="0" destOrd="0" presId="urn:microsoft.com/office/officeart/2005/8/layout/hProcess11"/>
     <dgm:cxn modelId="{7A0DDC01-341A-4C76-9C99-B07BDAEE14FF}" srcId="{B7F1182F-1475-447C-815C-EC5FA3FB2727}" destId="{FD96BDA4-AE5E-4CBA-A6B0-2C47515D6674}" srcOrd="0" destOrd="0" parTransId="{81B69DD3-F27B-4C01-8A96-D339AD623B56}" sibTransId="{F2EDB6EB-B25F-4991-9688-A9D16574BD62}"/>
+    <dgm:cxn modelId="{B23844BB-4EF8-4A9B-A8B4-A1450C98F3CE}" srcId="{B7F1182F-1475-447C-815C-EC5FA3FB2727}" destId="{28C850E5-9197-40F5-BF9C-08445227BE5F}" srcOrd="1" destOrd="0" parTransId="{EC4E3063-93A3-4E36-B2A6-47C5FB40664C}" sibTransId="{B9A88F52-2C46-435B-B3A1-0F3DB69B5A7E}"/>
+    <dgm:cxn modelId="{19E2099B-C5D2-4AD8-BB5F-78AB00A704C8}" srcId="{B7F1182F-1475-447C-815C-EC5FA3FB2727}" destId="{1B9385DF-FBA7-4F36-B803-83B821A29FAE}" srcOrd="6" destOrd="0" parTransId="{C401CFF4-AFDC-40E1-8EF9-CCC0B788AEC2}" sibTransId="{75B5C30D-2FA6-48E1-A69C-68894364F23C}"/>
+    <dgm:cxn modelId="{69E26939-2FE0-4AC4-8BAC-FE81E5FDFA06}" srcId="{B7F1182F-1475-447C-815C-EC5FA3FB2727}" destId="{E5FC72F6-F176-41DC-BF7E-BB04C4BA841C}" srcOrd="5" destOrd="0" parTransId="{BFF77CD9-9FA6-46B7-8101-3A42DA18C8C8}" sibTransId="{624A4424-0E0F-4834-A639-63971F62818F}"/>
+    <dgm:cxn modelId="{3D09592C-0012-4FC8-8194-0E9C128F07A3}" srcId="{B7F1182F-1475-447C-815C-EC5FA3FB2727}" destId="{46B086EA-1920-4D3C-8C34-C14909B14F6C}" srcOrd="4" destOrd="0" parTransId="{D2CA9714-3CFA-497E-8FAB-54FD3AA250AB}" sibTransId="{74F6EE66-EEDA-46C3-A379-D45507DF74AD}"/>
     <dgm:cxn modelId="{402863D1-A19E-400D-80BB-6A92AC749032}" type="presOf" srcId="{28C850E5-9197-40F5-BF9C-08445227BE5F}" destId="{2F3C04E1-E5C9-46CD-890F-6AA0E36AD903}" srcOrd="0" destOrd="0" presId="urn:microsoft.com/office/officeart/2005/8/layout/hProcess11"/>
     <dgm:cxn modelId="{8016768B-6F02-4DFF-9FC2-FF385ABC4583}" type="presOf" srcId="{FD96BDA4-AE5E-4CBA-A6B0-2C47515D6674}" destId="{43A3304C-4CA5-4F5A-B889-40E93DF846BD}" srcOrd="0" destOrd="0" presId="urn:microsoft.com/office/officeart/2005/8/layout/hProcess11"/>
     <dgm:cxn modelId="{3A0F63D1-1FD2-4C68-B2D7-285F29767784}" type="presParOf" srcId="{C6504635-A78F-4D0A-A114-7541C0389596}" destId="{C157D356-1DF1-4038-8066-5CF0BD9E5F1F}" srcOrd="0" destOrd="0" presId="urn:microsoft.com/office/officeart/2005/8/layout/hProcess11"/>
@@ -2967,938 +2968,6 @@
       <dsp:cNvGrpSpPr/>
     </dsp:nvGrpSpPr>
     <dsp:grpSpPr/>
-    <dsp:sp modelId="{C157D356-1DF1-4038-8066-5CF0BD9E5F1F}">
-      <dsp:nvSpPr>
-        <dsp:cNvPr id="0" name=""/>
-        <dsp:cNvSpPr/>
-      </dsp:nvSpPr>
-      <dsp:spPr>
-        <a:xfrm>
-          <a:off x="0" y="838692"/>
-          <a:ext cx="12191998" cy="1080001"/>
-        </a:xfrm>
-        <a:prstGeom prst="notchedRightArrow">
-          <a:avLst/>
-        </a:prstGeom>
-        <a:solidFill>
-          <a:schemeClr val="dk1">
-            <a:tint val="40000"/>
-            <a:hueOff val="0"/>
-            <a:satOff val="0"/>
-            <a:lumOff val="0"/>
-            <a:alphaOff val="0"/>
-          </a:schemeClr>
-        </a:solidFill>
-        <a:ln>
-          <a:noFill/>
-        </a:ln>
-        <a:effectLst/>
-        <a:scene3d>
-          <a:camera prst="orthographicFront"/>
-          <a:lightRig rig="chilly" dir="t"/>
-        </a:scene3d>
-        <a:sp3d z="-12700" extrusionH="1700" prstMaterial="translucentPowder">
-          <a:bevelT w="25400" h="6350" prst="softRound"/>
-          <a:bevelB w="0" h="0" prst="convex"/>
-        </a:sp3d>
-      </dsp:spPr>
-      <dsp:style>
-        <a:lnRef idx="0">
-          <a:scrgbClr r="0" g="0" b="0"/>
-        </a:lnRef>
-        <a:fillRef idx="1">
-          <a:scrgbClr r="0" g="0" b="0"/>
-        </a:fillRef>
-        <a:effectRef idx="0">
-          <a:scrgbClr r="0" g="0" b="0"/>
-        </a:effectRef>
-        <a:fontRef idx="minor"/>
-      </dsp:style>
-    </dsp:sp>
-    <dsp:sp modelId="{D6B2A18A-14D7-4F4B-8D2B-DD208000C8AD}">
-      <dsp:nvSpPr>
-        <dsp:cNvPr id="0" name=""/>
-        <dsp:cNvSpPr/>
-      </dsp:nvSpPr>
-      <dsp:spPr>
-        <a:xfrm>
-          <a:off x="3569" y="0"/>
-          <a:ext cx="1468040" cy="1102954"/>
-        </a:xfrm>
-        <a:prstGeom prst="rect">
-          <a:avLst/>
-        </a:prstGeom>
-        <a:noFill/>
-        <a:ln>
-          <a:noFill/>
-        </a:ln>
-        <a:effectLst/>
-      </dsp:spPr>
-      <dsp:style>
-        <a:lnRef idx="0">
-          <a:scrgbClr r="0" g="0" b="0"/>
-        </a:lnRef>
-        <a:fillRef idx="0">
-          <a:scrgbClr r="0" g="0" b="0"/>
-        </a:fillRef>
-        <a:effectRef idx="0">
-          <a:scrgbClr r="0" g="0" b="0"/>
-        </a:effectRef>
-        <a:fontRef idx="minor"/>
-      </dsp:style>
-      <dsp:txBody>
-        <a:bodyPr spcFirstLastPara="0" vert="horz" wrap="square" lIns="99568" tIns="99568" rIns="99568" bIns="99568" numCol="1" spcCol="1270" anchor="b" anchorCtr="0">
-          <a:noAutofit/>
-        </a:bodyPr>
-        <a:lstStyle/>
-        <a:p>
-          <a:pPr lvl="0" algn="ctr" defTabSz="622300">
-            <a:lnSpc>
-              <a:spcPct val="90000"/>
-            </a:lnSpc>
-            <a:spcBef>
-              <a:spcPct val="0"/>
-            </a:spcBef>
-            <a:spcAft>
-              <a:spcPct val="35000"/>
-            </a:spcAft>
-          </a:pPr>
-          <a:r>
-            <a:rPr lang="fr-FR" sz="1400" kern="1200" dirty="0"/>
-            <a:t>Top Projet </a:t>
-          </a:r>
-        </a:p>
-        <a:p>
-          <a:pPr lvl="0" algn="ctr" defTabSz="622300">
-            <a:lnSpc>
-              <a:spcPct val="90000"/>
-            </a:lnSpc>
-            <a:spcBef>
-              <a:spcPct val="0"/>
-            </a:spcBef>
-            <a:spcAft>
-              <a:spcPct val="35000"/>
-            </a:spcAft>
-          </a:pPr>
-          <a:r>
-            <a:rPr lang="fr-FR" sz="1400" kern="1200" dirty="0"/>
-            <a:t>1</a:t>
-          </a:r>
-          <a:r>
-            <a:rPr lang="fr-FR" sz="1400" kern="1200" baseline="30000" dirty="0"/>
-            <a:t>er</a:t>
-          </a:r>
-          <a:r>
-            <a:rPr lang="fr-FR" sz="1400" kern="1200" dirty="0"/>
-            <a:t> avril 2019</a:t>
-          </a:r>
-        </a:p>
-      </dsp:txBody>
-      <dsp:txXfrm>
-        <a:off x="3569" y="0"/>
-        <a:ext cx="1468040" cy="1102954"/>
-      </dsp:txXfrm>
-    </dsp:sp>
-    <dsp:sp modelId="{8CC4A885-62C5-4612-8CC7-C6D8EB0039DA}">
-      <dsp:nvSpPr>
-        <dsp:cNvPr id="0" name=""/>
-        <dsp:cNvSpPr/>
-      </dsp:nvSpPr>
-      <dsp:spPr>
-        <a:xfrm>
-          <a:off x="557590" y="1198693"/>
-          <a:ext cx="359998" cy="359998"/>
-        </a:xfrm>
-        <a:prstGeom prst="ellipse">
-          <a:avLst/>
-        </a:prstGeom>
-        <a:solidFill>
-          <a:schemeClr val="lt1">
-            <a:hueOff val="0"/>
-            <a:satOff val="0"/>
-            <a:lumOff val="0"/>
-            <a:alphaOff val="0"/>
-          </a:schemeClr>
-        </a:solidFill>
-        <a:ln>
-          <a:noFill/>
-        </a:ln>
-        <a:effectLst/>
-        <a:scene3d>
-          <a:camera prst="orthographicFront"/>
-          <a:lightRig rig="chilly" dir="t"/>
-        </a:scene3d>
-        <a:sp3d prstMaterial="translucentPowder">
-          <a:bevelT w="127000" h="25400" prst="softRound"/>
-        </a:sp3d>
-      </dsp:spPr>
-      <dsp:style>
-        <a:lnRef idx="0">
-          <a:scrgbClr r="0" g="0" b="0"/>
-        </a:lnRef>
-        <a:fillRef idx="1">
-          <a:scrgbClr r="0" g="0" b="0"/>
-        </a:fillRef>
-        <a:effectRef idx="0">
-          <a:scrgbClr r="0" g="0" b="0"/>
-        </a:effectRef>
-        <a:fontRef idx="minor">
-          <a:schemeClr val="lt1"/>
-        </a:fontRef>
-      </dsp:style>
-    </dsp:sp>
-    <dsp:sp modelId="{FA8D4227-C77E-43AA-9B1A-0C55478F4ED9}">
-      <dsp:nvSpPr>
-        <dsp:cNvPr id="0" name=""/>
-        <dsp:cNvSpPr/>
-      </dsp:nvSpPr>
-      <dsp:spPr>
-        <a:xfrm>
-          <a:off x="1545011" y="1654431"/>
-          <a:ext cx="1468040" cy="1102954"/>
-        </a:xfrm>
-        <a:prstGeom prst="rect">
-          <a:avLst/>
-        </a:prstGeom>
-        <a:noFill/>
-        <a:ln>
-          <a:noFill/>
-        </a:ln>
-        <a:effectLst/>
-      </dsp:spPr>
-      <dsp:style>
-        <a:lnRef idx="0">
-          <a:scrgbClr r="0" g="0" b="0"/>
-        </a:lnRef>
-        <a:fillRef idx="0">
-          <a:scrgbClr r="0" g="0" b="0"/>
-        </a:fillRef>
-        <a:effectRef idx="0">
-          <a:scrgbClr r="0" g="0" b="0"/>
-        </a:effectRef>
-        <a:fontRef idx="minor"/>
-      </dsp:style>
-      <dsp:txBody>
-        <a:bodyPr spcFirstLastPara="0" vert="horz" wrap="square" lIns="99568" tIns="99568" rIns="99568" bIns="99568" numCol="1" spcCol="1270" anchor="t" anchorCtr="0">
-          <a:noAutofit/>
-        </a:bodyPr>
-        <a:lstStyle/>
-        <a:p>
-          <a:pPr lvl="0" algn="ctr" defTabSz="622300">
-            <a:lnSpc>
-              <a:spcPct val="90000"/>
-            </a:lnSpc>
-            <a:spcBef>
-              <a:spcPct val="0"/>
-            </a:spcBef>
-            <a:spcAft>
-              <a:spcPct val="35000"/>
-            </a:spcAft>
-          </a:pPr>
-          <a:r>
-            <a:rPr lang="fr-FR" sz="1400" kern="1200" dirty="0"/>
-            <a:t>Top Maquette</a:t>
-          </a:r>
-        </a:p>
-        <a:p>
-          <a:pPr lvl="0" algn="ctr" defTabSz="622300">
-            <a:lnSpc>
-              <a:spcPct val="90000"/>
-            </a:lnSpc>
-            <a:spcBef>
-              <a:spcPct val="0"/>
-            </a:spcBef>
-            <a:spcAft>
-              <a:spcPct val="35000"/>
-            </a:spcAft>
-          </a:pPr>
-          <a:r>
-            <a:rPr lang="fr-FR" sz="1400" kern="1200" dirty="0"/>
-            <a:t> 2 mai 2019</a:t>
-          </a:r>
-        </a:p>
-      </dsp:txBody>
-      <dsp:txXfrm>
-        <a:off x="1545011" y="1654431"/>
-        <a:ext cx="1468040" cy="1102954"/>
-      </dsp:txXfrm>
-    </dsp:sp>
-    <dsp:sp modelId="{196258B6-B29C-423A-8DAA-89C773F54DB5}">
-      <dsp:nvSpPr>
-        <dsp:cNvPr id="0" name=""/>
-        <dsp:cNvSpPr/>
-      </dsp:nvSpPr>
-      <dsp:spPr>
-        <a:xfrm>
-          <a:off x="2099032" y="1198693"/>
-          <a:ext cx="359998" cy="359998"/>
-        </a:xfrm>
-        <a:prstGeom prst="ellipse">
-          <a:avLst/>
-        </a:prstGeom>
-        <a:solidFill>
-          <a:schemeClr val="lt1">
-            <a:hueOff val="0"/>
-            <a:satOff val="0"/>
-            <a:lumOff val="0"/>
-            <a:alphaOff val="0"/>
-          </a:schemeClr>
-        </a:solidFill>
-        <a:ln>
-          <a:noFill/>
-        </a:ln>
-        <a:effectLst/>
-        <a:scene3d>
-          <a:camera prst="orthographicFront"/>
-          <a:lightRig rig="chilly" dir="t"/>
-        </a:scene3d>
-        <a:sp3d prstMaterial="translucentPowder">
-          <a:bevelT w="127000" h="25400" prst="softRound"/>
-        </a:sp3d>
-      </dsp:spPr>
-      <dsp:style>
-        <a:lnRef idx="0">
-          <a:scrgbClr r="0" g="0" b="0"/>
-        </a:lnRef>
-        <a:fillRef idx="1">
-          <a:scrgbClr r="0" g="0" b="0"/>
-        </a:fillRef>
-        <a:effectRef idx="0">
-          <a:scrgbClr r="0" g="0" b="0"/>
-        </a:effectRef>
-        <a:fontRef idx="minor">
-          <a:schemeClr val="lt1"/>
-        </a:fontRef>
-      </dsp:style>
-    </dsp:sp>
-    <dsp:sp modelId="{3B14CBD4-FC7A-4F7C-B9DE-16B26C380A87}">
-      <dsp:nvSpPr>
-        <dsp:cNvPr id="0" name=""/>
-        <dsp:cNvSpPr/>
-      </dsp:nvSpPr>
-      <dsp:spPr>
-        <a:xfrm>
-          <a:off x="3086454" y="0"/>
-          <a:ext cx="1468040" cy="1102954"/>
-        </a:xfrm>
-        <a:prstGeom prst="rect">
-          <a:avLst/>
-        </a:prstGeom>
-        <a:noFill/>
-        <a:ln>
-          <a:noFill/>
-        </a:ln>
-        <a:effectLst/>
-      </dsp:spPr>
-      <dsp:style>
-        <a:lnRef idx="0">
-          <a:scrgbClr r="0" g="0" b="0"/>
-        </a:lnRef>
-        <a:fillRef idx="0">
-          <a:scrgbClr r="0" g="0" b="0"/>
-        </a:fillRef>
-        <a:effectRef idx="0">
-          <a:scrgbClr r="0" g="0" b="0"/>
-        </a:effectRef>
-        <a:fontRef idx="minor"/>
-      </dsp:style>
-      <dsp:txBody>
-        <a:bodyPr spcFirstLastPara="0" vert="horz" wrap="square" lIns="99568" tIns="99568" rIns="99568" bIns="99568" numCol="1" spcCol="1270" anchor="b" anchorCtr="0">
-          <a:noAutofit/>
-        </a:bodyPr>
-        <a:lstStyle/>
-        <a:p>
-          <a:pPr lvl="0" algn="ctr" defTabSz="622300">
-            <a:lnSpc>
-              <a:spcPct val="90000"/>
-            </a:lnSpc>
-            <a:spcBef>
-              <a:spcPct val="0"/>
-            </a:spcBef>
-            <a:spcAft>
-              <a:spcPct val="35000"/>
-            </a:spcAft>
-          </a:pPr>
-          <a:r>
-            <a:rPr lang="fr-FR" sz="1400" kern="1200" dirty="0"/>
-            <a:t>Top </a:t>
-          </a:r>
-          <a:r>
-            <a:rPr lang="fr-FR" sz="1400" kern="1200" dirty="0" err="1"/>
-            <a:t>PréDim</a:t>
-          </a:r>
-          <a:r>
-            <a:rPr lang="fr-FR" sz="1400" kern="1200" dirty="0"/>
-            <a:t> </a:t>
-          </a:r>
-        </a:p>
-        <a:p>
-          <a:pPr lvl="0" algn="ctr" defTabSz="622300">
-            <a:lnSpc>
-              <a:spcPct val="90000"/>
-            </a:lnSpc>
-            <a:spcBef>
-              <a:spcPct val="0"/>
-            </a:spcBef>
-            <a:spcAft>
-              <a:spcPct val="35000"/>
-            </a:spcAft>
-          </a:pPr>
-          <a:r>
-            <a:rPr lang="fr-FR" sz="1400" kern="1200" dirty="0"/>
-            <a:t>12 juin 2019</a:t>
-          </a:r>
-        </a:p>
-      </dsp:txBody>
-      <dsp:txXfrm>
-        <a:off x="3086454" y="0"/>
-        <a:ext cx="1468040" cy="1102954"/>
-      </dsp:txXfrm>
-    </dsp:sp>
-    <dsp:sp modelId="{BF9EFFB4-998E-4FDA-B899-BCAAC13F2D94}">
-      <dsp:nvSpPr>
-        <dsp:cNvPr id="0" name=""/>
-        <dsp:cNvSpPr/>
-      </dsp:nvSpPr>
-      <dsp:spPr>
-        <a:xfrm>
-          <a:off x="3640474" y="1198693"/>
-          <a:ext cx="359998" cy="359998"/>
-        </a:xfrm>
-        <a:prstGeom prst="ellipse">
-          <a:avLst/>
-        </a:prstGeom>
-        <a:solidFill>
-          <a:schemeClr val="lt1">
-            <a:hueOff val="0"/>
-            <a:satOff val="0"/>
-            <a:lumOff val="0"/>
-            <a:alphaOff val="0"/>
-          </a:schemeClr>
-        </a:solidFill>
-        <a:ln>
-          <a:noFill/>
-        </a:ln>
-        <a:effectLst/>
-        <a:scene3d>
-          <a:camera prst="orthographicFront"/>
-          <a:lightRig rig="chilly" dir="t"/>
-        </a:scene3d>
-        <a:sp3d prstMaterial="translucentPowder">
-          <a:bevelT w="127000" h="25400" prst="softRound"/>
-        </a:sp3d>
-      </dsp:spPr>
-      <dsp:style>
-        <a:lnRef idx="0">
-          <a:scrgbClr r="0" g="0" b="0"/>
-        </a:lnRef>
-        <a:fillRef idx="1">
-          <a:scrgbClr r="0" g="0" b="0"/>
-        </a:fillRef>
-        <a:effectRef idx="0">
-          <a:scrgbClr r="0" g="0" b="0"/>
-        </a:effectRef>
-        <a:fontRef idx="minor">
-          <a:schemeClr val="lt1"/>
-        </a:fontRef>
-      </dsp:style>
-    </dsp:sp>
-    <dsp:sp modelId="{46F1A1B7-06BD-4CC6-B6FC-EB0CB9A97652}">
-      <dsp:nvSpPr>
-        <dsp:cNvPr id="0" name=""/>
-        <dsp:cNvSpPr/>
-      </dsp:nvSpPr>
-      <dsp:spPr>
-        <a:xfrm>
-          <a:off x="4627896" y="1654431"/>
-          <a:ext cx="1468040" cy="1102954"/>
-        </a:xfrm>
-        <a:prstGeom prst="rect">
-          <a:avLst/>
-        </a:prstGeom>
-        <a:noFill/>
-        <a:ln>
-          <a:noFill/>
-        </a:ln>
-        <a:effectLst/>
-      </dsp:spPr>
-      <dsp:style>
-        <a:lnRef idx="0">
-          <a:scrgbClr r="0" g="0" b="0"/>
-        </a:lnRef>
-        <a:fillRef idx="0">
-          <a:scrgbClr r="0" g="0" b="0"/>
-        </a:fillRef>
-        <a:effectRef idx="0">
-          <a:scrgbClr r="0" g="0" b="0"/>
-        </a:effectRef>
-        <a:fontRef idx="minor"/>
-      </dsp:style>
-      <dsp:txBody>
-        <a:bodyPr spcFirstLastPara="0" vert="horz" wrap="square" lIns="99568" tIns="99568" rIns="99568" bIns="99568" numCol="1" spcCol="1270" anchor="t" anchorCtr="0">
-          <a:noAutofit/>
-        </a:bodyPr>
-        <a:lstStyle/>
-        <a:p>
-          <a:pPr lvl="0" algn="ctr" defTabSz="622300">
-            <a:lnSpc>
-              <a:spcPct val="90000"/>
-            </a:lnSpc>
-            <a:spcBef>
-              <a:spcPct val="0"/>
-            </a:spcBef>
-            <a:spcAft>
-              <a:spcPct val="35000"/>
-            </a:spcAft>
-          </a:pPr>
-          <a:r>
-            <a:rPr lang="fr-FR" sz="1400" kern="1200" dirty="0"/>
-            <a:t>Top Appro</a:t>
-          </a:r>
-        </a:p>
-        <a:p>
-          <a:pPr lvl="0" algn="ctr" defTabSz="622300">
-            <a:lnSpc>
-              <a:spcPct val="90000"/>
-            </a:lnSpc>
-            <a:spcBef>
-              <a:spcPct val="0"/>
-            </a:spcBef>
-            <a:spcAft>
-              <a:spcPct val="35000"/>
-            </a:spcAft>
-          </a:pPr>
-          <a:r>
-            <a:rPr lang="fr-FR" sz="1400" kern="1200" dirty="0"/>
-            <a:t> 27 juin 2019</a:t>
-          </a:r>
-        </a:p>
-      </dsp:txBody>
-      <dsp:txXfrm>
-        <a:off x="4627896" y="1654431"/>
-        <a:ext cx="1468040" cy="1102954"/>
-      </dsp:txXfrm>
-    </dsp:sp>
-    <dsp:sp modelId="{F6A8A7B4-3310-4F6C-97AD-5C55FC57E9E1}">
-      <dsp:nvSpPr>
-        <dsp:cNvPr id="0" name=""/>
-        <dsp:cNvSpPr/>
-      </dsp:nvSpPr>
-      <dsp:spPr>
-        <a:xfrm>
-          <a:off x="5181917" y="1198693"/>
-          <a:ext cx="359998" cy="359998"/>
-        </a:xfrm>
-        <a:prstGeom prst="ellipse">
-          <a:avLst/>
-        </a:prstGeom>
-        <a:solidFill>
-          <a:schemeClr val="lt1">
-            <a:hueOff val="0"/>
-            <a:satOff val="0"/>
-            <a:lumOff val="0"/>
-            <a:alphaOff val="0"/>
-          </a:schemeClr>
-        </a:solidFill>
-        <a:ln>
-          <a:noFill/>
-        </a:ln>
-        <a:effectLst/>
-        <a:scene3d>
-          <a:camera prst="orthographicFront"/>
-          <a:lightRig rig="chilly" dir="t"/>
-        </a:scene3d>
-        <a:sp3d prstMaterial="translucentPowder">
-          <a:bevelT w="127000" h="25400" prst="softRound"/>
-        </a:sp3d>
-      </dsp:spPr>
-      <dsp:style>
-        <a:lnRef idx="0">
-          <a:scrgbClr r="0" g="0" b="0"/>
-        </a:lnRef>
-        <a:fillRef idx="1">
-          <a:scrgbClr r="0" g="0" b="0"/>
-        </a:fillRef>
-        <a:effectRef idx="0">
-          <a:scrgbClr r="0" g="0" b="0"/>
-        </a:effectRef>
-        <a:fontRef idx="minor">
-          <a:schemeClr val="lt1"/>
-        </a:fontRef>
-      </dsp:style>
-    </dsp:sp>
-    <dsp:sp modelId="{C1DA7732-C82A-424B-BCF3-E0C4A103FA07}">
-      <dsp:nvSpPr>
-        <dsp:cNvPr id="0" name=""/>
-        <dsp:cNvSpPr/>
-      </dsp:nvSpPr>
-      <dsp:spPr>
-        <a:xfrm>
-          <a:off x="6169338" y="0"/>
-          <a:ext cx="1717005" cy="1102954"/>
-        </a:xfrm>
-        <a:prstGeom prst="rect">
-          <a:avLst/>
-        </a:prstGeom>
-        <a:noFill/>
-        <a:ln>
-          <a:noFill/>
-        </a:ln>
-        <a:effectLst/>
-      </dsp:spPr>
-      <dsp:style>
-        <a:lnRef idx="0">
-          <a:scrgbClr r="0" g="0" b="0"/>
-        </a:lnRef>
-        <a:fillRef idx="0">
-          <a:scrgbClr r="0" g="0" b="0"/>
-        </a:fillRef>
-        <a:effectRef idx="0">
-          <a:scrgbClr r="0" g="0" b="0"/>
-        </a:effectRef>
-        <a:fontRef idx="minor"/>
-      </dsp:style>
-      <dsp:txBody>
-        <a:bodyPr spcFirstLastPara="0" vert="horz" wrap="square" lIns="99568" tIns="99568" rIns="99568" bIns="99568" numCol="1" spcCol="1270" anchor="b" anchorCtr="0">
-          <a:noAutofit/>
-        </a:bodyPr>
-        <a:lstStyle/>
-        <a:p>
-          <a:pPr lvl="0" algn="ctr" defTabSz="622300">
-            <a:lnSpc>
-              <a:spcPct val="90000"/>
-            </a:lnSpc>
-            <a:spcBef>
-              <a:spcPct val="0"/>
-            </a:spcBef>
-            <a:spcAft>
-              <a:spcPct val="35000"/>
-            </a:spcAft>
-          </a:pPr>
-          <a:r>
-            <a:rPr lang="fr-FR" sz="1400" kern="1200" dirty="0"/>
-            <a:t>Top Saison </a:t>
-          </a:r>
-        </a:p>
-        <a:p>
-          <a:pPr lvl="0" algn="ctr" defTabSz="622300">
-            <a:lnSpc>
-              <a:spcPct val="90000"/>
-            </a:lnSpc>
-            <a:spcBef>
-              <a:spcPct val="0"/>
-            </a:spcBef>
-            <a:spcAft>
-              <a:spcPct val="35000"/>
-            </a:spcAft>
-          </a:pPr>
-          <a:r>
-            <a:rPr lang="fr-FR" sz="1400" kern="1200" dirty="0"/>
-            <a:t>21 septembre 2019</a:t>
-          </a:r>
-        </a:p>
-      </dsp:txBody>
-      <dsp:txXfrm>
-        <a:off x="6169338" y="0"/>
-        <a:ext cx="1717005" cy="1102954"/>
-      </dsp:txXfrm>
-    </dsp:sp>
-    <dsp:sp modelId="{9D2A841A-6AFA-466B-9CED-190891DDEF41}">
-      <dsp:nvSpPr>
-        <dsp:cNvPr id="0" name=""/>
-        <dsp:cNvSpPr/>
-      </dsp:nvSpPr>
-      <dsp:spPr>
-        <a:xfrm>
-          <a:off x="6847842" y="1198693"/>
-          <a:ext cx="359998" cy="359998"/>
-        </a:xfrm>
-        <a:prstGeom prst="ellipse">
-          <a:avLst/>
-        </a:prstGeom>
-        <a:solidFill>
-          <a:schemeClr val="lt1">
-            <a:hueOff val="0"/>
-            <a:satOff val="0"/>
-            <a:lumOff val="0"/>
-            <a:alphaOff val="0"/>
-          </a:schemeClr>
-        </a:solidFill>
-        <a:ln>
-          <a:noFill/>
-        </a:ln>
-        <a:effectLst/>
-        <a:scene3d>
-          <a:camera prst="orthographicFront"/>
-          <a:lightRig rig="chilly" dir="t"/>
-        </a:scene3d>
-        <a:sp3d prstMaterial="translucentPowder">
-          <a:bevelT w="127000" h="25400" prst="softRound"/>
-        </a:sp3d>
-      </dsp:spPr>
-      <dsp:style>
-        <a:lnRef idx="0">
-          <a:scrgbClr r="0" g="0" b="0"/>
-        </a:lnRef>
-        <a:fillRef idx="1">
-          <a:scrgbClr r="0" g="0" b="0"/>
-        </a:fillRef>
-        <a:effectRef idx="0">
-          <a:scrgbClr r="0" g="0" b="0"/>
-        </a:effectRef>
-        <a:fontRef idx="minor">
-          <a:schemeClr val="lt1"/>
-        </a:fontRef>
-      </dsp:style>
-    </dsp:sp>
-    <dsp:sp modelId="{D1FA6A30-1C94-4AD2-97EC-A04A0FC1876A}">
-      <dsp:nvSpPr>
-        <dsp:cNvPr id="0" name=""/>
-        <dsp:cNvSpPr/>
-      </dsp:nvSpPr>
-      <dsp:spPr>
-        <a:xfrm>
-          <a:off x="7959746" y="1654431"/>
-          <a:ext cx="1468040" cy="1102954"/>
-        </a:xfrm>
-        <a:prstGeom prst="rect">
-          <a:avLst/>
-        </a:prstGeom>
-        <a:noFill/>
-        <a:ln>
-          <a:noFill/>
-        </a:ln>
-        <a:effectLst/>
-      </dsp:spPr>
-      <dsp:style>
-        <a:lnRef idx="0">
-          <a:scrgbClr r="0" g="0" b="0"/>
-        </a:lnRef>
-        <a:fillRef idx="0">
-          <a:scrgbClr r="0" g="0" b="0"/>
-        </a:fillRef>
-        <a:effectRef idx="0">
-          <a:scrgbClr r="0" g="0" b="0"/>
-        </a:effectRef>
-        <a:fontRef idx="minor"/>
-      </dsp:style>
-      <dsp:txBody>
-        <a:bodyPr spcFirstLastPara="0" vert="horz" wrap="square" lIns="99568" tIns="99568" rIns="99568" bIns="99568" numCol="1" spcCol="1270" anchor="t" anchorCtr="0">
-          <a:noAutofit/>
-        </a:bodyPr>
-        <a:lstStyle/>
-        <a:p>
-          <a:pPr lvl="0" algn="ctr" defTabSz="622300">
-            <a:lnSpc>
-              <a:spcPct val="90000"/>
-            </a:lnSpc>
-            <a:spcBef>
-              <a:spcPct val="0"/>
-            </a:spcBef>
-            <a:spcAft>
-              <a:spcPct val="35000"/>
-            </a:spcAft>
-          </a:pPr>
-          <a:r>
-            <a:rPr lang="fr-FR" sz="1400" kern="1200" dirty="0"/>
-            <a:t>Top Synthèse </a:t>
-          </a:r>
-        </a:p>
-        <a:p>
-          <a:pPr lvl="0" algn="ctr" defTabSz="622300">
-            <a:lnSpc>
-              <a:spcPct val="90000"/>
-            </a:lnSpc>
-            <a:spcBef>
-              <a:spcPct val="0"/>
-            </a:spcBef>
-            <a:spcAft>
-              <a:spcPct val="35000"/>
-            </a:spcAft>
-          </a:pPr>
-          <a:r>
-            <a:rPr lang="fr-FR" sz="1400" kern="1200" dirty="0"/>
-            <a:t>2 octobre 2019</a:t>
-          </a:r>
-        </a:p>
-      </dsp:txBody>
-      <dsp:txXfrm>
-        <a:off x="7959746" y="1654431"/>
-        <a:ext cx="1468040" cy="1102954"/>
-      </dsp:txXfrm>
-    </dsp:sp>
-    <dsp:sp modelId="{9961C38E-83AD-4A6D-B54B-8155FCCFD040}">
-      <dsp:nvSpPr>
-        <dsp:cNvPr id="0" name=""/>
-        <dsp:cNvSpPr/>
-      </dsp:nvSpPr>
-      <dsp:spPr>
-        <a:xfrm>
-          <a:off x="8513766" y="1198693"/>
-          <a:ext cx="359998" cy="359998"/>
-        </a:xfrm>
-        <a:prstGeom prst="ellipse">
-          <a:avLst/>
-        </a:prstGeom>
-        <a:solidFill>
-          <a:schemeClr val="lt1">
-            <a:hueOff val="0"/>
-            <a:satOff val="0"/>
-            <a:lumOff val="0"/>
-            <a:alphaOff val="0"/>
-          </a:schemeClr>
-        </a:solidFill>
-        <a:ln>
-          <a:noFill/>
-        </a:ln>
-        <a:effectLst/>
-        <a:scene3d>
-          <a:camera prst="orthographicFront"/>
-          <a:lightRig rig="chilly" dir="t"/>
-        </a:scene3d>
-        <a:sp3d prstMaterial="translucentPowder">
-          <a:bevelT w="127000" h="25400" prst="softRound"/>
-        </a:sp3d>
-      </dsp:spPr>
-      <dsp:style>
-        <a:lnRef idx="0">
-          <a:scrgbClr r="0" g="0" b="0"/>
-        </a:lnRef>
-        <a:fillRef idx="1">
-          <a:scrgbClr r="0" g="0" b="0"/>
-        </a:fillRef>
-        <a:effectRef idx="0">
-          <a:scrgbClr r="0" g="0" b="0"/>
-        </a:effectRef>
-        <a:fontRef idx="minor">
-          <a:schemeClr val="lt1"/>
-        </a:fontRef>
-      </dsp:style>
-    </dsp:sp>
-    <dsp:sp modelId="{43A3304C-4CA5-4F5A-B889-40E93DF846BD}">
-      <dsp:nvSpPr>
-        <dsp:cNvPr id="0" name=""/>
-        <dsp:cNvSpPr/>
-      </dsp:nvSpPr>
-      <dsp:spPr>
-        <a:xfrm>
-          <a:off x="9501188" y="0"/>
-          <a:ext cx="1468040" cy="1102954"/>
-        </a:xfrm>
-        <a:prstGeom prst="rect">
-          <a:avLst/>
-        </a:prstGeom>
-        <a:noFill/>
-        <a:ln>
-          <a:noFill/>
-        </a:ln>
-        <a:effectLst/>
-      </dsp:spPr>
-      <dsp:style>
-        <a:lnRef idx="0">
-          <a:scrgbClr r="0" g="0" b="0"/>
-        </a:lnRef>
-        <a:fillRef idx="0">
-          <a:scrgbClr r="0" g="0" b="0"/>
-        </a:fillRef>
-        <a:effectRef idx="0">
-          <a:scrgbClr r="0" g="0" b="0"/>
-        </a:effectRef>
-        <a:fontRef idx="minor"/>
-      </dsp:style>
-      <dsp:txBody>
-        <a:bodyPr spcFirstLastPara="0" vert="horz" wrap="square" lIns="99568" tIns="99568" rIns="99568" bIns="99568" numCol="1" spcCol="1270" anchor="b" anchorCtr="0">
-          <a:noAutofit/>
-        </a:bodyPr>
-        <a:lstStyle/>
-        <a:p>
-          <a:pPr lvl="0" algn="ctr" defTabSz="622300">
-            <a:lnSpc>
-              <a:spcPct val="90000"/>
-            </a:lnSpc>
-            <a:spcBef>
-              <a:spcPct val="0"/>
-            </a:spcBef>
-            <a:spcAft>
-              <a:spcPct val="35000"/>
-            </a:spcAft>
-          </a:pPr>
-          <a:r>
-            <a:rPr lang="fr-FR" sz="1400" kern="1200" dirty="0"/>
-            <a:t>Top Copeau 1 </a:t>
-          </a:r>
-        </a:p>
-        <a:p>
-          <a:pPr lvl="0" algn="ctr" defTabSz="622300">
-            <a:lnSpc>
-              <a:spcPct val="90000"/>
-            </a:lnSpc>
-            <a:spcBef>
-              <a:spcPct val="0"/>
-            </a:spcBef>
-            <a:spcAft>
-              <a:spcPct val="35000"/>
-            </a:spcAft>
-          </a:pPr>
-          <a:r>
-            <a:rPr lang="fr-FR" sz="1400" kern="1200" dirty="0"/>
-            <a:t>6 novembre 2019</a:t>
-          </a:r>
-        </a:p>
-      </dsp:txBody>
-      <dsp:txXfrm>
-        <a:off x="9501188" y="0"/>
-        <a:ext cx="1468040" cy="1102954"/>
-      </dsp:txXfrm>
-    </dsp:sp>
-    <dsp:sp modelId="{DB76F7B1-3A13-42DE-A310-11AFCF27E79F}">
-      <dsp:nvSpPr>
-        <dsp:cNvPr id="0" name=""/>
-        <dsp:cNvSpPr/>
-      </dsp:nvSpPr>
-      <dsp:spPr>
-        <a:xfrm>
-          <a:off x="10055209" y="1198693"/>
-          <a:ext cx="359998" cy="359998"/>
-        </a:xfrm>
-        <a:prstGeom prst="ellipse">
-          <a:avLst/>
-        </a:prstGeom>
-        <a:solidFill>
-          <a:schemeClr val="lt1">
-            <a:hueOff val="0"/>
-            <a:satOff val="0"/>
-            <a:lumOff val="0"/>
-            <a:alphaOff val="0"/>
-          </a:schemeClr>
-        </a:solidFill>
-        <a:ln>
-          <a:noFill/>
-        </a:ln>
-        <a:effectLst/>
-        <a:scene3d>
-          <a:camera prst="orthographicFront"/>
-          <a:lightRig rig="chilly" dir="t"/>
-        </a:scene3d>
-        <a:sp3d prstMaterial="translucentPowder">
-          <a:bevelT w="127000" h="25400" prst="softRound"/>
-        </a:sp3d>
-      </dsp:spPr>
-      <dsp:style>
-        <a:lnRef idx="0">
-          <a:scrgbClr r="0" g="0" b="0"/>
-        </a:lnRef>
-        <a:fillRef idx="1">
-          <a:scrgbClr r="0" g="0" b="0"/>
-        </a:fillRef>
-        <a:effectRef idx="0">
-          <a:scrgbClr r="0" g="0" b="0"/>
-        </a:effectRef>
-        <a:fontRef idx="minor">
-          <a:schemeClr val="lt1"/>
-        </a:fontRef>
-      </dsp:style>
-    </dsp:sp>
   </dsp:spTree>
 </dsp:drawing>
 </file>
@@ -3911,927 +2980,6 @@
       <dsp:cNvGrpSpPr/>
     </dsp:nvGrpSpPr>
     <dsp:grpSpPr/>
-    <dsp:sp modelId="{C157D356-1DF1-4038-8066-5CF0BD9E5F1F}">
-      <dsp:nvSpPr>
-        <dsp:cNvPr id="0" name=""/>
-        <dsp:cNvSpPr/>
-      </dsp:nvSpPr>
-      <dsp:spPr>
-        <a:xfrm>
-          <a:off x="0" y="838692"/>
-          <a:ext cx="12191998" cy="1080001"/>
-        </a:xfrm>
-        <a:prstGeom prst="notchedRightArrow">
-          <a:avLst/>
-        </a:prstGeom>
-        <a:solidFill>
-          <a:schemeClr val="dk1">
-            <a:tint val="40000"/>
-            <a:hueOff val="0"/>
-            <a:satOff val="0"/>
-            <a:lumOff val="0"/>
-            <a:alphaOff val="0"/>
-          </a:schemeClr>
-        </a:solidFill>
-        <a:ln>
-          <a:noFill/>
-        </a:ln>
-        <a:effectLst/>
-        <a:scene3d>
-          <a:camera prst="orthographicFront"/>
-          <a:lightRig rig="chilly" dir="t"/>
-        </a:scene3d>
-        <a:sp3d z="-12700" extrusionH="1700" prstMaterial="translucentPowder">
-          <a:bevelT w="25400" h="6350" prst="softRound"/>
-          <a:bevelB w="0" h="0" prst="convex"/>
-        </a:sp3d>
-      </dsp:spPr>
-      <dsp:style>
-        <a:lnRef idx="0">
-          <a:scrgbClr r="0" g="0" b="0"/>
-        </a:lnRef>
-        <a:fillRef idx="1">
-          <a:scrgbClr r="0" g="0" b="0"/>
-        </a:fillRef>
-        <a:effectRef idx="0">
-          <a:scrgbClr r="0" g="0" b="0"/>
-        </a:effectRef>
-        <a:fontRef idx="minor"/>
-      </dsp:style>
-    </dsp:sp>
-    <dsp:sp modelId="{43A3304C-4CA5-4F5A-B889-40E93DF846BD}">
-      <dsp:nvSpPr>
-        <dsp:cNvPr id="0" name=""/>
-        <dsp:cNvSpPr/>
-      </dsp:nvSpPr>
-      <dsp:spPr>
-        <a:xfrm>
-          <a:off x="937" y="0"/>
-          <a:ext cx="1502866" cy="1102954"/>
-        </a:xfrm>
-        <a:prstGeom prst="rect">
-          <a:avLst/>
-        </a:prstGeom>
-        <a:noFill/>
-        <a:ln>
-          <a:noFill/>
-        </a:ln>
-        <a:effectLst/>
-      </dsp:spPr>
-      <dsp:style>
-        <a:lnRef idx="0">
-          <a:scrgbClr r="0" g="0" b="0"/>
-        </a:lnRef>
-        <a:fillRef idx="0">
-          <a:scrgbClr r="0" g="0" b="0"/>
-        </a:fillRef>
-        <a:effectRef idx="0">
-          <a:scrgbClr r="0" g="0" b="0"/>
-        </a:effectRef>
-        <a:fontRef idx="minor"/>
-      </dsp:style>
-      <dsp:txBody>
-        <a:bodyPr spcFirstLastPara="0" vert="horz" wrap="square" lIns="99568" tIns="99568" rIns="99568" bIns="99568" numCol="1" spcCol="1270" anchor="b" anchorCtr="0">
-          <a:noAutofit/>
-        </a:bodyPr>
-        <a:lstStyle/>
-        <a:p>
-          <a:pPr lvl="0" algn="ctr" defTabSz="622300">
-            <a:lnSpc>
-              <a:spcPct val="90000"/>
-            </a:lnSpc>
-            <a:spcBef>
-              <a:spcPct val="0"/>
-            </a:spcBef>
-            <a:spcAft>
-              <a:spcPct val="35000"/>
-            </a:spcAft>
-          </a:pPr>
-          <a:r>
-            <a:rPr lang="fr-FR" sz="1400" kern="1200" dirty="0"/>
-            <a:t>Top Copeau 2 </a:t>
-          </a:r>
-        </a:p>
-        <a:p>
-          <a:pPr lvl="0" algn="ctr" defTabSz="622300">
-            <a:lnSpc>
-              <a:spcPct val="90000"/>
-            </a:lnSpc>
-            <a:spcBef>
-              <a:spcPct val="0"/>
-            </a:spcBef>
-            <a:spcAft>
-              <a:spcPct val="35000"/>
-            </a:spcAft>
-          </a:pPr>
-          <a:r>
-            <a:rPr lang="fr-FR" sz="1400" kern="1200" dirty="0"/>
-            <a:t>20 novembre 2019</a:t>
-          </a:r>
-        </a:p>
-      </dsp:txBody>
-      <dsp:txXfrm>
-        <a:off x="937" y="0"/>
-        <a:ext cx="1502866" cy="1102954"/>
-      </dsp:txXfrm>
-    </dsp:sp>
-    <dsp:sp modelId="{DB76F7B1-3A13-42DE-A310-11AFCF27E79F}">
-      <dsp:nvSpPr>
-        <dsp:cNvPr id="0" name=""/>
-        <dsp:cNvSpPr/>
-      </dsp:nvSpPr>
-      <dsp:spPr>
-        <a:xfrm>
-          <a:off x="572371" y="1198693"/>
-          <a:ext cx="359998" cy="359998"/>
-        </a:xfrm>
-        <a:prstGeom prst="ellipse">
-          <a:avLst/>
-        </a:prstGeom>
-        <a:solidFill>
-          <a:schemeClr val="lt1">
-            <a:hueOff val="0"/>
-            <a:satOff val="0"/>
-            <a:lumOff val="0"/>
-            <a:alphaOff val="0"/>
-          </a:schemeClr>
-        </a:solidFill>
-        <a:ln>
-          <a:noFill/>
-        </a:ln>
-        <a:effectLst/>
-        <a:scene3d>
-          <a:camera prst="orthographicFront"/>
-          <a:lightRig rig="chilly" dir="t"/>
-        </a:scene3d>
-        <a:sp3d prstMaterial="translucentPowder">
-          <a:bevelT w="127000" h="25400" prst="softRound"/>
-        </a:sp3d>
-      </dsp:spPr>
-      <dsp:style>
-        <a:lnRef idx="0">
-          <a:scrgbClr r="0" g="0" b="0"/>
-        </a:lnRef>
-        <a:fillRef idx="1">
-          <a:scrgbClr r="0" g="0" b="0"/>
-        </a:fillRef>
-        <a:effectRef idx="0">
-          <a:scrgbClr r="0" g="0" b="0"/>
-        </a:effectRef>
-        <a:fontRef idx="minor">
-          <a:schemeClr val="lt1"/>
-        </a:fontRef>
-      </dsp:style>
-    </dsp:sp>
-    <dsp:sp modelId="{2F3C04E1-E5C9-46CD-890F-6AA0E36AD903}">
-      <dsp:nvSpPr>
-        <dsp:cNvPr id="0" name=""/>
-        <dsp:cNvSpPr/>
-      </dsp:nvSpPr>
-      <dsp:spPr>
-        <a:xfrm>
-          <a:off x="1578947" y="1654431"/>
-          <a:ext cx="1502866" cy="1102954"/>
-        </a:xfrm>
-        <a:prstGeom prst="rect">
-          <a:avLst/>
-        </a:prstGeom>
-        <a:noFill/>
-        <a:ln>
-          <a:noFill/>
-        </a:ln>
-        <a:effectLst/>
-      </dsp:spPr>
-      <dsp:style>
-        <a:lnRef idx="0">
-          <a:scrgbClr r="0" g="0" b="0"/>
-        </a:lnRef>
-        <a:fillRef idx="0">
-          <a:scrgbClr r="0" g="0" b="0"/>
-        </a:fillRef>
-        <a:effectRef idx="0">
-          <a:scrgbClr r="0" g="0" b="0"/>
-        </a:effectRef>
-        <a:fontRef idx="minor"/>
-      </dsp:style>
-      <dsp:txBody>
-        <a:bodyPr spcFirstLastPara="0" vert="horz" wrap="square" lIns="99568" tIns="99568" rIns="99568" bIns="99568" numCol="1" spcCol="1270" anchor="t" anchorCtr="0">
-          <a:noAutofit/>
-        </a:bodyPr>
-        <a:lstStyle/>
-        <a:p>
-          <a:pPr lvl="0" algn="ctr" defTabSz="622300">
-            <a:lnSpc>
-              <a:spcPct val="90000"/>
-            </a:lnSpc>
-            <a:spcBef>
-              <a:spcPct val="0"/>
-            </a:spcBef>
-            <a:spcAft>
-              <a:spcPct val="35000"/>
-            </a:spcAft>
-          </a:pPr>
-          <a:r>
-            <a:rPr lang="fr-FR" sz="1400" kern="1200" dirty="0"/>
-            <a:t>Top Organe </a:t>
-          </a:r>
-        </a:p>
-        <a:p>
-          <a:pPr lvl="0" algn="ctr" defTabSz="622300">
-            <a:lnSpc>
-              <a:spcPct val="90000"/>
-            </a:lnSpc>
-            <a:spcBef>
-              <a:spcPct val="0"/>
-            </a:spcBef>
-            <a:spcAft>
-              <a:spcPct val="35000"/>
-            </a:spcAft>
-          </a:pPr>
-          <a:r>
-            <a:rPr lang="fr-FR" sz="1400" kern="1200" dirty="0"/>
-            <a:t>5 février 2020</a:t>
-          </a:r>
-        </a:p>
-      </dsp:txBody>
-      <dsp:txXfrm>
-        <a:off x="1578947" y="1654431"/>
-        <a:ext cx="1502866" cy="1102954"/>
-      </dsp:txXfrm>
-    </dsp:sp>
-    <dsp:sp modelId="{C3AFCF1F-29C4-484B-A585-81C4D37CFE7F}">
-      <dsp:nvSpPr>
-        <dsp:cNvPr id="0" name=""/>
-        <dsp:cNvSpPr/>
-      </dsp:nvSpPr>
-      <dsp:spPr>
-        <a:xfrm>
-          <a:off x="2192510" y="1240823"/>
-          <a:ext cx="275738" cy="275738"/>
-        </a:xfrm>
-        <a:prstGeom prst="ellipse">
-          <a:avLst/>
-        </a:prstGeom>
-        <a:solidFill>
-          <a:schemeClr val="lt1">
-            <a:hueOff val="0"/>
-            <a:satOff val="0"/>
-            <a:lumOff val="0"/>
-            <a:alphaOff val="0"/>
-          </a:schemeClr>
-        </a:solidFill>
-        <a:ln>
-          <a:noFill/>
-        </a:ln>
-        <a:effectLst/>
-        <a:scene3d>
-          <a:camera prst="orthographicFront"/>
-          <a:lightRig rig="chilly" dir="t"/>
-        </a:scene3d>
-        <a:sp3d prstMaterial="translucentPowder">
-          <a:bevelT w="127000" h="25400" prst="softRound"/>
-        </a:sp3d>
-      </dsp:spPr>
-      <dsp:style>
-        <a:lnRef idx="0">
-          <a:scrgbClr r="0" g="0" b="0"/>
-        </a:lnRef>
-        <a:fillRef idx="1">
-          <a:scrgbClr r="0" g="0" b="0"/>
-        </a:fillRef>
-        <a:effectRef idx="0">
-          <a:scrgbClr r="0" g="0" b="0"/>
-        </a:effectRef>
-        <a:fontRef idx="minor">
-          <a:schemeClr val="lt1"/>
-        </a:fontRef>
-      </dsp:style>
-    </dsp:sp>
-    <dsp:sp modelId="{63FC269B-94AD-42D1-B4A0-936F0CF2DADD}">
-      <dsp:nvSpPr>
-        <dsp:cNvPr id="0" name=""/>
-        <dsp:cNvSpPr/>
-      </dsp:nvSpPr>
-      <dsp:spPr>
-        <a:xfrm>
-          <a:off x="3156956" y="0"/>
-          <a:ext cx="1502866" cy="1102954"/>
-        </a:xfrm>
-        <a:prstGeom prst="rect">
-          <a:avLst/>
-        </a:prstGeom>
-        <a:noFill/>
-        <a:ln>
-          <a:noFill/>
-        </a:ln>
-        <a:effectLst/>
-      </dsp:spPr>
-      <dsp:style>
-        <a:lnRef idx="0">
-          <a:scrgbClr r="0" g="0" b="0"/>
-        </a:lnRef>
-        <a:fillRef idx="0">
-          <a:scrgbClr r="0" g="0" b="0"/>
-        </a:fillRef>
-        <a:effectRef idx="0">
-          <a:scrgbClr r="0" g="0" b="0"/>
-        </a:effectRef>
-        <a:fontRef idx="minor"/>
-      </dsp:style>
-      <dsp:txBody>
-        <a:bodyPr spcFirstLastPara="0" vert="horz" wrap="square" lIns="99568" tIns="99568" rIns="99568" bIns="99568" numCol="1" spcCol="1270" anchor="b" anchorCtr="0">
-          <a:noAutofit/>
-        </a:bodyPr>
-        <a:lstStyle/>
-        <a:p>
-          <a:pPr lvl="0" algn="ctr" defTabSz="622300">
-            <a:lnSpc>
-              <a:spcPct val="90000"/>
-            </a:lnSpc>
-            <a:spcBef>
-              <a:spcPct val="0"/>
-            </a:spcBef>
-            <a:spcAft>
-              <a:spcPct val="35000"/>
-            </a:spcAft>
-          </a:pPr>
-          <a:r>
-            <a:rPr lang="fr-FR" sz="1400" kern="1200" dirty="0"/>
-            <a:t>Top Véhicule </a:t>
-          </a:r>
-        </a:p>
-        <a:p>
-          <a:pPr lvl="0" algn="ctr" defTabSz="622300">
-            <a:lnSpc>
-              <a:spcPct val="90000"/>
-            </a:lnSpc>
-            <a:spcBef>
-              <a:spcPct val="0"/>
-            </a:spcBef>
-            <a:spcAft>
-              <a:spcPct val="35000"/>
-            </a:spcAft>
-          </a:pPr>
-          <a:r>
-            <a:rPr lang="fr-FR" sz="1400" kern="1200" dirty="0"/>
-            <a:t>19 février 2020</a:t>
-          </a:r>
-        </a:p>
-      </dsp:txBody>
-      <dsp:txXfrm>
-        <a:off x="3156956" y="0"/>
-        <a:ext cx="1502866" cy="1102954"/>
-      </dsp:txXfrm>
-    </dsp:sp>
-    <dsp:sp modelId="{4CAC864B-2273-4B99-9E7A-51AB2FB6C968}">
-      <dsp:nvSpPr>
-        <dsp:cNvPr id="0" name=""/>
-        <dsp:cNvSpPr/>
-      </dsp:nvSpPr>
-      <dsp:spPr>
-        <a:xfrm>
-          <a:off x="3770520" y="1240823"/>
-          <a:ext cx="275738" cy="275738"/>
-        </a:xfrm>
-        <a:prstGeom prst="ellipse">
-          <a:avLst/>
-        </a:prstGeom>
-        <a:solidFill>
-          <a:schemeClr val="lt1">
-            <a:hueOff val="0"/>
-            <a:satOff val="0"/>
-            <a:lumOff val="0"/>
-            <a:alphaOff val="0"/>
-          </a:schemeClr>
-        </a:solidFill>
-        <a:ln>
-          <a:noFill/>
-        </a:ln>
-        <a:effectLst/>
-        <a:scene3d>
-          <a:camera prst="orthographicFront"/>
-          <a:lightRig rig="chilly" dir="t"/>
-        </a:scene3d>
-        <a:sp3d prstMaterial="translucentPowder">
-          <a:bevelT w="127000" h="25400" prst="softRound"/>
-        </a:sp3d>
-      </dsp:spPr>
-      <dsp:style>
-        <a:lnRef idx="0">
-          <a:scrgbClr r="0" g="0" b="0"/>
-        </a:lnRef>
-        <a:fillRef idx="1">
-          <a:scrgbClr r="0" g="0" b="0"/>
-        </a:fillRef>
-        <a:effectRef idx="0">
-          <a:scrgbClr r="0" g="0" b="0"/>
-        </a:effectRef>
-        <a:fontRef idx="minor">
-          <a:schemeClr val="lt1"/>
-        </a:fontRef>
-      </dsp:style>
-    </dsp:sp>
-    <dsp:sp modelId="{708FBFE0-C936-4BEE-A417-2E71A7D041F8}">
-      <dsp:nvSpPr>
-        <dsp:cNvPr id="0" name=""/>
-        <dsp:cNvSpPr/>
-      </dsp:nvSpPr>
-      <dsp:spPr>
-        <a:xfrm>
-          <a:off x="4734966" y="1654431"/>
-          <a:ext cx="1502866" cy="1102954"/>
-        </a:xfrm>
-        <a:prstGeom prst="rect">
-          <a:avLst/>
-        </a:prstGeom>
-        <a:noFill/>
-        <a:ln>
-          <a:noFill/>
-        </a:ln>
-        <a:effectLst/>
-      </dsp:spPr>
-      <dsp:style>
-        <a:lnRef idx="0">
-          <a:scrgbClr r="0" g="0" b="0"/>
-        </a:lnRef>
-        <a:fillRef idx="0">
-          <a:scrgbClr r="0" g="0" b="0"/>
-        </a:fillRef>
-        <a:effectRef idx="0">
-          <a:scrgbClr r="0" g="0" b="0"/>
-        </a:effectRef>
-        <a:fontRef idx="minor"/>
-      </dsp:style>
-      <dsp:txBody>
-        <a:bodyPr spcFirstLastPara="0" vert="horz" wrap="square" lIns="99568" tIns="99568" rIns="99568" bIns="99568" numCol="1" spcCol="1270" anchor="t" anchorCtr="0">
-          <a:noAutofit/>
-        </a:bodyPr>
-        <a:lstStyle/>
-        <a:p>
-          <a:pPr lvl="0" algn="ctr" defTabSz="622300">
-            <a:lnSpc>
-              <a:spcPct val="90000"/>
-            </a:lnSpc>
-            <a:spcBef>
-              <a:spcPct val="0"/>
-            </a:spcBef>
-            <a:spcAft>
-              <a:spcPct val="35000"/>
-            </a:spcAft>
-          </a:pPr>
-          <a:r>
-            <a:rPr lang="fr-FR" sz="1400" kern="1200" dirty="0"/>
-            <a:t>Top Moteur </a:t>
-          </a:r>
-        </a:p>
-        <a:p>
-          <a:pPr lvl="0" algn="ctr" defTabSz="622300">
-            <a:lnSpc>
-              <a:spcPct val="90000"/>
-            </a:lnSpc>
-            <a:spcBef>
-              <a:spcPct val="0"/>
-            </a:spcBef>
-            <a:spcAft>
-              <a:spcPct val="35000"/>
-            </a:spcAft>
-          </a:pPr>
-          <a:r>
-            <a:rPr lang="fr-FR" sz="1400" kern="1200" dirty="0"/>
-            <a:t>4 mars 2020</a:t>
-          </a:r>
-        </a:p>
-      </dsp:txBody>
-      <dsp:txXfrm>
-        <a:off x="4734966" y="1654431"/>
-        <a:ext cx="1502866" cy="1102954"/>
-      </dsp:txXfrm>
-    </dsp:sp>
-    <dsp:sp modelId="{698739BB-681C-4C9D-AF1E-C895067E43BA}">
-      <dsp:nvSpPr>
-        <dsp:cNvPr id="0" name=""/>
-        <dsp:cNvSpPr/>
-      </dsp:nvSpPr>
-      <dsp:spPr>
-        <a:xfrm>
-          <a:off x="5348529" y="1240823"/>
-          <a:ext cx="275738" cy="275738"/>
-        </a:xfrm>
-        <a:prstGeom prst="ellipse">
-          <a:avLst/>
-        </a:prstGeom>
-        <a:solidFill>
-          <a:schemeClr val="lt1">
-            <a:hueOff val="0"/>
-            <a:satOff val="0"/>
-            <a:lumOff val="0"/>
-            <a:alphaOff val="0"/>
-          </a:schemeClr>
-        </a:solidFill>
-        <a:ln>
-          <a:noFill/>
-        </a:ln>
-        <a:effectLst/>
-        <a:scene3d>
-          <a:camera prst="orthographicFront"/>
-          <a:lightRig rig="chilly" dir="t"/>
-        </a:scene3d>
-        <a:sp3d prstMaterial="translucentPowder">
-          <a:bevelT w="127000" h="25400" prst="softRound"/>
-        </a:sp3d>
-      </dsp:spPr>
-      <dsp:style>
-        <a:lnRef idx="0">
-          <a:scrgbClr r="0" g="0" b="0"/>
-        </a:lnRef>
-        <a:fillRef idx="1">
-          <a:scrgbClr r="0" g="0" b="0"/>
-        </a:fillRef>
-        <a:effectRef idx="0">
-          <a:scrgbClr r="0" g="0" b="0"/>
-        </a:effectRef>
-        <a:fontRef idx="minor">
-          <a:schemeClr val="lt1"/>
-        </a:fontRef>
-      </dsp:style>
-    </dsp:sp>
-    <dsp:sp modelId="{C5C72B98-025E-48F0-9263-981AE597565F}">
-      <dsp:nvSpPr>
-        <dsp:cNvPr id="0" name=""/>
-        <dsp:cNvSpPr/>
-      </dsp:nvSpPr>
-      <dsp:spPr>
-        <a:xfrm>
-          <a:off x="6312975" y="0"/>
-          <a:ext cx="1502866" cy="1102954"/>
-        </a:xfrm>
-        <a:prstGeom prst="rect">
-          <a:avLst/>
-        </a:prstGeom>
-        <a:noFill/>
-        <a:ln>
-          <a:noFill/>
-        </a:ln>
-        <a:effectLst/>
-      </dsp:spPr>
-      <dsp:style>
-        <a:lnRef idx="0">
-          <a:scrgbClr r="0" g="0" b="0"/>
-        </a:lnRef>
-        <a:fillRef idx="0">
-          <a:scrgbClr r="0" g="0" b="0"/>
-        </a:fillRef>
-        <a:effectRef idx="0">
-          <a:scrgbClr r="0" g="0" b="0"/>
-        </a:effectRef>
-        <a:fontRef idx="minor"/>
-      </dsp:style>
-      <dsp:txBody>
-        <a:bodyPr spcFirstLastPara="0" vert="horz" wrap="square" lIns="99568" tIns="99568" rIns="99568" bIns="99568" numCol="1" spcCol="1270" anchor="b" anchorCtr="0">
-          <a:noAutofit/>
-        </a:bodyPr>
-        <a:lstStyle/>
-        <a:p>
-          <a:pPr lvl="0" algn="ctr" defTabSz="622300">
-            <a:lnSpc>
-              <a:spcPct val="90000"/>
-            </a:lnSpc>
-            <a:spcBef>
-              <a:spcPct val="0"/>
-            </a:spcBef>
-            <a:spcAft>
-              <a:spcPct val="35000"/>
-            </a:spcAft>
-          </a:pPr>
-          <a:r>
-            <a:rPr lang="fr-FR" sz="1400" kern="1200" dirty="0"/>
-            <a:t>Top Qualif </a:t>
-          </a:r>
-        </a:p>
-        <a:p>
-          <a:pPr lvl="0" algn="ctr" defTabSz="622300">
-            <a:lnSpc>
-              <a:spcPct val="90000"/>
-            </a:lnSpc>
-            <a:spcBef>
-              <a:spcPct val="0"/>
-            </a:spcBef>
-            <a:spcAft>
-              <a:spcPct val="35000"/>
-            </a:spcAft>
-          </a:pPr>
-          <a:r>
-            <a:rPr lang="fr-FR" sz="1400" kern="1200" dirty="0"/>
-            <a:t>17 mars 2020</a:t>
-          </a:r>
-        </a:p>
-      </dsp:txBody>
-      <dsp:txXfrm>
-        <a:off x="6312975" y="0"/>
-        <a:ext cx="1502866" cy="1102954"/>
-      </dsp:txXfrm>
-    </dsp:sp>
-    <dsp:sp modelId="{2E8109A9-2913-4887-80C0-87EB9AF43D14}">
-      <dsp:nvSpPr>
-        <dsp:cNvPr id="0" name=""/>
-        <dsp:cNvSpPr/>
-      </dsp:nvSpPr>
-      <dsp:spPr>
-        <a:xfrm>
-          <a:off x="6926539" y="1240823"/>
-          <a:ext cx="275738" cy="275738"/>
-        </a:xfrm>
-        <a:prstGeom prst="ellipse">
-          <a:avLst/>
-        </a:prstGeom>
-        <a:solidFill>
-          <a:schemeClr val="lt1">
-            <a:hueOff val="0"/>
-            <a:satOff val="0"/>
-            <a:lumOff val="0"/>
-            <a:alphaOff val="0"/>
-          </a:schemeClr>
-        </a:solidFill>
-        <a:ln>
-          <a:noFill/>
-        </a:ln>
-        <a:effectLst/>
-        <a:scene3d>
-          <a:camera prst="orthographicFront"/>
-          <a:lightRig rig="chilly" dir="t"/>
-        </a:scene3d>
-        <a:sp3d prstMaterial="translucentPowder">
-          <a:bevelT w="127000" h="25400" prst="softRound"/>
-        </a:sp3d>
-      </dsp:spPr>
-      <dsp:style>
-        <a:lnRef idx="0">
-          <a:scrgbClr r="0" g="0" b="0"/>
-        </a:lnRef>
-        <a:fillRef idx="1">
-          <a:scrgbClr r="0" g="0" b="0"/>
-        </a:fillRef>
-        <a:effectRef idx="0">
-          <a:scrgbClr r="0" g="0" b="0"/>
-        </a:effectRef>
-        <a:fontRef idx="minor">
-          <a:schemeClr val="lt1"/>
-        </a:fontRef>
-      </dsp:style>
-    </dsp:sp>
-    <dsp:sp modelId="{2EF25808-AB54-4BE6-8189-089567D08685}">
-      <dsp:nvSpPr>
-        <dsp:cNvPr id="0" name=""/>
-        <dsp:cNvSpPr/>
-      </dsp:nvSpPr>
-      <dsp:spPr>
-        <a:xfrm>
-          <a:off x="7890984" y="1654431"/>
-          <a:ext cx="1502866" cy="1102954"/>
-        </a:xfrm>
-        <a:prstGeom prst="rect">
-          <a:avLst/>
-        </a:prstGeom>
-        <a:noFill/>
-        <a:ln>
-          <a:noFill/>
-        </a:ln>
-        <a:effectLst/>
-      </dsp:spPr>
-      <dsp:style>
-        <a:lnRef idx="0">
-          <a:scrgbClr r="0" g="0" b="0"/>
-        </a:lnRef>
-        <a:fillRef idx="0">
-          <a:scrgbClr r="0" g="0" b="0"/>
-        </a:fillRef>
-        <a:effectRef idx="0">
-          <a:scrgbClr r="0" g="0" b="0"/>
-        </a:effectRef>
-        <a:fontRef idx="minor"/>
-      </dsp:style>
-      <dsp:txBody>
-        <a:bodyPr spcFirstLastPara="0" vert="horz" wrap="square" lIns="99568" tIns="99568" rIns="99568" bIns="99568" numCol="1" spcCol="1270" anchor="t" anchorCtr="0">
-          <a:noAutofit/>
-        </a:bodyPr>
-        <a:lstStyle/>
-        <a:p>
-          <a:pPr lvl="0" algn="ctr" defTabSz="622300">
-            <a:lnSpc>
-              <a:spcPct val="90000"/>
-            </a:lnSpc>
-            <a:spcBef>
-              <a:spcPct val="0"/>
-            </a:spcBef>
-            <a:spcAft>
-              <a:spcPct val="35000"/>
-            </a:spcAft>
-          </a:pPr>
-          <a:r>
-            <a:rPr lang="fr-FR" sz="1400" kern="1200" dirty="0"/>
-            <a:t>Top Compet </a:t>
-          </a:r>
-        </a:p>
-        <a:p>
-          <a:pPr lvl="0" algn="ctr" defTabSz="622300">
-            <a:lnSpc>
-              <a:spcPct val="90000"/>
-            </a:lnSpc>
-            <a:spcBef>
-              <a:spcPct val="0"/>
-            </a:spcBef>
-            <a:spcAft>
-              <a:spcPct val="35000"/>
-            </a:spcAft>
-          </a:pPr>
-          <a:r>
-            <a:rPr lang="fr-FR" sz="1400" kern="1200" dirty="0"/>
-            <a:t>24 juin 2020</a:t>
-          </a:r>
-        </a:p>
-      </dsp:txBody>
-      <dsp:txXfrm>
-        <a:off x="7890984" y="1654431"/>
-        <a:ext cx="1502866" cy="1102954"/>
-      </dsp:txXfrm>
-    </dsp:sp>
-    <dsp:sp modelId="{911D2A4F-4007-4116-A7DB-311A0065BFF5}">
-      <dsp:nvSpPr>
-        <dsp:cNvPr id="0" name=""/>
-        <dsp:cNvSpPr/>
-      </dsp:nvSpPr>
-      <dsp:spPr>
-        <a:xfrm>
-          <a:off x="8504548" y="1240823"/>
-          <a:ext cx="275738" cy="275738"/>
-        </a:xfrm>
-        <a:prstGeom prst="ellipse">
-          <a:avLst/>
-        </a:prstGeom>
-        <a:solidFill>
-          <a:schemeClr val="lt1">
-            <a:hueOff val="0"/>
-            <a:satOff val="0"/>
-            <a:lumOff val="0"/>
-            <a:alphaOff val="0"/>
-          </a:schemeClr>
-        </a:solidFill>
-        <a:ln>
-          <a:noFill/>
-        </a:ln>
-        <a:effectLst/>
-        <a:scene3d>
-          <a:camera prst="orthographicFront"/>
-          <a:lightRig rig="chilly" dir="t"/>
-        </a:scene3d>
-        <a:sp3d prstMaterial="translucentPowder">
-          <a:bevelT w="127000" h="25400" prst="softRound"/>
-        </a:sp3d>
-      </dsp:spPr>
-      <dsp:style>
-        <a:lnRef idx="0">
-          <a:scrgbClr r="0" g="0" b="0"/>
-        </a:lnRef>
-        <a:fillRef idx="1">
-          <a:scrgbClr r="0" g="0" b="0"/>
-        </a:fillRef>
-        <a:effectRef idx="0">
-          <a:scrgbClr r="0" g="0" b="0"/>
-        </a:effectRef>
-        <a:fontRef idx="minor">
-          <a:schemeClr val="lt1"/>
-        </a:fontRef>
-      </dsp:style>
-    </dsp:sp>
-    <dsp:sp modelId="{BA9475B1-5F6F-4FB8-9242-67D241D50F5C}">
-      <dsp:nvSpPr>
-        <dsp:cNvPr id="0" name=""/>
-        <dsp:cNvSpPr/>
-      </dsp:nvSpPr>
-      <dsp:spPr>
-        <a:xfrm>
-          <a:off x="9468994" y="0"/>
-          <a:ext cx="1502866" cy="1102954"/>
-        </a:xfrm>
-        <a:prstGeom prst="rect">
-          <a:avLst/>
-        </a:prstGeom>
-        <a:noFill/>
-        <a:ln>
-          <a:noFill/>
-        </a:ln>
-        <a:effectLst/>
-      </dsp:spPr>
-      <dsp:style>
-        <a:lnRef idx="0">
-          <a:scrgbClr r="0" g="0" b="0"/>
-        </a:lnRef>
-        <a:fillRef idx="0">
-          <a:scrgbClr r="0" g="0" b="0"/>
-        </a:fillRef>
-        <a:effectRef idx="0">
-          <a:scrgbClr r="0" g="0" b="0"/>
-        </a:effectRef>
-        <a:fontRef idx="minor"/>
-      </dsp:style>
-      <dsp:txBody>
-        <a:bodyPr spcFirstLastPara="0" vert="horz" wrap="square" lIns="99568" tIns="99568" rIns="99568" bIns="99568" numCol="1" spcCol="1270" anchor="b" anchorCtr="0">
-          <a:noAutofit/>
-        </a:bodyPr>
-        <a:lstStyle/>
-        <a:p>
-          <a:pPr lvl="0" algn="ctr" defTabSz="622300">
-            <a:lnSpc>
-              <a:spcPct val="90000"/>
-            </a:lnSpc>
-            <a:spcBef>
-              <a:spcPct val="0"/>
-            </a:spcBef>
-            <a:spcAft>
-              <a:spcPct val="35000"/>
-            </a:spcAft>
-          </a:pPr>
-          <a:r>
-            <a:rPr lang="fr-FR" sz="1400" kern="1200" dirty="0"/>
-            <a:t>Compétition</a:t>
-          </a:r>
-        </a:p>
-        <a:p>
-          <a:pPr lvl="0" algn="ctr" defTabSz="622300">
-            <a:lnSpc>
-              <a:spcPct val="90000"/>
-            </a:lnSpc>
-            <a:spcBef>
-              <a:spcPct val="0"/>
-            </a:spcBef>
-            <a:spcAft>
-              <a:spcPct val="35000"/>
-            </a:spcAft>
-          </a:pPr>
-          <a:r>
-            <a:rPr lang="fr-FR" sz="1400" kern="1200" dirty="0"/>
-            <a:t>Formula </a:t>
-          </a:r>
-          <a:r>
-            <a:rPr lang="fr-FR" sz="1400" kern="1200" dirty="0" err="1"/>
-            <a:t>Student</a:t>
-          </a:r>
-          <a:endParaRPr lang="fr-FR" sz="1400" kern="1200" dirty="0"/>
-        </a:p>
-      </dsp:txBody>
-      <dsp:txXfrm>
-        <a:off x="9468994" y="0"/>
-        <a:ext cx="1502866" cy="1102954"/>
-      </dsp:txXfrm>
-    </dsp:sp>
-    <dsp:sp modelId="{3C69B94C-19EE-4760-B1D3-6014663FD2CB}">
-      <dsp:nvSpPr>
-        <dsp:cNvPr id="0" name=""/>
-        <dsp:cNvSpPr/>
-      </dsp:nvSpPr>
-      <dsp:spPr>
-        <a:xfrm>
-          <a:off x="10082558" y="1240823"/>
-          <a:ext cx="275738" cy="275738"/>
-        </a:xfrm>
-        <a:prstGeom prst="ellipse">
-          <a:avLst/>
-        </a:prstGeom>
-        <a:solidFill>
-          <a:schemeClr val="lt1">
-            <a:hueOff val="0"/>
-            <a:satOff val="0"/>
-            <a:lumOff val="0"/>
-            <a:alphaOff val="0"/>
-          </a:schemeClr>
-        </a:solidFill>
-        <a:ln>
-          <a:noFill/>
-        </a:ln>
-        <a:effectLst/>
-        <a:scene3d>
-          <a:camera prst="orthographicFront"/>
-          <a:lightRig rig="chilly" dir="t"/>
-        </a:scene3d>
-        <a:sp3d prstMaterial="translucentPowder">
-          <a:bevelT w="127000" h="25400" prst="softRound"/>
-        </a:sp3d>
-      </dsp:spPr>
-      <dsp:style>
-        <a:lnRef idx="0">
-          <a:scrgbClr r="0" g="0" b="0"/>
-        </a:lnRef>
-        <a:fillRef idx="1">
-          <a:scrgbClr r="0" g="0" b="0"/>
-        </a:fillRef>
-        <a:effectRef idx="0">
-          <a:scrgbClr r="0" g="0" b="0"/>
-        </a:effectRef>
-        <a:fontRef idx="minor">
-          <a:schemeClr val="lt1"/>
-        </a:fontRef>
-      </dsp:style>
-    </dsp:sp>
   </dsp:spTree>
 </dsp:drawing>
 </file>
@@ -7973,7 +6121,7 @@
           <p:cNvPr id="2" name="Titre 1">
             <a:extLst>
               <a:ext uri="{FF2B5EF4-FFF2-40B4-BE49-F238E27FC236}">
-                <a16:creationId xmlns:a16="http://schemas.microsoft.com/office/drawing/2014/main" xmlns="" id="{D3A59C1E-D4EF-4116-AF92-86D278E1F619}"/>
+                <a16:creationId xmlns="" xmlns:a16="http://schemas.microsoft.com/office/drawing/2014/main" id="{D3A59C1E-D4EF-4116-AF92-86D278E1F619}"/>
               </a:ext>
             </a:extLst>
           </p:cNvPr>
@@ -8010,7 +6158,7 @@
           <p:cNvPr id="3" name="Sous-titre 2">
             <a:extLst>
               <a:ext uri="{FF2B5EF4-FFF2-40B4-BE49-F238E27FC236}">
-                <a16:creationId xmlns:a16="http://schemas.microsoft.com/office/drawing/2014/main" xmlns="" id="{DE6FFFA1-38EE-4FD9-9FDE-2046C5721A2B}"/>
+                <a16:creationId xmlns="" xmlns:a16="http://schemas.microsoft.com/office/drawing/2014/main" id="{DE6FFFA1-38EE-4FD9-9FDE-2046C5721A2B}"/>
               </a:ext>
             </a:extLst>
           </p:cNvPr>
@@ -8080,7 +6228,7 @@
           <p:cNvPr id="4" name="Espace réservé de la date 3">
             <a:extLst>
               <a:ext uri="{FF2B5EF4-FFF2-40B4-BE49-F238E27FC236}">
-                <a16:creationId xmlns:a16="http://schemas.microsoft.com/office/drawing/2014/main" xmlns="" id="{1528DFC8-F1FE-4EAB-90E3-C0C56F923A69}"/>
+                <a16:creationId xmlns="" xmlns:a16="http://schemas.microsoft.com/office/drawing/2014/main" id="{1528DFC8-F1FE-4EAB-90E3-C0C56F923A69}"/>
               </a:ext>
             </a:extLst>
           </p:cNvPr>
@@ -8109,7 +6257,7 @@
           <p:cNvPr id="5" name="Espace réservé du pied de page 4">
             <a:extLst>
               <a:ext uri="{FF2B5EF4-FFF2-40B4-BE49-F238E27FC236}">
-                <a16:creationId xmlns:a16="http://schemas.microsoft.com/office/drawing/2014/main" xmlns="" id="{4745FA5B-8A9B-4A54-9932-05C58015E9F9}"/>
+                <a16:creationId xmlns="" xmlns:a16="http://schemas.microsoft.com/office/drawing/2014/main" id="{4745FA5B-8A9B-4A54-9932-05C58015E9F9}"/>
               </a:ext>
             </a:extLst>
           </p:cNvPr>
@@ -8134,7 +6282,7 @@
           <p:cNvPr id="6" name="Espace réservé du numéro de diapositive 5">
             <a:extLst>
               <a:ext uri="{FF2B5EF4-FFF2-40B4-BE49-F238E27FC236}">
-                <a16:creationId xmlns:a16="http://schemas.microsoft.com/office/drawing/2014/main" xmlns="" id="{145B0CE2-91EB-4F41-BFF6-B05E1E8D3C7D}"/>
+                <a16:creationId xmlns="" xmlns:a16="http://schemas.microsoft.com/office/drawing/2014/main" id="{145B0CE2-91EB-4F41-BFF6-B05E1E8D3C7D}"/>
               </a:ext>
             </a:extLst>
           </p:cNvPr>
@@ -8193,7 +6341,7 @@
           <p:cNvPr id="2" name="Titre 1">
             <a:extLst>
               <a:ext uri="{FF2B5EF4-FFF2-40B4-BE49-F238E27FC236}">
-                <a16:creationId xmlns:a16="http://schemas.microsoft.com/office/drawing/2014/main" xmlns="" id="{4A03AA7B-E692-47CE-9854-C15D1AC062EA}"/>
+                <a16:creationId xmlns="" xmlns:a16="http://schemas.microsoft.com/office/drawing/2014/main" id="{4A03AA7B-E692-47CE-9854-C15D1AC062EA}"/>
               </a:ext>
             </a:extLst>
           </p:cNvPr>
@@ -8221,7 +6369,7 @@
           <p:cNvPr id="3" name="Espace réservé du texte vertical 2">
             <a:extLst>
               <a:ext uri="{FF2B5EF4-FFF2-40B4-BE49-F238E27FC236}">
-                <a16:creationId xmlns:a16="http://schemas.microsoft.com/office/drawing/2014/main" xmlns="" id="{4F1D5257-D750-4895-8FDE-5B882DAAFB87}"/>
+                <a16:creationId xmlns="" xmlns:a16="http://schemas.microsoft.com/office/drawing/2014/main" id="{4F1D5257-D750-4895-8FDE-5B882DAAFB87}"/>
               </a:ext>
             </a:extLst>
           </p:cNvPr>
@@ -8278,7 +6426,7 @@
           <p:cNvPr id="4" name="Espace réservé de la date 3">
             <a:extLst>
               <a:ext uri="{FF2B5EF4-FFF2-40B4-BE49-F238E27FC236}">
-                <a16:creationId xmlns:a16="http://schemas.microsoft.com/office/drawing/2014/main" xmlns="" id="{5A477B4A-5ACE-48CB-8B2B-5B133C4F47E0}"/>
+                <a16:creationId xmlns="" xmlns:a16="http://schemas.microsoft.com/office/drawing/2014/main" id="{5A477B4A-5ACE-48CB-8B2B-5B133C4F47E0}"/>
               </a:ext>
             </a:extLst>
           </p:cNvPr>
@@ -8307,7 +6455,7 @@
           <p:cNvPr id="5" name="Espace réservé du pied de page 4">
             <a:extLst>
               <a:ext uri="{FF2B5EF4-FFF2-40B4-BE49-F238E27FC236}">
-                <a16:creationId xmlns:a16="http://schemas.microsoft.com/office/drawing/2014/main" xmlns="" id="{0240683C-FA9F-46F4-8DC0-283CD2997B6C}"/>
+                <a16:creationId xmlns="" xmlns:a16="http://schemas.microsoft.com/office/drawing/2014/main" id="{0240683C-FA9F-46F4-8DC0-283CD2997B6C}"/>
               </a:ext>
             </a:extLst>
           </p:cNvPr>
@@ -8332,7 +6480,7 @@
           <p:cNvPr id="6" name="Espace réservé du numéro de diapositive 5">
             <a:extLst>
               <a:ext uri="{FF2B5EF4-FFF2-40B4-BE49-F238E27FC236}">
-                <a16:creationId xmlns:a16="http://schemas.microsoft.com/office/drawing/2014/main" xmlns="" id="{65CA7C68-B87E-4AD9-B9BB-9C4D582842FC}"/>
+                <a16:creationId xmlns="" xmlns:a16="http://schemas.microsoft.com/office/drawing/2014/main" id="{65CA7C68-B87E-4AD9-B9BB-9C4D582842FC}"/>
               </a:ext>
             </a:extLst>
           </p:cNvPr>
@@ -8391,7 +6539,7 @@
           <p:cNvPr id="2" name="Titre vertical 1">
             <a:extLst>
               <a:ext uri="{FF2B5EF4-FFF2-40B4-BE49-F238E27FC236}">
-                <a16:creationId xmlns:a16="http://schemas.microsoft.com/office/drawing/2014/main" xmlns="" id="{F60AE5FF-54CB-4809-A51A-2FB7079DD7EF}"/>
+                <a16:creationId xmlns="" xmlns:a16="http://schemas.microsoft.com/office/drawing/2014/main" id="{F60AE5FF-54CB-4809-A51A-2FB7079DD7EF}"/>
               </a:ext>
             </a:extLst>
           </p:cNvPr>
@@ -8424,7 +6572,7 @@
           <p:cNvPr id="3" name="Espace réservé du texte vertical 2">
             <a:extLst>
               <a:ext uri="{FF2B5EF4-FFF2-40B4-BE49-F238E27FC236}">
-                <a16:creationId xmlns:a16="http://schemas.microsoft.com/office/drawing/2014/main" xmlns="" id="{A6E0D794-C64B-4F35-8C63-A873018B315B}"/>
+                <a16:creationId xmlns="" xmlns:a16="http://schemas.microsoft.com/office/drawing/2014/main" id="{A6E0D794-C64B-4F35-8C63-A873018B315B}"/>
               </a:ext>
             </a:extLst>
           </p:cNvPr>
@@ -8486,7 +6634,7 @@
           <p:cNvPr id="4" name="Espace réservé de la date 3">
             <a:extLst>
               <a:ext uri="{FF2B5EF4-FFF2-40B4-BE49-F238E27FC236}">
-                <a16:creationId xmlns:a16="http://schemas.microsoft.com/office/drawing/2014/main" xmlns="" id="{59D0E4C2-B295-405C-8DB7-916CE28BB283}"/>
+                <a16:creationId xmlns="" xmlns:a16="http://schemas.microsoft.com/office/drawing/2014/main" id="{59D0E4C2-B295-405C-8DB7-916CE28BB283}"/>
               </a:ext>
             </a:extLst>
           </p:cNvPr>
@@ -8515,7 +6663,7 @@
           <p:cNvPr id="5" name="Espace réservé du pied de page 4">
             <a:extLst>
               <a:ext uri="{FF2B5EF4-FFF2-40B4-BE49-F238E27FC236}">
-                <a16:creationId xmlns:a16="http://schemas.microsoft.com/office/drawing/2014/main" xmlns="" id="{D6DED567-701E-4774-8A41-AB059173EECC}"/>
+                <a16:creationId xmlns="" xmlns:a16="http://schemas.microsoft.com/office/drawing/2014/main" id="{D6DED567-701E-4774-8A41-AB059173EECC}"/>
               </a:ext>
             </a:extLst>
           </p:cNvPr>
@@ -8540,7 +6688,7 @@
           <p:cNvPr id="6" name="Espace réservé du numéro de diapositive 5">
             <a:extLst>
               <a:ext uri="{FF2B5EF4-FFF2-40B4-BE49-F238E27FC236}">
-                <a16:creationId xmlns:a16="http://schemas.microsoft.com/office/drawing/2014/main" xmlns="" id="{4F01251D-2AD2-421B-AFE4-AACDF4B0C198}"/>
+                <a16:creationId xmlns="" xmlns:a16="http://schemas.microsoft.com/office/drawing/2014/main" id="{4F01251D-2AD2-421B-AFE4-AACDF4B0C198}"/>
               </a:ext>
             </a:extLst>
           </p:cNvPr>
@@ -8599,7 +6747,7 @@
           <p:cNvPr id="2" name="Titre 1">
             <a:extLst>
               <a:ext uri="{FF2B5EF4-FFF2-40B4-BE49-F238E27FC236}">
-                <a16:creationId xmlns:a16="http://schemas.microsoft.com/office/drawing/2014/main" xmlns="" id="{4C16342F-8F03-46DB-9199-162993BE1A91}"/>
+                <a16:creationId xmlns="" xmlns:a16="http://schemas.microsoft.com/office/drawing/2014/main" id="{4C16342F-8F03-46DB-9199-162993BE1A91}"/>
               </a:ext>
             </a:extLst>
           </p:cNvPr>
@@ -8627,7 +6775,7 @@
           <p:cNvPr id="3" name="Espace réservé du contenu 2">
             <a:extLst>
               <a:ext uri="{FF2B5EF4-FFF2-40B4-BE49-F238E27FC236}">
-                <a16:creationId xmlns:a16="http://schemas.microsoft.com/office/drawing/2014/main" xmlns="" id="{5B683592-74E3-4D10-AD70-4A1E1E42888C}"/>
+                <a16:creationId xmlns="" xmlns:a16="http://schemas.microsoft.com/office/drawing/2014/main" id="{5B683592-74E3-4D10-AD70-4A1E1E42888C}"/>
               </a:ext>
             </a:extLst>
           </p:cNvPr>
@@ -8684,7 +6832,7 @@
           <p:cNvPr id="4" name="Espace réservé de la date 3">
             <a:extLst>
               <a:ext uri="{FF2B5EF4-FFF2-40B4-BE49-F238E27FC236}">
-                <a16:creationId xmlns:a16="http://schemas.microsoft.com/office/drawing/2014/main" xmlns="" id="{DAC13AC0-FABD-40C6-8EA8-458BB5141BDC}"/>
+                <a16:creationId xmlns="" xmlns:a16="http://schemas.microsoft.com/office/drawing/2014/main" id="{DAC13AC0-FABD-40C6-8EA8-458BB5141BDC}"/>
               </a:ext>
             </a:extLst>
           </p:cNvPr>
@@ -8713,7 +6861,7 @@
           <p:cNvPr id="5" name="Espace réservé du pied de page 4">
             <a:extLst>
               <a:ext uri="{FF2B5EF4-FFF2-40B4-BE49-F238E27FC236}">
-                <a16:creationId xmlns:a16="http://schemas.microsoft.com/office/drawing/2014/main" xmlns="" id="{121F5683-648A-4D6D-9CA5-8B4F52A5A930}"/>
+                <a16:creationId xmlns="" xmlns:a16="http://schemas.microsoft.com/office/drawing/2014/main" id="{121F5683-648A-4D6D-9CA5-8B4F52A5A930}"/>
               </a:ext>
             </a:extLst>
           </p:cNvPr>
@@ -8738,7 +6886,7 @@
           <p:cNvPr id="6" name="Espace réservé du numéro de diapositive 5">
             <a:extLst>
               <a:ext uri="{FF2B5EF4-FFF2-40B4-BE49-F238E27FC236}">
-                <a16:creationId xmlns:a16="http://schemas.microsoft.com/office/drawing/2014/main" xmlns="" id="{54368FDB-F55A-4854-9317-18C6016AA497}"/>
+                <a16:creationId xmlns="" xmlns:a16="http://schemas.microsoft.com/office/drawing/2014/main" id="{54368FDB-F55A-4854-9317-18C6016AA497}"/>
               </a:ext>
             </a:extLst>
           </p:cNvPr>
@@ -8797,7 +6945,7 @@
           <p:cNvPr id="2" name="Titre 1">
             <a:extLst>
               <a:ext uri="{FF2B5EF4-FFF2-40B4-BE49-F238E27FC236}">
-                <a16:creationId xmlns:a16="http://schemas.microsoft.com/office/drawing/2014/main" xmlns="" id="{FC6C4087-8A21-4E19-80D2-F1D310A408A6}"/>
+                <a16:creationId xmlns="" xmlns:a16="http://schemas.microsoft.com/office/drawing/2014/main" id="{FC6C4087-8A21-4E19-80D2-F1D310A408A6}"/>
               </a:ext>
             </a:extLst>
           </p:cNvPr>
@@ -8834,7 +6982,7 @@
           <p:cNvPr id="3" name="Espace réservé du texte 2">
             <a:extLst>
               <a:ext uri="{FF2B5EF4-FFF2-40B4-BE49-F238E27FC236}">
-                <a16:creationId xmlns:a16="http://schemas.microsoft.com/office/drawing/2014/main" xmlns="" id="{32C2E449-E317-4810-B16B-738AA66D2005}"/>
+                <a16:creationId xmlns="" xmlns:a16="http://schemas.microsoft.com/office/drawing/2014/main" id="{32C2E449-E317-4810-B16B-738AA66D2005}"/>
               </a:ext>
             </a:extLst>
           </p:cNvPr>
@@ -8959,7 +7107,7 @@
           <p:cNvPr id="4" name="Espace réservé de la date 3">
             <a:extLst>
               <a:ext uri="{FF2B5EF4-FFF2-40B4-BE49-F238E27FC236}">
-                <a16:creationId xmlns:a16="http://schemas.microsoft.com/office/drawing/2014/main" xmlns="" id="{243113AC-BB82-48A0-AEBF-3E32878FD061}"/>
+                <a16:creationId xmlns="" xmlns:a16="http://schemas.microsoft.com/office/drawing/2014/main" id="{243113AC-BB82-48A0-AEBF-3E32878FD061}"/>
               </a:ext>
             </a:extLst>
           </p:cNvPr>
@@ -8988,7 +7136,7 @@
           <p:cNvPr id="5" name="Espace réservé du pied de page 4">
             <a:extLst>
               <a:ext uri="{FF2B5EF4-FFF2-40B4-BE49-F238E27FC236}">
-                <a16:creationId xmlns:a16="http://schemas.microsoft.com/office/drawing/2014/main" xmlns="" id="{741606E9-130C-43F0-8E78-50CFF36A8559}"/>
+                <a16:creationId xmlns="" xmlns:a16="http://schemas.microsoft.com/office/drawing/2014/main" id="{741606E9-130C-43F0-8E78-50CFF36A8559}"/>
               </a:ext>
             </a:extLst>
           </p:cNvPr>
@@ -9013,7 +7161,7 @@
           <p:cNvPr id="6" name="Espace réservé du numéro de diapositive 5">
             <a:extLst>
               <a:ext uri="{FF2B5EF4-FFF2-40B4-BE49-F238E27FC236}">
-                <a16:creationId xmlns:a16="http://schemas.microsoft.com/office/drawing/2014/main" xmlns="" id="{95DC89E8-B346-4ECE-B2DD-29D0B4A927F2}"/>
+                <a16:creationId xmlns="" xmlns:a16="http://schemas.microsoft.com/office/drawing/2014/main" id="{95DC89E8-B346-4ECE-B2DD-29D0B4A927F2}"/>
               </a:ext>
             </a:extLst>
           </p:cNvPr>
@@ -9072,7 +7220,7 @@
           <p:cNvPr id="2" name="Titre 1">
             <a:extLst>
               <a:ext uri="{FF2B5EF4-FFF2-40B4-BE49-F238E27FC236}">
-                <a16:creationId xmlns:a16="http://schemas.microsoft.com/office/drawing/2014/main" xmlns="" id="{19C95A4E-BE01-4DFA-8384-9BF2332FDFB9}"/>
+                <a16:creationId xmlns="" xmlns:a16="http://schemas.microsoft.com/office/drawing/2014/main" id="{19C95A4E-BE01-4DFA-8384-9BF2332FDFB9}"/>
               </a:ext>
             </a:extLst>
           </p:cNvPr>
@@ -9100,7 +7248,7 @@
           <p:cNvPr id="3" name="Espace réservé du contenu 2">
             <a:extLst>
               <a:ext uri="{FF2B5EF4-FFF2-40B4-BE49-F238E27FC236}">
-                <a16:creationId xmlns:a16="http://schemas.microsoft.com/office/drawing/2014/main" xmlns="" id="{0DE32B8C-BB23-466E-865D-6BDC17D51880}"/>
+                <a16:creationId xmlns="" xmlns:a16="http://schemas.microsoft.com/office/drawing/2014/main" id="{0DE32B8C-BB23-466E-865D-6BDC17D51880}"/>
               </a:ext>
             </a:extLst>
           </p:cNvPr>
@@ -9162,7 +7310,7 @@
           <p:cNvPr id="4" name="Espace réservé du contenu 3">
             <a:extLst>
               <a:ext uri="{FF2B5EF4-FFF2-40B4-BE49-F238E27FC236}">
-                <a16:creationId xmlns:a16="http://schemas.microsoft.com/office/drawing/2014/main" xmlns="" id="{81FA0933-B155-49D2-99B4-4AD841592875}"/>
+                <a16:creationId xmlns="" xmlns:a16="http://schemas.microsoft.com/office/drawing/2014/main" id="{81FA0933-B155-49D2-99B4-4AD841592875}"/>
               </a:ext>
             </a:extLst>
           </p:cNvPr>
@@ -9224,7 +7372,7 @@
           <p:cNvPr id="5" name="Espace réservé de la date 4">
             <a:extLst>
               <a:ext uri="{FF2B5EF4-FFF2-40B4-BE49-F238E27FC236}">
-                <a16:creationId xmlns:a16="http://schemas.microsoft.com/office/drawing/2014/main" xmlns="" id="{073F4B39-3B10-4CF8-937E-6443AFB4D143}"/>
+                <a16:creationId xmlns="" xmlns:a16="http://schemas.microsoft.com/office/drawing/2014/main" id="{073F4B39-3B10-4CF8-937E-6443AFB4D143}"/>
               </a:ext>
             </a:extLst>
           </p:cNvPr>
@@ -9253,7 +7401,7 @@
           <p:cNvPr id="6" name="Espace réservé du pied de page 5">
             <a:extLst>
               <a:ext uri="{FF2B5EF4-FFF2-40B4-BE49-F238E27FC236}">
-                <a16:creationId xmlns:a16="http://schemas.microsoft.com/office/drawing/2014/main" xmlns="" id="{CB859363-315C-4A38-8329-FFD6C60C4A7C}"/>
+                <a16:creationId xmlns="" xmlns:a16="http://schemas.microsoft.com/office/drawing/2014/main" id="{CB859363-315C-4A38-8329-FFD6C60C4A7C}"/>
               </a:ext>
             </a:extLst>
           </p:cNvPr>
@@ -9278,7 +7426,7 @@
           <p:cNvPr id="7" name="Espace réservé du numéro de diapositive 6">
             <a:extLst>
               <a:ext uri="{FF2B5EF4-FFF2-40B4-BE49-F238E27FC236}">
-                <a16:creationId xmlns:a16="http://schemas.microsoft.com/office/drawing/2014/main" xmlns="" id="{F459DDA4-BD6F-4D8D-9179-5EDFE8045E89}"/>
+                <a16:creationId xmlns="" xmlns:a16="http://schemas.microsoft.com/office/drawing/2014/main" id="{F459DDA4-BD6F-4D8D-9179-5EDFE8045E89}"/>
               </a:ext>
             </a:extLst>
           </p:cNvPr>
@@ -9337,7 +7485,7 @@
           <p:cNvPr id="2" name="Titre 1">
             <a:extLst>
               <a:ext uri="{FF2B5EF4-FFF2-40B4-BE49-F238E27FC236}">
-                <a16:creationId xmlns:a16="http://schemas.microsoft.com/office/drawing/2014/main" xmlns="" id="{25841B85-56FD-4B7B-ACB8-643AD8BD0EEA}"/>
+                <a16:creationId xmlns="" xmlns:a16="http://schemas.microsoft.com/office/drawing/2014/main" id="{25841B85-56FD-4B7B-ACB8-643AD8BD0EEA}"/>
               </a:ext>
             </a:extLst>
           </p:cNvPr>
@@ -9370,7 +7518,7 @@
           <p:cNvPr id="3" name="Espace réservé du texte 2">
             <a:extLst>
               <a:ext uri="{FF2B5EF4-FFF2-40B4-BE49-F238E27FC236}">
-                <a16:creationId xmlns:a16="http://schemas.microsoft.com/office/drawing/2014/main" xmlns="" id="{247F153A-4BB3-4A23-B875-B03976C410CF}"/>
+                <a16:creationId xmlns="" xmlns:a16="http://schemas.microsoft.com/office/drawing/2014/main" id="{247F153A-4BB3-4A23-B875-B03976C410CF}"/>
               </a:ext>
             </a:extLst>
           </p:cNvPr>
@@ -9441,7 +7589,7 @@
           <p:cNvPr id="4" name="Espace réservé du contenu 3">
             <a:extLst>
               <a:ext uri="{FF2B5EF4-FFF2-40B4-BE49-F238E27FC236}">
-                <a16:creationId xmlns:a16="http://schemas.microsoft.com/office/drawing/2014/main" xmlns="" id="{F8FC592C-DB63-4951-B3B0-932601063D7D}"/>
+                <a16:creationId xmlns="" xmlns:a16="http://schemas.microsoft.com/office/drawing/2014/main" id="{F8FC592C-DB63-4951-B3B0-932601063D7D}"/>
               </a:ext>
             </a:extLst>
           </p:cNvPr>
@@ -9503,7 +7651,7 @@
           <p:cNvPr id="5" name="Espace réservé du texte 4">
             <a:extLst>
               <a:ext uri="{FF2B5EF4-FFF2-40B4-BE49-F238E27FC236}">
-                <a16:creationId xmlns:a16="http://schemas.microsoft.com/office/drawing/2014/main" xmlns="" id="{EF505655-B656-46E1-86D8-CDAAC661C672}"/>
+                <a16:creationId xmlns="" xmlns:a16="http://schemas.microsoft.com/office/drawing/2014/main" id="{EF505655-B656-46E1-86D8-CDAAC661C672}"/>
               </a:ext>
             </a:extLst>
           </p:cNvPr>
@@ -9574,7 +7722,7 @@
           <p:cNvPr id="6" name="Espace réservé du contenu 5">
             <a:extLst>
               <a:ext uri="{FF2B5EF4-FFF2-40B4-BE49-F238E27FC236}">
-                <a16:creationId xmlns:a16="http://schemas.microsoft.com/office/drawing/2014/main" xmlns="" id="{1A03A6CA-7F19-4B2F-9DCF-53E1FAC6514F}"/>
+                <a16:creationId xmlns="" xmlns:a16="http://schemas.microsoft.com/office/drawing/2014/main" id="{1A03A6CA-7F19-4B2F-9DCF-53E1FAC6514F}"/>
               </a:ext>
             </a:extLst>
           </p:cNvPr>
@@ -9636,7 +7784,7 @@
           <p:cNvPr id="7" name="Espace réservé de la date 6">
             <a:extLst>
               <a:ext uri="{FF2B5EF4-FFF2-40B4-BE49-F238E27FC236}">
-                <a16:creationId xmlns:a16="http://schemas.microsoft.com/office/drawing/2014/main" xmlns="" id="{275F85EF-05AB-4001-BA10-C898D189A066}"/>
+                <a16:creationId xmlns="" xmlns:a16="http://schemas.microsoft.com/office/drawing/2014/main" id="{275F85EF-05AB-4001-BA10-C898D189A066}"/>
               </a:ext>
             </a:extLst>
           </p:cNvPr>
@@ -9665,7 +7813,7 @@
           <p:cNvPr id="8" name="Espace réservé du pied de page 7">
             <a:extLst>
               <a:ext uri="{FF2B5EF4-FFF2-40B4-BE49-F238E27FC236}">
-                <a16:creationId xmlns:a16="http://schemas.microsoft.com/office/drawing/2014/main" xmlns="" id="{F9457300-7CAD-4BB3-97AD-45217EB38FD9}"/>
+                <a16:creationId xmlns="" xmlns:a16="http://schemas.microsoft.com/office/drawing/2014/main" id="{F9457300-7CAD-4BB3-97AD-45217EB38FD9}"/>
               </a:ext>
             </a:extLst>
           </p:cNvPr>
@@ -9690,7 +7838,7 @@
           <p:cNvPr id="9" name="Espace réservé du numéro de diapositive 8">
             <a:extLst>
               <a:ext uri="{FF2B5EF4-FFF2-40B4-BE49-F238E27FC236}">
-                <a16:creationId xmlns:a16="http://schemas.microsoft.com/office/drawing/2014/main" xmlns="" id="{7DCC4D10-E12C-43C0-92F2-52AD7E4EF9DC}"/>
+                <a16:creationId xmlns="" xmlns:a16="http://schemas.microsoft.com/office/drawing/2014/main" id="{7DCC4D10-E12C-43C0-92F2-52AD7E4EF9DC}"/>
               </a:ext>
             </a:extLst>
           </p:cNvPr>
@@ -9749,7 +7897,7 @@
           <p:cNvPr id="2" name="Titre 1">
             <a:extLst>
               <a:ext uri="{FF2B5EF4-FFF2-40B4-BE49-F238E27FC236}">
-                <a16:creationId xmlns:a16="http://schemas.microsoft.com/office/drawing/2014/main" xmlns="" id="{1B470F92-8F09-48F4-A643-FB56A6878B58}"/>
+                <a16:creationId xmlns="" xmlns:a16="http://schemas.microsoft.com/office/drawing/2014/main" id="{1B470F92-8F09-48F4-A643-FB56A6878B58}"/>
               </a:ext>
             </a:extLst>
           </p:cNvPr>
@@ -9777,7 +7925,7 @@
           <p:cNvPr id="3" name="Espace réservé de la date 2">
             <a:extLst>
               <a:ext uri="{FF2B5EF4-FFF2-40B4-BE49-F238E27FC236}">
-                <a16:creationId xmlns:a16="http://schemas.microsoft.com/office/drawing/2014/main" xmlns="" id="{F3F94C3B-45CA-4573-ADBF-6D664A9F0F09}"/>
+                <a16:creationId xmlns="" xmlns:a16="http://schemas.microsoft.com/office/drawing/2014/main" id="{F3F94C3B-45CA-4573-ADBF-6D664A9F0F09}"/>
               </a:ext>
             </a:extLst>
           </p:cNvPr>
@@ -9806,7 +7954,7 @@
           <p:cNvPr id="4" name="Espace réservé du pied de page 3">
             <a:extLst>
               <a:ext uri="{FF2B5EF4-FFF2-40B4-BE49-F238E27FC236}">
-                <a16:creationId xmlns:a16="http://schemas.microsoft.com/office/drawing/2014/main" xmlns="" id="{3F3A9466-CE4D-485E-9459-A2415081D918}"/>
+                <a16:creationId xmlns="" xmlns:a16="http://schemas.microsoft.com/office/drawing/2014/main" id="{3F3A9466-CE4D-485E-9459-A2415081D918}"/>
               </a:ext>
             </a:extLst>
           </p:cNvPr>
@@ -9831,7 +7979,7 @@
           <p:cNvPr id="5" name="Espace réservé du numéro de diapositive 4">
             <a:extLst>
               <a:ext uri="{FF2B5EF4-FFF2-40B4-BE49-F238E27FC236}">
-                <a16:creationId xmlns:a16="http://schemas.microsoft.com/office/drawing/2014/main" xmlns="" id="{2A71A4CD-752B-4F44-98C5-477DB0B428FC}"/>
+                <a16:creationId xmlns="" xmlns:a16="http://schemas.microsoft.com/office/drawing/2014/main" id="{2A71A4CD-752B-4F44-98C5-477DB0B428FC}"/>
               </a:ext>
             </a:extLst>
           </p:cNvPr>
@@ -9890,7 +8038,7 @@
           <p:cNvPr id="2" name="Espace réservé de la date 1">
             <a:extLst>
               <a:ext uri="{FF2B5EF4-FFF2-40B4-BE49-F238E27FC236}">
-                <a16:creationId xmlns:a16="http://schemas.microsoft.com/office/drawing/2014/main" xmlns="" id="{4C2ECF8C-5CCC-47D0-873C-284EC474A195}"/>
+                <a16:creationId xmlns="" xmlns:a16="http://schemas.microsoft.com/office/drawing/2014/main" id="{4C2ECF8C-5CCC-47D0-873C-284EC474A195}"/>
               </a:ext>
             </a:extLst>
           </p:cNvPr>
@@ -9919,7 +8067,7 @@
           <p:cNvPr id="3" name="Espace réservé du pied de page 2">
             <a:extLst>
               <a:ext uri="{FF2B5EF4-FFF2-40B4-BE49-F238E27FC236}">
-                <a16:creationId xmlns:a16="http://schemas.microsoft.com/office/drawing/2014/main" xmlns="" id="{31AB9437-EC48-4E90-BFCF-84322F3C3EEC}"/>
+                <a16:creationId xmlns="" xmlns:a16="http://schemas.microsoft.com/office/drawing/2014/main" id="{31AB9437-EC48-4E90-BFCF-84322F3C3EEC}"/>
               </a:ext>
             </a:extLst>
           </p:cNvPr>
@@ -9944,7 +8092,7 @@
           <p:cNvPr id="4" name="Espace réservé du numéro de diapositive 3">
             <a:extLst>
               <a:ext uri="{FF2B5EF4-FFF2-40B4-BE49-F238E27FC236}">
-                <a16:creationId xmlns:a16="http://schemas.microsoft.com/office/drawing/2014/main" xmlns="" id="{A442CD28-E51C-4FDA-80AF-7B0115BC8E9A}"/>
+                <a16:creationId xmlns="" xmlns:a16="http://schemas.microsoft.com/office/drawing/2014/main" id="{A442CD28-E51C-4FDA-80AF-7B0115BC8E9A}"/>
               </a:ext>
             </a:extLst>
           </p:cNvPr>
@@ -10003,7 +8151,7 @@
           <p:cNvPr id="2" name="Titre 1">
             <a:extLst>
               <a:ext uri="{FF2B5EF4-FFF2-40B4-BE49-F238E27FC236}">
-                <a16:creationId xmlns:a16="http://schemas.microsoft.com/office/drawing/2014/main" xmlns="" id="{480A53D3-533B-4402-BE19-07569339BD95}"/>
+                <a16:creationId xmlns="" xmlns:a16="http://schemas.microsoft.com/office/drawing/2014/main" id="{480A53D3-533B-4402-BE19-07569339BD95}"/>
               </a:ext>
             </a:extLst>
           </p:cNvPr>
@@ -10040,7 +8188,7 @@
           <p:cNvPr id="3" name="Espace réservé du contenu 2">
             <a:extLst>
               <a:ext uri="{FF2B5EF4-FFF2-40B4-BE49-F238E27FC236}">
-                <a16:creationId xmlns:a16="http://schemas.microsoft.com/office/drawing/2014/main" xmlns="" id="{C3A0CD09-8283-4DF9-B812-61F223714BBF}"/>
+                <a16:creationId xmlns="" xmlns:a16="http://schemas.microsoft.com/office/drawing/2014/main" id="{C3A0CD09-8283-4DF9-B812-61F223714BBF}"/>
               </a:ext>
             </a:extLst>
           </p:cNvPr>
@@ -10130,7 +8278,7 @@
           <p:cNvPr id="4" name="Espace réservé du texte 3">
             <a:extLst>
               <a:ext uri="{FF2B5EF4-FFF2-40B4-BE49-F238E27FC236}">
-                <a16:creationId xmlns:a16="http://schemas.microsoft.com/office/drawing/2014/main" xmlns="" id="{AB49CFE1-F5DA-4640-8DDC-8A9F9B56C3BD}"/>
+                <a16:creationId xmlns="" xmlns:a16="http://schemas.microsoft.com/office/drawing/2014/main" id="{AB49CFE1-F5DA-4640-8DDC-8A9F9B56C3BD}"/>
               </a:ext>
             </a:extLst>
           </p:cNvPr>
@@ -10201,7 +8349,7 @@
           <p:cNvPr id="5" name="Espace réservé de la date 4">
             <a:extLst>
               <a:ext uri="{FF2B5EF4-FFF2-40B4-BE49-F238E27FC236}">
-                <a16:creationId xmlns:a16="http://schemas.microsoft.com/office/drawing/2014/main" xmlns="" id="{EE1570F4-6755-4E5D-A22E-287DF9106862}"/>
+                <a16:creationId xmlns="" xmlns:a16="http://schemas.microsoft.com/office/drawing/2014/main" id="{EE1570F4-6755-4E5D-A22E-287DF9106862}"/>
               </a:ext>
             </a:extLst>
           </p:cNvPr>
@@ -10230,7 +8378,7 @@
           <p:cNvPr id="6" name="Espace réservé du pied de page 5">
             <a:extLst>
               <a:ext uri="{FF2B5EF4-FFF2-40B4-BE49-F238E27FC236}">
-                <a16:creationId xmlns:a16="http://schemas.microsoft.com/office/drawing/2014/main" xmlns="" id="{48D78DED-27E9-4923-89E4-1ADA3C2B027A}"/>
+                <a16:creationId xmlns="" xmlns:a16="http://schemas.microsoft.com/office/drawing/2014/main" id="{48D78DED-27E9-4923-89E4-1ADA3C2B027A}"/>
               </a:ext>
             </a:extLst>
           </p:cNvPr>
@@ -10255,7 +8403,7 @@
           <p:cNvPr id="7" name="Espace réservé du numéro de diapositive 6">
             <a:extLst>
               <a:ext uri="{FF2B5EF4-FFF2-40B4-BE49-F238E27FC236}">
-                <a16:creationId xmlns:a16="http://schemas.microsoft.com/office/drawing/2014/main" xmlns="" id="{6ECCF9D1-69E1-48F9-AC7A-B72397026A0E}"/>
+                <a16:creationId xmlns="" xmlns:a16="http://schemas.microsoft.com/office/drawing/2014/main" id="{6ECCF9D1-69E1-48F9-AC7A-B72397026A0E}"/>
               </a:ext>
             </a:extLst>
           </p:cNvPr>
@@ -10314,7 +8462,7 @@
           <p:cNvPr id="2" name="Titre 1">
             <a:extLst>
               <a:ext uri="{FF2B5EF4-FFF2-40B4-BE49-F238E27FC236}">
-                <a16:creationId xmlns:a16="http://schemas.microsoft.com/office/drawing/2014/main" xmlns="" id="{F9B7FF1C-6C97-4E9A-8785-F29D7D969732}"/>
+                <a16:creationId xmlns="" xmlns:a16="http://schemas.microsoft.com/office/drawing/2014/main" id="{F9B7FF1C-6C97-4E9A-8785-F29D7D969732}"/>
               </a:ext>
             </a:extLst>
           </p:cNvPr>
@@ -10351,7 +8499,7 @@
           <p:cNvPr id="3" name="Espace réservé pour une image  2">
             <a:extLst>
               <a:ext uri="{FF2B5EF4-FFF2-40B4-BE49-F238E27FC236}">
-                <a16:creationId xmlns:a16="http://schemas.microsoft.com/office/drawing/2014/main" xmlns="" id="{77B138A2-40FD-45FC-87B5-5FE9F607BA7B}"/>
+                <a16:creationId xmlns="" xmlns:a16="http://schemas.microsoft.com/office/drawing/2014/main" id="{77B138A2-40FD-45FC-87B5-5FE9F607BA7B}"/>
               </a:ext>
             </a:extLst>
           </p:cNvPr>
@@ -10418,7 +8566,7 @@
           <p:cNvPr id="4" name="Espace réservé du texte 3">
             <a:extLst>
               <a:ext uri="{FF2B5EF4-FFF2-40B4-BE49-F238E27FC236}">
-                <a16:creationId xmlns:a16="http://schemas.microsoft.com/office/drawing/2014/main" xmlns="" id="{DBB3B8C6-364F-4C7C-AA00-DF2A1685B1D4}"/>
+                <a16:creationId xmlns="" xmlns:a16="http://schemas.microsoft.com/office/drawing/2014/main" id="{DBB3B8C6-364F-4C7C-AA00-DF2A1685B1D4}"/>
               </a:ext>
             </a:extLst>
           </p:cNvPr>
@@ -10489,7 +8637,7 @@
           <p:cNvPr id="5" name="Espace réservé de la date 4">
             <a:extLst>
               <a:ext uri="{FF2B5EF4-FFF2-40B4-BE49-F238E27FC236}">
-                <a16:creationId xmlns:a16="http://schemas.microsoft.com/office/drawing/2014/main" xmlns="" id="{52E57F3E-8715-4836-8EE2-97B35F3583EE}"/>
+                <a16:creationId xmlns="" xmlns:a16="http://schemas.microsoft.com/office/drawing/2014/main" id="{52E57F3E-8715-4836-8EE2-97B35F3583EE}"/>
               </a:ext>
             </a:extLst>
           </p:cNvPr>
@@ -10518,7 +8666,7 @@
           <p:cNvPr id="6" name="Espace réservé du pied de page 5">
             <a:extLst>
               <a:ext uri="{FF2B5EF4-FFF2-40B4-BE49-F238E27FC236}">
-                <a16:creationId xmlns:a16="http://schemas.microsoft.com/office/drawing/2014/main" xmlns="" id="{EA8C83C4-5576-4693-8B10-C460D3224A82}"/>
+                <a16:creationId xmlns="" xmlns:a16="http://schemas.microsoft.com/office/drawing/2014/main" id="{EA8C83C4-5576-4693-8B10-C460D3224A82}"/>
               </a:ext>
             </a:extLst>
           </p:cNvPr>
@@ -10543,7 +8691,7 @@
           <p:cNvPr id="7" name="Espace réservé du numéro de diapositive 6">
             <a:extLst>
               <a:ext uri="{FF2B5EF4-FFF2-40B4-BE49-F238E27FC236}">
-                <a16:creationId xmlns:a16="http://schemas.microsoft.com/office/drawing/2014/main" xmlns="" id="{33640FBE-8305-48C4-B793-1CA5ECC36235}"/>
+                <a16:creationId xmlns="" xmlns:a16="http://schemas.microsoft.com/office/drawing/2014/main" id="{33640FBE-8305-48C4-B793-1CA5ECC36235}"/>
               </a:ext>
             </a:extLst>
           </p:cNvPr>
@@ -10607,7 +8755,7 @@
           <p:cNvPr id="2" name="Espace réservé du titre 1">
             <a:extLst>
               <a:ext uri="{FF2B5EF4-FFF2-40B4-BE49-F238E27FC236}">
-                <a16:creationId xmlns:a16="http://schemas.microsoft.com/office/drawing/2014/main" xmlns="" id="{9012FD45-130F-4A6D-95D9-53A0260EA408}"/>
+                <a16:creationId xmlns="" xmlns:a16="http://schemas.microsoft.com/office/drawing/2014/main" id="{9012FD45-130F-4A6D-95D9-53A0260EA408}"/>
               </a:ext>
             </a:extLst>
           </p:cNvPr>
@@ -10645,7 +8793,7 @@
           <p:cNvPr id="3" name="Espace réservé du texte 2">
             <a:extLst>
               <a:ext uri="{FF2B5EF4-FFF2-40B4-BE49-F238E27FC236}">
-                <a16:creationId xmlns:a16="http://schemas.microsoft.com/office/drawing/2014/main" xmlns="" id="{49EF4B30-862A-400A-B9AD-A62291CFC2BD}"/>
+                <a16:creationId xmlns="" xmlns:a16="http://schemas.microsoft.com/office/drawing/2014/main" id="{49EF4B30-862A-400A-B9AD-A62291CFC2BD}"/>
               </a:ext>
             </a:extLst>
           </p:cNvPr>
@@ -10712,7 +8860,7 @@
           <p:cNvPr id="4" name="Espace réservé de la date 3">
             <a:extLst>
               <a:ext uri="{FF2B5EF4-FFF2-40B4-BE49-F238E27FC236}">
-                <a16:creationId xmlns:a16="http://schemas.microsoft.com/office/drawing/2014/main" xmlns="" id="{33DE1D2F-58CB-482F-B7F3-79E7379271D8}"/>
+                <a16:creationId xmlns="" xmlns:a16="http://schemas.microsoft.com/office/drawing/2014/main" id="{33DE1D2F-58CB-482F-B7F3-79E7379271D8}"/>
               </a:ext>
             </a:extLst>
           </p:cNvPr>
@@ -10759,7 +8907,7 @@
           <p:cNvPr id="5" name="Espace réservé du pied de page 4">
             <a:extLst>
               <a:ext uri="{FF2B5EF4-FFF2-40B4-BE49-F238E27FC236}">
-                <a16:creationId xmlns:a16="http://schemas.microsoft.com/office/drawing/2014/main" xmlns="" id="{EB59F106-943E-41EF-B8DD-0464A66EED85}"/>
+                <a16:creationId xmlns="" xmlns:a16="http://schemas.microsoft.com/office/drawing/2014/main" id="{EB59F106-943E-41EF-B8DD-0464A66EED85}"/>
               </a:ext>
             </a:extLst>
           </p:cNvPr>
@@ -10802,7 +8950,7 @@
           <p:cNvPr id="6" name="Espace réservé du numéro de diapositive 5">
             <a:extLst>
               <a:ext uri="{FF2B5EF4-FFF2-40B4-BE49-F238E27FC236}">
-                <a16:creationId xmlns:a16="http://schemas.microsoft.com/office/drawing/2014/main" xmlns="" id="{05B4C375-E346-4CAA-8FE9-9AB4A5F44DC2}"/>
+                <a16:creationId xmlns="" xmlns:a16="http://schemas.microsoft.com/office/drawing/2014/main" id="{05B4C375-E346-4CAA-8FE9-9AB4A5F44DC2}"/>
               </a:ext>
             </a:extLst>
           </p:cNvPr>
@@ -11184,7 +9332,7 @@
           <p:cNvPr id="4" name="ZoneTexte 3">
             <a:extLst>
               <a:ext uri="{FF2B5EF4-FFF2-40B4-BE49-F238E27FC236}">
-                <a16:creationId xmlns:a16="http://schemas.microsoft.com/office/drawing/2014/main" xmlns="" id="{11CB7687-B471-4549-A848-8326224DD138}"/>
+                <a16:creationId xmlns="" xmlns:a16="http://schemas.microsoft.com/office/drawing/2014/main" id="{11CB7687-B471-4549-A848-8326224DD138}"/>
               </a:ext>
             </a:extLst>
           </p:cNvPr>
@@ -11229,7 +9377,7 @@
           <p:cNvPr id="15" name="Espace réservé du numéro de diapositive 14">
             <a:extLst>
               <a:ext uri="{FF2B5EF4-FFF2-40B4-BE49-F238E27FC236}">
-                <a16:creationId xmlns:a16="http://schemas.microsoft.com/office/drawing/2014/main" xmlns="" id="{CDE5A07D-D0AC-40C1-A4B2-6554F2C6C2A8}"/>
+                <a16:creationId xmlns="" xmlns:a16="http://schemas.microsoft.com/office/drawing/2014/main" id="{CDE5A07D-D0AC-40C1-A4B2-6554F2C6C2A8}"/>
               </a:ext>
             </a:extLst>
           </p:cNvPr>
@@ -11258,7 +9406,7 @@
           <p:cNvPr id="13" name="Picture 6" descr="https://lh4.googleusercontent.com/tDwfaWIODJwkVzC04hR4wphZ_bXVMzxILbAN9Qbng8EwIAbWv-Or6b11Jyv2qqyH2fMlHzvMDEqmubu33Vw1qj5t-PauwGvmDfLxtND69gtRglVB3TUtZhO0V3XG9FqWCcJLVMSl2JA">
             <a:extLst>
               <a:ext uri="{FF2B5EF4-FFF2-40B4-BE49-F238E27FC236}">
-                <a16:creationId xmlns:a16="http://schemas.microsoft.com/office/drawing/2014/main" xmlns="" id="{8E4C707E-0CDF-4F28-ACCD-1ADCB9155F03}"/>
+                <a16:creationId xmlns="" xmlns:a16="http://schemas.microsoft.com/office/drawing/2014/main" id="{8E4C707E-0CDF-4F28-ACCD-1ADCB9155F03}"/>
               </a:ext>
             </a:extLst>
           </p:cNvPr>
@@ -11312,7 +9460,7 @@
           <p:cNvPr id="7" name="ZoneTexte 6">
             <a:extLst>
               <a:ext uri="{FF2B5EF4-FFF2-40B4-BE49-F238E27FC236}">
-                <a16:creationId xmlns:a16="http://schemas.microsoft.com/office/drawing/2014/main" xmlns="" id="{2C8E76D1-3A8D-4D71-9701-519B1133BAF2}"/>
+                <a16:creationId xmlns="" xmlns:a16="http://schemas.microsoft.com/office/drawing/2014/main" id="{2C8E76D1-3A8D-4D71-9701-519B1133BAF2}"/>
               </a:ext>
             </a:extLst>
           </p:cNvPr>
@@ -11404,7 +9552,7 @@
           <p:cNvPr id="4" name="ZoneTexte 3">
             <a:extLst>
               <a:ext uri="{FF2B5EF4-FFF2-40B4-BE49-F238E27FC236}">
-                <a16:creationId xmlns:a16="http://schemas.microsoft.com/office/drawing/2014/main" xmlns="" id="{11CB7687-B471-4549-A848-8326224DD138}"/>
+                <a16:creationId xmlns="" xmlns:a16="http://schemas.microsoft.com/office/drawing/2014/main" id="{11CB7687-B471-4549-A848-8326224DD138}"/>
               </a:ext>
             </a:extLst>
           </p:cNvPr>
@@ -11449,7 +9597,7 @@
           <p:cNvPr id="9" name="ZoneTexte 8">
             <a:extLst>
               <a:ext uri="{FF2B5EF4-FFF2-40B4-BE49-F238E27FC236}">
-                <a16:creationId xmlns:a16="http://schemas.microsoft.com/office/drawing/2014/main" xmlns="" id="{86FA704E-1B92-4AAF-B5EC-8BF8A05E9824}"/>
+                <a16:creationId xmlns="" xmlns:a16="http://schemas.microsoft.com/office/drawing/2014/main" id="{86FA704E-1B92-4AAF-B5EC-8BF8A05E9824}"/>
               </a:ext>
             </a:extLst>
           </p:cNvPr>
@@ -11500,7 +9648,7 @@
           <p:cNvPr id="15" name="Espace réservé du numéro de diapositive 14">
             <a:extLst>
               <a:ext uri="{FF2B5EF4-FFF2-40B4-BE49-F238E27FC236}">
-                <a16:creationId xmlns:a16="http://schemas.microsoft.com/office/drawing/2014/main" xmlns="" id="{CDE5A07D-D0AC-40C1-A4B2-6554F2C6C2A8}"/>
+                <a16:creationId xmlns="" xmlns:a16="http://schemas.microsoft.com/office/drawing/2014/main" id="{CDE5A07D-D0AC-40C1-A4B2-6554F2C6C2A8}"/>
               </a:ext>
             </a:extLst>
           </p:cNvPr>
@@ -11529,7 +9677,7 @@
           <p:cNvPr id="13" name="Picture 6" descr="https://lh4.googleusercontent.com/tDwfaWIODJwkVzC04hR4wphZ_bXVMzxILbAN9Qbng8EwIAbWv-Or6b11Jyv2qqyH2fMlHzvMDEqmubu33Vw1qj5t-PauwGvmDfLxtND69gtRglVB3TUtZhO0V3XG9FqWCcJLVMSl2JA">
             <a:extLst>
               <a:ext uri="{FF2B5EF4-FFF2-40B4-BE49-F238E27FC236}">
-                <a16:creationId xmlns:a16="http://schemas.microsoft.com/office/drawing/2014/main" xmlns="" id="{8E4C707E-0CDF-4F28-ACCD-1ADCB9155F03}"/>
+                <a16:creationId xmlns="" xmlns:a16="http://schemas.microsoft.com/office/drawing/2014/main" id="{8E4C707E-0CDF-4F28-ACCD-1ADCB9155F03}"/>
               </a:ext>
             </a:extLst>
           </p:cNvPr>
@@ -11583,7 +9731,7 @@
           <p:cNvPr id="3" name="Image 2" descr="Une image contenant capture d’écran&#10;&#10;Description générée automatiquement">
             <a:extLst>
               <a:ext uri="{FF2B5EF4-FFF2-40B4-BE49-F238E27FC236}">
-                <a16:creationId xmlns:a16="http://schemas.microsoft.com/office/drawing/2014/main" xmlns="" id="{31D58DD7-CC59-4D16-A808-4FD4FE838A55}"/>
+                <a16:creationId xmlns="" xmlns:a16="http://schemas.microsoft.com/office/drawing/2014/main" id="{31D58DD7-CC59-4D16-A808-4FD4FE838A55}"/>
               </a:ext>
             </a:extLst>
           </p:cNvPr>
@@ -11626,7 +9774,7 @@
           <p:cNvPr id="10" name="Rectangle 9">
             <a:extLst>
               <a:ext uri="{FF2B5EF4-FFF2-40B4-BE49-F238E27FC236}">
-                <a16:creationId xmlns:a16="http://schemas.microsoft.com/office/drawing/2014/main" xmlns="" id="{BA9951E2-0AF0-4F0F-81F8-3E924998399E}"/>
+                <a16:creationId xmlns="" xmlns:a16="http://schemas.microsoft.com/office/drawing/2014/main" id="{BA9951E2-0AF0-4F0F-81F8-3E924998399E}"/>
               </a:ext>
             </a:extLst>
           </p:cNvPr>
@@ -11713,7 +9861,7 @@
           <p:cNvPr id="4" name="ZoneTexte 3">
             <a:extLst>
               <a:ext uri="{FF2B5EF4-FFF2-40B4-BE49-F238E27FC236}">
-                <a16:creationId xmlns:a16="http://schemas.microsoft.com/office/drawing/2014/main" xmlns="" id="{11CB7687-B471-4549-A848-8326224DD138}"/>
+                <a16:creationId xmlns="" xmlns:a16="http://schemas.microsoft.com/office/drawing/2014/main" id="{11CB7687-B471-4549-A848-8326224DD138}"/>
               </a:ext>
             </a:extLst>
           </p:cNvPr>
@@ -11758,7 +9906,7 @@
           <p:cNvPr id="9" name="ZoneTexte 8">
             <a:extLst>
               <a:ext uri="{FF2B5EF4-FFF2-40B4-BE49-F238E27FC236}">
-                <a16:creationId xmlns:a16="http://schemas.microsoft.com/office/drawing/2014/main" xmlns="" id="{86FA704E-1B92-4AAF-B5EC-8BF8A05E9824}"/>
+                <a16:creationId xmlns="" xmlns:a16="http://schemas.microsoft.com/office/drawing/2014/main" id="{86FA704E-1B92-4AAF-B5EC-8BF8A05E9824}"/>
               </a:ext>
             </a:extLst>
           </p:cNvPr>
@@ -11809,7 +9957,7 @@
           <p:cNvPr id="15" name="Espace réservé du numéro de diapositive 14">
             <a:extLst>
               <a:ext uri="{FF2B5EF4-FFF2-40B4-BE49-F238E27FC236}">
-                <a16:creationId xmlns:a16="http://schemas.microsoft.com/office/drawing/2014/main" xmlns="" id="{CDE5A07D-D0AC-40C1-A4B2-6554F2C6C2A8}"/>
+                <a16:creationId xmlns="" xmlns:a16="http://schemas.microsoft.com/office/drawing/2014/main" id="{CDE5A07D-D0AC-40C1-A4B2-6554F2C6C2A8}"/>
               </a:ext>
             </a:extLst>
           </p:cNvPr>
@@ -11838,7 +9986,7 @@
           <p:cNvPr id="13" name="Picture 6" descr="https://lh4.googleusercontent.com/tDwfaWIODJwkVzC04hR4wphZ_bXVMzxILbAN9Qbng8EwIAbWv-Or6b11Jyv2qqyH2fMlHzvMDEqmubu33Vw1qj5t-PauwGvmDfLxtND69gtRglVB3TUtZhO0V3XG9FqWCcJLVMSl2JA">
             <a:extLst>
               <a:ext uri="{FF2B5EF4-FFF2-40B4-BE49-F238E27FC236}">
-                <a16:creationId xmlns:a16="http://schemas.microsoft.com/office/drawing/2014/main" xmlns="" id="{8E4C707E-0CDF-4F28-ACCD-1ADCB9155F03}"/>
+                <a16:creationId xmlns="" xmlns:a16="http://schemas.microsoft.com/office/drawing/2014/main" id="{8E4C707E-0CDF-4F28-ACCD-1ADCB9155F03}"/>
               </a:ext>
             </a:extLst>
           </p:cNvPr>
@@ -11936,7 +10084,7 @@
           <p:cNvPr id="4" name="ZoneTexte 3">
             <a:extLst>
               <a:ext uri="{FF2B5EF4-FFF2-40B4-BE49-F238E27FC236}">
-                <a16:creationId xmlns:a16="http://schemas.microsoft.com/office/drawing/2014/main" xmlns="" id="{11CB7687-B471-4549-A848-8326224DD138}"/>
+                <a16:creationId xmlns="" xmlns:a16="http://schemas.microsoft.com/office/drawing/2014/main" id="{11CB7687-B471-4549-A848-8326224DD138}"/>
               </a:ext>
             </a:extLst>
           </p:cNvPr>
@@ -11981,7 +10129,7 @@
           <p:cNvPr id="9" name="ZoneTexte 8">
             <a:extLst>
               <a:ext uri="{FF2B5EF4-FFF2-40B4-BE49-F238E27FC236}">
-                <a16:creationId xmlns:a16="http://schemas.microsoft.com/office/drawing/2014/main" xmlns="" id="{86FA704E-1B92-4AAF-B5EC-8BF8A05E9824}"/>
+                <a16:creationId xmlns="" xmlns:a16="http://schemas.microsoft.com/office/drawing/2014/main" id="{86FA704E-1B92-4AAF-B5EC-8BF8A05E9824}"/>
               </a:ext>
             </a:extLst>
           </p:cNvPr>
@@ -12032,7 +10180,7 @@
           <p:cNvPr id="15" name="Espace réservé du numéro de diapositive 14">
             <a:extLst>
               <a:ext uri="{FF2B5EF4-FFF2-40B4-BE49-F238E27FC236}">
-                <a16:creationId xmlns:a16="http://schemas.microsoft.com/office/drawing/2014/main" xmlns="" id="{CDE5A07D-D0AC-40C1-A4B2-6554F2C6C2A8}"/>
+                <a16:creationId xmlns="" xmlns:a16="http://schemas.microsoft.com/office/drawing/2014/main" id="{CDE5A07D-D0AC-40C1-A4B2-6554F2C6C2A8}"/>
               </a:ext>
             </a:extLst>
           </p:cNvPr>
@@ -12061,7 +10209,7 @@
           <p:cNvPr id="13" name="Picture 6" descr="https://lh4.googleusercontent.com/tDwfaWIODJwkVzC04hR4wphZ_bXVMzxILbAN9Qbng8EwIAbWv-Or6b11Jyv2qqyH2fMlHzvMDEqmubu33Vw1qj5t-PauwGvmDfLxtND69gtRglVB3TUtZhO0V3XG9FqWCcJLVMSl2JA">
             <a:extLst>
               <a:ext uri="{FF2B5EF4-FFF2-40B4-BE49-F238E27FC236}">
-                <a16:creationId xmlns:a16="http://schemas.microsoft.com/office/drawing/2014/main" xmlns="" id="{8E4C707E-0CDF-4F28-ACCD-1ADCB9155F03}"/>
+                <a16:creationId xmlns="" xmlns:a16="http://schemas.microsoft.com/office/drawing/2014/main" id="{8E4C707E-0CDF-4F28-ACCD-1ADCB9155F03}"/>
               </a:ext>
             </a:extLst>
           </p:cNvPr>
@@ -12115,7 +10263,7 @@
           <p:cNvPr id="2" name="Imagen 1">
             <a:extLst>
               <a:ext uri="{FF2B5EF4-FFF2-40B4-BE49-F238E27FC236}">
-                <a16:creationId xmlns:a16="http://schemas.microsoft.com/office/drawing/2014/main" xmlns="" id="{3375265B-DAB0-493B-86A0-D748D02E3CEE}"/>
+                <a16:creationId xmlns="" xmlns:a16="http://schemas.microsoft.com/office/drawing/2014/main" id="{3375265B-DAB0-493B-86A0-D748D02E3CEE}"/>
               </a:ext>
             </a:extLst>
           </p:cNvPr>
@@ -12145,7 +10293,7 @@
           <p:cNvPr id="5" name="Rectángulo 4">
             <a:extLst>
               <a:ext uri="{FF2B5EF4-FFF2-40B4-BE49-F238E27FC236}">
-                <a16:creationId xmlns:a16="http://schemas.microsoft.com/office/drawing/2014/main" xmlns="" id="{FC579CA8-3B5F-4944-92A6-C0645DF7D538}"/>
+                <a16:creationId xmlns="" xmlns:a16="http://schemas.microsoft.com/office/drawing/2014/main" id="{FC579CA8-3B5F-4944-92A6-C0645DF7D538}"/>
               </a:ext>
             </a:extLst>
           </p:cNvPr>
@@ -12194,7 +10342,7 @@
           <p:cNvPr id="6" name="Rectángulo 5">
             <a:extLst>
               <a:ext uri="{FF2B5EF4-FFF2-40B4-BE49-F238E27FC236}">
-                <a16:creationId xmlns:a16="http://schemas.microsoft.com/office/drawing/2014/main" xmlns="" id="{68C70355-AA2B-41A0-BC77-C2C70DE3F824}"/>
+                <a16:creationId xmlns="" xmlns:a16="http://schemas.microsoft.com/office/drawing/2014/main" id="{68C70355-AA2B-41A0-BC77-C2C70DE3F824}"/>
               </a:ext>
             </a:extLst>
           </p:cNvPr>
@@ -12354,7 +10502,7 @@
           <p:cNvPr id="7" name="Rectángulo 6">
             <a:extLst>
               <a:ext uri="{FF2B5EF4-FFF2-40B4-BE49-F238E27FC236}">
-                <a16:creationId xmlns:a16="http://schemas.microsoft.com/office/drawing/2014/main" xmlns="" id="{BA98C805-F0CA-4D39-A572-8971C3AC62EF}"/>
+                <a16:creationId xmlns="" xmlns:a16="http://schemas.microsoft.com/office/drawing/2014/main" id="{BA98C805-F0CA-4D39-A572-8971C3AC62EF}"/>
               </a:ext>
             </a:extLst>
           </p:cNvPr>
@@ -12507,7 +10655,7 @@
           <p:cNvPr id="4" name="ZoneTexte 3">
             <a:extLst>
               <a:ext uri="{FF2B5EF4-FFF2-40B4-BE49-F238E27FC236}">
-                <a16:creationId xmlns:a16="http://schemas.microsoft.com/office/drawing/2014/main" xmlns="" id="{11CB7687-B471-4549-A848-8326224DD138}"/>
+                <a16:creationId xmlns="" xmlns:a16="http://schemas.microsoft.com/office/drawing/2014/main" id="{11CB7687-B471-4549-A848-8326224DD138}"/>
               </a:ext>
             </a:extLst>
           </p:cNvPr>
@@ -12552,7 +10700,7 @@
           <p:cNvPr id="9" name="ZoneTexte 8">
             <a:extLst>
               <a:ext uri="{FF2B5EF4-FFF2-40B4-BE49-F238E27FC236}">
-                <a16:creationId xmlns:a16="http://schemas.microsoft.com/office/drawing/2014/main" xmlns="" id="{86FA704E-1B92-4AAF-B5EC-8BF8A05E9824}"/>
+                <a16:creationId xmlns="" xmlns:a16="http://schemas.microsoft.com/office/drawing/2014/main" id="{86FA704E-1B92-4AAF-B5EC-8BF8A05E9824}"/>
               </a:ext>
             </a:extLst>
           </p:cNvPr>
@@ -12603,7 +10751,7 @@
           <p:cNvPr id="15" name="Espace réservé du numéro de diapositive 14">
             <a:extLst>
               <a:ext uri="{FF2B5EF4-FFF2-40B4-BE49-F238E27FC236}">
-                <a16:creationId xmlns:a16="http://schemas.microsoft.com/office/drawing/2014/main" xmlns="" id="{CDE5A07D-D0AC-40C1-A4B2-6554F2C6C2A8}"/>
+                <a16:creationId xmlns="" xmlns:a16="http://schemas.microsoft.com/office/drawing/2014/main" id="{CDE5A07D-D0AC-40C1-A4B2-6554F2C6C2A8}"/>
               </a:ext>
             </a:extLst>
           </p:cNvPr>
@@ -12632,7 +10780,7 @@
           <p:cNvPr id="13" name="Picture 6" descr="https://lh4.googleusercontent.com/tDwfaWIODJwkVzC04hR4wphZ_bXVMzxILbAN9Qbng8EwIAbWv-Or6b11Jyv2qqyH2fMlHzvMDEqmubu33Vw1qj5t-PauwGvmDfLxtND69gtRglVB3TUtZhO0V3XG9FqWCcJLVMSl2JA">
             <a:extLst>
               <a:ext uri="{FF2B5EF4-FFF2-40B4-BE49-F238E27FC236}">
-                <a16:creationId xmlns:a16="http://schemas.microsoft.com/office/drawing/2014/main" xmlns="" id="{8E4C707E-0CDF-4F28-ACCD-1ADCB9155F03}"/>
+                <a16:creationId xmlns="" xmlns:a16="http://schemas.microsoft.com/office/drawing/2014/main" id="{8E4C707E-0CDF-4F28-ACCD-1ADCB9155F03}"/>
               </a:ext>
             </a:extLst>
           </p:cNvPr>
@@ -12730,7 +10878,7 @@
           <p:cNvPr id="4" name="ZoneTexte 3">
             <a:extLst>
               <a:ext uri="{FF2B5EF4-FFF2-40B4-BE49-F238E27FC236}">
-                <a16:creationId xmlns:a16="http://schemas.microsoft.com/office/drawing/2014/main" xmlns="" id="{11CB7687-B471-4549-A848-8326224DD138}"/>
+                <a16:creationId xmlns="" xmlns:a16="http://schemas.microsoft.com/office/drawing/2014/main" id="{11CB7687-B471-4549-A848-8326224DD138}"/>
               </a:ext>
             </a:extLst>
           </p:cNvPr>
@@ -12775,7 +10923,7 @@
           <p:cNvPr id="9" name="ZoneTexte 8">
             <a:extLst>
               <a:ext uri="{FF2B5EF4-FFF2-40B4-BE49-F238E27FC236}">
-                <a16:creationId xmlns:a16="http://schemas.microsoft.com/office/drawing/2014/main" xmlns="" id="{86FA704E-1B92-4AAF-B5EC-8BF8A05E9824}"/>
+                <a16:creationId xmlns="" xmlns:a16="http://schemas.microsoft.com/office/drawing/2014/main" id="{86FA704E-1B92-4AAF-B5EC-8BF8A05E9824}"/>
               </a:ext>
             </a:extLst>
           </p:cNvPr>
@@ -12826,7 +10974,7 @@
           <p:cNvPr id="15" name="Espace réservé du numéro de diapositive 14">
             <a:extLst>
               <a:ext uri="{FF2B5EF4-FFF2-40B4-BE49-F238E27FC236}">
-                <a16:creationId xmlns:a16="http://schemas.microsoft.com/office/drawing/2014/main" xmlns="" id="{CDE5A07D-D0AC-40C1-A4B2-6554F2C6C2A8}"/>
+                <a16:creationId xmlns="" xmlns:a16="http://schemas.microsoft.com/office/drawing/2014/main" id="{CDE5A07D-D0AC-40C1-A4B2-6554F2C6C2A8}"/>
               </a:ext>
             </a:extLst>
           </p:cNvPr>
@@ -12855,7 +11003,7 @@
           <p:cNvPr id="13" name="Picture 6" descr="https://lh4.googleusercontent.com/tDwfaWIODJwkVzC04hR4wphZ_bXVMzxILbAN9Qbng8EwIAbWv-Or6b11Jyv2qqyH2fMlHzvMDEqmubu33Vw1qj5t-PauwGvmDfLxtND69gtRglVB3TUtZhO0V3XG9FqWCcJLVMSl2JA">
             <a:extLst>
               <a:ext uri="{FF2B5EF4-FFF2-40B4-BE49-F238E27FC236}">
-                <a16:creationId xmlns:a16="http://schemas.microsoft.com/office/drawing/2014/main" xmlns="" id="{8E4C707E-0CDF-4F28-ACCD-1ADCB9155F03}"/>
+                <a16:creationId xmlns="" xmlns:a16="http://schemas.microsoft.com/office/drawing/2014/main" id="{8E4C707E-0CDF-4F28-ACCD-1ADCB9155F03}"/>
               </a:ext>
             </a:extLst>
           </p:cNvPr>
@@ -12920,8 +11068,8 @@
         </p:blipFill>
         <p:spPr>
           <a:xfrm>
-            <a:off x="699516" y="1601254"/>
-            <a:ext cx="2908728" cy="2181546"/>
+            <a:off x="2548227" y="3684586"/>
+            <a:ext cx="2670540" cy="2002905"/>
           </a:xfrm>
           <a:prstGeom prst="rect">
             <a:avLst/>
@@ -12944,14 +11092,165 @@
         </p:blipFill>
         <p:spPr>
           <a:xfrm>
-            <a:off x="1474661" y="3959352"/>
-            <a:ext cx="2995804" cy="2326195"/>
+            <a:off x="456008" y="923330"/>
+            <a:ext cx="3427489" cy="2661392"/>
           </a:xfrm>
           <a:prstGeom prst="rect">
             <a:avLst/>
           </a:prstGeom>
         </p:spPr>
       </p:pic>
+      <p:sp>
+        <p:nvSpPr>
+          <p:cNvPr id="5" name="ZoneTexte 4"/>
+          <p:cNvSpPr txBox="1"/>
+          <p:nvPr/>
+        </p:nvSpPr>
+        <p:spPr>
+          <a:xfrm>
+            <a:off x="4974336" y="1621816"/>
+            <a:ext cx="6986016" cy="4247317"/>
+          </a:xfrm>
+          <a:prstGeom prst="rect">
+            <a:avLst/>
+          </a:prstGeom>
+          <a:noFill/>
+        </p:spPr>
+        <p:txBody>
+          <a:bodyPr wrap="square" rtlCol="0">
+            <a:spAutoFit/>
+          </a:bodyPr>
+          <a:lstStyle/>
+          <a:p>
+            <a:r>
+              <a:rPr lang="fr-FR" dirty="0" err="1" smtClean="0"/>
+              <a:t>Shield</a:t>
+            </a:r>
+            <a:r>
+              <a:rPr lang="fr-FR" dirty="0" smtClean="0"/>
+              <a:t>:</a:t>
+            </a:r>
+          </a:p>
+          <a:p>
+            <a:pPr marL="285750" indent="-285750">
+              <a:buFont typeface="Arial" panose="020B0604020202020204" pitchFamily="34" charset="0"/>
+              <a:buChar char="•"/>
+            </a:pPr>
+            <a:r>
+              <a:rPr lang="fr-FR" dirty="0" smtClean="0"/>
+              <a:t>Gère le changement de commande 12V &lt;-&gt; 5V</a:t>
+            </a:r>
+          </a:p>
+          <a:p>
+            <a:pPr marL="285750" indent="-285750">
+              <a:buFont typeface="Arial" panose="020B0604020202020204" pitchFamily="34" charset="0"/>
+              <a:buChar char="•"/>
+            </a:pPr>
+            <a:r>
+              <a:rPr lang="fr-FR" dirty="0" smtClean="0"/>
+              <a:t>Gère les entrées et sorties (Motoréducteur, Palette , CAN, batterie, DTA)</a:t>
+            </a:r>
+          </a:p>
+          <a:p>
+            <a:pPr marL="285750" indent="-285750">
+              <a:buFont typeface="Arial" panose="020B0604020202020204" pitchFamily="34" charset="0"/>
+              <a:buChar char="•"/>
+            </a:pPr>
+            <a:r>
+              <a:rPr lang="fr-FR" dirty="0" smtClean="0"/>
+              <a:t> S’ajoute à la carte </a:t>
+            </a:r>
+            <a:r>
+              <a:rPr lang="fr-FR" dirty="0" err="1" smtClean="0"/>
+              <a:t>Arduino</a:t>
+            </a:r>
+            <a:r>
+              <a:rPr lang="fr-FR" dirty="0" smtClean="0"/>
+              <a:t> qui gère la partie programme</a:t>
+            </a:r>
+          </a:p>
+          <a:p>
+            <a:endParaRPr lang="fr-FR" dirty="0"/>
+          </a:p>
+          <a:p>
+            <a:r>
+              <a:rPr lang="fr-FR" dirty="0" smtClean="0"/>
+              <a:t>Fonctions assurés:</a:t>
+            </a:r>
+          </a:p>
+          <a:p>
+            <a:pPr marL="285750" indent="-285750">
+              <a:buFont typeface="Arial" panose="020B0604020202020204" pitchFamily="34" charset="0"/>
+              <a:buChar char="•"/>
+            </a:pPr>
+            <a:r>
+              <a:rPr lang="fr-FR" dirty="0" smtClean="0"/>
+              <a:t>Commande du motoréducteur</a:t>
+            </a:r>
+          </a:p>
+          <a:p>
+            <a:pPr marL="285750" indent="-285750">
+              <a:buFont typeface="Arial" panose="020B0604020202020204" pitchFamily="34" charset="0"/>
+              <a:buChar char="•"/>
+            </a:pPr>
+            <a:r>
+              <a:rPr lang="fr-FR" dirty="0" smtClean="0"/>
+              <a:t>Traitement des erreurs </a:t>
+            </a:r>
+          </a:p>
+          <a:p>
+            <a:pPr marL="285750" indent="-285750">
+              <a:buFont typeface="Arial" panose="020B0604020202020204" pitchFamily="34" charset="0"/>
+              <a:buChar char="•"/>
+            </a:pPr>
+            <a:r>
+              <a:rPr lang="fr-FR" dirty="0" smtClean="0"/>
+              <a:t>Infos et ordres aux DTA</a:t>
+            </a:r>
+          </a:p>
+          <a:p>
+            <a:pPr marL="285750" indent="-285750">
+              <a:buFont typeface="Arial" panose="020B0604020202020204" pitchFamily="34" charset="0"/>
+              <a:buChar char="•"/>
+            </a:pPr>
+            <a:endParaRPr lang="fr-FR" dirty="0"/>
+          </a:p>
+          <a:p>
+            <a:r>
+              <a:rPr lang="fr-FR" dirty="0" smtClean="0"/>
+              <a:t>Problèmes identifiés pour </a:t>
+            </a:r>
+            <a:r>
+              <a:rPr lang="fr-FR" dirty="0" err="1" smtClean="0"/>
+              <a:t>Invictus</a:t>
+            </a:r>
+            <a:r>
+              <a:rPr lang="fr-FR" dirty="0" smtClean="0"/>
+              <a:t>:</a:t>
+            </a:r>
+          </a:p>
+          <a:p>
+            <a:pPr marL="285750" indent="-285750">
+              <a:buFont typeface="Arial" panose="020B0604020202020204" pitchFamily="34" charset="0"/>
+              <a:buChar char="•"/>
+            </a:pPr>
+            <a:r>
+              <a:rPr lang="fr-FR" dirty="0" smtClean="0"/>
+              <a:t>Blocage du motoréducteur nécessitant son reset</a:t>
+            </a:r>
+          </a:p>
+          <a:p>
+            <a:pPr marL="285750" indent="-285750">
+              <a:buFont typeface="Arial" panose="020B0604020202020204" pitchFamily="34" charset="0"/>
+              <a:buChar char="•"/>
+            </a:pPr>
+            <a:endParaRPr lang="fr-FR" dirty="0" smtClean="0"/>
+          </a:p>
+          <a:p>
+            <a:endParaRPr lang="fr-FR" dirty="0"/>
+          </a:p>
+        </p:txBody>
+      </p:sp>
     </p:spTree>
     <p:extLst>
       <p:ext uri="{BB962C8B-B14F-4D97-AF65-F5344CB8AC3E}">
@@ -13001,7 +11300,7 @@
           <p:cNvPr id="4" name="ZoneTexte 3">
             <a:extLst>
               <a:ext uri="{FF2B5EF4-FFF2-40B4-BE49-F238E27FC236}">
-                <a16:creationId xmlns:a16="http://schemas.microsoft.com/office/drawing/2014/main" xmlns="" id="{11CB7687-B471-4549-A848-8326224DD138}"/>
+                <a16:creationId xmlns="" xmlns:a16="http://schemas.microsoft.com/office/drawing/2014/main" id="{11CB7687-B471-4549-A848-8326224DD138}"/>
               </a:ext>
             </a:extLst>
           </p:cNvPr>
@@ -13046,7 +11345,7 @@
           <p:cNvPr id="9" name="ZoneTexte 8">
             <a:extLst>
               <a:ext uri="{FF2B5EF4-FFF2-40B4-BE49-F238E27FC236}">
-                <a16:creationId xmlns:a16="http://schemas.microsoft.com/office/drawing/2014/main" xmlns="" id="{86FA704E-1B92-4AAF-B5EC-8BF8A05E9824}"/>
+                <a16:creationId xmlns="" xmlns:a16="http://schemas.microsoft.com/office/drawing/2014/main" id="{86FA704E-1B92-4AAF-B5EC-8BF8A05E9824}"/>
               </a:ext>
             </a:extLst>
           </p:cNvPr>
@@ -13069,17 +11368,14 @@
           </a:bodyPr>
           <a:lstStyle/>
           <a:p>
-            <a:pPr marL="514350" indent="-514350" algn="ctr">
-              <a:buFont typeface="+mj-lt"/>
-              <a:buAutoNum type="romanUcPeriod" startAt="3"/>
-            </a:pPr>
+            <a:pPr algn="ctr"/>
             <a:r>
               <a:rPr lang="fr-FR" sz="2400" b="1" dirty="0"/>
               <a:t>Le projet </a:t>
             </a:r>
             <a:r>
-              <a:rPr lang="fr-FR" sz="2400" b="1" dirty="0" err="1"/>
-              <a:t>Optimus</a:t>
+              <a:rPr lang="fr-FR" sz="2400" b="1" dirty="0" err="1" smtClean="0"/>
+              <a:t>Invictus</a:t>
             </a:r>
             <a:endParaRPr lang="fr-FR" sz="2400" b="1" dirty="0"/>
           </a:p>
@@ -13087,7 +11383,7 @@
             <a:pPr algn="ctr"/>
             <a:r>
               <a:rPr lang="fr-FR" sz="2400" b="1" dirty="0"/>
-              <a:t>Acquisition de données</a:t>
+              <a:t>Passage de vitesse</a:t>
             </a:r>
           </a:p>
         </p:txBody>
@@ -13097,7 +11393,7 @@
           <p:cNvPr id="15" name="Espace réservé du numéro de diapositive 14">
             <a:extLst>
               <a:ext uri="{FF2B5EF4-FFF2-40B4-BE49-F238E27FC236}">
-                <a16:creationId xmlns:a16="http://schemas.microsoft.com/office/drawing/2014/main" xmlns="" id="{CDE5A07D-D0AC-40C1-A4B2-6554F2C6C2A8}"/>
+                <a16:creationId xmlns="" xmlns:a16="http://schemas.microsoft.com/office/drawing/2014/main" id="{CDE5A07D-D0AC-40C1-A4B2-6554F2C6C2A8}"/>
               </a:ext>
             </a:extLst>
           </p:cNvPr>
@@ -13126,7 +11422,7 @@
           <p:cNvPr id="13" name="Picture 6" descr="https://lh4.googleusercontent.com/tDwfaWIODJwkVzC04hR4wphZ_bXVMzxILbAN9Qbng8EwIAbWv-Or6b11Jyv2qqyH2fMlHzvMDEqmubu33Vw1qj5t-PauwGvmDfLxtND69gtRglVB3TUtZhO0V3XG9FqWCcJLVMSl2JA">
             <a:extLst>
               <a:ext uri="{FF2B5EF4-FFF2-40B4-BE49-F238E27FC236}">
-                <a16:creationId xmlns:a16="http://schemas.microsoft.com/office/drawing/2014/main" xmlns="" id="{8E4C707E-0CDF-4F28-ACCD-1ADCB9155F03}"/>
+                <a16:creationId xmlns="" xmlns:a16="http://schemas.microsoft.com/office/drawing/2014/main" id="{8E4C707E-0CDF-4F28-ACCD-1ADCB9155F03}"/>
               </a:ext>
             </a:extLst>
           </p:cNvPr>
@@ -13175,10 +11471,88 @@
           </a:extLst>
         </p:spPr>
       </p:pic>
+      <p:sp>
+        <p:nvSpPr>
+          <p:cNvPr id="10" name="ZoneTexte 9"/>
+          <p:cNvSpPr txBox="1"/>
+          <p:nvPr/>
+        </p:nvSpPr>
+        <p:spPr>
+          <a:xfrm>
+            <a:off x="201168" y="1601254"/>
+            <a:ext cx="8525667" cy="369332"/>
+          </a:xfrm>
+          <a:prstGeom prst="rect">
+            <a:avLst/>
+          </a:prstGeom>
+          <a:noFill/>
+        </p:spPr>
+        <p:txBody>
+          <a:bodyPr wrap="none" rtlCol="0">
+            <a:spAutoFit/>
+          </a:bodyPr>
+          <a:lstStyle/>
+          <a:p>
+            <a:r>
+              <a:rPr lang="fr-FR" dirty="0" smtClean="0"/>
+              <a:t>Recherche de nouvelles architectures possibles afin de résoudre les problèmes soulevés:</a:t>
+            </a:r>
+            <a:endParaRPr lang="fr-FR" dirty="0"/>
+          </a:p>
+        </p:txBody>
+      </p:sp>
+      <p:pic>
+        <p:nvPicPr>
+          <p:cNvPr id="11" name="Image 10"/>
+          <p:cNvPicPr>
+            <a:picLocks noChangeAspect="1"/>
+          </p:cNvPicPr>
+          <p:nvPr/>
+        </p:nvPicPr>
+        <p:blipFill>
+          <a:blip r:embed="rId4"/>
+          <a:stretch>
+            <a:fillRect/>
+          </a:stretch>
+        </p:blipFill>
+        <p:spPr>
+          <a:xfrm>
+            <a:off x="201168" y="1970586"/>
+            <a:ext cx="4157316" cy="3490179"/>
+          </a:xfrm>
+          <a:prstGeom prst="rect">
+            <a:avLst/>
+          </a:prstGeom>
+        </p:spPr>
+      </p:pic>
+      <p:pic>
+        <p:nvPicPr>
+          <p:cNvPr id="12" name="Image 11"/>
+          <p:cNvPicPr>
+            <a:picLocks noChangeAspect="1"/>
+          </p:cNvPicPr>
+          <p:nvPr/>
+        </p:nvPicPr>
+        <p:blipFill>
+          <a:blip r:embed="rId5"/>
+          <a:stretch>
+            <a:fillRect/>
+          </a:stretch>
+        </p:blipFill>
+        <p:spPr>
+          <a:xfrm>
+            <a:off x="4391796" y="2048256"/>
+            <a:ext cx="7751749" cy="4097464"/>
+          </a:xfrm>
+          <a:prstGeom prst="rect">
+            <a:avLst/>
+          </a:prstGeom>
+        </p:spPr>
+      </p:pic>
     </p:spTree>
     <p:extLst>
       <p:ext uri="{BB962C8B-B14F-4D97-AF65-F5344CB8AC3E}">
-        <p14:creationId xmlns:p14="http://schemas.microsoft.com/office/powerpoint/2010/main" val="1030023147"/>
+        <p14:creationId xmlns:p14="http://schemas.microsoft.com/office/powerpoint/2010/main" val="2308097244"/>
       </p:ext>
     </p:extLst>
   </p:cSld>
@@ -13224,7 +11598,7 @@
           <p:cNvPr id="4" name="ZoneTexte 3">
             <a:extLst>
               <a:ext uri="{FF2B5EF4-FFF2-40B4-BE49-F238E27FC236}">
-                <a16:creationId xmlns:a16="http://schemas.microsoft.com/office/drawing/2014/main" xmlns="" id="{11CB7687-B471-4549-A848-8326224DD138}"/>
+                <a16:creationId xmlns="" xmlns:a16="http://schemas.microsoft.com/office/drawing/2014/main" id="{11CB7687-B471-4549-A848-8326224DD138}"/>
               </a:ext>
             </a:extLst>
           </p:cNvPr>
@@ -13269,7 +11643,7 @@
           <p:cNvPr id="9" name="ZoneTexte 8">
             <a:extLst>
               <a:ext uri="{FF2B5EF4-FFF2-40B4-BE49-F238E27FC236}">
-                <a16:creationId xmlns:a16="http://schemas.microsoft.com/office/drawing/2014/main" xmlns="" id="{86FA704E-1B92-4AAF-B5EC-8BF8A05E9824}"/>
+                <a16:creationId xmlns="" xmlns:a16="http://schemas.microsoft.com/office/drawing/2014/main" id="{86FA704E-1B92-4AAF-B5EC-8BF8A05E9824}"/>
               </a:ext>
             </a:extLst>
           </p:cNvPr>
@@ -13309,10 +11683,9 @@
           <a:p>
             <a:pPr algn="ctr"/>
             <a:r>
-              <a:rPr lang="en-US" sz="2400" b="1" dirty="0"/>
-              <a:t>Brake System Plausibility Device - BSPD</a:t>
-            </a:r>
-            <a:endParaRPr lang="fr-FR" sz="2400" b="1" dirty="0"/>
+              <a:rPr lang="fr-FR" sz="2400" b="1" dirty="0"/>
+              <a:t>Acquisition de données</a:t>
+            </a:r>
           </a:p>
         </p:txBody>
       </p:sp>
@@ -13321,7 +11694,7 @@
           <p:cNvPr id="15" name="Espace réservé du numéro de diapositive 14">
             <a:extLst>
               <a:ext uri="{FF2B5EF4-FFF2-40B4-BE49-F238E27FC236}">
-                <a16:creationId xmlns:a16="http://schemas.microsoft.com/office/drawing/2014/main" xmlns="" id="{CDE5A07D-D0AC-40C1-A4B2-6554F2C6C2A8}"/>
+                <a16:creationId xmlns="" xmlns:a16="http://schemas.microsoft.com/office/drawing/2014/main" id="{CDE5A07D-D0AC-40C1-A4B2-6554F2C6C2A8}"/>
               </a:ext>
             </a:extLst>
           </p:cNvPr>
@@ -13350,7 +11723,7 @@
           <p:cNvPr id="13" name="Picture 6" descr="https://lh4.googleusercontent.com/tDwfaWIODJwkVzC04hR4wphZ_bXVMzxILbAN9Qbng8EwIAbWv-Or6b11Jyv2qqyH2fMlHzvMDEqmubu33Vw1qj5t-PauwGvmDfLxtND69gtRglVB3TUtZhO0V3XG9FqWCcJLVMSl2JA">
             <a:extLst>
               <a:ext uri="{FF2B5EF4-FFF2-40B4-BE49-F238E27FC236}">
-                <a16:creationId xmlns:a16="http://schemas.microsoft.com/office/drawing/2014/main" xmlns="" id="{8E4C707E-0CDF-4F28-ACCD-1ADCB9155F03}"/>
+                <a16:creationId xmlns="" xmlns:a16="http://schemas.microsoft.com/office/drawing/2014/main" id="{8E4C707E-0CDF-4F28-ACCD-1ADCB9155F03}"/>
               </a:ext>
             </a:extLst>
           </p:cNvPr>
@@ -13399,10 +11772,34 @@
           </a:extLst>
         </p:spPr>
       </p:pic>
+      <p:pic>
+        <p:nvPicPr>
+          <p:cNvPr id="6" name="Image 5"/>
+          <p:cNvPicPr>
+            <a:picLocks noChangeAspect="1"/>
+          </p:cNvPicPr>
+          <p:nvPr/>
+        </p:nvPicPr>
+        <p:blipFill>
+          <a:blip r:embed="rId4"/>
+          <a:stretch>
+            <a:fillRect/>
+          </a:stretch>
+        </p:blipFill>
+        <p:spPr>
+          <a:xfrm>
+            <a:off x="472440" y="1452944"/>
+            <a:ext cx="5108448" cy="3831336"/>
+          </a:xfrm>
+          <a:prstGeom prst="rect">
+            <a:avLst/>
+          </a:prstGeom>
+        </p:spPr>
+      </p:pic>
     </p:spTree>
     <p:extLst>
       <p:ext uri="{BB962C8B-B14F-4D97-AF65-F5344CB8AC3E}">
-        <p14:creationId xmlns:p14="http://schemas.microsoft.com/office/powerpoint/2010/main" val="1754169690"/>
+        <p14:creationId xmlns:p14="http://schemas.microsoft.com/office/powerpoint/2010/main" val="1030023147"/>
       </p:ext>
     </p:extLst>
   </p:cSld>
@@ -13448,7 +11845,7 @@
           <p:cNvPr id="4" name="ZoneTexte 3">
             <a:extLst>
               <a:ext uri="{FF2B5EF4-FFF2-40B4-BE49-F238E27FC236}">
-                <a16:creationId xmlns:a16="http://schemas.microsoft.com/office/drawing/2014/main" xmlns="" id="{11CB7687-B471-4549-A848-8326224DD138}"/>
+                <a16:creationId xmlns="" xmlns:a16="http://schemas.microsoft.com/office/drawing/2014/main" id="{11CB7687-B471-4549-A848-8326224DD138}"/>
               </a:ext>
             </a:extLst>
           </p:cNvPr>
@@ -13493,7 +11890,7 @@
           <p:cNvPr id="9" name="ZoneTexte 8">
             <a:extLst>
               <a:ext uri="{FF2B5EF4-FFF2-40B4-BE49-F238E27FC236}">
-                <a16:creationId xmlns:a16="http://schemas.microsoft.com/office/drawing/2014/main" xmlns="" id="{86FA704E-1B92-4AAF-B5EC-8BF8A05E9824}"/>
+                <a16:creationId xmlns="" xmlns:a16="http://schemas.microsoft.com/office/drawing/2014/main" id="{86FA704E-1B92-4AAF-B5EC-8BF8A05E9824}"/>
               </a:ext>
             </a:extLst>
           </p:cNvPr>
@@ -13533,16 +11930,8 @@
           <a:p>
             <a:pPr algn="ctr"/>
             <a:r>
-              <a:rPr lang="en-US" sz="2400" b="1" dirty="0" err="1"/>
-              <a:t>Bilan</a:t>
-            </a:r>
-            <a:r>
               <a:rPr lang="en-US" sz="2400" b="1" dirty="0"/>
-              <a:t> de </a:t>
-            </a:r>
-            <a:r>
-              <a:rPr lang="en-US" sz="2400" b="1" dirty="0" err="1"/>
-              <a:t>connaissance</a:t>
+              <a:t>Brake System Plausibility Device - BSPD</a:t>
             </a:r>
             <a:endParaRPr lang="fr-FR" sz="2400" b="1" dirty="0"/>
           </a:p>
@@ -13553,7 +11942,7 @@
           <p:cNvPr id="15" name="Espace réservé du numéro de diapositive 14">
             <a:extLst>
               <a:ext uri="{FF2B5EF4-FFF2-40B4-BE49-F238E27FC236}">
-                <a16:creationId xmlns:a16="http://schemas.microsoft.com/office/drawing/2014/main" xmlns="" id="{CDE5A07D-D0AC-40C1-A4B2-6554F2C6C2A8}"/>
+                <a16:creationId xmlns="" xmlns:a16="http://schemas.microsoft.com/office/drawing/2014/main" id="{CDE5A07D-D0AC-40C1-A4B2-6554F2C6C2A8}"/>
               </a:ext>
             </a:extLst>
           </p:cNvPr>
@@ -13582,7 +11971,7 @@
           <p:cNvPr id="13" name="Picture 6" descr="https://lh4.googleusercontent.com/tDwfaWIODJwkVzC04hR4wphZ_bXVMzxILbAN9Qbng8EwIAbWv-Or6b11Jyv2qqyH2fMlHzvMDEqmubu33Vw1qj5t-PauwGvmDfLxtND69gtRglVB3TUtZhO0V3XG9FqWCcJLVMSl2JA">
             <a:extLst>
               <a:ext uri="{FF2B5EF4-FFF2-40B4-BE49-F238E27FC236}">
-                <a16:creationId xmlns:a16="http://schemas.microsoft.com/office/drawing/2014/main" xmlns="" id="{8E4C707E-0CDF-4F28-ACCD-1ADCB9155F03}"/>
+                <a16:creationId xmlns="" xmlns:a16="http://schemas.microsoft.com/office/drawing/2014/main" id="{8E4C707E-0CDF-4F28-ACCD-1ADCB9155F03}"/>
               </a:ext>
             </a:extLst>
           </p:cNvPr>
@@ -13633,13 +12022,7 @@
       </p:pic>
       <p:pic>
         <p:nvPicPr>
-          <p:cNvPr id="6" name="Image 5">
-            <a:extLst>
-              <a:ext uri="{FF2B5EF4-FFF2-40B4-BE49-F238E27FC236}">
-                <a16:creationId xmlns:a16="http://schemas.microsoft.com/office/drawing/2014/main" xmlns="" id="{3122D958-594F-4BD7-8E8C-E008D2E574A9}"/>
-              </a:ext>
-            </a:extLst>
-          </p:cNvPr>
+          <p:cNvPr id="2" name="Image 1"/>
           <p:cNvPicPr>
             <a:picLocks noChangeAspect="1"/>
           </p:cNvPicPr>
@@ -13653,21 +12036,103 @@
         </p:blipFill>
         <p:spPr>
           <a:xfrm>
-            <a:off x="406021" y="1527342"/>
-            <a:ext cx="6091583" cy="5011570"/>
+            <a:off x="677896" y="1266057"/>
+            <a:ext cx="5621297" cy="3753999"/>
           </a:xfrm>
           <a:prstGeom prst="rect">
             <a:avLst/>
           </a:prstGeom>
-          <a:effectLst>
-            <a:softEdge rad="127000"/>
-          </a:effectLst>
         </p:spPr>
       </p:pic>
+      <p:sp>
+        <p:nvSpPr>
+          <p:cNvPr id="3" name="ZoneTexte 2"/>
+          <p:cNvSpPr txBox="1"/>
+          <p:nvPr/>
+        </p:nvSpPr>
+        <p:spPr>
+          <a:xfrm>
+            <a:off x="7306056" y="1426464"/>
+            <a:ext cx="4389120" cy="2862322"/>
+          </a:xfrm>
+          <a:prstGeom prst="rect">
+            <a:avLst/>
+          </a:prstGeom>
+          <a:noFill/>
+        </p:spPr>
+        <p:txBody>
+          <a:bodyPr wrap="square" rtlCol="0">
+            <a:spAutoFit/>
+          </a:bodyPr>
+          <a:lstStyle/>
+          <a:p>
+            <a:r>
+              <a:rPr lang="fr-FR" dirty="0" smtClean="0"/>
+              <a:t>Carte:</a:t>
+            </a:r>
+          </a:p>
+          <a:p>
+            <a:pPr marL="285750" indent="-285750">
+              <a:buFont typeface="Arial" panose="020B0604020202020204" pitchFamily="34" charset="0"/>
+              <a:buChar char="•"/>
+            </a:pPr>
+            <a:r>
+              <a:rPr lang="fr-FR" dirty="0" smtClean="0"/>
+              <a:t>Composants CMS</a:t>
+            </a:r>
+          </a:p>
+          <a:p>
+            <a:pPr marL="285750" indent="-285750">
+              <a:buFont typeface="Arial" panose="020B0604020202020204" pitchFamily="34" charset="0"/>
+              <a:buChar char="•"/>
+            </a:pPr>
+            <a:r>
+              <a:rPr lang="fr-FR" dirty="0" smtClean="0"/>
+              <a:t>Circuit logique</a:t>
+            </a:r>
+          </a:p>
+          <a:p>
+            <a:pPr marL="285750" indent="-285750">
+              <a:buFont typeface="Arial" panose="020B0604020202020204" pitchFamily="34" charset="0"/>
+              <a:buChar char="•"/>
+            </a:pPr>
+            <a:r>
+              <a:rPr lang="fr-FR" dirty="0" smtClean="0"/>
+              <a:t>Fourni par la compétition</a:t>
+            </a:r>
+          </a:p>
+          <a:p>
+            <a:endParaRPr lang="fr-FR" dirty="0"/>
+          </a:p>
+          <a:p>
+            <a:r>
+              <a:rPr lang="fr-FR" dirty="0" smtClean="0"/>
+              <a:t>Fonctions:</a:t>
+            </a:r>
+          </a:p>
+          <a:p>
+            <a:pPr marL="285750" indent="-285750">
+              <a:buFont typeface="Arial" panose="020B0604020202020204" pitchFamily="34" charset="0"/>
+              <a:buChar char="•"/>
+            </a:pPr>
+            <a:r>
+              <a:rPr lang="fr-FR" dirty="0" smtClean="0"/>
+              <a:t>Couper le moteur en cas d’appui simultané de la pédale de frein et d’accélération</a:t>
+            </a:r>
+          </a:p>
+          <a:p>
+            <a:pPr marL="285750" indent="-285750">
+              <a:buFont typeface="Arial" panose="020B0604020202020204" pitchFamily="34" charset="0"/>
+              <a:buChar char="•"/>
+            </a:pPr>
+            <a:endParaRPr lang="fr-FR" dirty="0"/>
+          </a:p>
+        </p:txBody>
+      </p:sp>
     </p:spTree>
     <p:extLst>
       <p:ext uri="{BB962C8B-B14F-4D97-AF65-F5344CB8AC3E}">
-        <p14:creationId xmlns:p14="http://schemas.microsoft.com/office/powerpoint/2010/main" val="153688517"/>
+        <p14:creationId xmlns:p14="http://schemas.microsoft.com/office/powerpoint/2010/main" val="1754169690"/>
       </p:ext>
     </p:extLst>
   </p:cSld>
@@ -13713,7 +12178,7 @@
           <p:cNvPr id="4" name="ZoneTexte 3">
             <a:extLst>
               <a:ext uri="{FF2B5EF4-FFF2-40B4-BE49-F238E27FC236}">
-                <a16:creationId xmlns:a16="http://schemas.microsoft.com/office/drawing/2014/main" xmlns="" id="{11CB7687-B471-4549-A848-8326224DD138}"/>
+                <a16:creationId xmlns="" xmlns:a16="http://schemas.microsoft.com/office/drawing/2014/main" id="{11CB7687-B471-4549-A848-8326224DD138}"/>
               </a:ext>
             </a:extLst>
           </p:cNvPr>
@@ -13738,7 +12203,7 @@
           <a:p>
             <a:pPr algn="ctr"/>
             <a:r>
-              <a:rPr lang="fr-FR" sz="2400" b="1" u="sng">
+              <a:rPr lang="fr-FR" sz="2400" b="1" u="sng" dirty="0">
                 <a:solidFill>
                   <a:srgbClr val="C2381E"/>
                 </a:solidFill>
@@ -13758,7 +12223,7 @@
           <p:cNvPr id="9" name="ZoneTexte 8">
             <a:extLst>
               <a:ext uri="{FF2B5EF4-FFF2-40B4-BE49-F238E27FC236}">
-                <a16:creationId xmlns:a16="http://schemas.microsoft.com/office/drawing/2014/main" xmlns="" id="{86FA704E-1B92-4AAF-B5EC-8BF8A05E9824}"/>
+                <a16:creationId xmlns="" xmlns:a16="http://schemas.microsoft.com/office/drawing/2014/main" id="{86FA704E-1B92-4AAF-B5EC-8BF8A05E9824}"/>
               </a:ext>
             </a:extLst>
           </p:cNvPr>
@@ -13783,18 +12248,31 @@
           <a:p>
             <a:pPr marL="514350" indent="-514350" algn="ctr">
               <a:buFont typeface="+mj-lt"/>
-              <a:buAutoNum type="romanUcPeriod" startAt="4"/>
+              <a:buAutoNum type="romanUcPeriod" startAt="3"/>
             </a:pPr>
             <a:r>
-              <a:rPr lang="fr-FR" sz="2400" b="1"/>
-              <a:t>Le projet Invictus</a:t>
-            </a:r>
+              <a:rPr lang="fr-FR" sz="2400" b="1" dirty="0"/>
+              <a:t>Le projet </a:t>
+            </a:r>
+            <a:r>
+              <a:rPr lang="fr-FR" sz="2400" b="1" dirty="0" err="1"/>
+              <a:t>Optimus</a:t>
+            </a:r>
+            <a:endParaRPr lang="fr-FR" sz="2400" b="1" dirty="0"/>
           </a:p>
           <a:p>
             <a:pPr algn="ctr"/>
             <a:r>
-              <a:rPr lang="fr-FR" sz="2400" b="1"/>
-              <a:t>Jalonnement du projet</a:t>
+              <a:rPr lang="en-US" sz="2400" b="1" dirty="0" err="1"/>
+              <a:t>Bilan</a:t>
+            </a:r>
+            <a:r>
+              <a:rPr lang="en-US" sz="2400" b="1" dirty="0"/>
+              <a:t> de </a:t>
+            </a:r>
+            <a:r>
+              <a:rPr lang="en-US" sz="2400" b="1" dirty="0" err="1"/>
+              <a:t>connaissance</a:t>
             </a:r>
             <a:endParaRPr lang="fr-FR" sz="2400" b="1" dirty="0"/>
           </a:p>
@@ -13805,7 +12283,7 @@
           <p:cNvPr id="15" name="Espace réservé du numéro de diapositive 14">
             <a:extLst>
               <a:ext uri="{FF2B5EF4-FFF2-40B4-BE49-F238E27FC236}">
-                <a16:creationId xmlns:a16="http://schemas.microsoft.com/office/drawing/2014/main" xmlns="" id="{CDE5A07D-D0AC-40C1-A4B2-6554F2C6C2A8}"/>
+                <a16:creationId xmlns="" xmlns:a16="http://schemas.microsoft.com/office/drawing/2014/main" id="{CDE5A07D-D0AC-40C1-A4B2-6554F2C6C2A8}"/>
               </a:ext>
             </a:extLst>
           </p:cNvPr>
@@ -13816,12 +12294,7 @@
             <p:ph type="sldNum" sz="quarter" idx="12"/>
           </p:nvPr>
         </p:nvSpPr>
-        <p:spPr>
-          <a:xfrm>
-            <a:off x="8610600" y="6356350"/>
-            <a:ext cx="2743200" cy="365125"/>
-          </a:xfrm>
-        </p:spPr>
+        <p:spPr/>
         <p:txBody>
           <a:bodyPr/>
           <a:lstStyle/>
@@ -13839,7 +12312,7 @@
           <p:cNvPr id="13" name="Picture 6" descr="https://lh4.googleusercontent.com/tDwfaWIODJwkVzC04hR4wphZ_bXVMzxILbAN9Qbng8EwIAbWv-Or6b11Jyv2qqyH2fMlHzvMDEqmubu33Vw1qj5t-PauwGvmDfLxtND69gtRglVB3TUtZhO0V3XG9FqWCcJLVMSl2JA">
             <a:extLst>
               <a:ext uri="{FF2B5EF4-FFF2-40B4-BE49-F238E27FC236}">
-                <a16:creationId xmlns:a16="http://schemas.microsoft.com/office/drawing/2014/main" xmlns="" id="{8E4C707E-0CDF-4F28-ACCD-1ADCB9155F03}"/>
+                <a16:creationId xmlns="" xmlns:a16="http://schemas.microsoft.com/office/drawing/2014/main" id="{8E4C707E-0CDF-4F28-ACCD-1ADCB9155F03}"/>
               </a:ext>
             </a:extLst>
           </p:cNvPr>
@@ -13888,66 +12361,43 @@
           </a:extLst>
         </p:spPr>
       </p:pic>
-      <p:graphicFrame>
-        <p:nvGraphicFramePr>
-          <p:cNvPr id="5" name="Diagramme 4">
+      <p:pic>
+        <p:nvPicPr>
+          <p:cNvPr id="6" name="Image 5">
             <a:extLst>
               <a:ext uri="{FF2B5EF4-FFF2-40B4-BE49-F238E27FC236}">
-                <a16:creationId xmlns:a16="http://schemas.microsoft.com/office/drawing/2014/main" xmlns="" id="{A38137FC-39B5-46A1-9A69-09DB7FAE9BD6}"/>
+                <a16:creationId xmlns="" xmlns:a16="http://schemas.microsoft.com/office/drawing/2014/main" id="{3122D958-594F-4BD7-8E8C-E008D2E574A9}"/>
               </a:ext>
             </a:extLst>
           </p:cNvPr>
-          <p:cNvGraphicFramePr/>
-          <p:nvPr>
-            <p:extLst>
-              <p:ext uri="{D42A27DB-BD31-4B8C-83A1-F6EECF244321}">
-                <p14:modId xmlns:p14="http://schemas.microsoft.com/office/powerpoint/2010/main" val="1047015338"/>
-              </p:ext>
-            </p:extLst>
-          </p:nvPr>
-        </p:nvGraphicFramePr>
-        <p:xfrm>
-          <a:off x="2" y="796862"/>
-          <a:ext cx="12191998" cy="2757386"/>
-        </p:xfrm>
-        <a:graphic>
-          <a:graphicData uri="http://schemas.openxmlformats.org/drawingml/2006/diagram">
-            <dgm:relIds xmlns:dgm="http://schemas.openxmlformats.org/drawingml/2006/diagram" xmlns:r="http://schemas.openxmlformats.org/officeDocument/2006/relationships" r:dm="rId4" r:lo="rId5" r:qs="rId6" r:cs="rId7"/>
-          </a:graphicData>
-        </a:graphic>
-      </p:graphicFrame>
-      <p:graphicFrame>
-        <p:nvGraphicFramePr>
-          <p:cNvPr id="16" name="Diagramme 15">
-            <a:extLst>
-              <a:ext uri="{FF2B5EF4-FFF2-40B4-BE49-F238E27FC236}">
-                <a16:creationId xmlns:a16="http://schemas.microsoft.com/office/drawing/2014/main" xmlns="" id="{625627D3-D958-4412-9790-FAA67DED812A}"/>
-              </a:ext>
-            </a:extLst>
-          </p:cNvPr>
-          <p:cNvGraphicFramePr/>
-          <p:nvPr>
-            <p:extLst>
-              <p:ext uri="{D42A27DB-BD31-4B8C-83A1-F6EECF244321}">
-                <p14:modId xmlns:p14="http://schemas.microsoft.com/office/powerpoint/2010/main" val="399165590"/>
-              </p:ext>
-            </p:extLst>
-          </p:nvPr>
-        </p:nvGraphicFramePr>
-        <p:xfrm>
-          <a:off x="-48453" y="2834557"/>
-          <a:ext cx="12191998" cy="2757386"/>
-        </p:xfrm>
-        <a:graphic>
-          <a:graphicData uri="http://schemas.openxmlformats.org/drawingml/2006/diagram">
-            <dgm:relIds xmlns:dgm="http://schemas.openxmlformats.org/drawingml/2006/diagram" xmlns:r="http://schemas.openxmlformats.org/officeDocument/2006/relationships" r:dm="rId9" r:lo="rId10" r:qs="rId11" r:cs="rId12"/>
-          </a:graphicData>
-        </a:graphic>
-      </p:graphicFrame>
+          <p:cNvPicPr>
+            <a:picLocks noChangeAspect="1"/>
+          </p:cNvPicPr>
+          <p:nvPr/>
+        </p:nvPicPr>
+        <p:blipFill>
+          <a:blip r:embed="rId4"/>
+          <a:stretch>
+            <a:fillRect/>
+          </a:stretch>
+        </p:blipFill>
+        <p:spPr>
+          <a:xfrm>
+            <a:off x="406021" y="1527342"/>
+            <a:ext cx="6091583" cy="5011570"/>
+          </a:xfrm>
+          <a:prstGeom prst="rect">
+            <a:avLst/>
+          </a:prstGeom>
+          <a:effectLst>
+            <a:softEdge rad="127000"/>
+          </a:effectLst>
+        </p:spPr>
+      </p:pic>
     </p:spTree>
     <p:extLst>
       <p:ext uri="{BB962C8B-B14F-4D97-AF65-F5344CB8AC3E}">
-        <p14:creationId xmlns:p14="http://schemas.microsoft.com/office/powerpoint/2010/main" val="3069354117"/>
+        <p14:creationId xmlns:p14="http://schemas.microsoft.com/office/powerpoint/2010/main" val="153688517"/>
       </p:ext>
     </p:extLst>
   </p:cSld>
@@ -13993,7 +12443,7 @@
           <p:cNvPr id="4" name="ZoneTexte 3">
             <a:extLst>
               <a:ext uri="{FF2B5EF4-FFF2-40B4-BE49-F238E27FC236}">
-                <a16:creationId xmlns:a16="http://schemas.microsoft.com/office/drawing/2014/main" xmlns="" id="{11CB7687-B471-4549-A848-8326224DD138}"/>
+                <a16:creationId xmlns="" xmlns:a16="http://schemas.microsoft.com/office/drawing/2014/main" id="{11CB7687-B471-4549-A848-8326224DD138}"/>
               </a:ext>
             </a:extLst>
           </p:cNvPr>
@@ -14018,7 +12468,7 @@
           <a:p>
             <a:pPr algn="ctr"/>
             <a:r>
-              <a:rPr lang="fr-FR" sz="2400" b="1" u="sng" dirty="0">
+              <a:rPr lang="fr-FR" sz="2400" b="1" u="sng">
                 <a:solidFill>
                   <a:srgbClr val="C2381E"/>
                 </a:solidFill>
@@ -14038,7 +12488,7 @@
           <p:cNvPr id="9" name="ZoneTexte 8">
             <a:extLst>
               <a:ext uri="{FF2B5EF4-FFF2-40B4-BE49-F238E27FC236}">
-                <a16:creationId xmlns:a16="http://schemas.microsoft.com/office/drawing/2014/main" xmlns="" id="{86FA704E-1B92-4AAF-B5EC-8BF8A05E9824}"/>
+                <a16:creationId xmlns="" xmlns:a16="http://schemas.microsoft.com/office/drawing/2014/main" id="{86FA704E-1B92-4AAF-B5EC-8BF8A05E9824}"/>
               </a:ext>
             </a:extLst>
           </p:cNvPr>
@@ -14066,16 +12516,17 @@
               <a:buAutoNum type="romanUcPeriod" startAt="4"/>
             </a:pPr>
             <a:r>
-              <a:rPr lang="fr-FR" sz="2400" b="1" dirty="0"/>
+              <a:rPr lang="fr-FR" sz="2400" b="1"/>
               <a:t>Le projet Invictus</a:t>
             </a:r>
           </a:p>
           <a:p>
             <a:pPr algn="ctr"/>
             <a:r>
-              <a:rPr lang="fr-FR" sz="2400" b="1" dirty="0"/>
-              <a:t>Bilan d’avancement</a:t>
-            </a:r>
+              <a:rPr lang="fr-FR" sz="2400" b="1"/>
+              <a:t>Jalonnement du projet</a:t>
+            </a:r>
+            <a:endParaRPr lang="fr-FR" sz="2400" b="1" dirty="0"/>
           </a:p>
         </p:txBody>
       </p:sp>
@@ -14084,7 +12535,7 @@
           <p:cNvPr id="15" name="Espace réservé du numéro de diapositive 14">
             <a:extLst>
               <a:ext uri="{FF2B5EF4-FFF2-40B4-BE49-F238E27FC236}">
-                <a16:creationId xmlns:a16="http://schemas.microsoft.com/office/drawing/2014/main" xmlns="" id="{CDE5A07D-D0AC-40C1-A4B2-6554F2C6C2A8}"/>
+                <a16:creationId xmlns="" xmlns:a16="http://schemas.microsoft.com/office/drawing/2014/main" id="{CDE5A07D-D0AC-40C1-A4B2-6554F2C6C2A8}"/>
               </a:ext>
             </a:extLst>
           </p:cNvPr>
@@ -14095,7 +12546,12 @@
             <p:ph type="sldNum" sz="quarter" idx="12"/>
           </p:nvPr>
         </p:nvSpPr>
-        <p:spPr/>
+        <p:spPr>
+          <a:xfrm>
+            <a:off x="8610600" y="6356350"/>
+            <a:ext cx="2743200" cy="365125"/>
+          </a:xfrm>
+        </p:spPr>
         <p:txBody>
           <a:bodyPr/>
           <a:lstStyle/>
@@ -14113,7 +12569,7 @@
           <p:cNvPr id="13" name="Picture 6" descr="https://lh4.googleusercontent.com/tDwfaWIODJwkVzC04hR4wphZ_bXVMzxILbAN9Qbng8EwIAbWv-Or6b11Jyv2qqyH2fMlHzvMDEqmubu33Vw1qj5t-PauwGvmDfLxtND69gtRglVB3TUtZhO0V3XG9FqWCcJLVMSl2JA">
             <a:extLst>
               <a:ext uri="{FF2B5EF4-FFF2-40B4-BE49-F238E27FC236}">
-                <a16:creationId xmlns:a16="http://schemas.microsoft.com/office/drawing/2014/main" xmlns="" id="{8E4C707E-0CDF-4F28-ACCD-1ADCB9155F03}"/>
+                <a16:creationId xmlns="" xmlns:a16="http://schemas.microsoft.com/office/drawing/2014/main" id="{8E4C707E-0CDF-4F28-ACCD-1ADCB9155F03}"/>
               </a:ext>
             </a:extLst>
           </p:cNvPr>
@@ -14162,10 +12618,66 @@
           </a:extLst>
         </p:spPr>
       </p:pic>
+      <p:graphicFrame>
+        <p:nvGraphicFramePr>
+          <p:cNvPr id="5" name="Diagramme 4">
+            <a:extLst>
+              <a:ext uri="{FF2B5EF4-FFF2-40B4-BE49-F238E27FC236}">
+                <a16:creationId xmlns="" xmlns:a16="http://schemas.microsoft.com/office/drawing/2014/main" id="{A38137FC-39B5-46A1-9A69-09DB7FAE9BD6}"/>
+              </a:ext>
+            </a:extLst>
+          </p:cNvPr>
+          <p:cNvGraphicFramePr/>
+          <p:nvPr>
+            <p:extLst>
+              <p:ext uri="{D42A27DB-BD31-4B8C-83A1-F6EECF244321}">
+                <p14:modId xmlns:p14="http://schemas.microsoft.com/office/powerpoint/2010/main" val="1047015338"/>
+              </p:ext>
+            </p:extLst>
+          </p:nvPr>
+        </p:nvGraphicFramePr>
+        <p:xfrm>
+          <a:off x="2" y="796862"/>
+          <a:ext cx="12191998" cy="2757386"/>
+        </p:xfrm>
+        <a:graphic>
+          <a:graphicData uri="http://schemas.openxmlformats.org/drawingml/2006/diagram">
+            <dgm:relIds xmlns:dgm="http://schemas.openxmlformats.org/drawingml/2006/diagram" xmlns:r="http://schemas.openxmlformats.org/officeDocument/2006/relationships" r:dm="rId4" r:lo="rId5" r:qs="rId6" r:cs="rId7"/>
+          </a:graphicData>
+        </a:graphic>
+      </p:graphicFrame>
+      <p:graphicFrame>
+        <p:nvGraphicFramePr>
+          <p:cNvPr id="16" name="Diagramme 15">
+            <a:extLst>
+              <a:ext uri="{FF2B5EF4-FFF2-40B4-BE49-F238E27FC236}">
+                <a16:creationId xmlns="" xmlns:a16="http://schemas.microsoft.com/office/drawing/2014/main" id="{625627D3-D958-4412-9790-FAA67DED812A}"/>
+              </a:ext>
+            </a:extLst>
+          </p:cNvPr>
+          <p:cNvGraphicFramePr/>
+          <p:nvPr>
+            <p:extLst>
+              <p:ext uri="{D42A27DB-BD31-4B8C-83A1-F6EECF244321}">
+                <p14:modId xmlns:p14="http://schemas.microsoft.com/office/powerpoint/2010/main" val="399165590"/>
+              </p:ext>
+            </p:extLst>
+          </p:nvPr>
+        </p:nvGraphicFramePr>
+        <p:xfrm>
+          <a:off x="-48453" y="2834557"/>
+          <a:ext cx="12191998" cy="2757386"/>
+        </p:xfrm>
+        <a:graphic>
+          <a:graphicData uri="http://schemas.openxmlformats.org/drawingml/2006/diagram">
+            <dgm:relIds xmlns:dgm="http://schemas.openxmlformats.org/drawingml/2006/diagram" xmlns:r="http://schemas.openxmlformats.org/officeDocument/2006/relationships" r:dm="rId9" r:lo="rId10" r:qs="rId11" r:cs="rId12"/>
+          </a:graphicData>
+        </a:graphic>
+      </p:graphicFrame>
     </p:spTree>
     <p:extLst>
       <p:ext uri="{BB962C8B-B14F-4D97-AF65-F5344CB8AC3E}">
-        <p14:creationId xmlns:p14="http://schemas.microsoft.com/office/powerpoint/2010/main" val="1331906988"/>
+        <p14:creationId xmlns:p14="http://schemas.microsoft.com/office/powerpoint/2010/main" val="3069354117"/>
       </p:ext>
     </p:extLst>
   </p:cSld>
@@ -14211,7 +12723,7 @@
           <p:cNvPr id="4" name="ZoneTexte 3">
             <a:extLst>
               <a:ext uri="{FF2B5EF4-FFF2-40B4-BE49-F238E27FC236}">
-                <a16:creationId xmlns:a16="http://schemas.microsoft.com/office/drawing/2014/main" xmlns="" id="{11CB7687-B471-4549-A848-8326224DD138}"/>
+                <a16:creationId xmlns="" xmlns:a16="http://schemas.microsoft.com/office/drawing/2014/main" id="{11CB7687-B471-4549-A848-8326224DD138}"/>
               </a:ext>
             </a:extLst>
           </p:cNvPr>
@@ -14256,7 +12768,7 @@
           <p:cNvPr id="5" name="ZoneTexte 4">
             <a:extLst>
               <a:ext uri="{FF2B5EF4-FFF2-40B4-BE49-F238E27FC236}">
-                <a16:creationId xmlns:a16="http://schemas.microsoft.com/office/drawing/2014/main" xmlns="" id="{191440EF-8A96-4CC0-8184-6A6D967ACA40}"/>
+                <a16:creationId xmlns="" xmlns:a16="http://schemas.microsoft.com/office/drawing/2014/main" id="{191440EF-8A96-4CC0-8184-6A6D967ACA40}"/>
               </a:ext>
             </a:extLst>
           </p:cNvPr>
@@ -14438,7 +12950,7 @@
           <p:cNvPr id="6" name="ZoneTexte 5">
             <a:extLst>
               <a:ext uri="{FF2B5EF4-FFF2-40B4-BE49-F238E27FC236}">
-                <a16:creationId xmlns:a16="http://schemas.microsoft.com/office/drawing/2014/main" xmlns="" id="{B706D5CA-AE61-48BA-8D33-7F02F4D6D110}"/>
+                <a16:creationId xmlns="" xmlns:a16="http://schemas.microsoft.com/office/drawing/2014/main" id="{B706D5CA-AE61-48BA-8D33-7F02F4D6D110}"/>
               </a:ext>
             </a:extLst>
           </p:cNvPr>
@@ -14501,7 +13013,7 @@
           <p:cNvPr id="2" name="ZoneTexte 1">
             <a:extLst>
               <a:ext uri="{FF2B5EF4-FFF2-40B4-BE49-F238E27FC236}">
-                <a16:creationId xmlns:a16="http://schemas.microsoft.com/office/drawing/2014/main" xmlns="" id="{11A2423A-5491-4C10-85EB-AF2D74FE6636}"/>
+                <a16:creationId xmlns="" xmlns:a16="http://schemas.microsoft.com/office/drawing/2014/main" id="{11A2423A-5491-4C10-85EB-AF2D74FE6636}"/>
               </a:ext>
             </a:extLst>
           </p:cNvPr>
@@ -14536,7 +13048,7 @@
           <p:cNvPr id="7" name="ZoneTexte 6">
             <a:extLst>
               <a:ext uri="{FF2B5EF4-FFF2-40B4-BE49-F238E27FC236}">
-                <a16:creationId xmlns:a16="http://schemas.microsoft.com/office/drawing/2014/main" xmlns="" id="{F89B1570-3925-414C-ABD4-3184A1506552}"/>
+                <a16:creationId xmlns="" xmlns:a16="http://schemas.microsoft.com/office/drawing/2014/main" id="{F89B1570-3925-414C-ABD4-3184A1506552}"/>
               </a:ext>
             </a:extLst>
           </p:cNvPr>
@@ -14607,7 +13119,7 @@
           <p:cNvPr id="10" name="Picture 6" descr="https://lh4.googleusercontent.com/tDwfaWIODJwkVzC04hR4wphZ_bXVMzxILbAN9Qbng8EwIAbWv-Or6b11Jyv2qqyH2fMlHzvMDEqmubu33Vw1qj5t-PauwGvmDfLxtND69gtRglVB3TUtZhO0V3XG9FqWCcJLVMSl2JA">
             <a:extLst>
               <a:ext uri="{FF2B5EF4-FFF2-40B4-BE49-F238E27FC236}">
-                <a16:creationId xmlns:a16="http://schemas.microsoft.com/office/drawing/2014/main" xmlns="" id="{1E3648CC-A220-4980-8EB4-9DBCC7979C23}"/>
+                <a16:creationId xmlns="" xmlns:a16="http://schemas.microsoft.com/office/drawing/2014/main" id="{1E3648CC-A220-4980-8EB4-9DBCC7979C23}"/>
               </a:ext>
             </a:extLst>
           </p:cNvPr>
@@ -14705,7 +13217,7 @@
           <p:cNvPr id="4" name="ZoneTexte 3">
             <a:extLst>
               <a:ext uri="{FF2B5EF4-FFF2-40B4-BE49-F238E27FC236}">
-                <a16:creationId xmlns:a16="http://schemas.microsoft.com/office/drawing/2014/main" xmlns="" id="{11CB7687-B471-4549-A848-8326224DD138}"/>
+                <a16:creationId xmlns="" xmlns:a16="http://schemas.microsoft.com/office/drawing/2014/main" id="{11CB7687-B471-4549-A848-8326224DD138}"/>
               </a:ext>
             </a:extLst>
           </p:cNvPr>
@@ -14747,10 +13259,56 @@
       </p:sp>
       <p:sp>
         <p:nvSpPr>
+          <p:cNvPr id="9" name="ZoneTexte 8">
+            <a:extLst>
+              <a:ext uri="{FF2B5EF4-FFF2-40B4-BE49-F238E27FC236}">
+                <a16:creationId xmlns="" xmlns:a16="http://schemas.microsoft.com/office/drawing/2014/main" id="{86FA704E-1B92-4AAF-B5EC-8BF8A05E9824}"/>
+              </a:ext>
+            </a:extLst>
+          </p:cNvPr>
+          <p:cNvSpPr txBox="1"/>
+          <p:nvPr/>
+        </p:nvSpPr>
+        <p:spPr>
+          <a:xfrm>
+            <a:off x="0" y="435060"/>
+            <a:ext cx="12191999" cy="830997"/>
+          </a:xfrm>
+          <a:prstGeom prst="rect">
+            <a:avLst/>
+          </a:prstGeom>
+          <a:noFill/>
+        </p:spPr>
+        <p:txBody>
+          <a:bodyPr wrap="square" rtlCol="0">
+            <a:spAutoFit/>
+          </a:bodyPr>
+          <a:lstStyle/>
+          <a:p>
+            <a:pPr marL="514350" indent="-514350" algn="ctr">
+              <a:buFont typeface="+mj-lt"/>
+              <a:buAutoNum type="romanUcPeriod" startAt="4"/>
+            </a:pPr>
+            <a:r>
+              <a:rPr lang="fr-FR" sz="2400" b="1" dirty="0"/>
+              <a:t>Le projet Invictus</a:t>
+            </a:r>
+          </a:p>
+          <a:p>
+            <a:pPr algn="ctr"/>
+            <a:r>
+              <a:rPr lang="fr-FR" sz="2400" b="1" dirty="0"/>
+              <a:t>Bilan d’avancement</a:t>
+            </a:r>
+          </a:p>
+        </p:txBody>
+      </p:sp>
+      <p:sp>
+        <p:nvSpPr>
           <p:cNvPr id="15" name="Espace réservé du numéro de diapositive 14">
             <a:extLst>
               <a:ext uri="{FF2B5EF4-FFF2-40B4-BE49-F238E27FC236}">
-                <a16:creationId xmlns:a16="http://schemas.microsoft.com/office/drawing/2014/main" xmlns="" id="{CDE5A07D-D0AC-40C1-A4B2-6554F2C6C2A8}"/>
+                <a16:creationId xmlns="" xmlns:a16="http://schemas.microsoft.com/office/drawing/2014/main" id="{CDE5A07D-D0AC-40C1-A4B2-6554F2C6C2A8}"/>
               </a:ext>
             </a:extLst>
           </p:cNvPr>
@@ -14779,7 +13337,179 @@
           <p:cNvPr id="13" name="Picture 6" descr="https://lh4.googleusercontent.com/tDwfaWIODJwkVzC04hR4wphZ_bXVMzxILbAN9Qbng8EwIAbWv-Or6b11Jyv2qqyH2fMlHzvMDEqmubu33Vw1qj5t-PauwGvmDfLxtND69gtRglVB3TUtZhO0V3XG9FqWCcJLVMSl2JA">
             <a:extLst>
               <a:ext uri="{FF2B5EF4-FFF2-40B4-BE49-F238E27FC236}">
-                <a16:creationId xmlns:a16="http://schemas.microsoft.com/office/drawing/2014/main" xmlns="" id="{8E4C707E-0CDF-4F28-ACCD-1ADCB9155F03}"/>
+                <a16:creationId xmlns="" xmlns:a16="http://schemas.microsoft.com/office/drawing/2014/main" id="{8E4C707E-0CDF-4F28-ACCD-1ADCB9155F03}"/>
+              </a:ext>
+            </a:extLst>
+          </p:cNvPr>
+          <p:cNvPicPr>
+            <a:picLocks noChangeAspect="1" noChangeArrowheads="1"/>
+          </p:cNvPicPr>
+          <p:nvPr/>
+        </p:nvPicPr>
+        <p:blipFill>
+          <a:blip r:embed="rId3">
+            <a:extLst>
+              <a:ext uri="{28A0092B-C50C-407E-A947-70E740481C1C}">
+                <a14:useLocalDpi xmlns:a14="http://schemas.microsoft.com/office/drawing/2010/main" val="0"/>
+              </a:ext>
+            </a:extLst>
+          </a:blip>
+          <a:srcRect/>
+          <a:stretch>
+            <a:fillRect/>
+          </a:stretch>
+        </p:blipFill>
+        <p:spPr bwMode="auto">
+          <a:xfrm>
+            <a:off x="125894" y="99863"/>
+            <a:ext cx="3325919" cy="723603"/>
+          </a:xfrm>
+          <a:prstGeom prst="rect">
+            <a:avLst/>
+          </a:prstGeom>
+          <a:noFill/>
+          <a:effectLst>
+            <a:outerShdw blurRad="25400" dist="38100" dir="5400000" algn="tl" rotWithShape="0">
+              <a:prstClr val="black">
+                <a:alpha val="75000"/>
+              </a:prstClr>
+            </a:outerShdw>
+          </a:effectLst>
+          <a:extLst>
+            <a:ext uri="{909E8E84-426E-40DD-AFC4-6F175D3DCCD1}">
+              <a14:hiddenFill xmlns:a14="http://schemas.microsoft.com/office/drawing/2010/main">
+                <a:solidFill>
+                  <a:srgbClr val="FFFFFF"/>
+                </a:solidFill>
+              </a14:hiddenFill>
+            </a:ext>
+          </a:extLst>
+        </p:spPr>
+      </p:pic>
+    </p:spTree>
+    <p:extLst>
+      <p:ext uri="{BB962C8B-B14F-4D97-AF65-F5344CB8AC3E}">
+        <p14:creationId xmlns:p14="http://schemas.microsoft.com/office/powerpoint/2010/main" val="1331906988"/>
+      </p:ext>
+    </p:extLst>
+  </p:cSld>
+  <p:clrMapOvr>
+    <a:masterClrMapping/>
+  </p:clrMapOvr>
+</p:sld>
+</file>
+
+<file path=ppt/slides/slide21.xml><?xml version="1.0" encoding="utf-8"?>
+<p:sld xmlns:a="http://schemas.openxmlformats.org/drawingml/2006/main" xmlns:r="http://schemas.openxmlformats.org/officeDocument/2006/relationships" xmlns:p="http://schemas.openxmlformats.org/presentationml/2006/main">
+  <p:cSld>
+    <p:bg>
+      <p:bgPr>
+        <a:blipFill dpi="0" rotWithShape="1">
+          <a:blip r:embed="rId2">
+            <a:lum/>
+          </a:blip>
+          <a:srcRect/>
+          <a:stretch>
+            <a:fillRect/>
+          </a:stretch>
+        </a:blipFill>
+        <a:effectLst/>
+      </p:bgPr>
+    </p:bg>
+    <p:spTree>
+      <p:nvGrpSpPr>
+        <p:cNvPr id="1" name=""/>
+        <p:cNvGrpSpPr/>
+        <p:nvPr/>
+      </p:nvGrpSpPr>
+      <p:grpSpPr>
+        <a:xfrm>
+          <a:off x="0" y="0"/>
+          <a:ext cx="0" cy="0"/>
+          <a:chOff x="0" y="0"/>
+          <a:chExt cx="0" cy="0"/>
+        </a:xfrm>
+      </p:grpSpPr>
+      <p:sp>
+        <p:nvSpPr>
+          <p:cNvPr id="4" name="ZoneTexte 3">
+            <a:extLst>
+              <a:ext uri="{FF2B5EF4-FFF2-40B4-BE49-F238E27FC236}">
+                <a16:creationId xmlns="" xmlns:a16="http://schemas.microsoft.com/office/drawing/2014/main" id="{11CB7687-B471-4549-A848-8326224DD138}"/>
+              </a:ext>
+            </a:extLst>
+          </p:cNvPr>
+          <p:cNvSpPr txBox="1"/>
+          <p:nvPr/>
+        </p:nvSpPr>
+        <p:spPr>
+          <a:xfrm>
+            <a:off x="-48454" y="0"/>
+            <a:ext cx="12191999" cy="461665"/>
+          </a:xfrm>
+          <a:prstGeom prst="rect">
+            <a:avLst/>
+          </a:prstGeom>
+          <a:noFill/>
+        </p:spPr>
+        <p:txBody>
+          <a:bodyPr wrap="square" rtlCol="0">
+            <a:spAutoFit/>
+          </a:bodyPr>
+          <a:lstStyle/>
+          <a:p>
+            <a:pPr algn="ctr"/>
+            <a:r>
+              <a:rPr lang="fr-FR" sz="2400" b="1" u="sng" dirty="0">
+                <a:solidFill>
+                  <a:srgbClr val="C2381E"/>
+                </a:solidFill>
+              </a:rPr>
+              <a:t>Soutenance de PE : PE 66</a:t>
+            </a:r>
+            <a:endParaRPr lang="fr-FR" sz="2000" b="1" u="sng" dirty="0">
+              <a:solidFill>
+                <a:srgbClr val="C2381E"/>
+              </a:solidFill>
+            </a:endParaRPr>
+          </a:p>
+        </p:txBody>
+      </p:sp>
+      <p:sp>
+        <p:nvSpPr>
+          <p:cNvPr id="15" name="Espace réservé du numéro de diapositive 14">
+            <a:extLst>
+              <a:ext uri="{FF2B5EF4-FFF2-40B4-BE49-F238E27FC236}">
+                <a16:creationId xmlns="" xmlns:a16="http://schemas.microsoft.com/office/drawing/2014/main" id="{CDE5A07D-D0AC-40C1-A4B2-6554F2C6C2A8}"/>
+              </a:ext>
+            </a:extLst>
+          </p:cNvPr>
+          <p:cNvSpPr>
+            <a:spLocks noGrp="1"/>
+          </p:cNvSpPr>
+          <p:nvPr>
+            <p:ph type="sldNum" sz="quarter" idx="12"/>
+          </p:nvPr>
+        </p:nvSpPr>
+        <p:spPr/>
+        <p:txBody>
+          <a:bodyPr/>
+          <a:lstStyle/>
+          <a:p>
+            <a:fld id="{73490FB6-93C5-409F-BF3D-2518382DD0D9}" type="slidenum">
+              <a:rPr lang="fr-FR" smtClean="0"/>
+              <a:t>21</a:t>
+            </a:fld>
+            <a:endParaRPr lang="fr-FR"/>
+          </a:p>
+        </p:txBody>
+      </p:sp>
+      <p:pic>
+        <p:nvPicPr>
+          <p:cNvPr id="13" name="Picture 6" descr="https://lh4.googleusercontent.com/tDwfaWIODJwkVzC04hR4wphZ_bXVMzxILbAN9Qbng8EwIAbWv-Or6b11Jyv2qqyH2fMlHzvMDEqmubu33Vw1qj5t-PauwGvmDfLxtND69gtRglVB3TUtZhO0V3XG9FqWCcJLVMSl2JA">
+            <a:extLst>
+              <a:ext uri="{FF2B5EF4-FFF2-40B4-BE49-F238E27FC236}">
+                <a16:creationId xmlns="" xmlns:a16="http://schemas.microsoft.com/office/drawing/2014/main" id="{8E4C707E-0CDF-4F28-ACCD-1ADCB9155F03}"/>
               </a:ext>
             </a:extLst>
           </p:cNvPr>
@@ -14833,7 +13563,7 @@
           <p:cNvPr id="7" name="ZoneTexte 6">
             <a:extLst>
               <a:ext uri="{FF2B5EF4-FFF2-40B4-BE49-F238E27FC236}">
-                <a16:creationId xmlns:a16="http://schemas.microsoft.com/office/drawing/2014/main" xmlns="" id="{2C8E76D1-3A8D-4D71-9701-519B1133BAF2}"/>
+                <a16:creationId xmlns="" xmlns:a16="http://schemas.microsoft.com/office/drawing/2014/main" id="{2C8E76D1-3A8D-4D71-9701-519B1133BAF2}"/>
               </a:ext>
             </a:extLst>
           </p:cNvPr>
@@ -14925,7 +13655,7 @@
           <p:cNvPr id="4" name="ZoneTexte 3">
             <a:extLst>
               <a:ext uri="{FF2B5EF4-FFF2-40B4-BE49-F238E27FC236}">
-                <a16:creationId xmlns:a16="http://schemas.microsoft.com/office/drawing/2014/main" xmlns="" id="{11CB7687-B471-4549-A848-8326224DD138}"/>
+                <a16:creationId xmlns="" xmlns:a16="http://schemas.microsoft.com/office/drawing/2014/main" id="{11CB7687-B471-4549-A848-8326224DD138}"/>
               </a:ext>
             </a:extLst>
           </p:cNvPr>
@@ -14970,7 +13700,7 @@
           <p:cNvPr id="9" name="ZoneTexte 8">
             <a:extLst>
               <a:ext uri="{FF2B5EF4-FFF2-40B4-BE49-F238E27FC236}">
-                <a16:creationId xmlns:a16="http://schemas.microsoft.com/office/drawing/2014/main" xmlns="" id="{86FA704E-1B92-4AAF-B5EC-8BF8A05E9824}"/>
+                <a16:creationId xmlns="" xmlns:a16="http://schemas.microsoft.com/office/drawing/2014/main" id="{86FA704E-1B92-4AAF-B5EC-8BF8A05E9824}"/>
               </a:ext>
             </a:extLst>
           </p:cNvPr>
@@ -15022,7 +13752,7 @@
           <p:cNvPr id="14" name="Image 13" descr="Une image contenant ciel, terrain, extérieur, route&#10;&#10;Description générée automatiquement">
             <a:extLst>
               <a:ext uri="{FF2B5EF4-FFF2-40B4-BE49-F238E27FC236}">
-                <a16:creationId xmlns:a16="http://schemas.microsoft.com/office/drawing/2014/main" xmlns="" id="{5C9450E1-E5EA-4C8B-9E25-E01F9F1B78C1}"/>
+                <a16:creationId xmlns="" xmlns:a16="http://schemas.microsoft.com/office/drawing/2014/main" id="{5C9450E1-E5EA-4C8B-9E25-E01F9F1B78C1}"/>
               </a:ext>
             </a:extLst>
           </p:cNvPr>
@@ -15057,7 +13787,7 @@
           <p:cNvPr id="15" name="Espace réservé du numéro de diapositive 14">
             <a:extLst>
               <a:ext uri="{FF2B5EF4-FFF2-40B4-BE49-F238E27FC236}">
-                <a16:creationId xmlns:a16="http://schemas.microsoft.com/office/drawing/2014/main" xmlns="" id="{CDE5A07D-D0AC-40C1-A4B2-6554F2C6C2A8}"/>
+                <a16:creationId xmlns="" xmlns:a16="http://schemas.microsoft.com/office/drawing/2014/main" id="{CDE5A07D-D0AC-40C1-A4B2-6554F2C6C2A8}"/>
               </a:ext>
             </a:extLst>
           </p:cNvPr>
@@ -15086,7 +13816,7 @@
           <p:cNvPr id="16" name="Rectangle 15">
             <a:extLst>
               <a:ext uri="{FF2B5EF4-FFF2-40B4-BE49-F238E27FC236}">
-                <a16:creationId xmlns:a16="http://schemas.microsoft.com/office/drawing/2014/main" xmlns="" id="{BE6506BA-AFF1-4381-8E0F-666C8AB1291C}"/>
+                <a16:creationId xmlns="" xmlns:a16="http://schemas.microsoft.com/office/drawing/2014/main" id="{BE6506BA-AFF1-4381-8E0F-666C8AB1291C}"/>
               </a:ext>
             </a:extLst>
           </p:cNvPr>
@@ -15157,7 +13887,7 @@
           <p:cNvPr id="2" name="Rectangle 1">
             <a:extLst>
               <a:ext uri="{FF2B5EF4-FFF2-40B4-BE49-F238E27FC236}">
-                <a16:creationId xmlns:a16="http://schemas.microsoft.com/office/drawing/2014/main" xmlns="" id="{332FE957-D054-47D9-9285-1C3335E069D4}"/>
+                <a16:creationId xmlns="" xmlns:a16="http://schemas.microsoft.com/office/drawing/2014/main" id="{332FE957-D054-47D9-9285-1C3335E069D4}"/>
               </a:ext>
             </a:extLst>
           </p:cNvPr>
@@ -15200,7 +13930,7 @@
           <p:cNvPr id="12" name="Image 11" descr="Une image contenant texte, signe, journal&#10;&#10;Description générée automatiquement">
             <a:extLst>
               <a:ext uri="{FF2B5EF4-FFF2-40B4-BE49-F238E27FC236}">
-                <a16:creationId xmlns:a16="http://schemas.microsoft.com/office/drawing/2014/main" xmlns="" id="{5E4420E1-29B6-457F-94BF-ED34C6F9748E}"/>
+                <a16:creationId xmlns="" xmlns:a16="http://schemas.microsoft.com/office/drawing/2014/main" id="{5E4420E1-29B6-457F-94BF-ED34C6F9748E}"/>
               </a:ext>
             </a:extLst>
           </p:cNvPr>
@@ -15253,7 +13983,7 @@
           <p:cNvPr id="13" name="Picture 6" descr="https://lh4.googleusercontent.com/tDwfaWIODJwkVzC04hR4wphZ_bXVMzxILbAN9Qbng8EwIAbWv-Or6b11Jyv2qqyH2fMlHzvMDEqmubu33Vw1qj5t-PauwGvmDfLxtND69gtRglVB3TUtZhO0V3XG9FqWCcJLVMSl2JA">
             <a:extLst>
               <a:ext uri="{FF2B5EF4-FFF2-40B4-BE49-F238E27FC236}">
-                <a16:creationId xmlns:a16="http://schemas.microsoft.com/office/drawing/2014/main" xmlns="" id="{1A62ACCB-1752-48FA-8254-6082E1EF8BD0}"/>
+                <a16:creationId xmlns="" xmlns:a16="http://schemas.microsoft.com/office/drawing/2014/main" id="{1A62ACCB-1752-48FA-8254-6082E1EF8BD0}"/>
               </a:ext>
             </a:extLst>
           </p:cNvPr>
@@ -15351,7 +14081,7 @@
           <p:cNvPr id="4" name="ZoneTexte 3">
             <a:extLst>
               <a:ext uri="{FF2B5EF4-FFF2-40B4-BE49-F238E27FC236}">
-                <a16:creationId xmlns:a16="http://schemas.microsoft.com/office/drawing/2014/main" xmlns="" id="{11CB7687-B471-4549-A848-8326224DD138}"/>
+                <a16:creationId xmlns="" xmlns:a16="http://schemas.microsoft.com/office/drawing/2014/main" id="{11CB7687-B471-4549-A848-8326224DD138}"/>
               </a:ext>
             </a:extLst>
           </p:cNvPr>
@@ -15396,7 +14126,7 @@
           <p:cNvPr id="9" name="ZoneTexte 8">
             <a:extLst>
               <a:ext uri="{FF2B5EF4-FFF2-40B4-BE49-F238E27FC236}">
-                <a16:creationId xmlns:a16="http://schemas.microsoft.com/office/drawing/2014/main" xmlns="" id="{86FA704E-1B92-4AAF-B5EC-8BF8A05E9824}"/>
+                <a16:creationId xmlns="" xmlns:a16="http://schemas.microsoft.com/office/drawing/2014/main" id="{86FA704E-1B92-4AAF-B5EC-8BF8A05E9824}"/>
               </a:ext>
             </a:extLst>
           </p:cNvPr>
@@ -15448,7 +14178,7 @@
           <p:cNvPr id="15" name="Espace réservé du numéro de diapositive 14">
             <a:extLst>
               <a:ext uri="{FF2B5EF4-FFF2-40B4-BE49-F238E27FC236}">
-                <a16:creationId xmlns:a16="http://schemas.microsoft.com/office/drawing/2014/main" xmlns="" id="{CDE5A07D-D0AC-40C1-A4B2-6554F2C6C2A8}"/>
+                <a16:creationId xmlns="" xmlns:a16="http://schemas.microsoft.com/office/drawing/2014/main" id="{CDE5A07D-D0AC-40C1-A4B2-6554F2C6C2A8}"/>
               </a:ext>
             </a:extLst>
           </p:cNvPr>
@@ -15477,7 +14207,7 @@
           <p:cNvPr id="3" name="Rectangle 2">
             <a:extLst>
               <a:ext uri="{FF2B5EF4-FFF2-40B4-BE49-F238E27FC236}">
-                <a16:creationId xmlns:a16="http://schemas.microsoft.com/office/drawing/2014/main" xmlns="" id="{AD0F395D-3E5D-4CC0-BC03-9E90D2D66BBE}"/>
+                <a16:creationId xmlns="" xmlns:a16="http://schemas.microsoft.com/office/drawing/2014/main" id="{AD0F395D-3E5D-4CC0-BC03-9E90D2D66BBE}"/>
               </a:ext>
             </a:extLst>
           </p:cNvPr>
@@ -15673,7 +14403,7 @@
           <p:cNvPr id="5" name="Rectangle 4">
             <a:extLst>
               <a:ext uri="{FF2B5EF4-FFF2-40B4-BE49-F238E27FC236}">
-                <a16:creationId xmlns:a16="http://schemas.microsoft.com/office/drawing/2014/main" xmlns="" id="{1BEEA98E-7FCE-4B56-8D6E-A94625E42495}"/>
+                <a16:creationId xmlns="" xmlns:a16="http://schemas.microsoft.com/office/drawing/2014/main" id="{1BEEA98E-7FCE-4B56-8D6E-A94625E42495}"/>
               </a:ext>
             </a:extLst>
           </p:cNvPr>
@@ -15811,7 +14541,7 @@
           <p:cNvPr id="6" name="Image 5">
             <a:extLst>
               <a:ext uri="{FF2B5EF4-FFF2-40B4-BE49-F238E27FC236}">
-                <a16:creationId xmlns:a16="http://schemas.microsoft.com/office/drawing/2014/main" xmlns="" id="{E7D7C383-9C24-4969-B3DC-5AA24F7CCECD}"/>
+                <a16:creationId xmlns="" xmlns:a16="http://schemas.microsoft.com/office/drawing/2014/main" id="{E7D7C383-9C24-4969-B3DC-5AA24F7CCECD}"/>
               </a:ext>
             </a:extLst>
           </p:cNvPr>
@@ -15841,7 +14571,7 @@
           <p:cNvPr id="7" name="Image 6">
             <a:extLst>
               <a:ext uri="{FF2B5EF4-FFF2-40B4-BE49-F238E27FC236}">
-                <a16:creationId xmlns:a16="http://schemas.microsoft.com/office/drawing/2014/main" xmlns="" id="{558EA555-8E0E-4ADF-BC43-262E22C90C39}"/>
+                <a16:creationId xmlns="" xmlns:a16="http://schemas.microsoft.com/office/drawing/2014/main" id="{558EA555-8E0E-4ADF-BC43-262E22C90C39}"/>
               </a:ext>
             </a:extLst>
           </p:cNvPr>
@@ -15870,7 +14600,7 @@
           <p:cNvPr id="18" name="Rectangle 17">
             <a:extLst>
               <a:ext uri="{FF2B5EF4-FFF2-40B4-BE49-F238E27FC236}">
-                <a16:creationId xmlns:a16="http://schemas.microsoft.com/office/drawing/2014/main" xmlns="" id="{B9DDB5A2-52F9-40FF-97E0-E7D86FCCF44F}"/>
+                <a16:creationId xmlns="" xmlns:a16="http://schemas.microsoft.com/office/drawing/2014/main" id="{B9DDB5A2-52F9-40FF-97E0-E7D86FCCF44F}"/>
               </a:ext>
             </a:extLst>
           </p:cNvPr>
@@ -15925,7 +14655,7 @@
           <p:cNvPr id="19" name="Rectangle 18">
             <a:extLst>
               <a:ext uri="{FF2B5EF4-FFF2-40B4-BE49-F238E27FC236}">
-                <a16:creationId xmlns:a16="http://schemas.microsoft.com/office/drawing/2014/main" xmlns="" id="{5D2EC7B7-6512-456C-BF6F-0FA8A89C9F2B}"/>
+                <a16:creationId xmlns="" xmlns:a16="http://schemas.microsoft.com/office/drawing/2014/main" id="{5D2EC7B7-6512-456C-BF6F-0FA8A89C9F2B}"/>
               </a:ext>
             </a:extLst>
           </p:cNvPr>
@@ -15980,7 +14710,7 @@
           <p:cNvPr id="21" name="Image 20" descr="Une image contenant texte, signe, journal&#10;&#10;Description générée automatiquement">
             <a:extLst>
               <a:ext uri="{FF2B5EF4-FFF2-40B4-BE49-F238E27FC236}">
-                <a16:creationId xmlns:a16="http://schemas.microsoft.com/office/drawing/2014/main" xmlns="" id="{439C2479-DA0B-4F92-A412-5653B408AA59}"/>
+                <a16:creationId xmlns="" xmlns:a16="http://schemas.microsoft.com/office/drawing/2014/main" id="{439C2479-DA0B-4F92-A412-5653B408AA59}"/>
               </a:ext>
             </a:extLst>
           </p:cNvPr>
@@ -16033,7 +14763,7 @@
           <p:cNvPr id="22" name="Picture 6" descr="https://lh4.googleusercontent.com/tDwfaWIODJwkVzC04hR4wphZ_bXVMzxILbAN9Qbng8EwIAbWv-Or6b11Jyv2qqyH2fMlHzvMDEqmubu33Vw1qj5t-PauwGvmDfLxtND69gtRglVB3TUtZhO0V3XG9FqWCcJLVMSl2JA">
             <a:extLst>
               <a:ext uri="{FF2B5EF4-FFF2-40B4-BE49-F238E27FC236}">
-                <a16:creationId xmlns:a16="http://schemas.microsoft.com/office/drawing/2014/main" xmlns="" id="{AC5014A4-6433-41BF-B958-8FCB0AFAC7AF}"/>
+                <a16:creationId xmlns="" xmlns:a16="http://schemas.microsoft.com/office/drawing/2014/main" id="{AC5014A4-6433-41BF-B958-8FCB0AFAC7AF}"/>
               </a:ext>
             </a:extLst>
           </p:cNvPr>
@@ -16131,7 +14861,7 @@
           <p:cNvPr id="4" name="ZoneTexte 3">
             <a:extLst>
               <a:ext uri="{FF2B5EF4-FFF2-40B4-BE49-F238E27FC236}">
-                <a16:creationId xmlns:a16="http://schemas.microsoft.com/office/drawing/2014/main" xmlns="" id="{11CB7687-B471-4549-A848-8326224DD138}"/>
+                <a16:creationId xmlns="" xmlns:a16="http://schemas.microsoft.com/office/drawing/2014/main" id="{11CB7687-B471-4549-A848-8326224DD138}"/>
               </a:ext>
             </a:extLst>
           </p:cNvPr>
@@ -16176,7 +14906,7 @@
           <p:cNvPr id="9" name="ZoneTexte 8">
             <a:extLst>
               <a:ext uri="{FF2B5EF4-FFF2-40B4-BE49-F238E27FC236}">
-                <a16:creationId xmlns:a16="http://schemas.microsoft.com/office/drawing/2014/main" xmlns="" id="{86FA704E-1B92-4AAF-B5EC-8BF8A05E9824}"/>
+                <a16:creationId xmlns="" xmlns:a16="http://schemas.microsoft.com/office/drawing/2014/main" id="{86FA704E-1B92-4AAF-B5EC-8BF8A05E9824}"/>
               </a:ext>
             </a:extLst>
           </p:cNvPr>
@@ -16228,7 +14958,7 @@
           <p:cNvPr id="10" name="Image 9" descr="Une image contenant texte, signe, journal&#10;&#10;Description générée automatiquement">
             <a:extLst>
               <a:ext uri="{FF2B5EF4-FFF2-40B4-BE49-F238E27FC236}">
-                <a16:creationId xmlns:a16="http://schemas.microsoft.com/office/drawing/2014/main" xmlns="" id="{C3E24DCF-232A-4D87-B073-EC3FA9FB7D88}"/>
+                <a16:creationId xmlns="" xmlns:a16="http://schemas.microsoft.com/office/drawing/2014/main" id="{C3E24DCF-232A-4D87-B073-EC3FA9FB7D88}"/>
               </a:ext>
             </a:extLst>
           </p:cNvPr>
@@ -16281,7 +15011,7 @@
           <p:cNvPr id="15" name="Espace réservé du numéro de diapositive 14">
             <a:extLst>
               <a:ext uri="{FF2B5EF4-FFF2-40B4-BE49-F238E27FC236}">
-                <a16:creationId xmlns:a16="http://schemas.microsoft.com/office/drawing/2014/main" xmlns="" id="{CDE5A07D-D0AC-40C1-A4B2-6554F2C6C2A8}"/>
+                <a16:creationId xmlns="" xmlns:a16="http://schemas.microsoft.com/office/drawing/2014/main" id="{CDE5A07D-D0AC-40C1-A4B2-6554F2C6C2A8}"/>
               </a:ext>
             </a:extLst>
           </p:cNvPr>
@@ -16310,7 +15040,7 @@
           <p:cNvPr id="3" name="Rectangle 2">
             <a:extLst>
               <a:ext uri="{FF2B5EF4-FFF2-40B4-BE49-F238E27FC236}">
-                <a16:creationId xmlns:a16="http://schemas.microsoft.com/office/drawing/2014/main" xmlns="" id="{AD0F395D-3E5D-4CC0-BC03-9E90D2D66BBE}"/>
+                <a16:creationId xmlns="" xmlns:a16="http://schemas.microsoft.com/office/drawing/2014/main" id="{AD0F395D-3E5D-4CC0-BC03-9E90D2D66BBE}"/>
               </a:ext>
             </a:extLst>
           </p:cNvPr>
@@ -16431,7 +15161,7 @@
           <p:cNvPr id="13" name="Picture 6" descr="https://lh4.googleusercontent.com/tDwfaWIODJwkVzC04hR4wphZ_bXVMzxILbAN9Qbng8EwIAbWv-Or6b11Jyv2qqyH2fMlHzvMDEqmubu33Vw1qj5t-PauwGvmDfLxtND69gtRglVB3TUtZhO0V3XG9FqWCcJLVMSl2JA">
             <a:extLst>
               <a:ext uri="{FF2B5EF4-FFF2-40B4-BE49-F238E27FC236}">
-                <a16:creationId xmlns:a16="http://schemas.microsoft.com/office/drawing/2014/main" xmlns="" id="{8E4C707E-0CDF-4F28-ACCD-1ADCB9155F03}"/>
+                <a16:creationId xmlns="" xmlns:a16="http://schemas.microsoft.com/office/drawing/2014/main" id="{8E4C707E-0CDF-4F28-ACCD-1ADCB9155F03}"/>
               </a:ext>
             </a:extLst>
           </p:cNvPr>
@@ -16485,7 +15215,7 @@
           <p:cNvPr id="12" name="Image 11" descr="Une image contenant cintre, objet, lampe&#10;&#10;Description générée automatiquement">
             <a:extLst>
               <a:ext uri="{FF2B5EF4-FFF2-40B4-BE49-F238E27FC236}">
-                <a16:creationId xmlns:a16="http://schemas.microsoft.com/office/drawing/2014/main" xmlns="" id="{8ED443B8-0545-4EBC-9705-5E9F30651122}"/>
+                <a16:creationId xmlns="" xmlns:a16="http://schemas.microsoft.com/office/drawing/2014/main" id="{8ED443B8-0545-4EBC-9705-5E9F30651122}"/>
               </a:ext>
             </a:extLst>
           </p:cNvPr>
@@ -16531,7 +15261,7 @@
           <p:cNvPr id="17" name="Image 16">
             <a:extLst>
               <a:ext uri="{FF2B5EF4-FFF2-40B4-BE49-F238E27FC236}">
-                <a16:creationId xmlns:a16="http://schemas.microsoft.com/office/drawing/2014/main" xmlns="" id="{A0FB46A7-986C-4893-A6EA-2233E23AE2E4}"/>
+                <a16:creationId xmlns="" xmlns:a16="http://schemas.microsoft.com/office/drawing/2014/main" id="{A0FB46A7-986C-4893-A6EA-2233E23AE2E4}"/>
               </a:ext>
             </a:extLst>
           </p:cNvPr>
@@ -16576,7 +15306,7 @@
           <p:cNvPr id="20" name="Rectangle 19">
             <a:extLst>
               <a:ext uri="{FF2B5EF4-FFF2-40B4-BE49-F238E27FC236}">
-                <a16:creationId xmlns:a16="http://schemas.microsoft.com/office/drawing/2014/main" xmlns="" id="{E7358B23-C194-4E1E-B254-6F913CF5D2F4}"/>
+                <a16:creationId xmlns="" xmlns:a16="http://schemas.microsoft.com/office/drawing/2014/main" id="{E7358B23-C194-4E1E-B254-6F913CF5D2F4}"/>
               </a:ext>
             </a:extLst>
           </p:cNvPr>
@@ -16631,7 +15361,7 @@
           <p:cNvPr id="21" name="Rectangle 20">
             <a:extLst>
               <a:ext uri="{FF2B5EF4-FFF2-40B4-BE49-F238E27FC236}">
-                <a16:creationId xmlns:a16="http://schemas.microsoft.com/office/drawing/2014/main" xmlns="" id="{1B4C8D5B-666A-40E5-9380-DFB55C9FB13E}"/>
+                <a16:creationId xmlns="" xmlns:a16="http://schemas.microsoft.com/office/drawing/2014/main" id="{1B4C8D5B-666A-40E5-9380-DFB55C9FB13E}"/>
               </a:ext>
             </a:extLst>
           </p:cNvPr>
@@ -16738,7 +15468,7 @@
           <p:cNvPr id="4" name="ZoneTexte 3">
             <a:extLst>
               <a:ext uri="{FF2B5EF4-FFF2-40B4-BE49-F238E27FC236}">
-                <a16:creationId xmlns:a16="http://schemas.microsoft.com/office/drawing/2014/main" xmlns="" id="{11CB7687-B471-4549-A848-8326224DD138}"/>
+                <a16:creationId xmlns="" xmlns:a16="http://schemas.microsoft.com/office/drawing/2014/main" id="{11CB7687-B471-4549-A848-8326224DD138}"/>
               </a:ext>
             </a:extLst>
           </p:cNvPr>
@@ -16783,7 +15513,7 @@
           <p:cNvPr id="9" name="ZoneTexte 8">
             <a:extLst>
               <a:ext uri="{FF2B5EF4-FFF2-40B4-BE49-F238E27FC236}">
-                <a16:creationId xmlns:a16="http://schemas.microsoft.com/office/drawing/2014/main" xmlns="" id="{86FA704E-1B92-4AAF-B5EC-8BF8A05E9824}"/>
+                <a16:creationId xmlns="" xmlns:a16="http://schemas.microsoft.com/office/drawing/2014/main" id="{86FA704E-1B92-4AAF-B5EC-8BF8A05E9824}"/>
               </a:ext>
             </a:extLst>
           </p:cNvPr>
@@ -16822,7 +15552,7 @@
           <p:cNvPr id="15" name="Espace réservé du numéro de diapositive 14">
             <a:extLst>
               <a:ext uri="{FF2B5EF4-FFF2-40B4-BE49-F238E27FC236}">
-                <a16:creationId xmlns:a16="http://schemas.microsoft.com/office/drawing/2014/main" xmlns="" id="{CDE5A07D-D0AC-40C1-A4B2-6554F2C6C2A8}"/>
+                <a16:creationId xmlns="" xmlns:a16="http://schemas.microsoft.com/office/drawing/2014/main" id="{CDE5A07D-D0AC-40C1-A4B2-6554F2C6C2A8}"/>
               </a:ext>
             </a:extLst>
           </p:cNvPr>
@@ -16851,7 +15581,7 @@
           <p:cNvPr id="13" name="Picture 6" descr="https://lh4.googleusercontent.com/tDwfaWIODJwkVzC04hR4wphZ_bXVMzxILbAN9Qbng8EwIAbWv-Or6b11Jyv2qqyH2fMlHzvMDEqmubu33Vw1qj5t-PauwGvmDfLxtND69gtRglVB3TUtZhO0V3XG9FqWCcJLVMSl2JA">
             <a:extLst>
               <a:ext uri="{FF2B5EF4-FFF2-40B4-BE49-F238E27FC236}">
-                <a16:creationId xmlns:a16="http://schemas.microsoft.com/office/drawing/2014/main" xmlns="" id="{8E4C707E-0CDF-4F28-ACCD-1ADCB9155F03}"/>
+                <a16:creationId xmlns="" xmlns:a16="http://schemas.microsoft.com/office/drawing/2014/main" id="{8E4C707E-0CDF-4F28-ACCD-1ADCB9155F03}"/>
               </a:ext>
             </a:extLst>
           </p:cNvPr>
@@ -16949,7 +15679,7 @@
           <p:cNvPr id="4" name="ZoneTexte 3">
             <a:extLst>
               <a:ext uri="{FF2B5EF4-FFF2-40B4-BE49-F238E27FC236}">
-                <a16:creationId xmlns:a16="http://schemas.microsoft.com/office/drawing/2014/main" xmlns="" id="{11CB7687-B471-4549-A848-8326224DD138}"/>
+                <a16:creationId xmlns="" xmlns:a16="http://schemas.microsoft.com/office/drawing/2014/main" id="{11CB7687-B471-4549-A848-8326224DD138}"/>
               </a:ext>
             </a:extLst>
           </p:cNvPr>
@@ -16994,7 +15724,7 @@
           <p:cNvPr id="9" name="ZoneTexte 8">
             <a:extLst>
               <a:ext uri="{FF2B5EF4-FFF2-40B4-BE49-F238E27FC236}">
-                <a16:creationId xmlns:a16="http://schemas.microsoft.com/office/drawing/2014/main" xmlns="" id="{86FA704E-1B92-4AAF-B5EC-8BF8A05E9824}"/>
+                <a16:creationId xmlns="" xmlns:a16="http://schemas.microsoft.com/office/drawing/2014/main" id="{86FA704E-1B92-4AAF-B5EC-8BF8A05E9824}"/>
               </a:ext>
             </a:extLst>
           </p:cNvPr>
@@ -17040,7 +15770,7 @@
           <p:cNvPr id="15" name="Espace réservé du numéro de diapositive 14">
             <a:extLst>
               <a:ext uri="{FF2B5EF4-FFF2-40B4-BE49-F238E27FC236}">
-                <a16:creationId xmlns:a16="http://schemas.microsoft.com/office/drawing/2014/main" xmlns="" id="{CDE5A07D-D0AC-40C1-A4B2-6554F2C6C2A8}"/>
+                <a16:creationId xmlns="" xmlns:a16="http://schemas.microsoft.com/office/drawing/2014/main" id="{CDE5A07D-D0AC-40C1-A4B2-6554F2C6C2A8}"/>
               </a:ext>
             </a:extLst>
           </p:cNvPr>
@@ -17069,7 +15799,7 @@
           <p:cNvPr id="13" name="Picture 6" descr="https://lh4.googleusercontent.com/tDwfaWIODJwkVzC04hR4wphZ_bXVMzxILbAN9Qbng8EwIAbWv-Or6b11Jyv2qqyH2fMlHzvMDEqmubu33Vw1qj5t-PauwGvmDfLxtND69gtRglVB3TUtZhO0V3XG9FqWCcJLVMSl2JA">
             <a:extLst>
               <a:ext uri="{FF2B5EF4-FFF2-40B4-BE49-F238E27FC236}">
-                <a16:creationId xmlns:a16="http://schemas.microsoft.com/office/drawing/2014/main" xmlns="" id="{8E4C707E-0CDF-4F28-ACCD-1ADCB9155F03}"/>
+                <a16:creationId xmlns="" xmlns:a16="http://schemas.microsoft.com/office/drawing/2014/main" id="{8E4C707E-0CDF-4F28-ACCD-1ADCB9155F03}"/>
               </a:ext>
             </a:extLst>
           </p:cNvPr>
@@ -17123,7 +15853,7 @@
           <p:cNvPr id="6" name="Image 5">
             <a:extLst>
               <a:ext uri="{FF2B5EF4-FFF2-40B4-BE49-F238E27FC236}">
-                <a16:creationId xmlns:a16="http://schemas.microsoft.com/office/drawing/2014/main" xmlns="" id="{B2BE5AC9-D1B9-4699-B03F-980B2F5C3B06}"/>
+                <a16:creationId xmlns="" xmlns:a16="http://schemas.microsoft.com/office/drawing/2014/main" id="{B2BE5AC9-D1B9-4699-B03F-980B2F5C3B06}"/>
               </a:ext>
             </a:extLst>
           </p:cNvPr>
@@ -17156,7 +15886,7 @@
           <p:cNvPr id="7" name="Image 6">
             <a:extLst>
               <a:ext uri="{FF2B5EF4-FFF2-40B4-BE49-F238E27FC236}">
-                <a16:creationId xmlns:a16="http://schemas.microsoft.com/office/drawing/2014/main" xmlns="" id="{C70DBC1C-A97C-4AC3-B75F-5664210A91C0}"/>
+                <a16:creationId xmlns="" xmlns:a16="http://schemas.microsoft.com/office/drawing/2014/main" id="{C70DBC1C-A97C-4AC3-B75F-5664210A91C0}"/>
               </a:ext>
             </a:extLst>
           </p:cNvPr>
@@ -17193,7 +15923,7 @@
           <p:cNvPr id="8" name="Rectangle 7">
             <a:extLst>
               <a:ext uri="{FF2B5EF4-FFF2-40B4-BE49-F238E27FC236}">
-                <a16:creationId xmlns:a16="http://schemas.microsoft.com/office/drawing/2014/main" xmlns="" id="{558BAC74-F16C-4066-876E-3129FB234732}"/>
+                <a16:creationId xmlns="" xmlns:a16="http://schemas.microsoft.com/office/drawing/2014/main" id="{558BAC74-F16C-4066-876E-3129FB234732}"/>
               </a:ext>
             </a:extLst>
           </p:cNvPr>
@@ -17280,7 +16010,7 @@
           <p:cNvPr id="4" name="ZoneTexte 3">
             <a:extLst>
               <a:ext uri="{FF2B5EF4-FFF2-40B4-BE49-F238E27FC236}">
-                <a16:creationId xmlns:a16="http://schemas.microsoft.com/office/drawing/2014/main" xmlns="" id="{11CB7687-B471-4549-A848-8326224DD138}"/>
+                <a16:creationId xmlns="" xmlns:a16="http://schemas.microsoft.com/office/drawing/2014/main" id="{11CB7687-B471-4549-A848-8326224DD138}"/>
               </a:ext>
             </a:extLst>
           </p:cNvPr>
@@ -17325,7 +16055,7 @@
           <p:cNvPr id="9" name="ZoneTexte 8">
             <a:extLst>
               <a:ext uri="{FF2B5EF4-FFF2-40B4-BE49-F238E27FC236}">
-                <a16:creationId xmlns:a16="http://schemas.microsoft.com/office/drawing/2014/main" xmlns="" id="{86FA704E-1B92-4AAF-B5EC-8BF8A05E9824}"/>
+                <a16:creationId xmlns="" xmlns:a16="http://schemas.microsoft.com/office/drawing/2014/main" id="{86FA704E-1B92-4AAF-B5EC-8BF8A05E9824}"/>
               </a:ext>
             </a:extLst>
           </p:cNvPr>
@@ -17371,7 +16101,7 @@
           <p:cNvPr id="15" name="Espace réservé du numéro de diapositive 14">
             <a:extLst>
               <a:ext uri="{FF2B5EF4-FFF2-40B4-BE49-F238E27FC236}">
-                <a16:creationId xmlns:a16="http://schemas.microsoft.com/office/drawing/2014/main" xmlns="" id="{CDE5A07D-D0AC-40C1-A4B2-6554F2C6C2A8}"/>
+                <a16:creationId xmlns="" xmlns:a16="http://schemas.microsoft.com/office/drawing/2014/main" id="{CDE5A07D-D0AC-40C1-A4B2-6554F2C6C2A8}"/>
               </a:ext>
             </a:extLst>
           </p:cNvPr>
@@ -17400,7 +16130,7 @@
           <p:cNvPr id="13" name="Picture 6" descr="https://lh4.googleusercontent.com/tDwfaWIODJwkVzC04hR4wphZ_bXVMzxILbAN9Qbng8EwIAbWv-Or6b11Jyv2qqyH2fMlHzvMDEqmubu33Vw1qj5t-PauwGvmDfLxtND69gtRglVB3TUtZhO0V3XG9FqWCcJLVMSl2JA">
             <a:extLst>
               <a:ext uri="{FF2B5EF4-FFF2-40B4-BE49-F238E27FC236}">
-                <a16:creationId xmlns:a16="http://schemas.microsoft.com/office/drawing/2014/main" xmlns="" id="{8E4C707E-0CDF-4F28-ACCD-1ADCB9155F03}"/>
+                <a16:creationId xmlns="" xmlns:a16="http://schemas.microsoft.com/office/drawing/2014/main" id="{8E4C707E-0CDF-4F28-ACCD-1ADCB9155F03}"/>
               </a:ext>
             </a:extLst>
           </p:cNvPr>
@@ -17454,7 +16184,7 @@
           <p:cNvPr id="6" name="Groupe 5">
             <a:extLst>
               <a:ext uri="{FF2B5EF4-FFF2-40B4-BE49-F238E27FC236}">
-                <a16:creationId xmlns:a16="http://schemas.microsoft.com/office/drawing/2014/main" xmlns="" id="{6C0521AA-AF37-45FC-A401-0780C53C04DD}"/>
+                <a16:creationId xmlns="" xmlns:a16="http://schemas.microsoft.com/office/drawing/2014/main" id="{6C0521AA-AF37-45FC-A401-0780C53C04DD}"/>
               </a:ext>
             </a:extLst>
           </p:cNvPr>
@@ -17474,7 +16204,7 @@
             <p:cNvPr id="7" name="Google Shape;123;p17">
               <a:extLst>
                 <a:ext uri="{FF2B5EF4-FFF2-40B4-BE49-F238E27FC236}">
-                  <a16:creationId xmlns:a16="http://schemas.microsoft.com/office/drawing/2014/main" xmlns="" id="{7542A512-D668-493C-9C95-166ED75BDFDE}"/>
+                  <a16:creationId xmlns="" xmlns:a16="http://schemas.microsoft.com/office/drawing/2014/main" id="{7542A512-D668-493C-9C95-166ED75BDFDE}"/>
                 </a:ext>
               </a:extLst>
             </p:cNvPr>
@@ -17501,14 +16231,14 @@
                   <a:gridCol w="2335875">
                     <a:extLst>
                       <a:ext uri="{9D8B030D-6E8A-4147-A177-3AD203B41FA5}">
-                        <a16:colId xmlns:a16="http://schemas.microsoft.com/office/drawing/2014/main" xmlns="" val="20000"/>
+                        <a16:colId xmlns="" xmlns:a16="http://schemas.microsoft.com/office/drawing/2014/main" val="20000"/>
                       </a:ext>
                     </a:extLst>
                   </a:gridCol>
                   <a:gridCol w="2335875">
                     <a:extLst>
                       <a:ext uri="{9D8B030D-6E8A-4147-A177-3AD203B41FA5}">
-                        <a16:colId xmlns:a16="http://schemas.microsoft.com/office/drawing/2014/main" xmlns="" val="20001"/>
+                        <a16:colId xmlns="" xmlns:a16="http://schemas.microsoft.com/office/drawing/2014/main" val="20001"/>
                       </a:ext>
                     </a:extLst>
                   </a:gridCol>
@@ -17594,7 +16324,7 @@
                   </a:tc>
                   <a:extLst>
                     <a:ext uri="{0D108BD9-81ED-4DB2-BD59-A6C34878D82A}">
-                      <a16:rowId xmlns:a16="http://schemas.microsoft.com/office/drawing/2014/main" xmlns="" val="10000"/>
+                      <a16:rowId xmlns="" xmlns:a16="http://schemas.microsoft.com/office/drawing/2014/main" val="10000"/>
                     </a:ext>
                   </a:extLst>
                 </a:tr>
@@ -17845,7 +16575,7 @@
                   </a:tc>
                   <a:extLst>
                     <a:ext uri="{0D108BD9-81ED-4DB2-BD59-A6C34878D82A}">
-                      <a16:rowId xmlns:a16="http://schemas.microsoft.com/office/drawing/2014/main" xmlns="" val="10001"/>
+                      <a16:rowId xmlns="" xmlns:a16="http://schemas.microsoft.com/office/drawing/2014/main" val="10001"/>
                     </a:ext>
                   </a:extLst>
                 </a:tr>
@@ -17858,7 +16588,7 @@
             <p:cNvPr id="8" name="Google Shape;124;p17">
               <a:extLst>
                 <a:ext uri="{FF2B5EF4-FFF2-40B4-BE49-F238E27FC236}">
-                  <a16:creationId xmlns:a16="http://schemas.microsoft.com/office/drawing/2014/main" xmlns="" id="{4AFBC506-4D79-4522-A670-8606AF81F4AF}"/>
+                  <a16:creationId xmlns="" xmlns:a16="http://schemas.microsoft.com/office/drawing/2014/main" id="{4AFBC506-4D79-4522-A670-8606AF81F4AF}"/>
                 </a:ext>
               </a:extLst>
             </p:cNvPr>
@@ -17885,14 +16615,14 @@
                   <a:gridCol w="2198483">
                     <a:extLst>
                       <a:ext uri="{9D8B030D-6E8A-4147-A177-3AD203B41FA5}">
-                        <a16:colId xmlns:a16="http://schemas.microsoft.com/office/drawing/2014/main" xmlns="" val="20000"/>
+                        <a16:colId xmlns="" xmlns:a16="http://schemas.microsoft.com/office/drawing/2014/main" val="20000"/>
                       </a:ext>
                     </a:extLst>
                   </a:gridCol>
                   <a:gridCol w="2199657">
                     <a:extLst>
                       <a:ext uri="{9D8B030D-6E8A-4147-A177-3AD203B41FA5}">
-                        <a16:colId xmlns:a16="http://schemas.microsoft.com/office/drawing/2014/main" xmlns="" val="20001"/>
+                        <a16:colId xmlns="" xmlns:a16="http://schemas.microsoft.com/office/drawing/2014/main" val="20001"/>
                       </a:ext>
                     </a:extLst>
                   </a:gridCol>
@@ -17978,7 +16708,7 @@
                   </a:tc>
                   <a:extLst>
                     <a:ext uri="{0D108BD9-81ED-4DB2-BD59-A6C34878D82A}">
-                      <a16:rowId xmlns:a16="http://schemas.microsoft.com/office/drawing/2014/main" xmlns="" val="10000"/>
+                      <a16:rowId xmlns="" xmlns:a16="http://schemas.microsoft.com/office/drawing/2014/main" val="10000"/>
                     </a:ext>
                   </a:extLst>
                 </a:tr>
@@ -18217,7 +16947,7 @@
                   </a:tc>
                   <a:extLst>
                     <a:ext uri="{0D108BD9-81ED-4DB2-BD59-A6C34878D82A}">
-                      <a16:rowId xmlns:a16="http://schemas.microsoft.com/office/drawing/2014/main" xmlns="" val="10001"/>
+                      <a16:rowId xmlns="" xmlns:a16="http://schemas.microsoft.com/office/drawing/2014/main" val="10001"/>
                     </a:ext>
                   </a:extLst>
                 </a:tr>
@@ -18230,7 +16960,7 @@
             <p:cNvPr id="10" name="Google Shape;125;p17">
               <a:extLst>
                 <a:ext uri="{FF2B5EF4-FFF2-40B4-BE49-F238E27FC236}">
-                  <a16:creationId xmlns:a16="http://schemas.microsoft.com/office/drawing/2014/main" xmlns="" id="{5196B8B5-6782-4425-9FC3-9FF742F3CFBA}"/>
+                  <a16:creationId xmlns="" xmlns:a16="http://schemas.microsoft.com/office/drawing/2014/main" id="{5196B8B5-6782-4425-9FC3-9FF742F3CFBA}"/>
                 </a:ext>
               </a:extLst>
             </p:cNvPr>
@@ -18257,14 +16987,14 @@
                   <a:gridCol w="1287921">
                     <a:extLst>
                       <a:ext uri="{9D8B030D-6E8A-4147-A177-3AD203B41FA5}">
-                        <a16:colId xmlns:a16="http://schemas.microsoft.com/office/drawing/2014/main" xmlns="" val="20000"/>
+                        <a16:colId xmlns="" xmlns:a16="http://schemas.microsoft.com/office/drawing/2014/main" val="20000"/>
                       </a:ext>
                     </a:extLst>
                   </a:gridCol>
                   <a:gridCol w="1287921">
                     <a:extLst>
                       <a:ext uri="{9D8B030D-6E8A-4147-A177-3AD203B41FA5}">
-                        <a16:colId xmlns:a16="http://schemas.microsoft.com/office/drawing/2014/main" xmlns="" val="20001"/>
+                        <a16:colId xmlns="" xmlns:a16="http://schemas.microsoft.com/office/drawing/2014/main" val="20001"/>
                       </a:ext>
                     </a:extLst>
                   </a:gridCol>
@@ -18350,7 +17080,7 @@
                   </a:tc>
                   <a:extLst>
                     <a:ext uri="{0D108BD9-81ED-4DB2-BD59-A6C34878D82A}">
-                      <a16:rowId xmlns:a16="http://schemas.microsoft.com/office/drawing/2014/main" xmlns="" val="10000"/>
+                      <a16:rowId xmlns="" xmlns:a16="http://schemas.microsoft.com/office/drawing/2014/main" val="10000"/>
                     </a:ext>
                   </a:extLst>
                 </a:tr>
@@ -18531,7 +17261,7 @@
                   </a:tc>
                   <a:extLst>
                     <a:ext uri="{0D108BD9-81ED-4DB2-BD59-A6C34878D82A}">
-                      <a16:rowId xmlns:a16="http://schemas.microsoft.com/office/drawing/2014/main" xmlns="" val="10001"/>
+                      <a16:rowId xmlns="" xmlns:a16="http://schemas.microsoft.com/office/drawing/2014/main" val="10001"/>
                     </a:ext>
                   </a:extLst>
                 </a:tr>
@@ -18544,7 +17274,7 @@
             <p:cNvPr id="11" name="Google Shape;126;p17">
               <a:extLst>
                 <a:ext uri="{FF2B5EF4-FFF2-40B4-BE49-F238E27FC236}">
-                  <a16:creationId xmlns:a16="http://schemas.microsoft.com/office/drawing/2014/main" xmlns="" id="{619820FD-ED35-4511-9E4E-5E3588EBAB29}"/>
+                  <a16:creationId xmlns="" xmlns:a16="http://schemas.microsoft.com/office/drawing/2014/main" id="{619820FD-ED35-4511-9E4E-5E3588EBAB29}"/>
                 </a:ext>
               </a:extLst>
             </p:cNvPr>
@@ -18571,14 +17301,14 @@
                   <a:gridCol w="1529975">
                     <a:extLst>
                       <a:ext uri="{9D8B030D-6E8A-4147-A177-3AD203B41FA5}">
-                        <a16:colId xmlns:a16="http://schemas.microsoft.com/office/drawing/2014/main" xmlns="" val="20000"/>
+                        <a16:colId xmlns="" xmlns:a16="http://schemas.microsoft.com/office/drawing/2014/main" val="20000"/>
                       </a:ext>
                     </a:extLst>
                   </a:gridCol>
                   <a:gridCol w="3096150">
                     <a:extLst>
                       <a:ext uri="{9D8B030D-6E8A-4147-A177-3AD203B41FA5}">
-                        <a16:colId xmlns:a16="http://schemas.microsoft.com/office/drawing/2014/main" xmlns="" val="20001"/>
+                        <a16:colId xmlns="" xmlns:a16="http://schemas.microsoft.com/office/drawing/2014/main" val="20001"/>
                       </a:ext>
                     </a:extLst>
                   </a:gridCol>
@@ -18664,7 +17394,7 @@
                   </a:tc>
                   <a:extLst>
                     <a:ext uri="{0D108BD9-81ED-4DB2-BD59-A6C34878D82A}">
-                      <a16:rowId xmlns:a16="http://schemas.microsoft.com/office/drawing/2014/main" xmlns="" val="10000"/>
+                      <a16:rowId xmlns="" xmlns:a16="http://schemas.microsoft.com/office/drawing/2014/main" val="10000"/>
                     </a:ext>
                   </a:extLst>
                 </a:tr>
@@ -18873,7 +17603,7 @@
                   </a:tc>
                   <a:extLst>
                     <a:ext uri="{0D108BD9-81ED-4DB2-BD59-A6C34878D82A}">
-                      <a16:rowId xmlns:a16="http://schemas.microsoft.com/office/drawing/2014/main" xmlns="" val="10001"/>
+                      <a16:rowId xmlns="" xmlns:a16="http://schemas.microsoft.com/office/drawing/2014/main" val="10001"/>
                     </a:ext>
                   </a:extLst>
                 </a:tr>
@@ -18886,7 +17616,7 @@
             <p:cNvPr id="12" name="Google Shape;127;p17">
               <a:extLst>
                 <a:ext uri="{FF2B5EF4-FFF2-40B4-BE49-F238E27FC236}">
-                  <a16:creationId xmlns:a16="http://schemas.microsoft.com/office/drawing/2014/main" xmlns="" id="{7C918014-CA1E-4AB2-9A83-B8AF1B5FD9B3}"/>
+                  <a16:creationId xmlns="" xmlns:a16="http://schemas.microsoft.com/office/drawing/2014/main" id="{7C918014-CA1E-4AB2-9A83-B8AF1B5FD9B3}"/>
                 </a:ext>
               </a:extLst>
             </p:cNvPr>
@@ -18913,21 +17643,21 @@
                   <a:gridCol w="1337100">
                     <a:extLst>
                       <a:ext uri="{9D8B030D-6E8A-4147-A177-3AD203B41FA5}">
-                        <a16:colId xmlns:a16="http://schemas.microsoft.com/office/drawing/2014/main" xmlns="" val="20000"/>
+                        <a16:colId xmlns="" xmlns:a16="http://schemas.microsoft.com/office/drawing/2014/main" val="20000"/>
                       </a:ext>
                     </a:extLst>
                   </a:gridCol>
                   <a:gridCol w="2710075">
                     <a:extLst>
                       <a:ext uri="{9D8B030D-6E8A-4147-A177-3AD203B41FA5}">
-                        <a16:colId xmlns:a16="http://schemas.microsoft.com/office/drawing/2014/main" xmlns="" val="20001"/>
+                        <a16:colId xmlns="" xmlns:a16="http://schemas.microsoft.com/office/drawing/2014/main" val="20001"/>
                       </a:ext>
                     </a:extLst>
                   </a:gridCol>
                   <a:gridCol w="2710075">
                     <a:extLst>
                       <a:ext uri="{9D8B030D-6E8A-4147-A177-3AD203B41FA5}">
-                        <a16:colId xmlns:a16="http://schemas.microsoft.com/office/drawing/2014/main" xmlns="" val="20002"/>
+                        <a16:colId xmlns="" xmlns:a16="http://schemas.microsoft.com/office/drawing/2014/main" val="20002"/>
                       </a:ext>
                     </a:extLst>
                   </a:gridCol>
@@ -19023,7 +17753,7 @@
                   </a:tc>
                   <a:extLst>
                     <a:ext uri="{0D108BD9-81ED-4DB2-BD59-A6C34878D82A}">
-                      <a16:rowId xmlns:a16="http://schemas.microsoft.com/office/drawing/2014/main" xmlns="" val="10000"/>
+                      <a16:rowId xmlns="" xmlns:a16="http://schemas.microsoft.com/office/drawing/2014/main" val="10000"/>
                     </a:ext>
                   </a:extLst>
                 </a:tr>
@@ -19337,7 +18067,7 @@
                   </a:tc>
                   <a:extLst>
                     <a:ext uri="{0D108BD9-81ED-4DB2-BD59-A6C34878D82A}">
-                      <a16:rowId xmlns:a16="http://schemas.microsoft.com/office/drawing/2014/main" xmlns="" val="10001"/>
+                      <a16:rowId xmlns="" xmlns:a16="http://schemas.microsoft.com/office/drawing/2014/main" val="10001"/>
                     </a:ext>
                   </a:extLst>
                 </a:tr>
@@ -19350,7 +18080,7 @@
             <p:cNvPr id="14" name="Google Shape;128;p17">
               <a:extLst>
                 <a:ext uri="{FF2B5EF4-FFF2-40B4-BE49-F238E27FC236}">
-                  <a16:creationId xmlns:a16="http://schemas.microsoft.com/office/drawing/2014/main" xmlns="" id="{551FC2E0-7C7D-4006-A645-27E323DF8705}"/>
+                  <a16:creationId xmlns="" xmlns:a16="http://schemas.microsoft.com/office/drawing/2014/main" id="{551FC2E0-7C7D-4006-A645-27E323DF8705}"/>
                 </a:ext>
               </a:extLst>
             </p:cNvPr>
@@ -19377,14 +18107,14 @@
                   <a:gridCol w="1408850">
                     <a:extLst>
                       <a:ext uri="{9D8B030D-6E8A-4147-A177-3AD203B41FA5}">
-                        <a16:colId xmlns:a16="http://schemas.microsoft.com/office/drawing/2014/main" xmlns="" val="20000"/>
+                        <a16:colId xmlns="" xmlns:a16="http://schemas.microsoft.com/office/drawing/2014/main" val="20000"/>
                       </a:ext>
                     </a:extLst>
                   </a:gridCol>
                   <a:gridCol w="2878225">
                     <a:extLst>
                       <a:ext uri="{9D8B030D-6E8A-4147-A177-3AD203B41FA5}">
-                        <a16:colId xmlns:a16="http://schemas.microsoft.com/office/drawing/2014/main" xmlns="" val="20001"/>
+                        <a16:colId xmlns="" xmlns:a16="http://schemas.microsoft.com/office/drawing/2014/main" val="20001"/>
                       </a:ext>
                     </a:extLst>
                   </a:gridCol>
@@ -19470,7 +18200,7 @@
                   </a:tc>
                   <a:extLst>
                     <a:ext uri="{0D108BD9-81ED-4DB2-BD59-A6C34878D82A}">
-                      <a16:rowId xmlns:a16="http://schemas.microsoft.com/office/drawing/2014/main" xmlns="" val="10000"/>
+                      <a16:rowId xmlns="" xmlns:a16="http://schemas.microsoft.com/office/drawing/2014/main" val="10000"/>
                     </a:ext>
                   </a:extLst>
                 </a:tr>
@@ -19695,7 +18425,7 @@
                   </a:tc>
                   <a:extLst>
                     <a:ext uri="{0D108BD9-81ED-4DB2-BD59-A6C34878D82A}">
-                      <a16:rowId xmlns:a16="http://schemas.microsoft.com/office/drawing/2014/main" xmlns="" val="10001"/>
+                      <a16:rowId xmlns="" xmlns:a16="http://schemas.microsoft.com/office/drawing/2014/main" val="10001"/>
                     </a:ext>
                   </a:extLst>
                 </a:tr>
@@ -19708,7 +18438,7 @@
             <p:cNvPr id="16" name="Google Shape;129;p17">
               <a:extLst>
                 <a:ext uri="{FF2B5EF4-FFF2-40B4-BE49-F238E27FC236}">
-                  <a16:creationId xmlns:a16="http://schemas.microsoft.com/office/drawing/2014/main" xmlns="" id="{482F216C-A609-4C99-AF13-87D7576C4F3D}"/>
+                  <a16:creationId xmlns="" xmlns:a16="http://schemas.microsoft.com/office/drawing/2014/main" id="{482F216C-A609-4C99-AF13-87D7576C4F3D}"/>
                 </a:ext>
               </a:extLst>
             </p:cNvPr>
@@ -19740,7 +18470,7 @@
             <p:cNvPr id="17" name="Google Shape;130;p17">
               <a:extLst>
                 <a:ext uri="{FF2B5EF4-FFF2-40B4-BE49-F238E27FC236}">
-                  <a16:creationId xmlns:a16="http://schemas.microsoft.com/office/drawing/2014/main" xmlns="" id="{49E55F35-D341-4E93-9685-DE92AE127028}"/>
+                  <a16:creationId xmlns="" xmlns:a16="http://schemas.microsoft.com/office/drawing/2014/main" id="{49E55F35-D341-4E93-9685-DE92AE127028}"/>
                 </a:ext>
               </a:extLst>
             </p:cNvPr>
@@ -19772,7 +18502,7 @@
             <p:cNvPr id="18" name="Google Shape;131;p17">
               <a:extLst>
                 <a:ext uri="{FF2B5EF4-FFF2-40B4-BE49-F238E27FC236}">
-                  <a16:creationId xmlns:a16="http://schemas.microsoft.com/office/drawing/2014/main" xmlns="" id="{64BB0AB9-180E-43AD-9EBA-994F8C06F939}"/>
+                  <a16:creationId xmlns="" xmlns:a16="http://schemas.microsoft.com/office/drawing/2014/main" id="{64BB0AB9-180E-43AD-9EBA-994F8C06F939}"/>
                 </a:ext>
               </a:extLst>
             </p:cNvPr>
@@ -19806,7 +18536,7 @@
             <p:cNvPr id="19" name="Google Shape;132;p17">
               <a:extLst>
                 <a:ext uri="{FF2B5EF4-FFF2-40B4-BE49-F238E27FC236}">
-                  <a16:creationId xmlns:a16="http://schemas.microsoft.com/office/drawing/2014/main" xmlns="" id="{9075963E-B8F5-46C6-AC7E-42C020205F9B}"/>
+                  <a16:creationId xmlns="" xmlns:a16="http://schemas.microsoft.com/office/drawing/2014/main" id="{9075963E-B8F5-46C6-AC7E-42C020205F9B}"/>
                 </a:ext>
               </a:extLst>
             </p:cNvPr>
@@ -19838,7 +18568,7 @@
             <p:cNvPr id="21" name="Google Shape;134;p17">
               <a:extLst>
                 <a:ext uri="{FF2B5EF4-FFF2-40B4-BE49-F238E27FC236}">
-                  <a16:creationId xmlns:a16="http://schemas.microsoft.com/office/drawing/2014/main" xmlns="" id="{B1076294-74D1-4795-837C-9A5E3A83BA88}"/>
+                  <a16:creationId xmlns="" xmlns:a16="http://schemas.microsoft.com/office/drawing/2014/main" id="{B1076294-74D1-4795-837C-9A5E3A83BA88}"/>
                 </a:ext>
               </a:extLst>
             </p:cNvPr>
@@ -19870,7 +18600,7 @@
             <p:cNvPr id="22" name="Google Shape;135;p17">
               <a:extLst>
                 <a:ext uri="{FF2B5EF4-FFF2-40B4-BE49-F238E27FC236}">
-                  <a16:creationId xmlns:a16="http://schemas.microsoft.com/office/drawing/2014/main" xmlns="" id="{28709554-E995-430B-B9CD-7321A4AA582B}"/>
+                  <a16:creationId xmlns="" xmlns:a16="http://schemas.microsoft.com/office/drawing/2014/main" id="{28709554-E995-430B-B9CD-7321A4AA582B}"/>
                 </a:ext>
               </a:extLst>
             </p:cNvPr>
@@ -19902,7 +18632,7 @@
             <p:cNvPr id="23" name="Google Shape;136;p17">
               <a:extLst>
                 <a:ext uri="{FF2B5EF4-FFF2-40B4-BE49-F238E27FC236}">
-                  <a16:creationId xmlns:a16="http://schemas.microsoft.com/office/drawing/2014/main" xmlns="" id="{31BA442E-3BA4-45E2-9B8A-2BBA39D78E28}"/>
+                  <a16:creationId xmlns="" xmlns:a16="http://schemas.microsoft.com/office/drawing/2014/main" id="{31BA442E-3BA4-45E2-9B8A-2BBA39D78E28}"/>
                 </a:ext>
               </a:extLst>
             </p:cNvPr>
@@ -19934,7 +18664,7 @@
             <p:cNvPr id="24" name="Google Shape;139;p17">
               <a:extLst>
                 <a:ext uri="{FF2B5EF4-FFF2-40B4-BE49-F238E27FC236}">
-                  <a16:creationId xmlns:a16="http://schemas.microsoft.com/office/drawing/2014/main" xmlns="" id="{8B179DB0-D731-49C3-9AC2-C2AD929AEC03}"/>
+                  <a16:creationId xmlns="" xmlns:a16="http://schemas.microsoft.com/office/drawing/2014/main" id="{8B179DB0-D731-49C3-9AC2-C2AD929AEC03}"/>
                 </a:ext>
               </a:extLst>
             </p:cNvPr>
@@ -19961,14 +18691,14 @@
                   <a:gridCol w="1337100">
                     <a:extLst>
                       <a:ext uri="{9D8B030D-6E8A-4147-A177-3AD203B41FA5}">
-                        <a16:colId xmlns:a16="http://schemas.microsoft.com/office/drawing/2014/main" xmlns="" val="20000"/>
+                        <a16:colId xmlns="" xmlns:a16="http://schemas.microsoft.com/office/drawing/2014/main" val="20000"/>
                       </a:ext>
                     </a:extLst>
                   </a:gridCol>
                   <a:gridCol w="2290695">
                     <a:extLst>
                       <a:ext uri="{9D8B030D-6E8A-4147-A177-3AD203B41FA5}">
-                        <a16:colId xmlns:a16="http://schemas.microsoft.com/office/drawing/2014/main" xmlns="" val="20001"/>
+                        <a16:colId xmlns="" xmlns:a16="http://schemas.microsoft.com/office/drawing/2014/main" val="20001"/>
                       </a:ext>
                     </a:extLst>
                   </a:gridCol>
@@ -20054,7 +18784,7 @@
                   </a:tc>
                   <a:extLst>
                     <a:ext uri="{0D108BD9-81ED-4DB2-BD59-A6C34878D82A}">
-                      <a16:rowId xmlns:a16="http://schemas.microsoft.com/office/drawing/2014/main" xmlns="" val="10000"/>
+                      <a16:rowId xmlns="" xmlns:a16="http://schemas.microsoft.com/office/drawing/2014/main" val="10000"/>
                     </a:ext>
                   </a:extLst>
                 </a:tr>
@@ -20270,7 +19000,7 @@
                   </a:tc>
                   <a:extLst>
                     <a:ext uri="{0D108BD9-81ED-4DB2-BD59-A6C34878D82A}">
-                      <a16:rowId xmlns:a16="http://schemas.microsoft.com/office/drawing/2014/main" xmlns="" val="10001"/>
+                      <a16:rowId xmlns="" xmlns:a16="http://schemas.microsoft.com/office/drawing/2014/main" val="10001"/>
                     </a:ext>
                   </a:extLst>
                 </a:tr>
@@ -20284,7 +19014,7 @@
           <p:cNvPr id="25" name="Google Shape;134;p17">
             <a:extLst>
               <a:ext uri="{FF2B5EF4-FFF2-40B4-BE49-F238E27FC236}">
-                <a16:creationId xmlns:a16="http://schemas.microsoft.com/office/drawing/2014/main" xmlns="" id="{B316BA49-7581-4BDF-82CA-DC8DC7A7909B}"/>
+                <a16:creationId xmlns="" xmlns:a16="http://schemas.microsoft.com/office/drawing/2014/main" id="{B316BA49-7581-4BDF-82CA-DC8DC7A7909B}"/>
               </a:ext>
             </a:extLst>
           </p:cNvPr>
@@ -20360,7 +19090,7 @@
           <p:cNvPr id="4" name="ZoneTexte 3">
             <a:extLst>
               <a:ext uri="{FF2B5EF4-FFF2-40B4-BE49-F238E27FC236}">
-                <a16:creationId xmlns:a16="http://schemas.microsoft.com/office/drawing/2014/main" xmlns="" id="{11CB7687-B471-4549-A848-8326224DD138}"/>
+                <a16:creationId xmlns="" xmlns:a16="http://schemas.microsoft.com/office/drawing/2014/main" id="{11CB7687-B471-4549-A848-8326224DD138}"/>
               </a:ext>
             </a:extLst>
           </p:cNvPr>
@@ -20405,7 +19135,7 @@
           <p:cNvPr id="9" name="ZoneTexte 8">
             <a:extLst>
               <a:ext uri="{FF2B5EF4-FFF2-40B4-BE49-F238E27FC236}">
-                <a16:creationId xmlns:a16="http://schemas.microsoft.com/office/drawing/2014/main" xmlns="" id="{86FA704E-1B92-4AAF-B5EC-8BF8A05E9824}"/>
+                <a16:creationId xmlns="" xmlns:a16="http://schemas.microsoft.com/office/drawing/2014/main" id="{86FA704E-1B92-4AAF-B5EC-8BF8A05E9824}"/>
               </a:ext>
             </a:extLst>
           </p:cNvPr>
@@ -20456,7 +19186,7 @@
           <p:cNvPr id="15" name="Espace réservé du numéro de diapositive 14">
             <a:extLst>
               <a:ext uri="{FF2B5EF4-FFF2-40B4-BE49-F238E27FC236}">
-                <a16:creationId xmlns:a16="http://schemas.microsoft.com/office/drawing/2014/main" xmlns="" id="{CDE5A07D-D0AC-40C1-A4B2-6554F2C6C2A8}"/>
+                <a16:creationId xmlns="" xmlns:a16="http://schemas.microsoft.com/office/drawing/2014/main" id="{CDE5A07D-D0AC-40C1-A4B2-6554F2C6C2A8}"/>
               </a:ext>
             </a:extLst>
           </p:cNvPr>
@@ -20485,7 +19215,7 @@
           <p:cNvPr id="13" name="Picture 6" descr="https://lh4.googleusercontent.com/tDwfaWIODJwkVzC04hR4wphZ_bXVMzxILbAN9Qbng8EwIAbWv-Or6b11Jyv2qqyH2fMlHzvMDEqmubu33Vw1qj5t-PauwGvmDfLxtND69gtRglVB3TUtZhO0V3XG9FqWCcJLVMSl2JA">
             <a:extLst>
               <a:ext uri="{FF2B5EF4-FFF2-40B4-BE49-F238E27FC236}">
-                <a16:creationId xmlns:a16="http://schemas.microsoft.com/office/drawing/2014/main" xmlns="" id="{8E4C707E-0CDF-4F28-ACCD-1ADCB9155F03}"/>
+                <a16:creationId xmlns="" xmlns:a16="http://schemas.microsoft.com/office/drawing/2014/main" id="{8E4C707E-0CDF-4F28-ACCD-1ADCB9155F03}"/>
               </a:ext>
             </a:extLst>
           </p:cNvPr>

--- a/AB_TOPs/ZZ_Soutenance_PE/S2_SEISM/Diapo/Diaporama_PE_PE66_Juin2019_V2.5.pptx
+++ b/AB_TOPs/ZZ_Soutenance_PE/S2_SEISM/Diapo/Diaporama_PE_PE66_Juin2019_V2.5.pptx
@@ -2094,13 +2094,6 @@
         </dgm:presLayoutVars>
       </dgm:prSet>
       <dgm:spPr/>
-      <dgm:t>
-        <a:bodyPr/>
-        <a:lstStyle/>
-        <a:p>
-          <a:endParaRPr lang="fr-FR"/>
-        </a:p>
-      </dgm:t>
     </dgm:pt>
     <dgm:pt modelId="{8CC4A885-62C5-4612-8CC7-C6D8EB0039DA}" type="pres">
       <dgm:prSet presAssocID="{5CDC913C-3C94-45E6-85F4-C0553F4FE105}" presName="circleA" presStyleLbl="node1" presStyleIdx="0" presStyleCnt="7" custScaleX="130558" custScaleY="130558"/>
@@ -2125,13 +2118,6 @@
         </dgm:presLayoutVars>
       </dgm:prSet>
       <dgm:spPr/>
-      <dgm:t>
-        <a:bodyPr/>
-        <a:lstStyle/>
-        <a:p>
-          <a:endParaRPr lang="fr-FR"/>
-        </a:p>
-      </dgm:t>
     </dgm:pt>
     <dgm:pt modelId="{196258B6-B29C-423A-8DAA-89C773F54DB5}" type="pres">
       <dgm:prSet presAssocID="{AF937246-4A0C-4216-8C6A-B94E7AE90BB5}" presName="circleB" presStyleLbl="node1" presStyleIdx="1" presStyleCnt="7" custScaleX="130558" custScaleY="130558"/>
@@ -2156,13 +2142,6 @@
         </dgm:presLayoutVars>
       </dgm:prSet>
       <dgm:spPr/>
-      <dgm:t>
-        <a:bodyPr/>
-        <a:lstStyle/>
-        <a:p>
-          <a:endParaRPr lang="fr-FR"/>
-        </a:p>
-      </dgm:t>
     </dgm:pt>
     <dgm:pt modelId="{BF9EFFB4-998E-4FDA-B899-BCAAC13F2D94}" type="pres">
       <dgm:prSet presAssocID="{A701AD95-A2EA-4B8C-9FE1-51C34F70FC4F}" presName="circleA" presStyleLbl="node1" presStyleIdx="2" presStyleCnt="7" custScaleX="130558" custScaleY="130558"/>
@@ -2187,13 +2166,6 @@
         </dgm:presLayoutVars>
       </dgm:prSet>
       <dgm:spPr/>
-      <dgm:t>
-        <a:bodyPr/>
-        <a:lstStyle/>
-        <a:p>
-          <a:endParaRPr lang="fr-FR"/>
-        </a:p>
-      </dgm:t>
     </dgm:pt>
     <dgm:pt modelId="{F6A8A7B4-3310-4F6C-97AD-5C55FC57E9E1}" type="pres">
       <dgm:prSet presAssocID="{FFC2F3E5-49C7-45EF-8E91-E56C62AE024A}" presName="circleB" presStyleLbl="node1" presStyleIdx="3" presStyleCnt="7" custScaleX="130558" custScaleY="130558"/>
@@ -2218,13 +2190,6 @@
         </dgm:presLayoutVars>
       </dgm:prSet>
       <dgm:spPr/>
-      <dgm:t>
-        <a:bodyPr/>
-        <a:lstStyle/>
-        <a:p>
-          <a:endParaRPr lang="fr-FR"/>
-        </a:p>
-      </dgm:t>
     </dgm:pt>
     <dgm:pt modelId="{9D2A841A-6AFA-466B-9CED-190891DDEF41}" type="pres">
       <dgm:prSet presAssocID="{5BE59261-C0C9-4CF4-9DA1-3F22BB593E26}" presName="circleA" presStyleLbl="node1" presStyleIdx="4" presStyleCnt="7" custScaleX="130558" custScaleY="130558"/>
@@ -2249,13 +2214,6 @@
         </dgm:presLayoutVars>
       </dgm:prSet>
       <dgm:spPr/>
-      <dgm:t>
-        <a:bodyPr/>
-        <a:lstStyle/>
-        <a:p>
-          <a:endParaRPr lang="fr-FR"/>
-        </a:p>
-      </dgm:t>
     </dgm:pt>
     <dgm:pt modelId="{9961C38E-83AD-4A6D-B54B-8155FCCFD040}" type="pres">
       <dgm:prSet presAssocID="{096D5DC9-0615-437C-8DF2-E190A71F14BC}" presName="circleB" presStyleLbl="node1" presStyleIdx="5" presStyleCnt="7" custScaleX="130558" custScaleY="130558"/>
@@ -2280,13 +2238,6 @@
         </dgm:presLayoutVars>
       </dgm:prSet>
       <dgm:spPr/>
-      <dgm:t>
-        <a:bodyPr/>
-        <a:lstStyle/>
-        <a:p>
-          <a:endParaRPr lang="fr-FR"/>
-        </a:p>
-      </dgm:t>
     </dgm:pt>
     <dgm:pt modelId="{DB76F7B1-3A13-42DE-A310-11AFCF27E79F}" type="pres">
       <dgm:prSet presAssocID="{FD96BDA4-AE5E-4CBA-A6B0-2C47515D6674}" presName="circleA" presStyleLbl="node1" presStyleIdx="6" presStyleCnt="7" custScaleX="130558" custScaleY="130558"/>
@@ -2298,21 +2249,21 @@
     </dgm:pt>
   </dgm:ptLst>
   <dgm:cxnLst>
+    <dgm:cxn modelId="{7A0DDC01-341A-4C76-9C99-B07BDAEE14FF}" srcId="{B7F1182F-1475-447C-815C-EC5FA3FB2727}" destId="{FD96BDA4-AE5E-4CBA-A6B0-2C47515D6674}" srcOrd="6" destOrd="0" parTransId="{81B69DD3-F27B-4C01-8A96-D339AD623B56}" sibTransId="{F2EDB6EB-B25F-4991-9688-A9D16574BD62}"/>
+    <dgm:cxn modelId="{80B8FE29-164F-4507-B888-8CA2544EA52A}" type="presOf" srcId="{FFC2F3E5-49C7-45EF-8E91-E56C62AE024A}" destId="{46F1A1B7-06BD-4CC6-B6FC-EB0CB9A97652}" srcOrd="0" destOrd="0" presId="urn:microsoft.com/office/officeart/2005/8/layout/hProcess11"/>
+    <dgm:cxn modelId="{86326C2B-3AE9-467E-A03C-08B5E5F478BF}" type="presOf" srcId="{096D5DC9-0615-437C-8DF2-E190A71F14BC}" destId="{D1FA6A30-1C94-4AD2-97EC-A04A0FC1876A}" srcOrd="0" destOrd="0" presId="urn:microsoft.com/office/officeart/2005/8/layout/hProcess11"/>
+    <dgm:cxn modelId="{4F34F937-B5CF-446E-BF47-2C06F50D7776}" srcId="{B7F1182F-1475-447C-815C-EC5FA3FB2727}" destId="{FFC2F3E5-49C7-45EF-8E91-E56C62AE024A}" srcOrd="3" destOrd="0" parTransId="{2A3275E2-79D4-4C5F-97CD-B24AA5E1D6A0}" sibTransId="{37E551AD-6030-4205-B855-B137D14AFB94}"/>
+    <dgm:cxn modelId="{861E235F-6D6D-49CC-95FD-EDED7A11297A}" type="presOf" srcId="{AF937246-4A0C-4216-8C6A-B94E7AE90BB5}" destId="{FA8D4227-C77E-43AA-9B1A-0C55478F4ED9}" srcOrd="0" destOrd="0" presId="urn:microsoft.com/office/officeart/2005/8/layout/hProcess11"/>
+    <dgm:cxn modelId="{3A3CA372-5EC6-40E0-B9DE-CB0E2C2F226E}" srcId="{B7F1182F-1475-447C-815C-EC5FA3FB2727}" destId="{096D5DC9-0615-437C-8DF2-E190A71F14BC}" srcOrd="5" destOrd="0" parTransId="{B3EA2033-5B35-4215-9A84-468D2D8E7102}" sibTransId="{ECAD7556-8243-417B-BC0E-A2B1793F69C6}"/>
+    <dgm:cxn modelId="{FCC36B53-096B-42D4-9221-1F325F50BE2F}" type="presOf" srcId="{5BE59261-C0C9-4CF4-9DA1-3F22BB593E26}" destId="{C1DA7732-C82A-424B-BCF3-E0C4A103FA07}" srcOrd="0" destOrd="0" presId="urn:microsoft.com/office/officeart/2005/8/layout/hProcess11"/>
+    <dgm:cxn modelId="{14B3525A-C293-46F1-954E-2BCC129141D8}" type="presOf" srcId="{5CDC913C-3C94-45E6-85F4-C0553F4FE105}" destId="{D6B2A18A-14D7-4F4B-8D2B-DD208000C8AD}" srcOrd="0" destOrd="0" presId="urn:microsoft.com/office/officeart/2005/8/layout/hProcess11"/>
     <dgm:cxn modelId="{2CF46B8A-AD98-4358-9556-C7961E3DAB2F}" srcId="{B7F1182F-1475-447C-815C-EC5FA3FB2727}" destId="{AF937246-4A0C-4216-8C6A-B94E7AE90BB5}" srcOrd="1" destOrd="0" parTransId="{7568D9E6-9B81-49DE-B5E7-E5EACE6931C3}" sibTransId="{0DABE908-BC73-4D3F-A935-5358EC5B3525}"/>
-    <dgm:cxn modelId="{FCC36B53-096B-42D4-9221-1F325F50BE2F}" type="presOf" srcId="{5BE59261-C0C9-4CF4-9DA1-3F22BB593E26}" destId="{C1DA7732-C82A-424B-BCF3-E0C4A103FA07}" srcOrd="0" destOrd="0" presId="urn:microsoft.com/office/officeart/2005/8/layout/hProcess11"/>
+    <dgm:cxn modelId="{8016768B-6F02-4DFF-9FC2-FF385ABC4583}" type="presOf" srcId="{FD96BDA4-AE5E-4CBA-A6B0-2C47515D6674}" destId="{43A3304C-4CA5-4F5A-B889-40E93DF846BD}" srcOrd="0" destOrd="0" presId="urn:microsoft.com/office/officeart/2005/8/layout/hProcess11"/>
     <dgm:cxn modelId="{89AFA891-254D-4084-852A-F96474950F46}" type="presOf" srcId="{B7F1182F-1475-447C-815C-EC5FA3FB2727}" destId="{C6504635-A78F-4D0A-A114-7541C0389596}" srcOrd="0" destOrd="0" presId="urn:microsoft.com/office/officeart/2005/8/layout/hProcess11"/>
-    <dgm:cxn modelId="{3A3CA372-5EC6-40E0-B9DE-CB0E2C2F226E}" srcId="{B7F1182F-1475-447C-815C-EC5FA3FB2727}" destId="{096D5DC9-0615-437C-8DF2-E190A71F14BC}" srcOrd="5" destOrd="0" parTransId="{B3EA2033-5B35-4215-9A84-468D2D8E7102}" sibTransId="{ECAD7556-8243-417B-BC0E-A2B1793F69C6}"/>
-    <dgm:cxn modelId="{861E235F-6D6D-49CC-95FD-EDED7A11297A}" type="presOf" srcId="{AF937246-4A0C-4216-8C6A-B94E7AE90BB5}" destId="{FA8D4227-C77E-43AA-9B1A-0C55478F4ED9}" srcOrd="0" destOrd="0" presId="urn:microsoft.com/office/officeart/2005/8/layout/hProcess11"/>
-    <dgm:cxn modelId="{4F34F937-B5CF-446E-BF47-2C06F50D7776}" srcId="{B7F1182F-1475-447C-815C-EC5FA3FB2727}" destId="{FFC2F3E5-49C7-45EF-8E91-E56C62AE024A}" srcOrd="3" destOrd="0" parTransId="{2A3275E2-79D4-4C5F-97CD-B24AA5E1D6A0}" sibTransId="{37E551AD-6030-4205-B855-B137D14AFB94}"/>
-    <dgm:cxn modelId="{E7529AD2-1BBA-4F1D-A130-0456BA5C345C}" srcId="{B7F1182F-1475-447C-815C-EC5FA3FB2727}" destId="{A701AD95-A2EA-4B8C-9FE1-51C34F70FC4F}" srcOrd="2" destOrd="0" parTransId="{D1074E87-DA49-4D50-937F-3F7C8628EC48}" sibTransId="{AC78A6F1-1223-4AD3-95B6-2FF85DFC2651}"/>
-    <dgm:cxn modelId="{2BA7B7A9-524B-4AFC-8EB6-0C5F77BE79C6}" srcId="{B7F1182F-1475-447C-815C-EC5FA3FB2727}" destId="{5CDC913C-3C94-45E6-85F4-C0553F4FE105}" srcOrd="0" destOrd="0" parTransId="{74A4D00E-FCAB-458D-BA71-93182B0CE0FA}" sibTransId="{D6D0AEC3-7F0F-48FC-A094-B98919B10691}"/>
-    <dgm:cxn modelId="{7A0DDC01-341A-4C76-9C99-B07BDAEE14FF}" srcId="{B7F1182F-1475-447C-815C-EC5FA3FB2727}" destId="{FD96BDA4-AE5E-4CBA-A6B0-2C47515D6674}" srcOrd="6" destOrd="0" parTransId="{81B69DD3-F27B-4C01-8A96-D339AD623B56}" sibTransId="{F2EDB6EB-B25F-4991-9688-A9D16574BD62}"/>
-    <dgm:cxn modelId="{86326C2B-3AE9-467E-A03C-08B5E5F478BF}" type="presOf" srcId="{096D5DC9-0615-437C-8DF2-E190A71F14BC}" destId="{D1FA6A30-1C94-4AD2-97EC-A04A0FC1876A}" srcOrd="0" destOrd="0" presId="urn:microsoft.com/office/officeart/2005/8/layout/hProcess11"/>
-    <dgm:cxn modelId="{80B8FE29-164F-4507-B888-8CA2544EA52A}" type="presOf" srcId="{FFC2F3E5-49C7-45EF-8E91-E56C62AE024A}" destId="{46F1A1B7-06BD-4CC6-B6FC-EB0CB9A97652}" srcOrd="0" destOrd="0" presId="urn:microsoft.com/office/officeart/2005/8/layout/hProcess11"/>
-    <dgm:cxn modelId="{14B3525A-C293-46F1-954E-2BCC129141D8}" type="presOf" srcId="{5CDC913C-3C94-45E6-85F4-C0553F4FE105}" destId="{D6B2A18A-14D7-4F4B-8D2B-DD208000C8AD}" srcOrd="0" destOrd="0" presId="urn:microsoft.com/office/officeart/2005/8/layout/hProcess11"/>
-    <dgm:cxn modelId="{8016768B-6F02-4DFF-9FC2-FF385ABC4583}" type="presOf" srcId="{FD96BDA4-AE5E-4CBA-A6B0-2C47515D6674}" destId="{43A3304C-4CA5-4F5A-B889-40E93DF846BD}" srcOrd="0" destOrd="0" presId="urn:microsoft.com/office/officeart/2005/8/layout/hProcess11"/>
     <dgm:cxn modelId="{712D1092-3CC9-4C9C-A055-1808872F9F8C}" srcId="{B7F1182F-1475-447C-815C-EC5FA3FB2727}" destId="{5BE59261-C0C9-4CF4-9DA1-3F22BB593E26}" srcOrd="4" destOrd="0" parTransId="{EFA59519-D729-4AEA-A444-25E41F91BCCE}" sibTransId="{65F99672-CBA9-4A68-B57E-5F0CD1846F6C}"/>
     <dgm:cxn modelId="{C064C49C-D8A5-4057-9F66-83AFE17C1B44}" type="presOf" srcId="{A701AD95-A2EA-4B8C-9FE1-51C34F70FC4F}" destId="{3B14CBD4-FC7A-4F7C-B9DE-16B26C380A87}" srcOrd="0" destOrd="0" presId="urn:microsoft.com/office/officeart/2005/8/layout/hProcess11"/>
+    <dgm:cxn modelId="{2BA7B7A9-524B-4AFC-8EB6-0C5F77BE79C6}" srcId="{B7F1182F-1475-447C-815C-EC5FA3FB2727}" destId="{5CDC913C-3C94-45E6-85F4-C0553F4FE105}" srcOrd="0" destOrd="0" parTransId="{74A4D00E-FCAB-458D-BA71-93182B0CE0FA}" sibTransId="{D6D0AEC3-7F0F-48FC-A094-B98919B10691}"/>
+    <dgm:cxn modelId="{E7529AD2-1BBA-4F1D-A130-0456BA5C345C}" srcId="{B7F1182F-1475-447C-815C-EC5FA3FB2727}" destId="{A701AD95-A2EA-4B8C-9FE1-51C34F70FC4F}" srcOrd="2" destOrd="0" parTransId="{D1074E87-DA49-4D50-937F-3F7C8628EC48}" sibTransId="{AC78A6F1-1223-4AD3-95B6-2FF85DFC2651}"/>
     <dgm:cxn modelId="{3A0F63D1-1FD2-4C68-B2D7-285F29767784}" type="presParOf" srcId="{C6504635-A78F-4D0A-A114-7541C0389596}" destId="{C157D356-1DF1-4038-8066-5CF0BD9E5F1F}" srcOrd="0" destOrd="0" presId="urn:microsoft.com/office/officeart/2005/8/layout/hProcess11"/>
     <dgm:cxn modelId="{11AF0539-6991-49FD-8C0D-6F943AB5A214}" type="presParOf" srcId="{C6504635-A78F-4D0A-A114-7541C0389596}" destId="{00D1BF5A-57DD-4D16-BF02-C8167B64EB11}" srcOrd="1" destOrd="0" presId="urn:microsoft.com/office/officeart/2005/8/layout/hProcess11"/>
     <dgm:cxn modelId="{9AB740B3-3F22-4B0E-9452-8B6BC4E69E51}" type="presParOf" srcId="{00D1BF5A-57DD-4D16-BF02-C8167B64EB11}" destId="{9475638A-7C82-4A51-8943-3ABC03D7E96D}" srcOrd="0" destOrd="0" presId="urn:microsoft.com/office/officeart/2005/8/layout/hProcess11"/>
@@ -2694,13 +2645,6 @@
         </dgm:presLayoutVars>
       </dgm:prSet>
       <dgm:spPr/>
-      <dgm:t>
-        <a:bodyPr/>
-        <a:lstStyle/>
-        <a:p>
-          <a:endParaRPr lang="fr-FR"/>
-        </a:p>
-      </dgm:t>
     </dgm:pt>
     <dgm:pt modelId="{DB76F7B1-3A13-42DE-A310-11AFCF27E79F}" type="pres">
       <dgm:prSet presAssocID="{FD96BDA4-AE5E-4CBA-A6B0-2C47515D6674}" presName="circleA" presStyleLbl="node1" presStyleIdx="0" presStyleCnt="7" custScaleX="130558" custScaleY="130558"/>
@@ -2725,13 +2669,6 @@
         </dgm:presLayoutVars>
       </dgm:prSet>
       <dgm:spPr/>
-      <dgm:t>
-        <a:bodyPr/>
-        <a:lstStyle/>
-        <a:p>
-          <a:endParaRPr lang="fr-FR"/>
-        </a:p>
-      </dgm:t>
     </dgm:pt>
     <dgm:pt modelId="{C3AFCF1F-29C4-484B-A585-81C4D37CFE7F}" type="pres">
       <dgm:prSet presAssocID="{28C850E5-9197-40F5-BF9C-08445227BE5F}" presName="circleB" presStyleLbl="node1" presStyleIdx="1" presStyleCnt="7"/>
@@ -2756,13 +2693,6 @@
         </dgm:presLayoutVars>
       </dgm:prSet>
       <dgm:spPr/>
-      <dgm:t>
-        <a:bodyPr/>
-        <a:lstStyle/>
-        <a:p>
-          <a:endParaRPr lang="fr-FR"/>
-        </a:p>
-      </dgm:t>
     </dgm:pt>
     <dgm:pt modelId="{4CAC864B-2273-4B99-9E7A-51AB2FB6C968}" type="pres">
       <dgm:prSet presAssocID="{7AA661BB-9F6A-4851-A49D-5E7D69DD66C1}" presName="circleA" presStyleLbl="node1" presStyleIdx="2" presStyleCnt="7"/>
@@ -2787,13 +2717,6 @@
         </dgm:presLayoutVars>
       </dgm:prSet>
       <dgm:spPr/>
-      <dgm:t>
-        <a:bodyPr/>
-        <a:lstStyle/>
-        <a:p>
-          <a:endParaRPr lang="fr-FR"/>
-        </a:p>
-      </dgm:t>
     </dgm:pt>
     <dgm:pt modelId="{698739BB-681C-4C9D-AF1E-C895067E43BA}" type="pres">
       <dgm:prSet presAssocID="{DF9411F6-B16B-479C-9AC3-70553BC130B9}" presName="circleB" presStyleLbl="node1" presStyleIdx="3" presStyleCnt="7"/>
@@ -2818,13 +2741,6 @@
         </dgm:presLayoutVars>
       </dgm:prSet>
       <dgm:spPr/>
-      <dgm:t>
-        <a:bodyPr/>
-        <a:lstStyle/>
-        <a:p>
-          <a:endParaRPr lang="fr-FR"/>
-        </a:p>
-      </dgm:t>
     </dgm:pt>
     <dgm:pt modelId="{2E8109A9-2913-4887-80C0-87EB9AF43D14}" type="pres">
       <dgm:prSet presAssocID="{46B086EA-1920-4D3C-8C34-C14909B14F6C}" presName="circleA" presStyleLbl="node1" presStyleIdx="4" presStyleCnt="7"/>
@@ -2849,13 +2765,6 @@
         </dgm:presLayoutVars>
       </dgm:prSet>
       <dgm:spPr/>
-      <dgm:t>
-        <a:bodyPr/>
-        <a:lstStyle/>
-        <a:p>
-          <a:endParaRPr lang="fr-FR"/>
-        </a:p>
-      </dgm:t>
     </dgm:pt>
     <dgm:pt modelId="{911D2A4F-4007-4116-A7DB-311A0065BFF5}" type="pres">
       <dgm:prSet presAssocID="{E5FC72F6-F176-41DC-BF7E-BB04C4BA841C}" presName="circleB" presStyleLbl="node1" presStyleIdx="5" presStyleCnt="7"/>
@@ -2880,13 +2789,6 @@
         </dgm:presLayoutVars>
       </dgm:prSet>
       <dgm:spPr/>
-      <dgm:t>
-        <a:bodyPr/>
-        <a:lstStyle/>
-        <a:p>
-          <a:endParaRPr lang="fr-FR"/>
-        </a:p>
-      </dgm:t>
     </dgm:pt>
     <dgm:pt modelId="{3C69B94C-19EE-4760-B1D3-6014663FD2CB}" type="pres">
       <dgm:prSet presAssocID="{1B9385DF-FBA7-4F36-B803-83B821A29FAE}" presName="circleA" presStyleLbl="node1" presStyleIdx="6" presStyleCnt="7"/>
@@ -2898,21 +2800,21 @@
     </dgm:pt>
   </dgm:ptLst>
   <dgm:cxnLst>
+    <dgm:cxn modelId="{7A0DDC01-341A-4C76-9C99-B07BDAEE14FF}" srcId="{B7F1182F-1475-447C-815C-EC5FA3FB2727}" destId="{FD96BDA4-AE5E-4CBA-A6B0-2C47515D6674}" srcOrd="0" destOrd="0" parTransId="{81B69DD3-F27B-4C01-8A96-D339AD623B56}" sibTransId="{F2EDB6EB-B25F-4991-9688-A9D16574BD62}"/>
+    <dgm:cxn modelId="{3DCE3E14-B137-480C-899E-2F392E8940C9}" type="presOf" srcId="{DF9411F6-B16B-479C-9AC3-70553BC130B9}" destId="{708FBFE0-C936-4BEE-A417-2E71A7D041F8}" srcOrd="0" destOrd="0" presId="urn:microsoft.com/office/officeart/2005/8/layout/hProcess11"/>
+    <dgm:cxn modelId="{43DD0816-D7FA-4E85-92D7-B78B86BD3182}" srcId="{B7F1182F-1475-447C-815C-EC5FA3FB2727}" destId="{7AA661BB-9F6A-4851-A49D-5E7D69DD66C1}" srcOrd="2" destOrd="0" parTransId="{0C4CE66D-A95A-4F7B-9E52-3C2923C3FED5}" sibTransId="{8825A330-D6DE-435F-8003-FBF94CCB5077}"/>
+    <dgm:cxn modelId="{D462411B-AE29-4850-9BDD-FC5819494A8E}" srcId="{B7F1182F-1475-447C-815C-EC5FA3FB2727}" destId="{DF9411F6-B16B-479C-9AC3-70553BC130B9}" srcOrd="3" destOrd="0" parTransId="{3C4FDD5C-6E67-4416-83AD-396FE45AA5E9}" sibTransId="{8E4CAE73-6191-4A89-A81D-936E1D5493B7}"/>
+    <dgm:cxn modelId="{3D09592C-0012-4FC8-8194-0E9C128F07A3}" srcId="{B7F1182F-1475-447C-815C-EC5FA3FB2727}" destId="{46B086EA-1920-4D3C-8C34-C14909B14F6C}" srcOrd="4" destOrd="0" parTransId="{D2CA9714-3CFA-497E-8FAB-54FD3AA250AB}" sibTransId="{74F6EE66-EEDA-46C3-A379-D45507DF74AD}"/>
+    <dgm:cxn modelId="{69E26939-2FE0-4AC4-8BAC-FE81E5FDFA06}" srcId="{B7F1182F-1475-447C-815C-EC5FA3FB2727}" destId="{E5FC72F6-F176-41DC-BF7E-BB04C4BA841C}" srcOrd="5" destOrd="0" parTransId="{BFF77CD9-9FA6-46B7-8101-3A42DA18C8C8}" sibTransId="{624A4424-0E0F-4834-A639-63971F62818F}"/>
+    <dgm:cxn modelId="{2D00F66F-49B4-405D-806D-E402C766EE58}" type="presOf" srcId="{1B9385DF-FBA7-4F36-B803-83B821A29FAE}" destId="{BA9475B1-5F6F-4FB8-9242-67D241D50F5C}" srcOrd="0" destOrd="0" presId="urn:microsoft.com/office/officeart/2005/8/layout/hProcess11"/>
+    <dgm:cxn modelId="{D424037B-ECE6-460A-B653-4198C49CC3A9}" type="presOf" srcId="{E5FC72F6-F176-41DC-BF7E-BB04C4BA841C}" destId="{2EF25808-AB54-4BE6-8189-089567D08685}" srcOrd="0" destOrd="0" presId="urn:microsoft.com/office/officeart/2005/8/layout/hProcess11"/>
+    <dgm:cxn modelId="{8016768B-6F02-4DFF-9FC2-FF385ABC4583}" type="presOf" srcId="{FD96BDA4-AE5E-4CBA-A6B0-2C47515D6674}" destId="{43A3304C-4CA5-4F5A-B889-40E93DF846BD}" srcOrd="0" destOrd="0" presId="urn:microsoft.com/office/officeart/2005/8/layout/hProcess11"/>
+    <dgm:cxn modelId="{EB80668D-6CE9-43C5-B070-E4440438C952}" type="presOf" srcId="{46B086EA-1920-4D3C-8C34-C14909B14F6C}" destId="{C5C72B98-025E-48F0-9263-981AE597565F}" srcOrd="0" destOrd="0" presId="urn:microsoft.com/office/officeart/2005/8/layout/hProcess11"/>
+    <dgm:cxn modelId="{89AFA891-254D-4084-852A-F96474950F46}" type="presOf" srcId="{B7F1182F-1475-447C-815C-EC5FA3FB2727}" destId="{C6504635-A78F-4D0A-A114-7541C0389596}" srcOrd="0" destOrd="0" presId="urn:microsoft.com/office/officeart/2005/8/layout/hProcess11"/>
     <dgm:cxn modelId="{062BBB91-8A20-499A-8FFE-1A87B4166221}" type="presOf" srcId="{7AA661BB-9F6A-4851-A49D-5E7D69DD66C1}" destId="{63FC269B-94AD-42D1-B4A0-936F0CF2DADD}" srcOrd="0" destOrd="0" presId="urn:microsoft.com/office/officeart/2005/8/layout/hProcess11"/>
-    <dgm:cxn modelId="{D462411B-AE29-4850-9BDD-FC5819494A8E}" srcId="{B7F1182F-1475-447C-815C-EC5FA3FB2727}" destId="{DF9411F6-B16B-479C-9AC3-70553BC130B9}" srcOrd="3" destOrd="0" parTransId="{3C4FDD5C-6E67-4416-83AD-396FE45AA5E9}" sibTransId="{8E4CAE73-6191-4A89-A81D-936E1D5493B7}"/>
-    <dgm:cxn modelId="{89AFA891-254D-4084-852A-F96474950F46}" type="presOf" srcId="{B7F1182F-1475-447C-815C-EC5FA3FB2727}" destId="{C6504635-A78F-4D0A-A114-7541C0389596}" srcOrd="0" destOrd="0" presId="urn:microsoft.com/office/officeart/2005/8/layout/hProcess11"/>
-    <dgm:cxn modelId="{EB80668D-6CE9-43C5-B070-E4440438C952}" type="presOf" srcId="{46B086EA-1920-4D3C-8C34-C14909B14F6C}" destId="{C5C72B98-025E-48F0-9263-981AE597565F}" srcOrd="0" destOrd="0" presId="urn:microsoft.com/office/officeart/2005/8/layout/hProcess11"/>
-    <dgm:cxn modelId="{43DD0816-D7FA-4E85-92D7-B78B86BD3182}" srcId="{B7F1182F-1475-447C-815C-EC5FA3FB2727}" destId="{7AA661BB-9F6A-4851-A49D-5E7D69DD66C1}" srcOrd="2" destOrd="0" parTransId="{0C4CE66D-A95A-4F7B-9E52-3C2923C3FED5}" sibTransId="{8825A330-D6DE-435F-8003-FBF94CCB5077}"/>
-    <dgm:cxn modelId="{D424037B-ECE6-460A-B653-4198C49CC3A9}" type="presOf" srcId="{E5FC72F6-F176-41DC-BF7E-BB04C4BA841C}" destId="{2EF25808-AB54-4BE6-8189-089567D08685}" srcOrd="0" destOrd="0" presId="urn:microsoft.com/office/officeart/2005/8/layout/hProcess11"/>
-    <dgm:cxn modelId="{2D00F66F-49B4-405D-806D-E402C766EE58}" type="presOf" srcId="{1B9385DF-FBA7-4F36-B803-83B821A29FAE}" destId="{BA9475B1-5F6F-4FB8-9242-67D241D50F5C}" srcOrd="0" destOrd="0" presId="urn:microsoft.com/office/officeart/2005/8/layout/hProcess11"/>
-    <dgm:cxn modelId="{3DCE3E14-B137-480C-899E-2F392E8940C9}" type="presOf" srcId="{DF9411F6-B16B-479C-9AC3-70553BC130B9}" destId="{708FBFE0-C936-4BEE-A417-2E71A7D041F8}" srcOrd="0" destOrd="0" presId="urn:microsoft.com/office/officeart/2005/8/layout/hProcess11"/>
-    <dgm:cxn modelId="{7A0DDC01-341A-4C76-9C99-B07BDAEE14FF}" srcId="{B7F1182F-1475-447C-815C-EC5FA3FB2727}" destId="{FD96BDA4-AE5E-4CBA-A6B0-2C47515D6674}" srcOrd="0" destOrd="0" parTransId="{81B69DD3-F27B-4C01-8A96-D339AD623B56}" sibTransId="{F2EDB6EB-B25F-4991-9688-A9D16574BD62}"/>
+    <dgm:cxn modelId="{19E2099B-C5D2-4AD8-BB5F-78AB00A704C8}" srcId="{B7F1182F-1475-447C-815C-EC5FA3FB2727}" destId="{1B9385DF-FBA7-4F36-B803-83B821A29FAE}" srcOrd="6" destOrd="0" parTransId="{C401CFF4-AFDC-40E1-8EF9-CCC0B788AEC2}" sibTransId="{75B5C30D-2FA6-48E1-A69C-68894364F23C}"/>
     <dgm:cxn modelId="{B23844BB-4EF8-4A9B-A8B4-A1450C98F3CE}" srcId="{B7F1182F-1475-447C-815C-EC5FA3FB2727}" destId="{28C850E5-9197-40F5-BF9C-08445227BE5F}" srcOrd="1" destOrd="0" parTransId="{EC4E3063-93A3-4E36-B2A6-47C5FB40664C}" sibTransId="{B9A88F52-2C46-435B-B3A1-0F3DB69B5A7E}"/>
-    <dgm:cxn modelId="{19E2099B-C5D2-4AD8-BB5F-78AB00A704C8}" srcId="{B7F1182F-1475-447C-815C-EC5FA3FB2727}" destId="{1B9385DF-FBA7-4F36-B803-83B821A29FAE}" srcOrd="6" destOrd="0" parTransId="{C401CFF4-AFDC-40E1-8EF9-CCC0B788AEC2}" sibTransId="{75B5C30D-2FA6-48E1-A69C-68894364F23C}"/>
-    <dgm:cxn modelId="{69E26939-2FE0-4AC4-8BAC-FE81E5FDFA06}" srcId="{B7F1182F-1475-447C-815C-EC5FA3FB2727}" destId="{E5FC72F6-F176-41DC-BF7E-BB04C4BA841C}" srcOrd="5" destOrd="0" parTransId="{BFF77CD9-9FA6-46B7-8101-3A42DA18C8C8}" sibTransId="{624A4424-0E0F-4834-A639-63971F62818F}"/>
-    <dgm:cxn modelId="{3D09592C-0012-4FC8-8194-0E9C128F07A3}" srcId="{B7F1182F-1475-447C-815C-EC5FA3FB2727}" destId="{46B086EA-1920-4D3C-8C34-C14909B14F6C}" srcOrd="4" destOrd="0" parTransId="{D2CA9714-3CFA-497E-8FAB-54FD3AA250AB}" sibTransId="{74F6EE66-EEDA-46C3-A379-D45507DF74AD}"/>
     <dgm:cxn modelId="{402863D1-A19E-400D-80BB-6A92AC749032}" type="presOf" srcId="{28C850E5-9197-40F5-BF9C-08445227BE5F}" destId="{2F3C04E1-E5C9-46CD-890F-6AA0E36AD903}" srcOrd="0" destOrd="0" presId="urn:microsoft.com/office/officeart/2005/8/layout/hProcess11"/>
-    <dgm:cxn modelId="{8016768B-6F02-4DFF-9FC2-FF385ABC4583}" type="presOf" srcId="{FD96BDA4-AE5E-4CBA-A6B0-2C47515D6674}" destId="{43A3304C-4CA5-4F5A-B889-40E93DF846BD}" srcOrd="0" destOrd="0" presId="urn:microsoft.com/office/officeart/2005/8/layout/hProcess11"/>
     <dgm:cxn modelId="{3A0F63D1-1FD2-4C68-B2D7-285F29767784}" type="presParOf" srcId="{C6504635-A78F-4D0A-A114-7541C0389596}" destId="{C157D356-1DF1-4038-8066-5CF0BD9E5F1F}" srcOrd="0" destOrd="0" presId="urn:microsoft.com/office/officeart/2005/8/layout/hProcess11"/>
     <dgm:cxn modelId="{11AF0539-6991-49FD-8C0D-6F943AB5A214}" type="presParOf" srcId="{C6504635-A78F-4D0A-A114-7541C0389596}" destId="{00D1BF5A-57DD-4D16-BF02-C8167B64EB11}" srcOrd="1" destOrd="0" presId="urn:microsoft.com/office/officeart/2005/8/layout/hProcess11"/>
     <dgm:cxn modelId="{4CE46869-9301-4684-829F-D07F5DBA76E4}" type="presParOf" srcId="{00D1BF5A-57DD-4D16-BF02-C8167B64EB11}" destId="{739D9721-6A0C-4B26-8B00-8B511495D5D7}" srcOrd="0" destOrd="0" presId="urn:microsoft.com/office/officeart/2005/8/layout/hProcess11"/>
@@ -2968,6 +2870,952 @@
       <dsp:cNvGrpSpPr/>
     </dsp:nvGrpSpPr>
     <dsp:grpSpPr/>
+    <dsp:sp modelId="{C157D356-1DF1-4038-8066-5CF0BD9E5F1F}">
+      <dsp:nvSpPr>
+        <dsp:cNvPr id="0" name=""/>
+        <dsp:cNvSpPr/>
+      </dsp:nvSpPr>
+      <dsp:spPr>
+        <a:xfrm>
+          <a:off x="0" y="838692"/>
+          <a:ext cx="12191998" cy="1080001"/>
+        </a:xfrm>
+        <a:prstGeom prst="notchedRightArrow">
+          <a:avLst/>
+        </a:prstGeom>
+        <a:solidFill>
+          <a:schemeClr val="dk1">
+            <a:tint val="40000"/>
+            <a:hueOff val="0"/>
+            <a:satOff val="0"/>
+            <a:lumOff val="0"/>
+            <a:alphaOff val="0"/>
+          </a:schemeClr>
+        </a:solidFill>
+        <a:ln>
+          <a:noFill/>
+        </a:ln>
+        <a:effectLst/>
+        <a:scene3d>
+          <a:camera prst="orthographicFront"/>
+          <a:lightRig rig="chilly" dir="t"/>
+        </a:scene3d>
+        <a:sp3d z="-12700" extrusionH="1700" prstMaterial="translucentPowder">
+          <a:bevelT w="25400" h="6350" prst="softRound"/>
+          <a:bevelB w="0" h="0" prst="convex"/>
+        </a:sp3d>
+      </dsp:spPr>
+      <dsp:style>
+        <a:lnRef idx="0">
+          <a:scrgbClr r="0" g="0" b="0"/>
+        </a:lnRef>
+        <a:fillRef idx="1">
+          <a:scrgbClr r="0" g="0" b="0"/>
+        </a:fillRef>
+        <a:effectRef idx="0">
+          <a:scrgbClr r="0" g="0" b="0"/>
+        </a:effectRef>
+        <a:fontRef idx="minor"/>
+      </dsp:style>
+    </dsp:sp>
+    <dsp:sp modelId="{D6B2A18A-14D7-4F4B-8D2B-DD208000C8AD}">
+      <dsp:nvSpPr>
+        <dsp:cNvPr id="0" name=""/>
+        <dsp:cNvSpPr/>
+      </dsp:nvSpPr>
+      <dsp:spPr>
+        <a:xfrm>
+          <a:off x="3569" y="0"/>
+          <a:ext cx="1468040" cy="1102954"/>
+        </a:xfrm>
+        <a:prstGeom prst="rect">
+          <a:avLst/>
+        </a:prstGeom>
+        <a:noFill/>
+        <a:ln>
+          <a:noFill/>
+        </a:ln>
+        <a:effectLst/>
+      </dsp:spPr>
+      <dsp:style>
+        <a:lnRef idx="0">
+          <a:scrgbClr r="0" g="0" b="0"/>
+        </a:lnRef>
+        <a:fillRef idx="0">
+          <a:scrgbClr r="0" g="0" b="0"/>
+        </a:fillRef>
+        <a:effectRef idx="0">
+          <a:scrgbClr r="0" g="0" b="0"/>
+        </a:effectRef>
+        <a:fontRef idx="minor"/>
+      </dsp:style>
+      <dsp:txBody>
+        <a:bodyPr spcFirstLastPara="0" vert="horz" wrap="square" lIns="99568" tIns="99568" rIns="99568" bIns="99568" numCol="1" spcCol="1270" anchor="b" anchorCtr="0">
+          <a:noAutofit/>
+        </a:bodyPr>
+        <a:lstStyle/>
+        <a:p>
+          <a:pPr marL="0" lvl="0" indent="0" algn="ctr" defTabSz="622300">
+            <a:lnSpc>
+              <a:spcPct val="90000"/>
+            </a:lnSpc>
+            <a:spcBef>
+              <a:spcPct val="0"/>
+            </a:spcBef>
+            <a:spcAft>
+              <a:spcPct val="35000"/>
+            </a:spcAft>
+            <a:buNone/>
+          </a:pPr>
+          <a:r>
+            <a:rPr lang="fr-FR" sz="1400" kern="1200" dirty="0"/>
+            <a:t>Top Projet </a:t>
+          </a:r>
+        </a:p>
+        <a:p>
+          <a:pPr marL="0" lvl="0" indent="0" algn="ctr" defTabSz="622300">
+            <a:lnSpc>
+              <a:spcPct val="90000"/>
+            </a:lnSpc>
+            <a:spcBef>
+              <a:spcPct val="0"/>
+            </a:spcBef>
+            <a:spcAft>
+              <a:spcPct val="35000"/>
+            </a:spcAft>
+            <a:buNone/>
+          </a:pPr>
+          <a:r>
+            <a:rPr lang="fr-FR" sz="1400" kern="1200" dirty="0"/>
+            <a:t>1</a:t>
+          </a:r>
+          <a:r>
+            <a:rPr lang="fr-FR" sz="1400" kern="1200" baseline="30000" dirty="0"/>
+            <a:t>er</a:t>
+          </a:r>
+          <a:r>
+            <a:rPr lang="fr-FR" sz="1400" kern="1200" dirty="0"/>
+            <a:t> avril 2019</a:t>
+          </a:r>
+        </a:p>
+      </dsp:txBody>
+      <dsp:txXfrm>
+        <a:off x="3569" y="0"/>
+        <a:ext cx="1468040" cy="1102954"/>
+      </dsp:txXfrm>
+    </dsp:sp>
+    <dsp:sp modelId="{8CC4A885-62C5-4612-8CC7-C6D8EB0039DA}">
+      <dsp:nvSpPr>
+        <dsp:cNvPr id="0" name=""/>
+        <dsp:cNvSpPr/>
+      </dsp:nvSpPr>
+      <dsp:spPr>
+        <a:xfrm>
+          <a:off x="557590" y="1198693"/>
+          <a:ext cx="359998" cy="359998"/>
+        </a:xfrm>
+        <a:prstGeom prst="ellipse">
+          <a:avLst/>
+        </a:prstGeom>
+        <a:solidFill>
+          <a:schemeClr val="lt1">
+            <a:hueOff val="0"/>
+            <a:satOff val="0"/>
+            <a:lumOff val="0"/>
+            <a:alphaOff val="0"/>
+          </a:schemeClr>
+        </a:solidFill>
+        <a:ln>
+          <a:noFill/>
+        </a:ln>
+        <a:effectLst/>
+        <a:scene3d>
+          <a:camera prst="orthographicFront"/>
+          <a:lightRig rig="chilly" dir="t"/>
+        </a:scene3d>
+        <a:sp3d prstMaterial="translucentPowder">
+          <a:bevelT w="127000" h="25400" prst="softRound"/>
+        </a:sp3d>
+      </dsp:spPr>
+      <dsp:style>
+        <a:lnRef idx="0">
+          <a:scrgbClr r="0" g="0" b="0"/>
+        </a:lnRef>
+        <a:fillRef idx="1">
+          <a:scrgbClr r="0" g="0" b="0"/>
+        </a:fillRef>
+        <a:effectRef idx="0">
+          <a:scrgbClr r="0" g="0" b="0"/>
+        </a:effectRef>
+        <a:fontRef idx="minor">
+          <a:schemeClr val="lt1"/>
+        </a:fontRef>
+      </dsp:style>
+    </dsp:sp>
+    <dsp:sp modelId="{FA8D4227-C77E-43AA-9B1A-0C55478F4ED9}">
+      <dsp:nvSpPr>
+        <dsp:cNvPr id="0" name=""/>
+        <dsp:cNvSpPr/>
+      </dsp:nvSpPr>
+      <dsp:spPr>
+        <a:xfrm>
+          <a:off x="1545011" y="1654431"/>
+          <a:ext cx="1468040" cy="1102954"/>
+        </a:xfrm>
+        <a:prstGeom prst="rect">
+          <a:avLst/>
+        </a:prstGeom>
+        <a:noFill/>
+        <a:ln>
+          <a:noFill/>
+        </a:ln>
+        <a:effectLst/>
+      </dsp:spPr>
+      <dsp:style>
+        <a:lnRef idx="0">
+          <a:scrgbClr r="0" g="0" b="0"/>
+        </a:lnRef>
+        <a:fillRef idx="0">
+          <a:scrgbClr r="0" g="0" b="0"/>
+        </a:fillRef>
+        <a:effectRef idx="0">
+          <a:scrgbClr r="0" g="0" b="0"/>
+        </a:effectRef>
+        <a:fontRef idx="minor"/>
+      </dsp:style>
+      <dsp:txBody>
+        <a:bodyPr spcFirstLastPara="0" vert="horz" wrap="square" lIns="99568" tIns="99568" rIns="99568" bIns="99568" numCol="1" spcCol="1270" anchor="t" anchorCtr="0">
+          <a:noAutofit/>
+        </a:bodyPr>
+        <a:lstStyle/>
+        <a:p>
+          <a:pPr marL="0" lvl="0" indent="0" algn="ctr" defTabSz="622300">
+            <a:lnSpc>
+              <a:spcPct val="90000"/>
+            </a:lnSpc>
+            <a:spcBef>
+              <a:spcPct val="0"/>
+            </a:spcBef>
+            <a:spcAft>
+              <a:spcPct val="35000"/>
+            </a:spcAft>
+            <a:buNone/>
+          </a:pPr>
+          <a:r>
+            <a:rPr lang="fr-FR" sz="1400" kern="1200" dirty="0"/>
+            <a:t>Top Maquette</a:t>
+          </a:r>
+        </a:p>
+        <a:p>
+          <a:pPr marL="0" lvl="0" indent="0" algn="ctr" defTabSz="622300">
+            <a:lnSpc>
+              <a:spcPct val="90000"/>
+            </a:lnSpc>
+            <a:spcBef>
+              <a:spcPct val="0"/>
+            </a:spcBef>
+            <a:spcAft>
+              <a:spcPct val="35000"/>
+            </a:spcAft>
+            <a:buNone/>
+          </a:pPr>
+          <a:r>
+            <a:rPr lang="fr-FR" sz="1400" kern="1200" dirty="0"/>
+            <a:t> 2 mai 2019</a:t>
+          </a:r>
+        </a:p>
+      </dsp:txBody>
+      <dsp:txXfrm>
+        <a:off x="1545011" y="1654431"/>
+        <a:ext cx="1468040" cy="1102954"/>
+      </dsp:txXfrm>
+    </dsp:sp>
+    <dsp:sp modelId="{196258B6-B29C-423A-8DAA-89C773F54DB5}">
+      <dsp:nvSpPr>
+        <dsp:cNvPr id="0" name=""/>
+        <dsp:cNvSpPr/>
+      </dsp:nvSpPr>
+      <dsp:spPr>
+        <a:xfrm>
+          <a:off x="2099032" y="1198693"/>
+          <a:ext cx="359998" cy="359998"/>
+        </a:xfrm>
+        <a:prstGeom prst="ellipse">
+          <a:avLst/>
+        </a:prstGeom>
+        <a:solidFill>
+          <a:schemeClr val="lt1">
+            <a:hueOff val="0"/>
+            <a:satOff val="0"/>
+            <a:lumOff val="0"/>
+            <a:alphaOff val="0"/>
+          </a:schemeClr>
+        </a:solidFill>
+        <a:ln>
+          <a:noFill/>
+        </a:ln>
+        <a:effectLst/>
+        <a:scene3d>
+          <a:camera prst="orthographicFront"/>
+          <a:lightRig rig="chilly" dir="t"/>
+        </a:scene3d>
+        <a:sp3d prstMaterial="translucentPowder">
+          <a:bevelT w="127000" h="25400" prst="softRound"/>
+        </a:sp3d>
+      </dsp:spPr>
+      <dsp:style>
+        <a:lnRef idx="0">
+          <a:scrgbClr r="0" g="0" b="0"/>
+        </a:lnRef>
+        <a:fillRef idx="1">
+          <a:scrgbClr r="0" g="0" b="0"/>
+        </a:fillRef>
+        <a:effectRef idx="0">
+          <a:scrgbClr r="0" g="0" b="0"/>
+        </a:effectRef>
+        <a:fontRef idx="minor">
+          <a:schemeClr val="lt1"/>
+        </a:fontRef>
+      </dsp:style>
+    </dsp:sp>
+    <dsp:sp modelId="{3B14CBD4-FC7A-4F7C-B9DE-16B26C380A87}">
+      <dsp:nvSpPr>
+        <dsp:cNvPr id="0" name=""/>
+        <dsp:cNvSpPr/>
+      </dsp:nvSpPr>
+      <dsp:spPr>
+        <a:xfrm>
+          <a:off x="3086454" y="0"/>
+          <a:ext cx="1468040" cy="1102954"/>
+        </a:xfrm>
+        <a:prstGeom prst="rect">
+          <a:avLst/>
+        </a:prstGeom>
+        <a:noFill/>
+        <a:ln>
+          <a:noFill/>
+        </a:ln>
+        <a:effectLst/>
+      </dsp:spPr>
+      <dsp:style>
+        <a:lnRef idx="0">
+          <a:scrgbClr r="0" g="0" b="0"/>
+        </a:lnRef>
+        <a:fillRef idx="0">
+          <a:scrgbClr r="0" g="0" b="0"/>
+        </a:fillRef>
+        <a:effectRef idx="0">
+          <a:scrgbClr r="0" g="0" b="0"/>
+        </a:effectRef>
+        <a:fontRef idx="minor"/>
+      </dsp:style>
+      <dsp:txBody>
+        <a:bodyPr spcFirstLastPara="0" vert="horz" wrap="square" lIns="99568" tIns="99568" rIns="99568" bIns="99568" numCol="1" spcCol="1270" anchor="b" anchorCtr="0">
+          <a:noAutofit/>
+        </a:bodyPr>
+        <a:lstStyle/>
+        <a:p>
+          <a:pPr marL="0" lvl="0" indent="0" algn="ctr" defTabSz="622300">
+            <a:lnSpc>
+              <a:spcPct val="90000"/>
+            </a:lnSpc>
+            <a:spcBef>
+              <a:spcPct val="0"/>
+            </a:spcBef>
+            <a:spcAft>
+              <a:spcPct val="35000"/>
+            </a:spcAft>
+            <a:buNone/>
+          </a:pPr>
+          <a:r>
+            <a:rPr lang="fr-FR" sz="1400" kern="1200" dirty="0"/>
+            <a:t>Top </a:t>
+          </a:r>
+          <a:r>
+            <a:rPr lang="fr-FR" sz="1400" kern="1200" dirty="0" err="1"/>
+            <a:t>PréDim</a:t>
+          </a:r>
+          <a:r>
+            <a:rPr lang="fr-FR" sz="1400" kern="1200" dirty="0"/>
+            <a:t> </a:t>
+          </a:r>
+        </a:p>
+        <a:p>
+          <a:pPr marL="0" lvl="0" indent="0" algn="ctr" defTabSz="622300">
+            <a:lnSpc>
+              <a:spcPct val="90000"/>
+            </a:lnSpc>
+            <a:spcBef>
+              <a:spcPct val="0"/>
+            </a:spcBef>
+            <a:spcAft>
+              <a:spcPct val="35000"/>
+            </a:spcAft>
+            <a:buNone/>
+          </a:pPr>
+          <a:r>
+            <a:rPr lang="fr-FR" sz="1400" kern="1200" dirty="0"/>
+            <a:t>12 juin 2019</a:t>
+          </a:r>
+        </a:p>
+      </dsp:txBody>
+      <dsp:txXfrm>
+        <a:off x="3086454" y="0"/>
+        <a:ext cx="1468040" cy="1102954"/>
+      </dsp:txXfrm>
+    </dsp:sp>
+    <dsp:sp modelId="{BF9EFFB4-998E-4FDA-B899-BCAAC13F2D94}">
+      <dsp:nvSpPr>
+        <dsp:cNvPr id="0" name=""/>
+        <dsp:cNvSpPr/>
+      </dsp:nvSpPr>
+      <dsp:spPr>
+        <a:xfrm>
+          <a:off x="3640474" y="1198693"/>
+          <a:ext cx="359998" cy="359998"/>
+        </a:xfrm>
+        <a:prstGeom prst="ellipse">
+          <a:avLst/>
+        </a:prstGeom>
+        <a:solidFill>
+          <a:schemeClr val="lt1">
+            <a:hueOff val="0"/>
+            <a:satOff val="0"/>
+            <a:lumOff val="0"/>
+            <a:alphaOff val="0"/>
+          </a:schemeClr>
+        </a:solidFill>
+        <a:ln>
+          <a:noFill/>
+        </a:ln>
+        <a:effectLst/>
+        <a:scene3d>
+          <a:camera prst="orthographicFront"/>
+          <a:lightRig rig="chilly" dir="t"/>
+        </a:scene3d>
+        <a:sp3d prstMaterial="translucentPowder">
+          <a:bevelT w="127000" h="25400" prst="softRound"/>
+        </a:sp3d>
+      </dsp:spPr>
+      <dsp:style>
+        <a:lnRef idx="0">
+          <a:scrgbClr r="0" g="0" b="0"/>
+        </a:lnRef>
+        <a:fillRef idx="1">
+          <a:scrgbClr r="0" g="0" b="0"/>
+        </a:fillRef>
+        <a:effectRef idx="0">
+          <a:scrgbClr r="0" g="0" b="0"/>
+        </a:effectRef>
+        <a:fontRef idx="minor">
+          <a:schemeClr val="lt1"/>
+        </a:fontRef>
+      </dsp:style>
+    </dsp:sp>
+    <dsp:sp modelId="{46F1A1B7-06BD-4CC6-B6FC-EB0CB9A97652}">
+      <dsp:nvSpPr>
+        <dsp:cNvPr id="0" name=""/>
+        <dsp:cNvSpPr/>
+      </dsp:nvSpPr>
+      <dsp:spPr>
+        <a:xfrm>
+          <a:off x="4627896" y="1654431"/>
+          <a:ext cx="1468040" cy="1102954"/>
+        </a:xfrm>
+        <a:prstGeom prst="rect">
+          <a:avLst/>
+        </a:prstGeom>
+        <a:noFill/>
+        <a:ln>
+          <a:noFill/>
+        </a:ln>
+        <a:effectLst/>
+      </dsp:spPr>
+      <dsp:style>
+        <a:lnRef idx="0">
+          <a:scrgbClr r="0" g="0" b="0"/>
+        </a:lnRef>
+        <a:fillRef idx="0">
+          <a:scrgbClr r="0" g="0" b="0"/>
+        </a:fillRef>
+        <a:effectRef idx="0">
+          <a:scrgbClr r="0" g="0" b="0"/>
+        </a:effectRef>
+        <a:fontRef idx="minor"/>
+      </dsp:style>
+      <dsp:txBody>
+        <a:bodyPr spcFirstLastPara="0" vert="horz" wrap="square" lIns="99568" tIns="99568" rIns="99568" bIns="99568" numCol="1" spcCol="1270" anchor="t" anchorCtr="0">
+          <a:noAutofit/>
+        </a:bodyPr>
+        <a:lstStyle/>
+        <a:p>
+          <a:pPr marL="0" lvl="0" indent="0" algn="ctr" defTabSz="622300">
+            <a:lnSpc>
+              <a:spcPct val="90000"/>
+            </a:lnSpc>
+            <a:spcBef>
+              <a:spcPct val="0"/>
+            </a:spcBef>
+            <a:spcAft>
+              <a:spcPct val="35000"/>
+            </a:spcAft>
+            <a:buNone/>
+          </a:pPr>
+          <a:r>
+            <a:rPr lang="fr-FR" sz="1400" kern="1200" dirty="0"/>
+            <a:t>Top Appro</a:t>
+          </a:r>
+        </a:p>
+        <a:p>
+          <a:pPr marL="0" lvl="0" indent="0" algn="ctr" defTabSz="622300">
+            <a:lnSpc>
+              <a:spcPct val="90000"/>
+            </a:lnSpc>
+            <a:spcBef>
+              <a:spcPct val="0"/>
+            </a:spcBef>
+            <a:spcAft>
+              <a:spcPct val="35000"/>
+            </a:spcAft>
+            <a:buNone/>
+          </a:pPr>
+          <a:r>
+            <a:rPr lang="fr-FR" sz="1400" kern="1200" dirty="0"/>
+            <a:t> 27 juin 2019</a:t>
+          </a:r>
+        </a:p>
+      </dsp:txBody>
+      <dsp:txXfrm>
+        <a:off x="4627896" y="1654431"/>
+        <a:ext cx="1468040" cy="1102954"/>
+      </dsp:txXfrm>
+    </dsp:sp>
+    <dsp:sp modelId="{F6A8A7B4-3310-4F6C-97AD-5C55FC57E9E1}">
+      <dsp:nvSpPr>
+        <dsp:cNvPr id="0" name=""/>
+        <dsp:cNvSpPr/>
+      </dsp:nvSpPr>
+      <dsp:spPr>
+        <a:xfrm>
+          <a:off x="5181917" y="1198693"/>
+          <a:ext cx="359998" cy="359998"/>
+        </a:xfrm>
+        <a:prstGeom prst="ellipse">
+          <a:avLst/>
+        </a:prstGeom>
+        <a:solidFill>
+          <a:schemeClr val="lt1">
+            <a:hueOff val="0"/>
+            <a:satOff val="0"/>
+            <a:lumOff val="0"/>
+            <a:alphaOff val="0"/>
+          </a:schemeClr>
+        </a:solidFill>
+        <a:ln>
+          <a:noFill/>
+        </a:ln>
+        <a:effectLst/>
+        <a:scene3d>
+          <a:camera prst="orthographicFront"/>
+          <a:lightRig rig="chilly" dir="t"/>
+        </a:scene3d>
+        <a:sp3d prstMaterial="translucentPowder">
+          <a:bevelT w="127000" h="25400" prst="softRound"/>
+        </a:sp3d>
+      </dsp:spPr>
+      <dsp:style>
+        <a:lnRef idx="0">
+          <a:scrgbClr r="0" g="0" b="0"/>
+        </a:lnRef>
+        <a:fillRef idx="1">
+          <a:scrgbClr r="0" g="0" b="0"/>
+        </a:fillRef>
+        <a:effectRef idx="0">
+          <a:scrgbClr r="0" g="0" b="0"/>
+        </a:effectRef>
+        <a:fontRef idx="minor">
+          <a:schemeClr val="lt1"/>
+        </a:fontRef>
+      </dsp:style>
+    </dsp:sp>
+    <dsp:sp modelId="{C1DA7732-C82A-424B-BCF3-E0C4A103FA07}">
+      <dsp:nvSpPr>
+        <dsp:cNvPr id="0" name=""/>
+        <dsp:cNvSpPr/>
+      </dsp:nvSpPr>
+      <dsp:spPr>
+        <a:xfrm>
+          <a:off x="6169338" y="0"/>
+          <a:ext cx="1717005" cy="1102954"/>
+        </a:xfrm>
+        <a:prstGeom prst="rect">
+          <a:avLst/>
+        </a:prstGeom>
+        <a:noFill/>
+        <a:ln>
+          <a:noFill/>
+        </a:ln>
+        <a:effectLst/>
+      </dsp:spPr>
+      <dsp:style>
+        <a:lnRef idx="0">
+          <a:scrgbClr r="0" g="0" b="0"/>
+        </a:lnRef>
+        <a:fillRef idx="0">
+          <a:scrgbClr r="0" g="0" b="0"/>
+        </a:fillRef>
+        <a:effectRef idx="0">
+          <a:scrgbClr r="0" g="0" b="0"/>
+        </a:effectRef>
+        <a:fontRef idx="minor"/>
+      </dsp:style>
+      <dsp:txBody>
+        <a:bodyPr spcFirstLastPara="0" vert="horz" wrap="square" lIns="99568" tIns="99568" rIns="99568" bIns="99568" numCol="1" spcCol="1270" anchor="b" anchorCtr="0">
+          <a:noAutofit/>
+        </a:bodyPr>
+        <a:lstStyle/>
+        <a:p>
+          <a:pPr marL="0" lvl="0" indent="0" algn="ctr" defTabSz="622300">
+            <a:lnSpc>
+              <a:spcPct val="90000"/>
+            </a:lnSpc>
+            <a:spcBef>
+              <a:spcPct val="0"/>
+            </a:spcBef>
+            <a:spcAft>
+              <a:spcPct val="35000"/>
+            </a:spcAft>
+            <a:buNone/>
+          </a:pPr>
+          <a:r>
+            <a:rPr lang="fr-FR" sz="1400" kern="1200" dirty="0"/>
+            <a:t>Top Saison </a:t>
+          </a:r>
+        </a:p>
+        <a:p>
+          <a:pPr marL="0" lvl="0" indent="0" algn="ctr" defTabSz="622300">
+            <a:lnSpc>
+              <a:spcPct val="90000"/>
+            </a:lnSpc>
+            <a:spcBef>
+              <a:spcPct val="0"/>
+            </a:spcBef>
+            <a:spcAft>
+              <a:spcPct val="35000"/>
+            </a:spcAft>
+            <a:buNone/>
+          </a:pPr>
+          <a:r>
+            <a:rPr lang="fr-FR" sz="1400" kern="1200" dirty="0"/>
+            <a:t>21 septembre 2019</a:t>
+          </a:r>
+        </a:p>
+      </dsp:txBody>
+      <dsp:txXfrm>
+        <a:off x="6169338" y="0"/>
+        <a:ext cx="1717005" cy="1102954"/>
+      </dsp:txXfrm>
+    </dsp:sp>
+    <dsp:sp modelId="{9D2A841A-6AFA-466B-9CED-190891DDEF41}">
+      <dsp:nvSpPr>
+        <dsp:cNvPr id="0" name=""/>
+        <dsp:cNvSpPr/>
+      </dsp:nvSpPr>
+      <dsp:spPr>
+        <a:xfrm>
+          <a:off x="6847842" y="1198693"/>
+          <a:ext cx="359998" cy="359998"/>
+        </a:xfrm>
+        <a:prstGeom prst="ellipse">
+          <a:avLst/>
+        </a:prstGeom>
+        <a:solidFill>
+          <a:schemeClr val="lt1">
+            <a:hueOff val="0"/>
+            <a:satOff val="0"/>
+            <a:lumOff val="0"/>
+            <a:alphaOff val="0"/>
+          </a:schemeClr>
+        </a:solidFill>
+        <a:ln>
+          <a:noFill/>
+        </a:ln>
+        <a:effectLst/>
+        <a:scene3d>
+          <a:camera prst="orthographicFront"/>
+          <a:lightRig rig="chilly" dir="t"/>
+        </a:scene3d>
+        <a:sp3d prstMaterial="translucentPowder">
+          <a:bevelT w="127000" h="25400" prst="softRound"/>
+        </a:sp3d>
+      </dsp:spPr>
+      <dsp:style>
+        <a:lnRef idx="0">
+          <a:scrgbClr r="0" g="0" b="0"/>
+        </a:lnRef>
+        <a:fillRef idx="1">
+          <a:scrgbClr r="0" g="0" b="0"/>
+        </a:fillRef>
+        <a:effectRef idx="0">
+          <a:scrgbClr r="0" g="0" b="0"/>
+        </a:effectRef>
+        <a:fontRef idx="minor">
+          <a:schemeClr val="lt1"/>
+        </a:fontRef>
+      </dsp:style>
+    </dsp:sp>
+    <dsp:sp modelId="{D1FA6A30-1C94-4AD2-97EC-A04A0FC1876A}">
+      <dsp:nvSpPr>
+        <dsp:cNvPr id="0" name=""/>
+        <dsp:cNvSpPr/>
+      </dsp:nvSpPr>
+      <dsp:spPr>
+        <a:xfrm>
+          <a:off x="7959746" y="1654431"/>
+          <a:ext cx="1468040" cy="1102954"/>
+        </a:xfrm>
+        <a:prstGeom prst="rect">
+          <a:avLst/>
+        </a:prstGeom>
+        <a:noFill/>
+        <a:ln>
+          <a:noFill/>
+        </a:ln>
+        <a:effectLst/>
+      </dsp:spPr>
+      <dsp:style>
+        <a:lnRef idx="0">
+          <a:scrgbClr r="0" g="0" b="0"/>
+        </a:lnRef>
+        <a:fillRef idx="0">
+          <a:scrgbClr r="0" g="0" b="0"/>
+        </a:fillRef>
+        <a:effectRef idx="0">
+          <a:scrgbClr r="0" g="0" b="0"/>
+        </a:effectRef>
+        <a:fontRef idx="minor"/>
+      </dsp:style>
+      <dsp:txBody>
+        <a:bodyPr spcFirstLastPara="0" vert="horz" wrap="square" lIns="99568" tIns="99568" rIns="99568" bIns="99568" numCol="1" spcCol="1270" anchor="t" anchorCtr="0">
+          <a:noAutofit/>
+        </a:bodyPr>
+        <a:lstStyle/>
+        <a:p>
+          <a:pPr marL="0" lvl="0" indent="0" algn="ctr" defTabSz="622300">
+            <a:lnSpc>
+              <a:spcPct val="90000"/>
+            </a:lnSpc>
+            <a:spcBef>
+              <a:spcPct val="0"/>
+            </a:spcBef>
+            <a:spcAft>
+              <a:spcPct val="35000"/>
+            </a:spcAft>
+            <a:buNone/>
+          </a:pPr>
+          <a:r>
+            <a:rPr lang="fr-FR" sz="1400" kern="1200" dirty="0"/>
+            <a:t>Top Synthèse </a:t>
+          </a:r>
+        </a:p>
+        <a:p>
+          <a:pPr marL="0" lvl="0" indent="0" algn="ctr" defTabSz="622300">
+            <a:lnSpc>
+              <a:spcPct val="90000"/>
+            </a:lnSpc>
+            <a:spcBef>
+              <a:spcPct val="0"/>
+            </a:spcBef>
+            <a:spcAft>
+              <a:spcPct val="35000"/>
+            </a:spcAft>
+            <a:buNone/>
+          </a:pPr>
+          <a:r>
+            <a:rPr lang="fr-FR" sz="1400" kern="1200" dirty="0"/>
+            <a:t>2 octobre 2019</a:t>
+          </a:r>
+        </a:p>
+      </dsp:txBody>
+      <dsp:txXfrm>
+        <a:off x="7959746" y="1654431"/>
+        <a:ext cx="1468040" cy="1102954"/>
+      </dsp:txXfrm>
+    </dsp:sp>
+    <dsp:sp modelId="{9961C38E-83AD-4A6D-B54B-8155FCCFD040}">
+      <dsp:nvSpPr>
+        <dsp:cNvPr id="0" name=""/>
+        <dsp:cNvSpPr/>
+      </dsp:nvSpPr>
+      <dsp:spPr>
+        <a:xfrm>
+          <a:off x="8513766" y="1198693"/>
+          <a:ext cx="359998" cy="359998"/>
+        </a:xfrm>
+        <a:prstGeom prst="ellipse">
+          <a:avLst/>
+        </a:prstGeom>
+        <a:solidFill>
+          <a:schemeClr val="lt1">
+            <a:hueOff val="0"/>
+            <a:satOff val="0"/>
+            <a:lumOff val="0"/>
+            <a:alphaOff val="0"/>
+          </a:schemeClr>
+        </a:solidFill>
+        <a:ln>
+          <a:noFill/>
+        </a:ln>
+        <a:effectLst/>
+        <a:scene3d>
+          <a:camera prst="orthographicFront"/>
+          <a:lightRig rig="chilly" dir="t"/>
+        </a:scene3d>
+        <a:sp3d prstMaterial="translucentPowder">
+          <a:bevelT w="127000" h="25400" prst="softRound"/>
+        </a:sp3d>
+      </dsp:spPr>
+      <dsp:style>
+        <a:lnRef idx="0">
+          <a:scrgbClr r="0" g="0" b="0"/>
+        </a:lnRef>
+        <a:fillRef idx="1">
+          <a:scrgbClr r="0" g="0" b="0"/>
+        </a:fillRef>
+        <a:effectRef idx="0">
+          <a:scrgbClr r="0" g="0" b="0"/>
+        </a:effectRef>
+        <a:fontRef idx="minor">
+          <a:schemeClr val="lt1"/>
+        </a:fontRef>
+      </dsp:style>
+    </dsp:sp>
+    <dsp:sp modelId="{43A3304C-4CA5-4F5A-B889-40E93DF846BD}">
+      <dsp:nvSpPr>
+        <dsp:cNvPr id="0" name=""/>
+        <dsp:cNvSpPr/>
+      </dsp:nvSpPr>
+      <dsp:spPr>
+        <a:xfrm>
+          <a:off x="9501188" y="0"/>
+          <a:ext cx="1468040" cy="1102954"/>
+        </a:xfrm>
+        <a:prstGeom prst="rect">
+          <a:avLst/>
+        </a:prstGeom>
+        <a:noFill/>
+        <a:ln>
+          <a:noFill/>
+        </a:ln>
+        <a:effectLst/>
+      </dsp:spPr>
+      <dsp:style>
+        <a:lnRef idx="0">
+          <a:scrgbClr r="0" g="0" b="0"/>
+        </a:lnRef>
+        <a:fillRef idx="0">
+          <a:scrgbClr r="0" g="0" b="0"/>
+        </a:fillRef>
+        <a:effectRef idx="0">
+          <a:scrgbClr r="0" g="0" b="0"/>
+        </a:effectRef>
+        <a:fontRef idx="minor"/>
+      </dsp:style>
+      <dsp:txBody>
+        <a:bodyPr spcFirstLastPara="0" vert="horz" wrap="square" lIns="99568" tIns="99568" rIns="99568" bIns="99568" numCol="1" spcCol="1270" anchor="b" anchorCtr="0">
+          <a:noAutofit/>
+        </a:bodyPr>
+        <a:lstStyle/>
+        <a:p>
+          <a:pPr marL="0" lvl="0" indent="0" algn="ctr" defTabSz="622300">
+            <a:lnSpc>
+              <a:spcPct val="90000"/>
+            </a:lnSpc>
+            <a:spcBef>
+              <a:spcPct val="0"/>
+            </a:spcBef>
+            <a:spcAft>
+              <a:spcPct val="35000"/>
+            </a:spcAft>
+            <a:buNone/>
+          </a:pPr>
+          <a:r>
+            <a:rPr lang="fr-FR" sz="1400" kern="1200" dirty="0"/>
+            <a:t>Top Copeau 1 </a:t>
+          </a:r>
+        </a:p>
+        <a:p>
+          <a:pPr marL="0" lvl="0" indent="0" algn="ctr" defTabSz="622300">
+            <a:lnSpc>
+              <a:spcPct val="90000"/>
+            </a:lnSpc>
+            <a:spcBef>
+              <a:spcPct val="0"/>
+            </a:spcBef>
+            <a:spcAft>
+              <a:spcPct val="35000"/>
+            </a:spcAft>
+            <a:buNone/>
+          </a:pPr>
+          <a:r>
+            <a:rPr lang="fr-FR" sz="1400" kern="1200" dirty="0"/>
+            <a:t>6 novembre 2019</a:t>
+          </a:r>
+        </a:p>
+      </dsp:txBody>
+      <dsp:txXfrm>
+        <a:off x="9501188" y="0"/>
+        <a:ext cx="1468040" cy="1102954"/>
+      </dsp:txXfrm>
+    </dsp:sp>
+    <dsp:sp modelId="{DB76F7B1-3A13-42DE-A310-11AFCF27E79F}">
+      <dsp:nvSpPr>
+        <dsp:cNvPr id="0" name=""/>
+        <dsp:cNvSpPr/>
+      </dsp:nvSpPr>
+      <dsp:spPr>
+        <a:xfrm>
+          <a:off x="10055209" y="1198693"/>
+          <a:ext cx="359998" cy="359998"/>
+        </a:xfrm>
+        <a:prstGeom prst="ellipse">
+          <a:avLst/>
+        </a:prstGeom>
+        <a:solidFill>
+          <a:schemeClr val="lt1">
+            <a:hueOff val="0"/>
+            <a:satOff val="0"/>
+            <a:lumOff val="0"/>
+            <a:alphaOff val="0"/>
+          </a:schemeClr>
+        </a:solidFill>
+        <a:ln>
+          <a:noFill/>
+        </a:ln>
+        <a:effectLst/>
+        <a:scene3d>
+          <a:camera prst="orthographicFront"/>
+          <a:lightRig rig="chilly" dir="t"/>
+        </a:scene3d>
+        <a:sp3d prstMaterial="translucentPowder">
+          <a:bevelT w="127000" h="25400" prst="softRound"/>
+        </a:sp3d>
+      </dsp:spPr>
+      <dsp:style>
+        <a:lnRef idx="0">
+          <a:scrgbClr r="0" g="0" b="0"/>
+        </a:lnRef>
+        <a:fillRef idx="1">
+          <a:scrgbClr r="0" g="0" b="0"/>
+        </a:fillRef>
+        <a:effectRef idx="0">
+          <a:scrgbClr r="0" g="0" b="0"/>
+        </a:effectRef>
+        <a:fontRef idx="minor">
+          <a:schemeClr val="lt1"/>
+        </a:fontRef>
+      </dsp:style>
+    </dsp:sp>
   </dsp:spTree>
 </dsp:drawing>
 </file>
@@ -2980,6 +3828,941 @@
       <dsp:cNvGrpSpPr/>
     </dsp:nvGrpSpPr>
     <dsp:grpSpPr/>
+    <dsp:sp modelId="{C157D356-1DF1-4038-8066-5CF0BD9E5F1F}">
+      <dsp:nvSpPr>
+        <dsp:cNvPr id="0" name=""/>
+        <dsp:cNvSpPr/>
+      </dsp:nvSpPr>
+      <dsp:spPr>
+        <a:xfrm>
+          <a:off x="0" y="838692"/>
+          <a:ext cx="12191998" cy="1080001"/>
+        </a:xfrm>
+        <a:prstGeom prst="notchedRightArrow">
+          <a:avLst/>
+        </a:prstGeom>
+        <a:solidFill>
+          <a:schemeClr val="dk1">
+            <a:tint val="40000"/>
+            <a:hueOff val="0"/>
+            <a:satOff val="0"/>
+            <a:lumOff val="0"/>
+            <a:alphaOff val="0"/>
+          </a:schemeClr>
+        </a:solidFill>
+        <a:ln>
+          <a:noFill/>
+        </a:ln>
+        <a:effectLst/>
+        <a:scene3d>
+          <a:camera prst="orthographicFront"/>
+          <a:lightRig rig="chilly" dir="t"/>
+        </a:scene3d>
+        <a:sp3d z="-12700" extrusionH="1700" prstMaterial="translucentPowder">
+          <a:bevelT w="25400" h="6350" prst="softRound"/>
+          <a:bevelB w="0" h="0" prst="convex"/>
+        </a:sp3d>
+      </dsp:spPr>
+      <dsp:style>
+        <a:lnRef idx="0">
+          <a:scrgbClr r="0" g="0" b="0"/>
+        </a:lnRef>
+        <a:fillRef idx="1">
+          <a:scrgbClr r="0" g="0" b="0"/>
+        </a:fillRef>
+        <a:effectRef idx="0">
+          <a:scrgbClr r="0" g="0" b="0"/>
+        </a:effectRef>
+        <a:fontRef idx="minor"/>
+      </dsp:style>
+    </dsp:sp>
+    <dsp:sp modelId="{43A3304C-4CA5-4F5A-B889-40E93DF846BD}">
+      <dsp:nvSpPr>
+        <dsp:cNvPr id="0" name=""/>
+        <dsp:cNvSpPr/>
+      </dsp:nvSpPr>
+      <dsp:spPr>
+        <a:xfrm>
+          <a:off x="937" y="0"/>
+          <a:ext cx="1502866" cy="1102954"/>
+        </a:xfrm>
+        <a:prstGeom prst="rect">
+          <a:avLst/>
+        </a:prstGeom>
+        <a:noFill/>
+        <a:ln>
+          <a:noFill/>
+        </a:ln>
+        <a:effectLst/>
+      </dsp:spPr>
+      <dsp:style>
+        <a:lnRef idx="0">
+          <a:scrgbClr r="0" g="0" b="0"/>
+        </a:lnRef>
+        <a:fillRef idx="0">
+          <a:scrgbClr r="0" g="0" b="0"/>
+        </a:fillRef>
+        <a:effectRef idx="0">
+          <a:scrgbClr r="0" g="0" b="0"/>
+        </a:effectRef>
+        <a:fontRef idx="minor"/>
+      </dsp:style>
+      <dsp:txBody>
+        <a:bodyPr spcFirstLastPara="0" vert="horz" wrap="square" lIns="99568" tIns="99568" rIns="99568" bIns="99568" numCol="1" spcCol="1270" anchor="b" anchorCtr="0">
+          <a:noAutofit/>
+        </a:bodyPr>
+        <a:lstStyle/>
+        <a:p>
+          <a:pPr marL="0" lvl="0" indent="0" algn="ctr" defTabSz="622300">
+            <a:lnSpc>
+              <a:spcPct val="90000"/>
+            </a:lnSpc>
+            <a:spcBef>
+              <a:spcPct val="0"/>
+            </a:spcBef>
+            <a:spcAft>
+              <a:spcPct val="35000"/>
+            </a:spcAft>
+            <a:buNone/>
+          </a:pPr>
+          <a:r>
+            <a:rPr lang="fr-FR" sz="1400" kern="1200" dirty="0"/>
+            <a:t>Top Copeau 2 </a:t>
+          </a:r>
+        </a:p>
+        <a:p>
+          <a:pPr marL="0" lvl="0" indent="0" algn="ctr" defTabSz="622300">
+            <a:lnSpc>
+              <a:spcPct val="90000"/>
+            </a:lnSpc>
+            <a:spcBef>
+              <a:spcPct val="0"/>
+            </a:spcBef>
+            <a:spcAft>
+              <a:spcPct val="35000"/>
+            </a:spcAft>
+            <a:buNone/>
+          </a:pPr>
+          <a:r>
+            <a:rPr lang="fr-FR" sz="1400" kern="1200" dirty="0"/>
+            <a:t>20 novembre 2019</a:t>
+          </a:r>
+        </a:p>
+      </dsp:txBody>
+      <dsp:txXfrm>
+        <a:off x="937" y="0"/>
+        <a:ext cx="1502866" cy="1102954"/>
+      </dsp:txXfrm>
+    </dsp:sp>
+    <dsp:sp modelId="{DB76F7B1-3A13-42DE-A310-11AFCF27E79F}">
+      <dsp:nvSpPr>
+        <dsp:cNvPr id="0" name=""/>
+        <dsp:cNvSpPr/>
+      </dsp:nvSpPr>
+      <dsp:spPr>
+        <a:xfrm>
+          <a:off x="572371" y="1198693"/>
+          <a:ext cx="359998" cy="359998"/>
+        </a:xfrm>
+        <a:prstGeom prst="ellipse">
+          <a:avLst/>
+        </a:prstGeom>
+        <a:solidFill>
+          <a:schemeClr val="lt1">
+            <a:hueOff val="0"/>
+            <a:satOff val="0"/>
+            <a:lumOff val="0"/>
+            <a:alphaOff val="0"/>
+          </a:schemeClr>
+        </a:solidFill>
+        <a:ln>
+          <a:noFill/>
+        </a:ln>
+        <a:effectLst/>
+        <a:scene3d>
+          <a:camera prst="orthographicFront"/>
+          <a:lightRig rig="chilly" dir="t"/>
+        </a:scene3d>
+        <a:sp3d prstMaterial="translucentPowder">
+          <a:bevelT w="127000" h="25400" prst="softRound"/>
+        </a:sp3d>
+      </dsp:spPr>
+      <dsp:style>
+        <a:lnRef idx="0">
+          <a:scrgbClr r="0" g="0" b="0"/>
+        </a:lnRef>
+        <a:fillRef idx="1">
+          <a:scrgbClr r="0" g="0" b="0"/>
+        </a:fillRef>
+        <a:effectRef idx="0">
+          <a:scrgbClr r="0" g="0" b="0"/>
+        </a:effectRef>
+        <a:fontRef idx="minor">
+          <a:schemeClr val="lt1"/>
+        </a:fontRef>
+      </dsp:style>
+    </dsp:sp>
+    <dsp:sp modelId="{2F3C04E1-E5C9-46CD-890F-6AA0E36AD903}">
+      <dsp:nvSpPr>
+        <dsp:cNvPr id="0" name=""/>
+        <dsp:cNvSpPr/>
+      </dsp:nvSpPr>
+      <dsp:spPr>
+        <a:xfrm>
+          <a:off x="1578947" y="1654431"/>
+          <a:ext cx="1502866" cy="1102954"/>
+        </a:xfrm>
+        <a:prstGeom prst="rect">
+          <a:avLst/>
+        </a:prstGeom>
+        <a:noFill/>
+        <a:ln>
+          <a:noFill/>
+        </a:ln>
+        <a:effectLst/>
+      </dsp:spPr>
+      <dsp:style>
+        <a:lnRef idx="0">
+          <a:scrgbClr r="0" g="0" b="0"/>
+        </a:lnRef>
+        <a:fillRef idx="0">
+          <a:scrgbClr r="0" g="0" b="0"/>
+        </a:fillRef>
+        <a:effectRef idx="0">
+          <a:scrgbClr r="0" g="0" b="0"/>
+        </a:effectRef>
+        <a:fontRef idx="minor"/>
+      </dsp:style>
+      <dsp:txBody>
+        <a:bodyPr spcFirstLastPara="0" vert="horz" wrap="square" lIns="99568" tIns="99568" rIns="99568" bIns="99568" numCol="1" spcCol="1270" anchor="t" anchorCtr="0">
+          <a:noAutofit/>
+        </a:bodyPr>
+        <a:lstStyle/>
+        <a:p>
+          <a:pPr marL="0" lvl="0" indent="0" algn="ctr" defTabSz="622300">
+            <a:lnSpc>
+              <a:spcPct val="90000"/>
+            </a:lnSpc>
+            <a:spcBef>
+              <a:spcPct val="0"/>
+            </a:spcBef>
+            <a:spcAft>
+              <a:spcPct val="35000"/>
+            </a:spcAft>
+            <a:buNone/>
+          </a:pPr>
+          <a:r>
+            <a:rPr lang="fr-FR" sz="1400" kern="1200" dirty="0"/>
+            <a:t>Top Organe </a:t>
+          </a:r>
+        </a:p>
+        <a:p>
+          <a:pPr marL="0" lvl="0" indent="0" algn="ctr" defTabSz="622300">
+            <a:lnSpc>
+              <a:spcPct val="90000"/>
+            </a:lnSpc>
+            <a:spcBef>
+              <a:spcPct val="0"/>
+            </a:spcBef>
+            <a:spcAft>
+              <a:spcPct val="35000"/>
+            </a:spcAft>
+            <a:buNone/>
+          </a:pPr>
+          <a:r>
+            <a:rPr lang="fr-FR" sz="1400" kern="1200" dirty="0"/>
+            <a:t>5 février 2020</a:t>
+          </a:r>
+        </a:p>
+      </dsp:txBody>
+      <dsp:txXfrm>
+        <a:off x="1578947" y="1654431"/>
+        <a:ext cx="1502866" cy="1102954"/>
+      </dsp:txXfrm>
+    </dsp:sp>
+    <dsp:sp modelId="{C3AFCF1F-29C4-484B-A585-81C4D37CFE7F}">
+      <dsp:nvSpPr>
+        <dsp:cNvPr id="0" name=""/>
+        <dsp:cNvSpPr/>
+      </dsp:nvSpPr>
+      <dsp:spPr>
+        <a:xfrm>
+          <a:off x="2192510" y="1240823"/>
+          <a:ext cx="275738" cy="275738"/>
+        </a:xfrm>
+        <a:prstGeom prst="ellipse">
+          <a:avLst/>
+        </a:prstGeom>
+        <a:solidFill>
+          <a:schemeClr val="lt1">
+            <a:hueOff val="0"/>
+            <a:satOff val="0"/>
+            <a:lumOff val="0"/>
+            <a:alphaOff val="0"/>
+          </a:schemeClr>
+        </a:solidFill>
+        <a:ln>
+          <a:noFill/>
+        </a:ln>
+        <a:effectLst/>
+        <a:scene3d>
+          <a:camera prst="orthographicFront"/>
+          <a:lightRig rig="chilly" dir="t"/>
+        </a:scene3d>
+        <a:sp3d prstMaterial="translucentPowder">
+          <a:bevelT w="127000" h="25400" prst="softRound"/>
+        </a:sp3d>
+      </dsp:spPr>
+      <dsp:style>
+        <a:lnRef idx="0">
+          <a:scrgbClr r="0" g="0" b="0"/>
+        </a:lnRef>
+        <a:fillRef idx="1">
+          <a:scrgbClr r="0" g="0" b="0"/>
+        </a:fillRef>
+        <a:effectRef idx="0">
+          <a:scrgbClr r="0" g="0" b="0"/>
+        </a:effectRef>
+        <a:fontRef idx="minor">
+          <a:schemeClr val="lt1"/>
+        </a:fontRef>
+      </dsp:style>
+    </dsp:sp>
+    <dsp:sp modelId="{63FC269B-94AD-42D1-B4A0-936F0CF2DADD}">
+      <dsp:nvSpPr>
+        <dsp:cNvPr id="0" name=""/>
+        <dsp:cNvSpPr/>
+      </dsp:nvSpPr>
+      <dsp:spPr>
+        <a:xfrm>
+          <a:off x="3156956" y="0"/>
+          <a:ext cx="1502866" cy="1102954"/>
+        </a:xfrm>
+        <a:prstGeom prst="rect">
+          <a:avLst/>
+        </a:prstGeom>
+        <a:noFill/>
+        <a:ln>
+          <a:noFill/>
+        </a:ln>
+        <a:effectLst/>
+      </dsp:spPr>
+      <dsp:style>
+        <a:lnRef idx="0">
+          <a:scrgbClr r="0" g="0" b="0"/>
+        </a:lnRef>
+        <a:fillRef idx="0">
+          <a:scrgbClr r="0" g="0" b="0"/>
+        </a:fillRef>
+        <a:effectRef idx="0">
+          <a:scrgbClr r="0" g="0" b="0"/>
+        </a:effectRef>
+        <a:fontRef idx="minor"/>
+      </dsp:style>
+      <dsp:txBody>
+        <a:bodyPr spcFirstLastPara="0" vert="horz" wrap="square" lIns="99568" tIns="99568" rIns="99568" bIns="99568" numCol="1" spcCol="1270" anchor="b" anchorCtr="0">
+          <a:noAutofit/>
+        </a:bodyPr>
+        <a:lstStyle/>
+        <a:p>
+          <a:pPr marL="0" lvl="0" indent="0" algn="ctr" defTabSz="622300">
+            <a:lnSpc>
+              <a:spcPct val="90000"/>
+            </a:lnSpc>
+            <a:spcBef>
+              <a:spcPct val="0"/>
+            </a:spcBef>
+            <a:spcAft>
+              <a:spcPct val="35000"/>
+            </a:spcAft>
+            <a:buNone/>
+          </a:pPr>
+          <a:r>
+            <a:rPr lang="fr-FR" sz="1400" kern="1200" dirty="0"/>
+            <a:t>Top Véhicule </a:t>
+          </a:r>
+        </a:p>
+        <a:p>
+          <a:pPr marL="0" lvl="0" indent="0" algn="ctr" defTabSz="622300">
+            <a:lnSpc>
+              <a:spcPct val="90000"/>
+            </a:lnSpc>
+            <a:spcBef>
+              <a:spcPct val="0"/>
+            </a:spcBef>
+            <a:spcAft>
+              <a:spcPct val="35000"/>
+            </a:spcAft>
+            <a:buNone/>
+          </a:pPr>
+          <a:r>
+            <a:rPr lang="fr-FR" sz="1400" kern="1200" dirty="0"/>
+            <a:t>19 février 2020</a:t>
+          </a:r>
+        </a:p>
+      </dsp:txBody>
+      <dsp:txXfrm>
+        <a:off x="3156956" y="0"/>
+        <a:ext cx="1502866" cy="1102954"/>
+      </dsp:txXfrm>
+    </dsp:sp>
+    <dsp:sp modelId="{4CAC864B-2273-4B99-9E7A-51AB2FB6C968}">
+      <dsp:nvSpPr>
+        <dsp:cNvPr id="0" name=""/>
+        <dsp:cNvSpPr/>
+      </dsp:nvSpPr>
+      <dsp:spPr>
+        <a:xfrm>
+          <a:off x="3770520" y="1240823"/>
+          <a:ext cx="275738" cy="275738"/>
+        </a:xfrm>
+        <a:prstGeom prst="ellipse">
+          <a:avLst/>
+        </a:prstGeom>
+        <a:solidFill>
+          <a:schemeClr val="lt1">
+            <a:hueOff val="0"/>
+            <a:satOff val="0"/>
+            <a:lumOff val="0"/>
+            <a:alphaOff val="0"/>
+          </a:schemeClr>
+        </a:solidFill>
+        <a:ln>
+          <a:noFill/>
+        </a:ln>
+        <a:effectLst/>
+        <a:scene3d>
+          <a:camera prst="orthographicFront"/>
+          <a:lightRig rig="chilly" dir="t"/>
+        </a:scene3d>
+        <a:sp3d prstMaterial="translucentPowder">
+          <a:bevelT w="127000" h="25400" prst="softRound"/>
+        </a:sp3d>
+      </dsp:spPr>
+      <dsp:style>
+        <a:lnRef idx="0">
+          <a:scrgbClr r="0" g="0" b="0"/>
+        </a:lnRef>
+        <a:fillRef idx="1">
+          <a:scrgbClr r="0" g="0" b="0"/>
+        </a:fillRef>
+        <a:effectRef idx="0">
+          <a:scrgbClr r="0" g="0" b="0"/>
+        </a:effectRef>
+        <a:fontRef idx="minor">
+          <a:schemeClr val="lt1"/>
+        </a:fontRef>
+      </dsp:style>
+    </dsp:sp>
+    <dsp:sp modelId="{708FBFE0-C936-4BEE-A417-2E71A7D041F8}">
+      <dsp:nvSpPr>
+        <dsp:cNvPr id="0" name=""/>
+        <dsp:cNvSpPr/>
+      </dsp:nvSpPr>
+      <dsp:spPr>
+        <a:xfrm>
+          <a:off x="4734966" y="1654431"/>
+          <a:ext cx="1502866" cy="1102954"/>
+        </a:xfrm>
+        <a:prstGeom prst="rect">
+          <a:avLst/>
+        </a:prstGeom>
+        <a:noFill/>
+        <a:ln>
+          <a:noFill/>
+        </a:ln>
+        <a:effectLst/>
+      </dsp:spPr>
+      <dsp:style>
+        <a:lnRef idx="0">
+          <a:scrgbClr r="0" g="0" b="0"/>
+        </a:lnRef>
+        <a:fillRef idx="0">
+          <a:scrgbClr r="0" g="0" b="0"/>
+        </a:fillRef>
+        <a:effectRef idx="0">
+          <a:scrgbClr r="0" g="0" b="0"/>
+        </a:effectRef>
+        <a:fontRef idx="minor"/>
+      </dsp:style>
+      <dsp:txBody>
+        <a:bodyPr spcFirstLastPara="0" vert="horz" wrap="square" lIns="99568" tIns="99568" rIns="99568" bIns="99568" numCol="1" spcCol="1270" anchor="t" anchorCtr="0">
+          <a:noAutofit/>
+        </a:bodyPr>
+        <a:lstStyle/>
+        <a:p>
+          <a:pPr marL="0" lvl="0" indent="0" algn="ctr" defTabSz="622300">
+            <a:lnSpc>
+              <a:spcPct val="90000"/>
+            </a:lnSpc>
+            <a:spcBef>
+              <a:spcPct val="0"/>
+            </a:spcBef>
+            <a:spcAft>
+              <a:spcPct val="35000"/>
+            </a:spcAft>
+            <a:buNone/>
+          </a:pPr>
+          <a:r>
+            <a:rPr lang="fr-FR" sz="1400" kern="1200" dirty="0"/>
+            <a:t>Top Moteur </a:t>
+          </a:r>
+        </a:p>
+        <a:p>
+          <a:pPr marL="0" lvl="0" indent="0" algn="ctr" defTabSz="622300">
+            <a:lnSpc>
+              <a:spcPct val="90000"/>
+            </a:lnSpc>
+            <a:spcBef>
+              <a:spcPct val="0"/>
+            </a:spcBef>
+            <a:spcAft>
+              <a:spcPct val="35000"/>
+            </a:spcAft>
+            <a:buNone/>
+          </a:pPr>
+          <a:r>
+            <a:rPr lang="fr-FR" sz="1400" kern="1200" dirty="0"/>
+            <a:t>4 mars 2020</a:t>
+          </a:r>
+        </a:p>
+      </dsp:txBody>
+      <dsp:txXfrm>
+        <a:off x="4734966" y="1654431"/>
+        <a:ext cx="1502866" cy="1102954"/>
+      </dsp:txXfrm>
+    </dsp:sp>
+    <dsp:sp modelId="{698739BB-681C-4C9D-AF1E-C895067E43BA}">
+      <dsp:nvSpPr>
+        <dsp:cNvPr id="0" name=""/>
+        <dsp:cNvSpPr/>
+      </dsp:nvSpPr>
+      <dsp:spPr>
+        <a:xfrm>
+          <a:off x="5348529" y="1240823"/>
+          <a:ext cx="275738" cy="275738"/>
+        </a:xfrm>
+        <a:prstGeom prst="ellipse">
+          <a:avLst/>
+        </a:prstGeom>
+        <a:solidFill>
+          <a:schemeClr val="lt1">
+            <a:hueOff val="0"/>
+            <a:satOff val="0"/>
+            <a:lumOff val="0"/>
+            <a:alphaOff val="0"/>
+          </a:schemeClr>
+        </a:solidFill>
+        <a:ln>
+          <a:noFill/>
+        </a:ln>
+        <a:effectLst/>
+        <a:scene3d>
+          <a:camera prst="orthographicFront"/>
+          <a:lightRig rig="chilly" dir="t"/>
+        </a:scene3d>
+        <a:sp3d prstMaterial="translucentPowder">
+          <a:bevelT w="127000" h="25400" prst="softRound"/>
+        </a:sp3d>
+      </dsp:spPr>
+      <dsp:style>
+        <a:lnRef idx="0">
+          <a:scrgbClr r="0" g="0" b="0"/>
+        </a:lnRef>
+        <a:fillRef idx="1">
+          <a:scrgbClr r="0" g="0" b="0"/>
+        </a:fillRef>
+        <a:effectRef idx="0">
+          <a:scrgbClr r="0" g="0" b="0"/>
+        </a:effectRef>
+        <a:fontRef idx="minor">
+          <a:schemeClr val="lt1"/>
+        </a:fontRef>
+      </dsp:style>
+    </dsp:sp>
+    <dsp:sp modelId="{C5C72B98-025E-48F0-9263-981AE597565F}">
+      <dsp:nvSpPr>
+        <dsp:cNvPr id="0" name=""/>
+        <dsp:cNvSpPr/>
+      </dsp:nvSpPr>
+      <dsp:spPr>
+        <a:xfrm>
+          <a:off x="6312975" y="0"/>
+          <a:ext cx="1502866" cy="1102954"/>
+        </a:xfrm>
+        <a:prstGeom prst="rect">
+          <a:avLst/>
+        </a:prstGeom>
+        <a:noFill/>
+        <a:ln>
+          <a:noFill/>
+        </a:ln>
+        <a:effectLst/>
+      </dsp:spPr>
+      <dsp:style>
+        <a:lnRef idx="0">
+          <a:scrgbClr r="0" g="0" b="0"/>
+        </a:lnRef>
+        <a:fillRef idx="0">
+          <a:scrgbClr r="0" g="0" b="0"/>
+        </a:fillRef>
+        <a:effectRef idx="0">
+          <a:scrgbClr r="0" g="0" b="0"/>
+        </a:effectRef>
+        <a:fontRef idx="minor"/>
+      </dsp:style>
+      <dsp:txBody>
+        <a:bodyPr spcFirstLastPara="0" vert="horz" wrap="square" lIns="99568" tIns="99568" rIns="99568" bIns="99568" numCol="1" spcCol="1270" anchor="b" anchorCtr="0">
+          <a:noAutofit/>
+        </a:bodyPr>
+        <a:lstStyle/>
+        <a:p>
+          <a:pPr marL="0" lvl="0" indent="0" algn="ctr" defTabSz="622300">
+            <a:lnSpc>
+              <a:spcPct val="90000"/>
+            </a:lnSpc>
+            <a:spcBef>
+              <a:spcPct val="0"/>
+            </a:spcBef>
+            <a:spcAft>
+              <a:spcPct val="35000"/>
+            </a:spcAft>
+            <a:buNone/>
+          </a:pPr>
+          <a:r>
+            <a:rPr lang="fr-FR" sz="1400" kern="1200" dirty="0"/>
+            <a:t>Top Qualif </a:t>
+          </a:r>
+        </a:p>
+        <a:p>
+          <a:pPr marL="0" lvl="0" indent="0" algn="ctr" defTabSz="622300">
+            <a:lnSpc>
+              <a:spcPct val="90000"/>
+            </a:lnSpc>
+            <a:spcBef>
+              <a:spcPct val="0"/>
+            </a:spcBef>
+            <a:spcAft>
+              <a:spcPct val="35000"/>
+            </a:spcAft>
+            <a:buNone/>
+          </a:pPr>
+          <a:r>
+            <a:rPr lang="fr-FR" sz="1400" kern="1200" dirty="0"/>
+            <a:t>17 mars 2020</a:t>
+          </a:r>
+        </a:p>
+      </dsp:txBody>
+      <dsp:txXfrm>
+        <a:off x="6312975" y="0"/>
+        <a:ext cx="1502866" cy="1102954"/>
+      </dsp:txXfrm>
+    </dsp:sp>
+    <dsp:sp modelId="{2E8109A9-2913-4887-80C0-87EB9AF43D14}">
+      <dsp:nvSpPr>
+        <dsp:cNvPr id="0" name=""/>
+        <dsp:cNvSpPr/>
+      </dsp:nvSpPr>
+      <dsp:spPr>
+        <a:xfrm>
+          <a:off x="6926539" y="1240823"/>
+          <a:ext cx="275738" cy="275738"/>
+        </a:xfrm>
+        <a:prstGeom prst="ellipse">
+          <a:avLst/>
+        </a:prstGeom>
+        <a:solidFill>
+          <a:schemeClr val="lt1">
+            <a:hueOff val="0"/>
+            <a:satOff val="0"/>
+            <a:lumOff val="0"/>
+            <a:alphaOff val="0"/>
+          </a:schemeClr>
+        </a:solidFill>
+        <a:ln>
+          <a:noFill/>
+        </a:ln>
+        <a:effectLst/>
+        <a:scene3d>
+          <a:camera prst="orthographicFront"/>
+          <a:lightRig rig="chilly" dir="t"/>
+        </a:scene3d>
+        <a:sp3d prstMaterial="translucentPowder">
+          <a:bevelT w="127000" h="25400" prst="softRound"/>
+        </a:sp3d>
+      </dsp:spPr>
+      <dsp:style>
+        <a:lnRef idx="0">
+          <a:scrgbClr r="0" g="0" b="0"/>
+        </a:lnRef>
+        <a:fillRef idx="1">
+          <a:scrgbClr r="0" g="0" b="0"/>
+        </a:fillRef>
+        <a:effectRef idx="0">
+          <a:scrgbClr r="0" g="0" b="0"/>
+        </a:effectRef>
+        <a:fontRef idx="minor">
+          <a:schemeClr val="lt1"/>
+        </a:fontRef>
+      </dsp:style>
+    </dsp:sp>
+    <dsp:sp modelId="{2EF25808-AB54-4BE6-8189-089567D08685}">
+      <dsp:nvSpPr>
+        <dsp:cNvPr id="0" name=""/>
+        <dsp:cNvSpPr/>
+      </dsp:nvSpPr>
+      <dsp:spPr>
+        <a:xfrm>
+          <a:off x="7890984" y="1654431"/>
+          <a:ext cx="1502866" cy="1102954"/>
+        </a:xfrm>
+        <a:prstGeom prst="rect">
+          <a:avLst/>
+        </a:prstGeom>
+        <a:noFill/>
+        <a:ln>
+          <a:noFill/>
+        </a:ln>
+        <a:effectLst/>
+      </dsp:spPr>
+      <dsp:style>
+        <a:lnRef idx="0">
+          <a:scrgbClr r="0" g="0" b="0"/>
+        </a:lnRef>
+        <a:fillRef idx="0">
+          <a:scrgbClr r="0" g="0" b="0"/>
+        </a:fillRef>
+        <a:effectRef idx="0">
+          <a:scrgbClr r="0" g="0" b="0"/>
+        </a:effectRef>
+        <a:fontRef idx="minor"/>
+      </dsp:style>
+      <dsp:txBody>
+        <a:bodyPr spcFirstLastPara="0" vert="horz" wrap="square" lIns="99568" tIns="99568" rIns="99568" bIns="99568" numCol="1" spcCol="1270" anchor="t" anchorCtr="0">
+          <a:noAutofit/>
+        </a:bodyPr>
+        <a:lstStyle/>
+        <a:p>
+          <a:pPr marL="0" lvl="0" indent="0" algn="ctr" defTabSz="622300">
+            <a:lnSpc>
+              <a:spcPct val="90000"/>
+            </a:lnSpc>
+            <a:spcBef>
+              <a:spcPct val="0"/>
+            </a:spcBef>
+            <a:spcAft>
+              <a:spcPct val="35000"/>
+            </a:spcAft>
+            <a:buNone/>
+          </a:pPr>
+          <a:r>
+            <a:rPr lang="fr-FR" sz="1400" kern="1200" dirty="0"/>
+            <a:t>Top Compet </a:t>
+          </a:r>
+        </a:p>
+        <a:p>
+          <a:pPr marL="0" lvl="0" indent="0" algn="ctr" defTabSz="622300">
+            <a:lnSpc>
+              <a:spcPct val="90000"/>
+            </a:lnSpc>
+            <a:spcBef>
+              <a:spcPct val="0"/>
+            </a:spcBef>
+            <a:spcAft>
+              <a:spcPct val="35000"/>
+            </a:spcAft>
+            <a:buNone/>
+          </a:pPr>
+          <a:r>
+            <a:rPr lang="fr-FR" sz="1400" kern="1200" dirty="0"/>
+            <a:t>24 juin 2020</a:t>
+          </a:r>
+        </a:p>
+      </dsp:txBody>
+      <dsp:txXfrm>
+        <a:off x="7890984" y="1654431"/>
+        <a:ext cx="1502866" cy="1102954"/>
+      </dsp:txXfrm>
+    </dsp:sp>
+    <dsp:sp modelId="{911D2A4F-4007-4116-A7DB-311A0065BFF5}">
+      <dsp:nvSpPr>
+        <dsp:cNvPr id="0" name=""/>
+        <dsp:cNvSpPr/>
+      </dsp:nvSpPr>
+      <dsp:spPr>
+        <a:xfrm>
+          <a:off x="8504548" y="1240823"/>
+          <a:ext cx="275738" cy="275738"/>
+        </a:xfrm>
+        <a:prstGeom prst="ellipse">
+          <a:avLst/>
+        </a:prstGeom>
+        <a:solidFill>
+          <a:schemeClr val="lt1">
+            <a:hueOff val="0"/>
+            <a:satOff val="0"/>
+            <a:lumOff val="0"/>
+            <a:alphaOff val="0"/>
+          </a:schemeClr>
+        </a:solidFill>
+        <a:ln>
+          <a:noFill/>
+        </a:ln>
+        <a:effectLst/>
+        <a:scene3d>
+          <a:camera prst="orthographicFront"/>
+          <a:lightRig rig="chilly" dir="t"/>
+        </a:scene3d>
+        <a:sp3d prstMaterial="translucentPowder">
+          <a:bevelT w="127000" h="25400" prst="softRound"/>
+        </a:sp3d>
+      </dsp:spPr>
+      <dsp:style>
+        <a:lnRef idx="0">
+          <a:scrgbClr r="0" g="0" b="0"/>
+        </a:lnRef>
+        <a:fillRef idx="1">
+          <a:scrgbClr r="0" g="0" b="0"/>
+        </a:fillRef>
+        <a:effectRef idx="0">
+          <a:scrgbClr r="0" g="0" b="0"/>
+        </a:effectRef>
+        <a:fontRef idx="minor">
+          <a:schemeClr val="lt1"/>
+        </a:fontRef>
+      </dsp:style>
+    </dsp:sp>
+    <dsp:sp modelId="{BA9475B1-5F6F-4FB8-9242-67D241D50F5C}">
+      <dsp:nvSpPr>
+        <dsp:cNvPr id="0" name=""/>
+        <dsp:cNvSpPr/>
+      </dsp:nvSpPr>
+      <dsp:spPr>
+        <a:xfrm>
+          <a:off x="9468994" y="0"/>
+          <a:ext cx="1502866" cy="1102954"/>
+        </a:xfrm>
+        <a:prstGeom prst="rect">
+          <a:avLst/>
+        </a:prstGeom>
+        <a:noFill/>
+        <a:ln>
+          <a:noFill/>
+        </a:ln>
+        <a:effectLst/>
+      </dsp:spPr>
+      <dsp:style>
+        <a:lnRef idx="0">
+          <a:scrgbClr r="0" g="0" b="0"/>
+        </a:lnRef>
+        <a:fillRef idx="0">
+          <a:scrgbClr r="0" g="0" b="0"/>
+        </a:fillRef>
+        <a:effectRef idx="0">
+          <a:scrgbClr r="0" g="0" b="0"/>
+        </a:effectRef>
+        <a:fontRef idx="minor"/>
+      </dsp:style>
+      <dsp:txBody>
+        <a:bodyPr spcFirstLastPara="0" vert="horz" wrap="square" lIns="99568" tIns="99568" rIns="99568" bIns="99568" numCol="1" spcCol="1270" anchor="b" anchorCtr="0">
+          <a:noAutofit/>
+        </a:bodyPr>
+        <a:lstStyle/>
+        <a:p>
+          <a:pPr marL="0" lvl="0" indent="0" algn="ctr" defTabSz="622300">
+            <a:lnSpc>
+              <a:spcPct val="90000"/>
+            </a:lnSpc>
+            <a:spcBef>
+              <a:spcPct val="0"/>
+            </a:spcBef>
+            <a:spcAft>
+              <a:spcPct val="35000"/>
+            </a:spcAft>
+            <a:buNone/>
+          </a:pPr>
+          <a:r>
+            <a:rPr lang="fr-FR" sz="1400" kern="1200" dirty="0"/>
+            <a:t>Compétition</a:t>
+          </a:r>
+        </a:p>
+        <a:p>
+          <a:pPr marL="0" lvl="0" indent="0" algn="ctr" defTabSz="622300">
+            <a:lnSpc>
+              <a:spcPct val="90000"/>
+            </a:lnSpc>
+            <a:spcBef>
+              <a:spcPct val="0"/>
+            </a:spcBef>
+            <a:spcAft>
+              <a:spcPct val="35000"/>
+            </a:spcAft>
+            <a:buNone/>
+          </a:pPr>
+          <a:r>
+            <a:rPr lang="fr-FR" sz="1400" kern="1200" dirty="0"/>
+            <a:t>Formula </a:t>
+          </a:r>
+          <a:r>
+            <a:rPr lang="fr-FR" sz="1400" kern="1200" dirty="0" err="1"/>
+            <a:t>Student</a:t>
+          </a:r>
+          <a:endParaRPr lang="fr-FR" sz="1400" kern="1200" dirty="0"/>
+        </a:p>
+      </dsp:txBody>
+      <dsp:txXfrm>
+        <a:off x="9468994" y="0"/>
+        <a:ext cx="1502866" cy="1102954"/>
+      </dsp:txXfrm>
+    </dsp:sp>
+    <dsp:sp modelId="{3C69B94C-19EE-4760-B1D3-6014663FD2CB}">
+      <dsp:nvSpPr>
+        <dsp:cNvPr id="0" name=""/>
+        <dsp:cNvSpPr/>
+      </dsp:nvSpPr>
+      <dsp:spPr>
+        <a:xfrm>
+          <a:off x="10082558" y="1240823"/>
+          <a:ext cx="275738" cy="275738"/>
+        </a:xfrm>
+        <a:prstGeom prst="ellipse">
+          <a:avLst/>
+        </a:prstGeom>
+        <a:solidFill>
+          <a:schemeClr val="lt1">
+            <a:hueOff val="0"/>
+            <a:satOff val="0"/>
+            <a:lumOff val="0"/>
+            <a:alphaOff val="0"/>
+          </a:schemeClr>
+        </a:solidFill>
+        <a:ln>
+          <a:noFill/>
+        </a:ln>
+        <a:effectLst/>
+        <a:scene3d>
+          <a:camera prst="orthographicFront"/>
+          <a:lightRig rig="chilly" dir="t"/>
+        </a:scene3d>
+        <a:sp3d prstMaterial="translucentPowder">
+          <a:bevelT w="127000" h="25400" prst="softRound"/>
+        </a:sp3d>
+      </dsp:spPr>
+      <dsp:style>
+        <a:lnRef idx="0">
+          <a:scrgbClr r="0" g="0" b="0"/>
+        </a:lnRef>
+        <a:fillRef idx="1">
+          <a:scrgbClr r="0" g="0" b="0"/>
+        </a:fillRef>
+        <a:effectRef idx="0">
+          <a:scrgbClr r="0" g="0" b="0"/>
+        </a:effectRef>
+        <a:fontRef idx="minor">
+          <a:schemeClr val="lt1"/>
+        </a:fontRef>
+      </dsp:style>
+    </dsp:sp>
   </dsp:spTree>
 </dsp:drawing>
 </file>
@@ -5832,7 +7615,7 @@
           <a:p>
             <a:fld id="{A9258FD7-AA4D-4EFB-8956-C98F2360B098}" type="datetimeFigureOut">
               <a:rPr lang="fr-FR" smtClean="0"/>
-              <a:t>13/06/2019</a:t>
+              <a:t>27/06/2019</a:t>
             </a:fld>
             <a:endParaRPr lang="fr-FR"/>
           </a:p>
@@ -6121,7 +7904,7 @@
           <p:cNvPr id="2" name="Titre 1">
             <a:extLst>
               <a:ext uri="{FF2B5EF4-FFF2-40B4-BE49-F238E27FC236}">
-                <a16:creationId xmlns="" xmlns:a16="http://schemas.microsoft.com/office/drawing/2014/main" id="{D3A59C1E-D4EF-4116-AF92-86D278E1F619}"/>
+                <a16:creationId xmlns:a16="http://schemas.microsoft.com/office/drawing/2014/main" id="{D3A59C1E-D4EF-4116-AF92-86D278E1F619}"/>
               </a:ext>
             </a:extLst>
           </p:cNvPr>
@@ -6158,7 +7941,7 @@
           <p:cNvPr id="3" name="Sous-titre 2">
             <a:extLst>
               <a:ext uri="{FF2B5EF4-FFF2-40B4-BE49-F238E27FC236}">
-                <a16:creationId xmlns="" xmlns:a16="http://schemas.microsoft.com/office/drawing/2014/main" id="{DE6FFFA1-38EE-4FD9-9FDE-2046C5721A2B}"/>
+                <a16:creationId xmlns:a16="http://schemas.microsoft.com/office/drawing/2014/main" id="{DE6FFFA1-38EE-4FD9-9FDE-2046C5721A2B}"/>
               </a:ext>
             </a:extLst>
           </p:cNvPr>
@@ -6228,7 +8011,7 @@
           <p:cNvPr id="4" name="Espace réservé de la date 3">
             <a:extLst>
               <a:ext uri="{FF2B5EF4-FFF2-40B4-BE49-F238E27FC236}">
-                <a16:creationId xmlns="" xmlns:a16="http://schemas.microsoft.com/office/drawing/2014/main" id="{1528DFC8-F1FE-4EAB-90E3-C0C56F923A69}"/>
+                <a16:creationId xmlns:a16="http://schemas.microsoft.com/office/drawing/2014/main" id="{1528DFC8-F1FE-4EAB-90E3-C0C56F923A69}"/>
               </a:ext>
             </a:extLst>
           </p:cNvPr>
@@ -6246,7 +8029,7 @@
           <a:p>
             <a:fld id="{854B7264-E21A-4329-A994-84F7B09D33B2}" type="datetimeFigureOut">
               <a:rPr lang="fr-FR" smtClean="0"/>
-              <a:t>13/06/2019</a:t>
+              <a:t>27/06/2019</a:t>
             </a:fld>
             <a:endParaRPr lang="fr-FR"/>
           </a:p>
@@ -6257,7 +8040,7 @@
           <p:cNvPr id="5" name="Espace réservé du pied de page 4">
             <a:extLst>
               <a:ext uri="{FF2B5EF4-FFF2-40B4-BE49-F238E27FC236}">
-                <a16:creationId xmlns="" xmlns:a16="http://schemas.microsoft.com/office/drawing/2014/main" id="{4745FA5B-8A9B-4A54-9932-05C58015E9F9}"/>
+                <a16:creationId xmlns:a16="http://schemas.microsoft.com/office/drawing/2014/main" id="{4745FA5B-8A9B-4A54-9932-05C58015E9F9}"/>
               </a:ext>
             </a:extLst>
           </p:cNvPr>
@@ -6282,7 +8065,7 @@
           <p:cNvPr id="6" name="Espace réservé du numéro de diapositive 5">
             <a:extLst>
               <a:ext uri="{FF2B5EF4-FFF2-40B4-BE49-F238E27FC236}">
-                <a16:creationId xmlns="" xmlns:a16="http://schemas.microsoft.com/office/drawing/2014/main" id="{145B0CE2-91EB-4F41-BFF6-B05E1E8D3C7D}"/>
+                <a16:creationId xmlns:a16="http://schemas.microsoft.com/office/drawing/2014/main" id="{145B0CE2-91EB-4F41-BFF6-B05E1E8D3C7D}"/>
               </a:ext>
             </a:extLst>
           </p:cNvPr>
@@ -6341,7 +8124,7 @@
           <p:cNvPr id="2" name="Titre 1">
             <a:extLst>
               <a:ext uri="{FF2B5EF4-FFF2-40B4-BE49-F238E27FC236}">
-                <a16:creationId xmlns="" xmlns:a16="http://schemas.microsoft.com/office/drawing/2014/main" id="{4A03AA7B-E692-47CE-9854-C15D1AC062EA}"/>
+                <a16:creationId xmlns:a16="http://schemas.microsoft.com/office/drawing/2014/main" id="{4A03AA7B-E692-47CE-9854-C15D1AC062EA}"/>
               </a:ext>
             </a:extLst>
           </p:cNvPr>
@@ -6369,7 +8152,7 @@
           <p:cNvPr id="3" name="Espace réservé du texte vertical 2">
             <a:extLst>
               <a:ext uri="{FF2B5EF4-FFF2-40B4-BE49-F238E27FC236}">
-                <a16:creationId xmlns="" xmlns:a16="http://schemas.microsoft.com/office/drawing/2014/main" id="{4F1D5257-D750-4895-8FDE-5B882DAAFB87}"/>
+                <a16:creationId xmlns:a16="http://schemas.microsoft.com/office/drawing/2014/main" id="{4F1D5257-D750-4895-8FDE-5B882DAAFB87}"/>
               </a:ext>
             </a:extLst>
           </p:cNvPr>
@@ -6426,7 +8209,7 @@
           <p:cNvPr id="4" name="Espace réservé de la date 3">
             <a:extLst>
               <a:ext uri="{FF2B5EF4-FFF2-40B4-BE49-F238E27FC236}">
-                <a16:creationId xmlns="" xmlns:a16="http://schemas.microsoft.com/office/drawing/2014/main" id="{5A477B4A-5ACE-48CB-8B2B-5B133C4F47E0}"/>
+                <a16:creationId xmlns:a16="http://schemas.microsoft.com/office/drawing/2014/main" id="{5A477B4A-5ACE-48CB-8B2B-5B133C4F47E0}"/>
               </a:ext>
             </a:extLst>
           </p:cNvPr>
@@ -6444,7 +8227,7 @@
           <a:p>
             <a:fld id="{854B7264-E21A-4329-A994-84F7B09D33B2}" type="datetimeFigureOut">
               <a:rPr lang="fr-FR" smtClean="0"/>
-              <a:t>13/06/2019</a:t>
+              <a:t>27/06/2019</a:t>
             </a:fld>
             <a:endParaRPr lang="fr-FR"/>
           </a:p>
@@ -6455,7 +8238,7 @@
           <p:cNvPr id="5" name="Espace réservé du pied de page 4">
             <a:extLst>
               <a:ext uri="{FF2B5EF4-FFF2-40B4-BE49-F238E27FC236}">
-                <a16:creationId xmlns="" xmlns:a16="http://schemas.microsoft.com/office/drawing/2014/main" id="{0240683C-FA9F-46F4-8DC0-283CD2997B6C}"/>
+                <a16:creationId xmlns:a16="http://schemas.microsoft.com/office/drawing/2014/main" id="{0240683C-FA9F-46F4-8DC0-283CD2997B6C}"/>
               </a:ext>
             </a:extLst>
           </p:cNvPr>
@@ -6480,7 +8263,7 @@
           <p:cNvPr id="6" name="Espace réservé du numéro de diapositive 5">
             <a:extLst>
               <a:ext uri="{FF2B5EF4-FFF2-40B4-BE49-F238E27FC236}">
-                <a16:creationId xmlns="" xmlns:a16="http://schemas.microsoft.com/office/drawing/2014/main" id="{65CA7C68-B87E-4AD9-B9BB-9C4D582842FC}"/>
+                <a16:creationId xmlns:a16="http://schemas.microsoft.com/office/drawing/2014/main" id="{65CA7C68-B87E-4AD9-B9BB-9C4D582842FC}"/>
               </a:ext>
             </a:extLst>
           </p:cNvPr>
@@ -6539,7 +8322,7 @@
           <p:cNvPr id="2" name="Titre vertical 1">
             <a:extLst>
               <a:ext uri="{FF2B5EF4-FFF2-40B4-BE49-F238E27FC236}">
-                <a16:creationId xmlns="" xmlns:a16="http://schemas.microsoft.com/office/drawing/2014/main" id="{F60AE5FF-54CB-4809-A51A-2FB7079DD7EF}"/>
+                <a16:creationId xmlns:a16="http://schemas.microsoft.com/office/drawing/2014/main" id="{F60AE5FF-54CB-4809-A51A-2FB7079DD7EF}"/>
               </a:ext>
             </a:extLst>
           </p:cNvPr>
@@ -6572,7 +8355,7 @@
           <p:cNvPr id="3" name="Espace réservé du texte vertical 2">
             <a:extLst>
               <a:ext uri="{FF2B5EF4-FFF2-40B4-BE49-F238E27FC236}">
-                <a16:creationId xmlns="" xmlns:a16="http://schemas.microsoft.com/office/drawing/2014/main" id="{A6E0D794-C64B-4F35-8C63-A873018B315B}"/>
+                <a16:creationId xmlns:a16="http://schemas.microsoft.com/office/drawing/2014/main" id="{A6E0D794-C64B-4F35-8C63-A873018B315B}"/>
               </a:ext>
             </a:extLst>
           </p:cNvPr>
@@ -6634,7 +8417,7 @@
           <p:cNvPr id="4" name="Espace réservé de la date 3">
             <a:extLst>
               <a:ext uri="{FF2B5EF4-FFF2-40B4-BE49-F238E27FC236}">
-                <a16:creationId xmlns="" xmlns:a16="http://schemas.microsoft.com/office/drawing/2014/main" id="{59D0E4C2-B295-405C-8DB7-916CE28BB283}"/>
+                <a16:creationId xmlns:a16="http://schemas.microsoft.com/office/drawing/2014/main" id="{59D0E4C2-B295-405C-8DB7-916CE28BB283}"/>
               </a:ext>
             </a:extLst>
           </p:cNvPr>
@@ -6652,7 +8435,7 @@
           <a:p>
             <a:fld id="{854B7264-E21A-4329-A994-84F7B09D33B2}" type="datetimeFigureOut">
               <a:rPr lang="fr-FR" smtClean="0"/>
-              <a:t>13/06/2019</a:t>
+              <a:t>27/06/2019</a:t>
             </a:fld>
             <a:endParaRPr lang="fr-FR"/>
           </a:p>
@@ -6663,7 +8446,7 @@
           <p:cNvPr id="5" name="Espace réservé du pied de page 4">
             <a:extLst>
               <a:ext uri="{FF2B5EF4-FFF2-40B4-BE49-F238E27FC236}">
-                <a16:creationId xmlns="" xmlns:a16="http://schemas.microsoft.com/office/drawing/2014/main" id="{D6DED567-701E-4774-8A41-AB059173EECC}"/>
+                <a16:creationId xmlns:a16="http://schemas.microsoft.com/office/drawing/2014/main" id="{D6DED567-701E-4774-8A41-AB059173EECC}"/>
               </a:ext>
             </a:extLst>
           </p:cNvPr>
@@ -6688,7 +8471,7 @@
           <p:cNvPr id="6" name="Espace réservé du numéro de diapositive 5">
             <a:extLst>
               <a:ext uri="{FF2B5EF4-FFF2-40B4-BE49-F238E27FC236}">
-                <a16:creationId xmlns="" xmlns:a16="http://schemas.microsoft.com/office/drawing/2014/main" id="{4F01251D-2AD2-421B-AFE4-AACDF4B0C198}"/>
+                <a16:creationId xmlns:a16="http://schemas.microsoft.com/office/drawing/2014/main" id="{4F01251D-2AD2-421B-AFE4-AACDF4B0C198}"/>
               </a:ext>
             </a:extLst>
           </p:cNvPr>
@@ -6747,7 +8530,7 @@
           <p:cNvPr id="2" name="Titre 1">
             <a:extLst>
               <a:ext uri="{FF2B5EF4-FFF2-40B4-BE49-F238E27FC236}">
-                <a16:creationId xmlns="" xmlns:a16="http://schemas.microsoft.com/office/drawing/2014/main" id="{4C16342F-8F03-46DB-9199-162993BE1A91}"/>
+                <a16:creationId xmlns:a16="http://schemas.microsoft.com/office/drawing/2014/main" id="{4C16342F-8F03-46DB-9199-162993BE1A91}"/>
               </a:ext>
             </a:extLst>
           </p:cNvPr>
@@ -6775,7 +8558,7 @@
           <p:cNvPr id="3" name="Espace réservé du contenu 2">
             <a:extLst>
               <a:ext uri="{FF2B5EF4-FFF2-40B4-BE49-F238E27FC236}">
-                <a16:creationId xmlns="" xmlns:a16="http://schemas.microsoft.com/office/drawing/2014/main" id="{5B683592-74E3-4D10-AD70-4A1E1E42888C}"/>
+                <a16:creationId xmlns:a16="http://schemas.microsoft.com/office/drawing/2014/main" id="{5B683592-74E3-4D10-AD70-4A1E1E42888C}"/>
               </a:ext>
             </a:extLst>
           </p:cNvPr>
@@ -6832,7 +8615,7 @@
           <p:cNvPr id="4" name="Espace réservé de la date 3">
             <a:extLst>
               <a:ext uri="{FF2B5EF4-FFF2-40B4-BE49-F238E27FC236}">
-                <a16:creationId xmlns="" xmlns:a16="http://schemas.microsoft.com/office/drawing/2014/main" id="{DAC13AC0-FABD-40C6-8EA8-458BB5141BDC}"/>
+                <a16:creationId xmlns:a16="http://schemas.microsoft.com/office/drawing/2014/main" id="{DAC13AC0-FABD-40C6-8EA8-458BB5141BDC}"/>
               </a:ext>
             </a:extLst>
           </p:cNvPr>
@@ -6850,7 +8633,7 @@
           <a:p>
             <a:fld id="{854B7264-E21A-4329-A994-84F7B09D33B2}" type="datetimeFigureOut">
               <a:rPr lang="fr-FR" smtClean="0"/>
-              <a:t>13/06/2019</a:t>
+              <a:t>27/06/2019</a:t>
             </a:fld>
             <a:endParaRPr lang="fr-FR"/>
           </a:p>
@@ -6861,7 +8644,7 @@
           <p:cNvPr id="5" name="Espace réservé du pied de page 4">
             <a:extLst>
               <a:ext uri="{FF2B5EF4-FFF2-40B4-BE49-F238E27FC236}">
-                <a16:creationId xmlns="" xmlns:a16="http://schemas.microsoft.com/office/drawing/2014/main" id="{121F5683-648A-4D6D-9CA5-8B4F52A5A930}"/>
+                <a16:creationId xmlns:a16="http://schemas.microsoft.com/office/drawing/2014/main" id="{121F5683-648A-4D6D-9CA5-8B4F52A5A930}"/>
               </a:ext>
             </a:extLst>
           </p:cNvPr>
@@ -6886,7 +8669,7 @@
           <p:cNvPr id="6" name="Espace réservé du numéro de diapositive 5">
             <a:extLst>
               <a:ext uri="{FF2B5EF4-FFF2-40B4-BE49-F238E27FC236}">
-                <a16:creationId xmlns="" xmlns:a16="http://schemas.microsoft.com/office/drawing/2014/main" id="{54368FDB-F55A-4854-9317-18C6016AA497}"/>
+                <a16:creationId xmlns:a16="http://schemas.microsoft.com/office/drawing/2014/main" id="{54368FDB-F55A-4854-9317-18C6016AA497}"/>
               </a:ext>
             </a:extLst>
           </p:cNvPr>
@@ -6945,7 +8728,7 @@
           <p:cNvPr id="2" name="Titre 1">
             <a:extLst>
               <a:ext uri="{FF2B5EF4-FFF2-40B4-BE49-F238E27FC236}">
-                <a16:creationId xmlns="" xmlns:a16="http://schemas.microsoft.com/office/drawing/2014/main" id="{FC6C4087-8A21-4E19-80D2-F1D310A408A6}"/>
+                <a16:creationId xmlns:a16="http://schemas.microsoft.com/office/drawing/2014/main" id="{FC6C4087-8A21-4E19-80D2-F1D310A408A6}"/>
               </a:ext>
             </a:extLst>
           </p:cNvPr>
@@ -6982,7 +8765,7 @@
           <p:cNvPr id="3" name="Espace réservé du texte 2">
             <a:extLst>
               <a:ext uri="{FF2B5EF4-FFF2-40B4-BE49-F238E27FC236}">
-                <a16:creationId xmlns="" xmlns:a16="http://schemas.microsoft.com/office/drawing/2014/main" id="{32C2E449-E317-4810-B16B-738AA66D2005}"/>
+                <a16:creationId xmlns:a16="http://schemas.microsoft.com/office/drawing/2014/main" id="{32C2E449-E317-4810-B16B-738AA66D2005}"/>
               </a:ext>
             </a:extLst>
           </p:cNvPr>
@@ -7107,7 +8890,7 @@
           <p:cNvPr id="4" name="Espace réservé de la date 3">
             <a:extLst>
               <a:ext uri="{FF2B5EF4-FFF2-40B4-BE49-F238E27FC236}">
-                <a16:creationId xmlns="" xmlns:a16="http://schemas.microsoft.com/office/drawing/2014/main" id="{243113AC-BB82-48A0-AEBF-3E32878FD061}"/>
+                <a16:creationId xmlns:a16="http://schemas.microsoft.com/office/drawing/2014/main" id="{243113AC-BB82-48A0-AEBF-3E32878FD061}"/>
               </a:ext>
             </a:extLst>
           </p:cNvPr>
@@ -7125,7 +8908,7 @@
           <a:p>
             <a:fld id="{854B7264-E21A-4329-A994-84F7B09D33B2}" type="datetimeFigureOut">
               <a:rPr lang="fr-FR" smtClean="0"/>
-              <a:t>13/06/2019</a:t>
+              <a:t>27/06/2019</a:t>
             </a:fld>
             <a:endParaRPr lang="fr-FR"/>
           </a:p>
@@ -7136,7 +8919,7 @@
           <p:cNvPr id="5" name="Espace réservé du pied de page 4">
             <a:extLst>
               <a:ext uri="{FF2B5EF4-FFF2-40B4-BE49-F238E27FC236}">
-                <a16:creationId xmlns="" xmlns:a16="http://schemas.microsoft.com/office/drawing/2014/main" id="{741606E9-130C-43F0-8E78-50CFF36A8559}"/>
+                <a16:creationId xmlns:a16="http://schemas.microsoft.com/office/drawing/2014/main" id="{741606E9-130C-43F0-8E78-50CFF36A8559}"/>
               </a:ext>
             </a:extLst>
           </p:cNvPr>
@@ -7161,7 +8944,7 @@
           <p:cNvPr id="6" name="Espace réservé du numéro de diapositive 5">
             <a:extLst>
               <a:ext uri="{FF2B5EF4-FFF2-40B4-BE49-F238E27FC236}">
-                <a16:creationId xmlns="" xmlns:a16="http://schemas.microsoft.com/office/drawing/2014/main" id="{95DC89E8-B346-4ECE-B2DD-29D0B4A927F2}"/>
+                <a16:creationId xmlns:a16="http://schemas.microsoft.com/office/drawing/2014/main" id="{95DC89E8-B346-4ECE-B2DD-29D0B4A927F2}"/>
               </a:ext>
             </a:extLst>
           </p:cNvPr>
@@ -7220,7 +9003,7 @@
           <p:cNvPr id="2" name="Titre 1">
             <a:extLst>
               <a:ext uri="{FF2B5EF4-FFF2-40B4-BE49-F238E27FC236}">
-                <a16:creationId xmlns="" xmlns:a16="http://schemas.microsoft.com/office/drawing/2014/main" id="{19C95A4E-BE01-4DFA-8384-9BF2332FDFB9}"/>
+                <a16:creationId xmlns:a16="http://schemas.microsoft.com/office/drawing/2014/main" id="{19C95A4E-BE01-4DFA-8384-9BF2332FDFB9}"/>
               </a:ext>
             </a:extLst>
           </p:cNvPr>
@@ -7248,7 +9031,7 @@
           <p:cNvPr id="3" name="Espace réservé du contenu 2">
             <a:extLst>
               <a:ext uri="{FF2B5EF4-FFF2-40B4-BE49-F238E27FC236}">
-                <a16:creationId xmlns="" xmlns:a16="http://schemas.microsoft.com/office/drawing/2014/main" id="{0DE32B8C-BB23-466E-865D-6BDC17D51880}"/>
+                <a16:creationId xmlns:a16="http://schemas.microsoft.com/office/drawing/2014/main" id="{0DE32B8C-BB23-466E-865D-6BDC17D51880}"/>
               </a:ext>
             </a:extLst>
           </p:cNvPr>
@@ -7310,7 +9093,7 @@
           <p:cNvPr id="4" name="Espace réservé du contenu 3">
             <a:extLst>
               <a:ext uri="{FF2B5EF4-FFF2-40B4-BE49-F238E27FC236}">
-                <a16:creationId xmlns="" xmlns:a16="http://schemas.microsoft.com/office/drawing/2014/main" id="{81FA0933-B155-49D2-99B4-4AD841592875}"/>
+                <a16:creationId xmlns:a16="http://schemas.microsoft.com/office/drawing/2014/main" id="{81FA0933-B155-49D2-99B4-4AD841592875}"/>
               </a:ext>
             </a:extLst>
           </p:cNvPr>
@@ -7372,7 +9155,7 @@
           <p:cNvPr id="5" name="Espace réservé de la date 4">
             <a:extLst>
               <a:ext uri="{FF2B5EF4-FFF2-40B4-BE49-F238E27FC236}">
-                <a16:creationId xmlns="" xmlns:a16="http://schemas.microsoft.com/office/drawing/2014/main" id="{073F4B39-3B10-4CF8-937E-6443AFB4D143}"/>
+                <a16:creationId xmlns:a16="http://schemas.microsoft.com/office/drawing/2014/main" id="{073F4B39-3B10-4CF8-937E-6443AFB4D143}"/>
               </a:ext>
             </a:extLst>
           </p:cNvPr>
@@ -7390,7 +9173,7 @@
           <a:p>
             <a:fld id="{854B7264-E21A-4329-A994-84F7B09D33B2}" type="datetimeFigureOut">
               <a:rPr lang="fr-FR" smtClean="0"/>
-              <a:t>13/06/2019</a:t>
+              <a:t>27/06/2019</a:t>
             </a:fld>
             <a:endParaRPr lang="fr-FR"/>
           </a:p>
@@ -7401,7 +9184,7 @@
           <p:cNvPr id="6" name="Espace réservé du pied de page 5">
             <a:extLst>
               <a:ext uri="{FF2B5EF4-FFF2-40B4-BE49-F238E27FC236}">
-                <a16:creationId xmlns="" xmlns:a16="http://schemas.microsoft.com/office/drawing/2014/main" id="{CB859363-315C-4A38-8329-FFD6C60C4A7C}"/>
+                <a16:creationId xmlns:a16="http://schemas.microsoft.com/office/drawing/2014/main" id="{CB859363-315C-4A38-8329-FFD6C60C4A7C}"/>
               </a:ext>
             </a:extLst>
           </p:cNvPr>
@@ -7426,7 +9209,7 @@
           <p:cNvPr id="7" name="Espace réservé du numéro de diapositive 6">
             <a:extLst>
               <a:ext uri="{FF2B5EF4-FFF2-40B4-BE49-F238E27FC236}">
-                <a16:creationId xmlns="" xmlns:a16="http://schemas.microsoft.com/office/drawing/2014/main" id="{F459DDA4-BD6F-4D8D-9179-5EDFE8045E89}"/>
+                <a16:creationId xmlns:a16="http://schemas.microsoft.com/office/drawing/2014/main" id="{F459DDA4-BD6F-4D8D-9179-5EDFE8045E89}"/>
               </a:ext>
             </a:extLst>
           </p:cNvPr>
@@ -7485,7 +9268,7 @@
           <p:cNvPr id="2" name="Titre 1">
             <a:extLst>
               <a:ext uri="{FF2B5EF4-FFF2-40B4-BE49-F238E27FC236}">
-                <a16:creationId xmlns="" xmlns:a16="http://schemas.microsoft.com/office/drawing/2014/main" id="{25841B85-56FD-4B7B-ACB8-643AD8BD0EEA}"/>
+                <a16:creationId xmlns:a16="http://schemas.microsoft.com/office/drawing/2014/main" id="{25841B85-56FD-4B7B-ACB8-643AD8BD0EEA}"/>
               </a:ext>
             </a:extLst>
           </p:cNvPr>
@@ -7518,7 +9301,7 @@
           <p:cNvPr id="3" name="Espace réservé du texte 2">
             <a:extLst>
               <a:ext uri="{FF2B5EF4-FFF2-40B4-BE49-F238E27FC236}">
-                <a16:creationId xmlns="" xmlns:a16="http://schemas.microsoft.com/office/drawing/2014/main" id="{247F153A-4BB3-4A23-B875-B03976C410CF}"/>
+                <a16:creationId xmlns:a16="http://schemas.microsoft.com/office/drawing/2014/main" id="{247F153A-4BB3-4A23-B875-B03976C410CF}"/>
               </a:ext>
             </a:extLst>
           </p:cNvPr>
@@ -7589,7 +9372,7 @@
           <p:cNvPr id="4" name="Espace réservé du contenu 3">
             <a:extLst>
               <a:ext uri="{FF2B5EF4-FFF2-40B4-BE49-F238E27FC236}">
-                <a16:creationId xmlns="" xmlns:a16="http://schemas.microsoft.com/office/drawing/2014/main" id="{F8FC592C-DB63-4951-B3B0-932601063D7D}"/>
+                <a16:creationId xmlns:a16="http://schemas.microsoft.com/office/drawing/2014/main" id="{F8FC592C-DB63-4951-B3B0-932601063D7D}"/>
               </a:ext>
             </a:extLst>
           </p:cNvPr>
@@ -7651,7 +9434,7 @@
           <p:cNvPr id="5" name="Espace réservé du texte 4">
             <a:extLst>
               <a:ext uri="{FF2B5EF4-FFF2-40B4-BE49-F238E27FC236}">
-                <a16:creationId xmlns="" xmlns:a16="http://schemas.microsoft.com/office/drawing/2014/main" id="{EF505655-B656-46E1-86D8-CDAAC661C672}"/>
+                <a16:creationId xmlns:a16="http://schemas.microsoft.com/office/drawing/2014/main" id="{EF505655-B656-46E1-86D8-CDAAC661C672}"/>
               </a:ext>
             </a:extLst>
           </p:cNvPr>
@@ -7722,7 +9505,7 @@
           <p:cNvPr id="6" name="Espace réservé du contenu 5">
             <a:extLst>
               <a:ext uri="{FF2B5EF4-FFF2-40B4-BE49-F238E27FC236}">
-                <a16:creationId xmlns="" xmlns:a16="http://schemas.microsoft.com/office/drawing/2014/main" id="{1A03A6CA-7F19-4B2F-9DCF-53E1FAC6514F}"/>
+                <a16:creationId xmlns:a16="http://schemas.microsoft.com/office/drawing/2014/main" id="{1A03A6CA-7F19-4B2F-9DCF-53E1FAC6514F}"/>
               </a:ext>
             </a:extLst>
           </p:cNvPr>
@@ -7784,7 +9567,7 @@
           <p:cNvPr id="7" name="Espace réservé de la date 6">
             <a:extLst>
               <a:ext uri="{FF2B5EF4-FFF2-40B4-BE49-F238E27FC236}">
-                <a16:creationId xmlns="" xmlns:a16="http://schemas.microsoft.com/office/drawing/2014/main" id="{275F85EF-05AB-4001-BA10-C898D189A066}"/>
+                <a16:creationId xmlns:a16="http://schemas.microsoft.com/office/drawing/2014/main" id="{275F85EF-05AB-4001-BA10-C898D189A066}"/>
               </a:ext>
             </a:extLst>
           </p:cNvPr>
@@ -7802,7 +9585,7 @@
           <a:p>
             <a:fld id="{854B7264-E21A-4329-A994-84F7B09D33B2}" type="datetimeFigureOut">
               <a:rPr lang="fr-FR" smtClean="0"/>
-              <a:t>13/06/2019</a:t>
+              <a:t>27/06/2019</a:t>
             </a:fld>
             <a:endParaRPr lang="fr-FR"/>
           </a:p>
@@ -7813,7 +9596,7 @@
           <p:cNvPr id="8" name="Espace réservé du pied de page 7">
             <a:extLst>
               <a:ext uri="{FF2B5EF4-FFF2-40B4-BE49-F238E27FC236}">
-                <a16:creationId xmlns="" xmlns:a16="http://schemas.microsoft.com/office/drawing/2014/main" id="{F9457300-7CAD-4BB3-97AD-45217EB38FD9}"/>
+                <a16:creationId xmlns:a16="http://schemas.microsoft.com/office/drawing/2014/main" id="{F9457300-7CAD-4BB3-97AD-45217EB38FD9}"/>
               </a:ext>
             </a:extLst>
           </p:cNvPr>
@@ -7838,7 +9621,7 @@
           <p:cNvPr id="9" name="Espace réservé du numéro de diapositive 8">
             <a:extLst>
               <a:ext uri="{FF2B5EF4-FFF2-40B4-BE49-F238E27FC236}">
-                <a16:creationId xmlns="" xmlns:a16="http://schemas.microsoft.com/office/drawing/2014/main" id="{7DCC4D10-E12C-43C0-92F2-52AD7E4EF9DC}"/>
+                <a16:creationId xmlns:a16="http://schemas.microsoft.com/office/drawing/2014/main" id="{7DCC4D10-E12C-43C0-92F2-52AD7E4EF9DC}"/>
               </a:ext>
             </a:extLst>
           </p:cNvPr>
@@ -7897,7 +9680,7 @@
           <p:cNvPr id="2" name="Titre 1">
             <a:extLst>
               <a:ext uri="{FF2B5EF4-FFF2-40B4-BE49-F238E27FC236}">
-                <a16:creationId xmlns="" xmlns:a16="http://schemas.microsoft.com/office/drawing/2014/main" id="{1B470F92-8F09-48F4-A643-FB56A6878B58}"/>
+                <a16:creationId xmlns:a16="http://schemas.microsoft.com/office/drawing/2014/main" id="{1B470F92-8F09-48F4-A643-FB56A6878B58}"/>
               </a:ext>
             </a:extLst>
           </p:cNvPr>
@@ -7925,7 +9708,7 @@
           <p:cNvPr id="3" name="Espace réservé de la date 2">
             <a:extLst>
               <a:ext uri="{FF2B5EF4-FFF2-40B4-BE49-F238E27FC236}">
-                <a16:creationId xmlns="" xmlns:a16="http://schemas.microsoft.com/office/drawing/2014/main" id="{F3F94C3B-45CA-4573-ADBF-6D664A9F0F09}"/>
+                <a16:creationId xmlns:a16="http://schemas.microsoft.com/office/drawing/2014/main" id="{F3F94C3B-45CA-4573-ADBF-6D664A9F0F09}"/>
               </a:ext>
             </a:extLst>
           </p:cNvPr>
@@ -7943,7 +9726,7 @@
           <a:p>
             <a:fld id="{854B7264-E21A-4329-A994-84F7B09D33B2}" type="datetimeFigureOut">
               <a:rPr lang="fr-FR" smtClean="0"/>
-              <a:t>13/06/2019</a:t>
+              <a:t>27/06/2019</a:t>
             </a:fld>
             <a:endParaRPr lang="fr-FR"/>
           </a:p>
@@ -7954,7 +9737,7 @@
           <p:cNvPr id="4" name="Espace réservé du pied de page 3">
             <a:extLst>
               <a:ext uri="{FF2B5EF4-FFF2-40B4-BE49-F238E27FC236}">
-                <a16:creationId xmlns="" xmlns:a16="http://schemas.microsoft.com/office/drawing/2014/main" id="{3F3A9466-CE4D-485E-9459-A2415081D918}"/>
+                <a16:creationId xmlns:a16="http://schemas.microsoft.com/office/drawing/2014/main" id="{3F3A9466-CE4D-485E-9459-A2415081D918}"/>
               </a:ext>
             </a:extLst>
           </p:cNvPr>
@@ -7979,7 +9762,7 @@
           <p:cNvPr id="5" name="Espace réservé du numéro de diapositive 4">
             <a:extLst>
               <a:ext uri="{FF2B5EF4-FFF2-40B4-BE49-F238E27FC236}">
-                <a16:creationId xmlns="" xmlns:a16="http://schemas.microsoft.com/office/drawing/2014/main" id="{2A71A4CD-752B-4F44-98C5-477DB0B428FC}"/>
+                <a16:creationId xmlns:a16="http://schemas.microsoft.com/office/drawing/2014/main" id="{2A71A4CD-752B-4F44-98C5-477DB0B428FC}"/>
               </a:ext>
             </a:extLst>
           </p:cNvPr>
@@ -8038,7 +9821,7 @@
           <p:cNvPr id="2" name="Espace réservé de la date 1">
             <a:extLst>
               <a:ext uri="{FF2B5EF4-FFF2-40B4-BE49-F238E27FC236}">
-                <a16:creationId xmlns="" xmlns:a16="http://schemas.microsoft.com/office/drawing/2014/main" id="{4C2ECF8C-5CCC-47D0-873C-284EC474A195}"/>
+                <a16:creationId xmlns:a16="http://schemas.microsoft.com/office/drawing/2014/main" id="{4C2ECF8C-5CCC-47D0-873C-284EC474A195}"/>
               </a:ext>
             </a:extLst>
           </p:cNvPr>
@@ -8056,7 +9839,7 @@
           <a:p>
             <a:fld id="{854B7264-E21A-4329-A994-84F7B09D33B2}" type="datetimeFigureOut">
               <a:rPr lang="fr-FR" smtClean="0"/>
-              <a:t>13/06/2019</a:t>
+              <a:t>27/06/2019</a:t>
             </a:fld>
             <a:endParaRPr lang="fr-FR"/>
           </a:p>
@@ -8067,7 +9850,7 @@
           <p:cNvPr id="3" name="Espace réservé du pied de page 2">
             <a:extLst>
               <a:ext uri="{FF2B5EF4-FFF2-40B4-BE49-F238E27FC236}">
-                <a16:creationId xmlns="" xmlns:a16="http://schemas.microsoft.com/office/drawing/2014/main" id="{31AB9437-EC48-4E90-BFCF-84322F3C3EEC}"/>
+                <a16:creationId xmlns:a16="http://schemas.microsoft.com/office/drawing/2014/main" id="{31AB9437-EC48-4E90-BFCF-84322F3C3EEC}"/>
               </a:ext>
             </a:extLst>
           </p:cNvPr>
@@ -8092,7 +9875,7 @@
           <p:cNvPr id="4" name="Espace réservé du numéro de diapositive 3">
             <a:extLst>
               <a:ext uri="{FF2B5EF4-FFF2-40B4-BE49-F238E27FC236}">
-                <a16:creationId xmlns="" xmlns:a16="http://schemas.microsoft.com/office/drawing/2014/main" id="{A442CD28-E51C-4FDA-80AF-7B0115BC8E9A}"/>
+                <a16:creationId xmlns:a16="http://schemas.microsoft.com/office/drawing/2014/main" id="{A442CD28-E51C-4FDA-80AF-7B0115BC8E9A}"/>
               </a:ext>
             </a:extLst>
           </p:cNvPr>
@@ -8151,7 +9934,7 @@
           <p:cNvPr id="2" name="Titre 1">
             <a:extLst>
               <a:ext uri="{FF2B5EF4-FFF2-40B4-BE49-F238E27FC236}">
-                <a16:creationId xmlns="" xmlns:a16="http://schemas.microsoft.com/office/drawing/2014/main" id="{480A53D3-533B-4402-BE19-07569339BD95}"/>
+                <a16:creationId xmlns:a16="http://schemas.microsoft.com/office/drawing/2014/main" id="{480A53D3-533B-4402-BE19-07569339BD95}"/>
               </a:ext>
             </a:extLst>
           </p:cNvPr>
@@ -8188,7 +9971,7 @@
           <p:cNvPr id="3" name="Espace réservé du contenu 2">
             <a:extLst>
               <a:ext uri="{FF2B5EF4-FFF2-40B4-BE49-F238E27FC236}">
-                <a16:creationId xmlns="" xmlns:a16="http://schemas.microsoft.com/office/drawing/2014/main" id="{C3A0CD09-8283-4DF9-B812-61F223714BBF}"/>
+                <a16:creationId xmlns:a16="http://schemas.microsoft.com/office/drawing/2014/main" id="{C3A0CD09-8283-4DF9-B812-61F223714BBF}"/>
               </a:ext>
             </a:extLst>
           </p:cNvPr>
@@ -8278,7 +10061,7 @@
           <p:cNvPr id="4" name="Espace réservé du texte 3">
             <a:extLst>
               <a:ext uri="{FF2B5EF4-FFF2-40B4-BE49-F238E27FC236}">
-                <a16:creationId xmlns="" xmlns:a16="http://schemas.microsoft.com/office/drawing/2014/main" id="{AB49CFE1-F5DA-4640-8DDC-8A9F9B56C3BD}"/>
+                <a16:creationId xmlns:a16="http://schemas.microsoft.com/office/drawing/2014/main" id="{AB49CFE1-F5DA-4640-8DDC-8A9F9B56C3BD}"/>
               </a:ext>
             </a:extLst>
           </p:cNvPr>
@@ -8349,7 +10132,7 @@
           <p:cNvPr id="5" name="Espace réservé de la date 4">
             <a:extLst>
               <a:ext uri="{FF2B5EF4-FFF2-40B4-BE49-F238E27FC236}">
-                <a16:creationId xmlns="" xmlns:a16="http://schemas.microsoft.com/office/drawing/2014/main" id="{EE1570F4-6755-4E5D-A22E-287DF9106862}"/>
+                <a16:creationId xmlns:a16="http://schemas.microsoft.com/office/drawing/2014/main" id="{EE1570F4-6755-4E5D-A22E-287DF9106862}"/>
               </a:ext>
             </a:extLst>
           </p:cNvPr>
@@ -8367,7 +10150,7 @@
           <a:p>
             <a:fld id="{854B7264-E21A-4329-A994-84F7B09D33B2}" type="datetimeFigureOut">
               <a:rPr lang="fr-FR" smtClean="0"/>
-              <a:t>13/06/2019</a:t>
+              <a:t>27/06/2019</a:t>
             </a:fld>
             <a:endParaRPr lang="fr-FR"/>
           </a:p>
@@ -8378,7 +10161,7 @@
           <p:cNvPr id="6" name="Espace réservé du pied de page 5">
             <a:extLst>
               <a:ext uri="{FF2B5EF4-FFF2-40B4-BE49-F238E27FC236}">
-                <a16:creationId xmlns="" xmlns:a16="http://schemas.microsoft.com/office/drawing/2014/main" id="{48D78DED-27E9-4923-89E4-1ADA3C2B027A}"/>
+                <a16:creationId xmlns:a16="http://schemas.microsoft.com/office/drawing/2014/main" id="{48D78DED-27E9-4923-89E4-1ADA3C2B027A}"/>
               </a:ext>
             </a:extLst>
           </p:cNvPr>
@@ -8403,7 +10186,7 @@
           <p:cNvPr id="7" name="Espace réservé du numéro de diapositive 6">
             <a:extLst>
               <a:ext uri="{FF2B5EF4-FFF2-40B4-BE49-F238E27FC236}">
-                <a16:creationId xmlns="" xmlns:a16="http://schemas.microsoft.com/office/drawing/2014/main" id="{6ECCF9D1-69E1-48F9-AC7A-B72397026A0E}"/>
+                <a16:creationId xmlns:a16="http://schemas.microsoft.com/office/drawing/2014/main" id="{6ECCF9D1-69E1-48F9-AC7A-B72397026A0E}"/>
               </a:ext>
             </a:extLst>
           </p:cNvPr>
@@ -8462,7 +10245,7 @@
           <p:cNvPr id="2" name="Titre 1">
             <a:extLst>
               <a:ext uri="{FF2B5EF4-FFF2-40B4-BE49-F238E27FC236}">
-                <a16:creationId xmlns="" xmlns:a16="http://schemas.microsoft.com/office/drawing/2014/main" id="{F9B7FF1C-6C97-4E9A-8785-F29D7D969732}"/>
+                <a16:creationId xmlns:a16="http://schemas.microsoft.com/office/drawing/2014/main" id="{F9B7FF1C-6C97-4E9A-8785-F29D7D969732}"/>
               </a:ext>
             </a:extLst>
           </p:cNvPr>
@@ -8499,7 +10282,7 @@
           <p:cNvPr id="3" name="Espace réservé pour une image  2">
             <a:extLst>
               <a:ext uri="{FF2B5EF4-FFF2-40B4-BE49-F238E27FC236}">
-                <a16:creationId xmlns="" xmlns:a16="http://schemas.microsoft.com/office/drawing/2014/main" id="{77B138A2-40FD-45FC-87B5-5FE9F607BA7B}"/>
+                <a16:creationId xmlns:a16="http://schemas.microsoft.com/office/drawing/2014/main" id="{77B138A2-40FD-45FC-87B5-5FE9F607BA7B}"/>
               </a:ext>
             </a:extLst>
           </p:cNvPr>
@@ -8566,7 +10349,7 @@
           <p:cNvPr id="4" name="Espace réservé du texte 3">
             <a:extLst>
               <a:ext uri="{FF2B5EF4-FFF2-40B4-BE49-F238E27FC236}">
-                <a16:creationId xmlns="" xmlns:a16="http://schemas.microsoft.com/office/drawing/2014/main" id="{DBB3B8C6-364F-4C7C-AA00-DF2A1685B1D4}"/>
+                <a16:creationId xmlns:a16="http://schemas.microsoft.com/office/drawing/2014/main" id="{DBB3B8C6-364F-4C7C-AA00-DF2A1685B1D4}"/>
               </a:ext>
             </a:extLst>
           </p:cNvPr>
@@ -8637,7 +10420,7 @@
           <p:cNvPr id="5" name="Espace réservé de la date 4">
             <a:extLst>
               <a:ext uri="{FF2B5EF4-FFF2-40B4-BE49-F238E27FC236}">
-                <a16:creationId xmlns="" xmlns:a16="http://schemas.microsoft.com/office/drawing/2014/main" id="{52E57F3E-8715-4836-8EE2-97B35F3583EE}"/>
+                <a16:creationId xmlns:a16="http://schemas.microsoft.com/office/drawing/2014/main" id="{52E57F3E-8715-4836-8EE2-97B35F3583EE}"/>
               </a:ext>
             </a:extLst>
           </p:cNvPr>
@@ -8655,7 +10438,7 @@
           <a:p>
             <a:fld id="{854B7264-E21A-4329-A994-84F7B09D33B2}" type="datetimeFigureOut">
               <a:rPr lang="fr-FR" smtClean="0"/>
-              <a:t>13/06/2019</a:t>
+              <a:t>27/06/2019</a:t>
             </a:fld>
             <a:endParaRPr lang="fr-FR"/>
           </a:p>
@@ -8666,7 +10449,7 @@
           <p:cNvPr id="6" name="Espace réservé du pied de page 5">
             <a:extLst>
               <a:ext uri="{FF2B5EF4-FFF2-40B4-BE49-F238E27FC236}">
-                <a16:creationId xmlns="" xmlns:a16="http://schemas.microsoft.com/office/drawing/2014/main" id="{EA8C83C4-5576-4693-8B10-C460D3224A82}"/>
+                <a16:creationId xmlns:a16="http://schemas.microsoft.com/office/drawing/2014/main" id="{EA8C83C4-5576-4693-8B10-C460D3224A82}"/>
               </a:ext>
             </a:extLst>
           </p:cNvPr>
@@ -8691,7 +10474,7 @@
           <p:cNvPr id="7" name="Espace réservé du numéro de diapositive 6">
             <a:extLst>
               <a:ext uri="{FF2B5EF4-FFF2-40B4-BE49-F238E27FC236}">
-                <a16:creationId xmlns="" xmlns:a16="http://schemas.microsoft.com/office/drawing/2014/main" id="{33640FBE-8305-48C4-B793-1CA5ECC36235}"/>
+                <a16:creationId xmlns:a16="http://schemas.microsoft.com/office/drawing/2014/main" id="{33640FBE-8305-48C4-B793-1CA5ECC36235}"/>
               </a:ext>
             </a:extLst>
           </p:cNvPr>
@@ -8755,7 +10538,7 @@
           <p:cNvPr id="2" name="Espace réservé du titre 1">
             <a:extLst>
               <a:ext uri="{FF2B5EF4-FFF2-40B4-BE49-F238E27FC236}">
-                <a16:creationId xmlns="" xmlns:a16="http://schemas.microsoft.com/office/drawing/2014/main" id="{9012FD45-130F-4A6D-95D9-53A0260EA408}"/>
+                <a16:creationId xmlns:a16="http://schemas.microsoft.com/office/drawing/2014/main" id="{9012FD45-130F-4A6D-95D9-53A0260EA408}"/>
               </a:ext>
             </a:extLst>
           </p:cNvPr>
@@ -8793,7 +10576,7 @@
           <p:cNvPr id="3" name="Espace réservé du texte 2">
             <a:extLst>
               <a:ext uri="{FF2B5EF4-FFF2-40B4-BE49-F238E27FC236}">
-                <a16:creationId xmlns="" xmlns:a16="http://schemas.microsoft.com/office/drawing/2014/main" id="{49EF4B30-862A-400A-B9AD-A62291CFC2BD}"/>
+                <a16:creationId xmlns:a16="http://schemas.microsoft.com/office/drawing/2014/main" id="{49EF4B30-862A-400A-B9AD-A62291CFC2BD}"/>
               </a:ext>
             </a:extLst>
           </p:cNvPr>
@@ -8860,7 +10643,7 @@
           <p:cNvPr id="4" name="Espace réservé de la date 3">
             <a:extLst>
               <a:ext uri="{FF2B5EF4-FFF2-40B4-BE49-F238E27FC236}">
-                <a16:creationId xmlns="" xmlns:a16="http://schemas.microsoft.com/office/drawing/2014/main" id="{33DE1D2F-58CB-482F-B7F3-79E7379271D8}"/>
+                <a16:creationId xmlns:a16="http://schemas.microsoft.com/office/drawing/2014/main" id="{33DE1D2F-58CB-482F-B7F3-79E7379271D8}"/>
               </a:ext>
             </a:extLst>
           </p:cNvPr>
@@ -8896,7 +10679,7 @@
           <a:p>
             <a:fld id="{854B7264-E21A-4329-A994-84F7B09D33B2}" type="datetimeFigureOut">
               <a:rPr lang="fr-FR" smtClean="0"/>
-              <a:t>13/06/2019</a:t>
+              <a:t>27/06/2019</a:t>
             </a:fld>
             <a:endParaRPr lang="fr-FR"/>
           </a:p>
@@ -8907,7 +10690,7 @@
           <p:cNvPr id="5" name="Espace réservé du pied de page 4">
             <a:extLst>
               <a:ext uri="{FF2B5EF4-FFF2-40B4-BE49-F238E27FC236}">
-                <a16:creationId xmlns="" xmlns:a16="http://schemas.microsoft.com/office/drawing/2014/main" id="{EB59F106-943E-41EF-B8DD-0464A66EED85}"/>
+                <a16:creationId xmlns:a16="http://schemas.microsoft.com/office/drawing/2014/main" id="{EB59F106-943E-41EF-B8DD-0464A66EED85}"/>
               </a:ext>
             </a:extLst>
           </p:cNvPr>
@@ -8950,7 +10733,7 @@
           <p:cNvPr id="6" name="Espace réservé du numéro de diapositive 5">
             <a:extLst>
               <a:ext uri="{FF2B5EF4-FFF2-40B4-BE49-F238E27FC236}">
-                <a16:creationId xmlns="" xmlns:a16="http://schemas.microsoft.com/office/drawing/2014/main" id="{05B4C375-E346-4CAA-8FE9-9AB4A5F44DC2}"/>
+                <a16:creationId xmlns:a16="http://schemas.microsoft.com/office/drawing/2014/main" id="{05B4C375-E346-4CAA-8FE9-9AB4A5F44DC2}"/>
               </a:ext>
             </a:extLst>
           </p:cNvPr>
@@ -9332,7 +11115,7 @@
           <p:cNvPr id="4" name="ZoneTexte 3">
             <a:extLst>
               <a:ext uri="{FF2B5EF4-FFF2-40B4-BE49-F238E27FC236}">
-                <a16:creationId xmlns="" xmlns:a16="http://schemas.microsoft.com/office/drawing/2014/main" id="{11CB7687-B471-4549-A848-8326224DD138}"/>
+                <a16:creationId xmlns:a16="http://schemas.microsoft.com/office/drawing/2014/main" id="{11CB7687-B471-4549-A848-8326224DD138}"/>
               </a:ext>
             </a:extLst>
           </p:cNvPr>
@@ -9377,7 +11160,7 @@
           <p:cNvPr id="15" name="Espace réservé du numéro de diapositive 14">
             <a:extLst>
               <a:ext uri="{FF2B5EF4-FFF2-40B4-BE49-F238E27FC236}">
-                <a16:creationId xmlns="" xmlns:a16="http://schemas.microsoft.com/office/drawing/2014/main" id="{CDE5A07D-D0AC-40C1-A4B2-6554F2C6C2A8}"/>
+                <a16:creationId xmlns:a16="http://schemas.microsoft.com/office/drawing/2014/main" id="{CDE5A07D-D0AC-40C1-A4B2-6554F2C6C2A8}"/>
               </a:ext>
             </a:extLst>
           </p:cNvPr>
@@ -9406,7 +11189,7 @@
           <p:cNvPr id="13" name="Picture 6" descr="https://lh4.googleusercontent.com/tDwfaWIODJwkVzC04hR4wphZ_bXVMzxILbAN9Qbng8EwIAbWv-Or6b11Jyv2qqyH2fMlHzvMDEqmubu33Vw1qj5t-PauwGvmDfLxtND69gtRglVB3TUtZhO0V3XG9FqWCcJLVMSl2JA">
             <a:extLst>
               <a:ext uri="{FF2B5EF4-FFF2-40B4-BE49-F238E27FC236}">
-                <a16:creationId xmlns="" xmlns:a16="http://schemas.microsoft.com/office/drawing/2014/main" id="{8E4C707E-0CDF-4F28-ACCD-1ADCB9155F03}"/>
+                <a16:creationId xmlns:a16="http://schemas.microsoft.com/office/drawing/2014/main" id="{8E4C707E-0CDF-4F28-ACCD-1ADCB9155F03}"/>
               </a:ext>
             </a:extLst>
           </p:cNvPr>
@@ -9460,7 +11243,7 @@
           <p:cNvPr id="7" name="ZoneTexte 6">
             <a:extLst>
               <a:ext uri="{FF2B5EF4-FFF2-40B4-BE49-F238E27FC236}">
-                <a16:creationId xmlns="" xmlns:a16="http://schemas.microsoft.com/office/drawing/2014/main" id="{2C8E76D1-3A8D-4D71-9701-519B1133BAF2}"/>
+                <a16:creationId xmlns:a16="http://schemas.microsoft.com/office/drawing/2014/main" id="{2C8E76D1-3A8D-4D71-9701-519B1133BAF2}"/>
               </a:ext>
             </a:extLst>
           </p:cNvPr>
@@ -9552,7 +11335,7 @@
           <p:cNvPr id="4" name="ZoneTexte 3">
             <a:extLst>
               <a:ext uri="{FF2B5EF4-FFF2-40B4-BE49-F238E27FC236}">
-                <a16:creationId xmlns="" xmlns:a16="http://schemas.microsoft.com/office/drawing/2014/main" id="{11CB7687-B471-4549-A848-8326224DD138}"/>
+                <a16:creationId xmlns:a16="http://schemas.microsoft.com/office/drawing/2014/main" id="{11CB7687-B471-4549-A848-8326224DD138}"/>
               </a:ext>
             </a:extLst>
           </p:cNvPr>
@@ -9597,7 +11380,7 @@
           <p:cNvPr id="9" name="ZoneTexte 8">
             <a:extLst>
               <a:ext uri="{FF2B5EF4-FFF2-40B4-BE49-F238E27FC236}">
-                <a16:creationId xmlns="" xmlns:a16="http://schemas.microsoft.com/office/drawing/2014/main" id="{86FA704E-1B92-4AAF-B5EC-8BF8A05E9824}"/>
+                <a16:creationId xmlns:a16="http://schemas.microsoft.com/office/drawing/2014/main" id="{86FA704E-1B92-4AAF-B5EC-8BF8A05E9824}"/>
               </a:ext>
             </a:extLst>
           </p:cNvPr>
@@ -9648,7 +11431,7 @@
           <p:cNvPr id="15" name="Espace réservé du numéro de diapositive 14">
             <a:extLst>
               <a:ext uri="{FF2B5EF4-FFF2-40B4-BE49-F238E27FC236}">
-                <a16:creationId xmlns="" xmlns:a16="http://schemas.microsoft.com/office/drawing/2014/main" id="{CDE5A07D-D0AC-40C1-A4B2-6554F2C6C2A8}"/>
+                <a16:creationId xmlns:a16="http://schemas.microsoft.com/office/drawing/2014/main" id="{CDE5A07D-D0AC-40C1-A4B2-6554F2C6C2A8}"/>
               </a:ext>
             </a:extLst>
           </p:cNvPr>
@@ -9677,7 +11460,7 @@
           <p:cNvPr id="13" name="Picture 6" descr="https://lh4.googleusercontent.com/tDwfaWIODJwkVzC04hR4wphZ_bXVMzxILbAN9Qbng8EwIAbWv-Or6b11Jyv2qqyH2fMlHzvMDEqmubu33Vw1qj5t-PauwGvmDfLxtND69gtRglVB3TUtZhO0V3XG9FqWCcJLVMSl2JA">
             <a:extLst>
               <a:ext uri="{FF2B5EF4-FFF2-40B4-BE49-F238E27FC236}">
-                <a16:creationId xmlns="" xmlns:a16="http://schemas.microsoft.com/office/drawing/2014/main" id="{8E4C707E-0CDF-4F28-ACCD-1ADCB9155F03}"/>
+                <a16:creationId xmlns:a16="http://schemas.microsoft.com/office/drawing/2014/main" id="{8E4C707E-0CDF-4F28-ACCD-1ADCB9155F03}"/>
               </a:ext>
             </a:extLst>
           </p:cNvPr>
@@ -9731,7 +11514,7 @@
           <p:cNvPr id="3" name="Image 2" descr="Une image contenant capture d’écran&#10;&#10;Description générée automatiquement">
             <a:extLst>
               <a:ext uri="{FF2B5EF4-FFF2-40B4-BE49-F238E27FC236}">
-                <a16:creationId xmlns="" xmlns:a16="http://schemas.microsoft.com/office/drawing/2014/main" id="{31D58DD7-CC59-4D16-A808-4FD4FE838A55}"/>
+                <a16:creationId xmlns:a16="http://schemas.microsoft.com/office/drawing/2014/main" id="{31D58DD7-CC59-4D16-A808-4FD4FE838A55}"/>
               </a:ext>
             </a:extLst>
           </p:cNvPr>
@@ -9774,7 +11557,7 @@
           <p:cNvPr id="10" name="Rectangle 9">
             <a:extLst>
               <a:ext uri="{FF2B5EF4-FFF2-40B4-BE49-F238E27FC236}">
-                <a16:creationId xmlns="" xmlns:a16="http://schemas.microsoft.com/office/drawing/2014/main" id="{BA9951E2-0AF0-4F0F-81F8-3E924998399E}"/>
+                <a16:creationId xmlns:a16="http://schemas.microsoft.com/office/drawing/2014/main" id="{BA9951E2-0AF0-4F0F-81F8-3E924998399E}"/>
               </a:ext>
             </a:extLst>
           </p:cNvPr>
@@ -9861,7 +11644,7 @@
           <p:cNvPr id="4" name="ZoneTexte 3">
             <a:extLst>
               <a:ext uri="{FF2B5EF4-FFF2-40B4-BE49-F238E27FC236}">
-                <a16:creationId xmlns="" xmlns:a16="http://schemas.microsoft.com/office/drawing/2014/main" id="{11CB7687-B471-4549-A848-8326224DD138}"/>
+                <a16:creationId xmlns:a16="http://schemas.microsoft.com/office/drawing/2014/main" id="{11CB7687-B471-4549-A848-8326224DD138}"/>
               </a:ext>
             </a:extLst>
           </p:cNvPr>
@@ -9906,7 +11689,7 @@
           <p:cNvPr id="9" name="ZoneTexte 8">
             <a:extLst>
               <a:ext uri="{FF2B5EF4-FFF2-40B4-BE49-F238E27FC236}">
-                <a16:creationId xmlns="" xmlns:a16="http://schemas.microsoft.com/office/drawing/2014/main" id="{86FA704E-1B92-4AAF-B5EC-8BF8A05E9824}"/>
+                <a16:creationId xmlns:a16="http://schemas.microsoft.com/office/drawing/2014/main" id="{86FA704E-1B92-4AAF-B5EC-8BF8A05E9824}"/>
               </a:ext>
             </a:extLst>
           </p:cNvPr>
@@ -9957,7 +11740,7 @@
           <p:cNvPr id="15" name="Espace réservé du numéro de diapositive 14">
             <a:extLst>
               <a:ext uri="{FF2B5EF4-FFF2-40B4-BE49-F238E27FC236}">
-                <a16:creationId xmlns="" xmlns:a16="http://schemas.microsoft.com/office/drawing/2014/main" id="{CDE5A07D-D0AC-40C1-A4B2-6554F2C6C2A8}"/>
+                <a16:creationId xmlns:a16="http://schemas.microsoft.com/office/drawing/2014/main" id="{CDE5A07D-D0AC-40C1-A4B2-6554F2C6C2A8}"/>
               </a:ext>
             </a:extLst>
           </p:cNvPr>
@@ -9986,7 +11769,7 @@
           <p:cNvPr id="13" name="Picture 6" descr="https://lh4.googleusercontent.com/tDwfaWIODJwkVzC04hR4wphZ_bXVMzxILbAN9Qbng8EwIAbWv-Or6b11Jyv2qqyH2fMlHzvMDEqmubu33Vw1qj5t-PauwGvmDfLxtND69gtRglVB3TUtZhO0V3XG9FqWCcJLVMSl2JA">
             <a:extLst>
               <a:ext uri="{FF2B5EF4-FFF2-40B4-BE49-F238E27FC236}">
-                <a16:creationId xmlns="" xmlns:a16="http://schemas.microsoft.com/office/drawing/2014/main" id="{8E4C707E-0CDF-4F28-ACCD-1ADCB9155F03}"/>
+                <a16:creationId xmlns:a16="http://schemas.microsoft.com/office/drawing/2014/main" id="{8E4C707E-0CDF-4F28-ACCD-1ADCB9155F03}"/>
               </a:ext>
             </a:extLst>
           </p:cNvPr>
@@ -10084,7 +11867,7 @@
           <p:cNvPr id="4" name="ZoneTexte 3">
             <a:extLst>
               <a:ext uri="{FF2B5EF4-FFF2-40B4-BE49-F238E27FC236}">
-                <a16:creationId xmlns="" xmlns:a16="http://schemas.microsoft.com/office/drawing/2014/main" id="{11CB7687-B471-4549-A848-8326224DD138}"/>
+                <a16:creationId xmlns:a16="http://schemas.microsoft.com/office/drawing/2014/main" id="{11CB7687-B471-4549-A848-8326224DD138}"/>
               </a:ext>
             </a:extLst>
           </p:cNvPr>
@@ -10129,7 +11912,7 @@
           <p:cNvPr id="9" name="ZoneTexte 8">
             <a:extLst>
               <a:ext uri="{FF2B5EF4-FFF2-40B4-BE49-F238E27FC236}">
-                <a16:creationId xmlns="" xmlns:a16="http://schemas.microsoft.com/office/drawing/2014/main" id="{86FA704E-1B92-4AAF-B5EC-8BF8A05E9824}"/>
+                <a16:creationId xmlns:a16="http://schemas.microsoft.com/office/drawing/2014/main" id="{86FA704E-1B92-4AAF-B5EC-8BF8A05E9824}"/>
               </a:ext>
             </a:extLst>
           </p:cNvPr>
@@ -10180,7 +11963,7 @@
           <p:cNvPr id="15" name="Espace réservé du numéro de diapositive 14">
             <a:extLst>
               <a:ext uri="{FF2B5EF4-FFF2-40B4-BE49-F238E27FC236}">
-                <a16:creationId xmlns="" xmlns:a16="http://schemas.microsoft.com/office/drawing/2014/main" id="{CDE5A07D-D0AC-40C1-A4B2-6554F2C6C2A8}"/>
+                <a16:creationId xmlns:a16="http://schemas.microsoft.com/office/drawing/2014/main" id="{CDE5A07D-D0AC-40C1-A4B2-6554F2C6C2A8}"/>
               </a:ext>
             </a:extLst>
           </p:cNvPr>
@@ -10209,7 +11992,7 @@
           <p:cNvPr id="13" name="Picture 6" descr="https://lh4.googleusercontent.com/tDwfaWIODJwkVzC04hR4wphZ_bXVMzxILbAN9Qbng8EwIAbWv-Or6b11Jyv2qqyH2fMlHzvMDEqmubu33Vw1qj5t-PauwGvmDfLxtND69gtRglVB3TUtZhO0V3XG9FqWCcJLVMSl2JA">
             <a:extLst>
               <a:ext uri="{FF2B5EF4-FFF2-40B4-BE49-F238E27FC236}">
-                <a16:creationId xmlns="" xmlns:a16="http://schemas.microsoft.com/office/drawing/2014/main" id="{8E4C707E-0CDF-4F28-ACCD-1ADCB9155F03}"/>
+                <a16:creationId xmlns:a16="http://schemas.microsoft.com/office/drawing/2014/main" id="{8E4C707E-0CDF-4F28-ACCD-1ADCB9155F03}"/>
               </a:ext>
             </a:extLst>
           </p:cNvPr>
@@ -10263,7 +12046,7 @@
           <p:cNvPr id="2" name="Imagen 1">
             <a:extLst>
               <a:ext uri="{FF2B5EF4-FFF2-40B4-BE49-F238E27FC236}">
-                <a16:creationId xmlns="" xmlns:a16="http://schemas.microsoft.com/office/drawing/2014/main" id="{3375265B-DAB0-493B-86A0-D748D02E3CEE}"/>
+                <a16:creationId xmlns:a16="http://schemas.microsoft.com/office/drawing/2014/main" id="{3375265B-DAB0-493B-86A0-D748D02E3CEE}"/>
               </a:ext>
             </a:extLst>
           </p:cNvPr>
@@ -10293,7 +12076,7 @@
           <p:cNvPr id="5" name="Rectángulo 4">
             <a:extLst>
               <a:ext uri="{FF2B5EF4-FFF2-40B4-BE49-F238E27FC236}">
-                <a16:creationId xmlns="" xmlns:a16="http://schemas.microsoft.com/office/drawing/2014/main" id="{FC579CA8-3B5F-4944-92A6-C0645DF7D538}"/>
+                <a16:creationId xmlns:a16="http://schemas.microsoft.com/office/drawing/2014/main" id="{FC579CA8-3B5F-4944-92A6-C0645DF7D538}"/>
               </a:ext>
             </a:extLst>
           </p:cNvPr>
@@ -10342,7 +12125,7 @@
           <p:cNvPr id="6" name="Rectángulo 5">
             <a:extLst>
               <a:ext uri="{FF2B5EF4-FFF2-40B4-BE49-F238E27FC236}">
-                <a16:creationId xmlns="" xmlns:a16="http://schemas.microsoft.com/office/drawing/2014/main" id="{68C70355-AA2B-41A0-BC77-C2C70DE3F824}"/>
+                <a16:creationId xmlns:a16="http://schemas.microsoft.com/office/drawing/2014/main" id="{68C70355-AA2B-41A0-BC77-C2C70DE3F824}"/>
               </a:ext>
             </a:extLst>
           </p:cNvPr>
@@ -10502,7 +12285,7 @@
           <p:cNvPr id="7" name="Rectángulo 6">
             <a:extLst>
               <a:ext uri="{FF2B5EF4-FFF2-40B4-BE49-F238E27FC236}">
-                <a16:creationId xmlns="" xmlns:a16="http://schemas.microsoft.com/office/drawing/2014/main" id="{BA98C805-F0CA-4D39-A572-8971C3AC62EF}"/>
+                <a16:creationId xmlns:a16="http://schemas.microsoft.com/office/drawing/2014/main" id="{BA98C805-F0CA-4D39-A572-8971C3AC62EF}"/>
               </a:ext>
             </a:extLst>
           </p:cNvPr>
@@ -10655,7 +12438,7 @@
           <p:cNvPr id="4" name="ZoneTexte 3">
             <a:extLst>
               <a:ext uri="{FF2B5EF4-FFF2-40B4-BE49-F238E27FC236}">
-                <a16:creationId xmlns="" xmlns:a16="http://schemas.microsoft.com/office/drawing/2014/main" id="{11CB7687-B471-4549-A848-8326224DD138}"/>
+                <a16:creationId xmlns:a16="http://schemas.microsoft.com/office/drawing/2014/main" id="{11CB7687-B471-4549-A848-8326224DD138}"/>
               </a:ext>
             </a:extLst>
           </p:cNvPr>
@@ -10700,7 +12483,7 @@
           <p:cNvPr id="9" name="ZoneTexte 8">
             <a:extLst>
               <a:ext uri="{FF2B5EF4-FFF2-40B4-BE49-F238E27FC236}">
-                <a16:creationId xmlns="" xmlns:a16="http://schemas.microsoft.com/office/drawing/2014/main" id="{86FA704E-1B92-4AAF-B5EC-8BF8A05E9824}"/>
+                <a16:creationId xmlns:a16="http://schemas.microsoft.com/office/drawing/2014/main" id="{86FA704E-1B92-4AAF-B5EC-8BF8A05E9824}"/>
               </a:ext>
             </a:extLst>
           </p:cNvPr>
@@ -10751,7 +12534,7 @@
           <p:cNvPr id="15" name="Espace réservé du numéro de diapositive 14">
             <a:extLst>
               <a:ext uri="{FF2B5EF4-FFF2-40B4-BE49-F238E27FC236}">
-                <a16:creationId xmlns="" xmlns:a16="http://schemas.microsoft.com/office/drawing/2014/main" id="{CDE5A07D-D0AC-40C1-A4B2-6554F2C6C2A8}"/>
+                <a16:creationId xmlns:a16="http://schemas.microsoft.com/office/drawing/2014/main" id="{CDE5A07D-D0AC-40C1-A4B2-6554F2C6C2A8}"/>
               </a:ext>
             </a:extLst>
           </p:cNvPr>
@@ -10780,7 +12563,7 @@
           <p:cNvPr id="13" name="Picture 6" descr="https://lh4.googleusercontent.com/tDwfaWIODJwkVzC04hR4wphZ_bXVMzxILbAN9Qbng8EwIAbWv-Or6b11Jyv2qqyH2fMlHzvMDEqmubu33Vw1qj5t-PauwGvmDfLxtND69gtRglVB3TUtZhO0V3XG9FqWCcJLVMSl2JA">
             <a:extLst>
               <a:ext uri="{FF2B5EF4-FFF2-40B4-BE49-F238E27FC236}">
-                <a16:creationId xmlns="" xmlns:a16="http://schemas.microsoft.com/office/drawing/2014/main" id="{8E4C707E-0CDF-4F28-ACCD-1ADCB9155F03}"/>
+                <a16:creationId xmlns:a16="http://schemas.microsoft.com/office/drawing/2014/main" id="{8E4C707E-0CDF-4F28-ACCD-1ADCB9155F03}"/>
               </a:ext>
             </a:extLst>
           </p:cNvPr>
@@ -10878,7 +12661,7 @@
           <p:cNvPr id="4" name="ZoneTexte 3">
             <a:extLst>
               <a:ext uri="{FF2B5EF4-FFF2-40B4-BE49-F238E27FC236}">
-                <a16:creationId xmlns="" xmlns:a16="http://schemas.microsoft.com/office/drawing/2014/main" id="{11CB7687-B471-4549-A848-8326224DD138}"/>
+                <a16:creationId xmlns:a16="http://schemas.microsoft.com/office/drawing/2014/main" id="{11CB7687-B471-4549-A848-8326224DD138}"/>
               </a:ext>
             </a:extLst>
           </p:cNvPr>
@@ -10923,7 +12706,7 @@
           <p:cNvPr id="9" name="ZoneTexte 8">
             <a:extLst>
               <a:ext uri="{FF2B5EF4-FFF2-40B4-BE49-F238E27FC236}">
-                <a16:creationId xmlns="" xmlns:a16="http://schemas.microsoft.com/office/drawing/2014/main" id="{86FA704E-1B92-4AAF-B5EC-8BF8A05E9824}"/>
+                <a16:creationId xmlns:a16="http://schemas.microsoft.com/office/drawing/2014/main" id="{86FA704E-1B92-4AAF-B5EC-8BF8A05E9824}"/>
               </a:ext>
             </a:extLst>
           </p:cNvPr>
@@ -10974,7 +12757,7 @@
           <p:cNvPr id="15" name="Espace réservé du numéro de diapositive 14">
             <a:extLst>
               <a:ext uri="{FF2B5EF4-FFF2-40B4-BE49-F238E27FC236}">
-                <a16:creationId xmlns="" xmlns:a16="http://schemas.microsoft.com/office/drawing/2014/main" id="{CDE5A07D-D0AC-40C1-A4B2-6554F2C6C2A8}"/>
+                <a16:creationId xmlns:a16="http://schemas.microsoft.com/office/drawing/2014/main" id="{CDE5A07D-D0AC-40C1-A4B2-6554F2C6C2A8}"/>
               </a:ext>
             </a:extLst>
           </p:cNvPr>
@@ -11003,7 +12786,7 @@
           <p:cNvPr id="13" name="Picture 6" descr="https://lh4.googleusercontent.com/tDwfaWIODJwkVzC04hR4wphZ_bXVMzxILbAN9Qbng8EwIAbWv-Or6b11Jyv2qqyH2fMlHzvMDEqmubu33Vw1qj5t-PauwGvmDfLxtND69gtRglVB3TUtZhO0V3XG9FqWCcJLVMSl2JA">
             <a:extLst>
               <a:ext uri="{FF2B5EF4-FFF2-40B4-BE49-F238E27FC236}">
-                <a16:creationId xmlns="" xmlns:a16="http://schemas.microsoft.com/office/drawing/2014/main" id="{8E4C707E-0CDF-4F28-ACCD-1ADCB9155F03}"/>
+                <a16:creationId xmlns:a16="http://schemas.microsoft.com/office/drawing/2014/main" id="{8E4C707E-0CDF-4F28-ACCD-1ADCB9155F03}"/>
               </a:ext>
             </a:extLst>
           </p:cNvPr>
@@ -11123,11 +12906,11 @@
           <a:lstStyle/>
           <a:p>
             <a:r>
-              <a:rPr lang="fr-FR" dirty="0" err="1" smtClean="0"/>
+              <a:rPr lang="fr-FR" dirty="0" err="1"/>
               <a:t>Shield</a:t>
             </a:r>
             <a:r>
-              <a:rPr lang="fr-FR" dirty="0" smtClean="0"/>
+              <a:rPr lang="fr-FR" dirty="0"/>
               <a:t>:</a:t>
             </a:r>
           </a:p>
@@ -11137,7 +12920,7 @@
               <a:buChar char="•"/>
             </a:pPr>
             <a:r>
-              <a:rPr lang="fr-FR" dirty="0" smtClean="0"/>
+              <a:rPr lang="fr-FR" dirty="0"/>
               <a:t>Gère le changement de commande 12V &lt;-&gt; 5V</a:t>
             </a:r>
           </a:p>
@@ -11147,7 +12930,7 @@
               <a:buChar char="•"/>
             </a:pPr>
             <a:r>
-              <a:rPr lang="fr-FR" dirty="0" smtClean="0"/>
+              <a:rPr lang="fr-FR" dirty="0"/>
               <a:t>Gère les entrées et sorties (Motoréducteur, Palette , CAN, batterie, DTA)</a:t>
             </a:r>
           </a:p>
@@ -11157,15 +12940,15 @@
               <a:buChar char="•"/>
             </a:pPr>
             <a:r>
-              <a:rPr lang="fr-FR" dirty="0" smtClean="0"/>
+              <a:rPr lang="fr-FR" dirty="0"/>
               <a:t> S’ajoute à la carte </a:t>
             </a:r>
             <a:r>
-              <a:rPr lang="fr-FR" dirty="0" err="1" smtClean="0"/>
+              <a:rPr lang="fr-FR" dirty="0" err="1"/>
               <a:t>Arduino</a:t>
             </a:r>
             <a:r>
-              <a:rPr lang="fr-FR" dirty="0" smtClean="0"/>
+              <a:rPr lang="fr-FR" dirty="0"/>
               <a:t> qui gère la partie programme</a:t>
             </a:r>
           </a:p>
@@ -11174,7 +12957,7 @@
           </a:p>
           <a:p>
             <a:r>
-              <a:rPr lang="fr-FR" dirty="0" smtClean="0"/>
+              <a:rPr lang="fr-FR" dirty="0"/>
               <a:t>Fonctions assurés:</a:t>
             </a:r>
           </a:p>
@@ -11184,7 +12967,7 @@
               <a:buChar char="•"/>
             </a:pPr>
             <a:r>
-              <a:rPr lang="fr-FR" dirty="0" smtClean="0"/>
+              <a:rPr lang="fr-FR" dirty="0"/>
               <a:t>Commande du motoréducteur</a:t>
             </a:r>
           </a:p>
@@ -11194,7 +12977,7 @@
               <a:buChar char="•"/>
             </a:pPr>
             <a:r>
-              <a:rPr lang="fr-FR" dirty="0" smtClean="0"/>
+              <a:rPr lang="fr-FR" dirty="0"/>
               <a:t>Traitement des erreurs </a:t>
             </a:r>
           </a:p>
@@ -11204,7 +12987,7 @@
               <a:buChar char="•"/>
             </a:pPr>
             <a:r>
-              <a:rPr lang="fr-FR" dirty="0" smtClean="0"/>
+              <a:rPr lang="fr-FR" dirty="0"/>
               <a:t>Infos et ordres aux DTA</a:t>
             </a:r>
           </a:p>
@@ -11217,15 +13000,15 @@
           </a:p>
           <a:p>
             <a:r>
-              <a:rPr lang="fr-FR" dirty="0" smtClean="0"/>
+              <a:rPr lang="fr-FR" dirty="0"/>
               <a:t>Problèmes identifiés pour </a:t>
             </a:r>
             <a:r>
-              <a:rPr lang="fr-FR" dirty="0" err="1" smtClean="0"/>
+              <a:rPr lang="fr-FR" dirty="0" err="1"/>
               <a:t>Invictus</a:t>
             </a:r>
             <a:r>
-              <a:rPr lang="fr-FR" dirty="0" smtClean="0"/>
+              <a:rPr lang="fr-FR" dirty="0"/>
               <a:t>:</a:t>
             </a:r>
           </a:p>
@@ -11235,7 +13018,7 @@
               <a:buChar char="•"/>
             </a:pPr>
             <a:r>
-              <a:rPr lang="fr-FR" dirty="0" smtClean="0"/>
+              <a:rPr lang="fr-FR" dirty="0"/>
               <a:t>Blocage du motoréducteur nécessitant son reset</a:t>
             </a:r>
           </a:p>
@@ -11244,7 +13027,7 @@
               <a:buFont typeface="Arial" panose="020B0604020202020204" pitchFamily="34" charset="0"/>
               <a:buChar char="•"/>
             </a:pPr>
-            <a:endParaRPr lang="fr-FR" dirty="0" smtClean="0"/>
+            <a:endParaRPr lang="fr-FR" dirty="0"/>
           </a:p>
           <a:p>
             <a:endParaRPr lang="fr-FR" dirty="0"/>
@@ -11300,7 +13083,7 @@
           <p:cNvPr id="4" name="ZoneTexte 3">
             <a:extLst>
               <a:ext uri="{FF2B5EF4-FFF2-40B4-BE49-F238E27FC236}">
-                <a16:creationId xmlns="" xmlns:a16="http://schemas.microsoft.com/office/drawing/2014/main" id="{11CB7687-B471-4549-A848-8326224DD138}"/>
+                <a16:creationId xmlns:a16="http://schemas.microsoft.com/office/drawing/2014/main" id="{11CB7687-B471-4549-A848-8326224DD138}"/>
               </a:ext>
             </a:extLst>
           </p:cNvPr>
@@ -11345,7 +13128,7 @@
           <p:cNvPr id="9" name="ZoneTexte 8">
             <a:extLst>
               <a:ext uri="{FF2B5EF4-FFF2-40B4-BE49-F238E27FC236}">
-                <a16:creationId xmlns="" xmlns:a16="http://schemas.microsoft.com/office/drawing/2014/main" id="{86FA704E-1B92-4AAF-B5EC-8BF8A05E9824}"/>
+                <a16:creationId xmlns:a16="http://schemas.microsoft.com/office/drawing/2014/main" id="{86FA704E-1B92-4AAF-B5EC-8BF8A05E9824}"/>
               </a:ext>
             </a:extLst>
           </p:cNvPr>
@@ -11374,7 +13157,7 @@
               <a:t>Le projet </a:t>
             </a:r>
             <a:r>
-              <a:rPr lang="fr-FR" sz="2400" b="1" dirty="0" err="1" smtClean="0"/>
+              <a:rPr lang="fr-FR" sz="2400" b="1" dirty="0" err="1"/>
               <a:t>Invictus</a:t>
             </a:r>
             <a:endParaRPr lang="fr-FR" sz="2400" b="1" dirty="0"/>
@@ -11393,7 +13176,7 @@
           <p:cNvPr id="15" name="Espace réservé du numéro de diapositive 14">
             <a:extLst>
               <a:ext uri="{FF2B5EF4-FFF2-40B4-BE49-F238E27FC236}">
-                <a16:creationId xmlns="" xmlns:a16="http://schemas.microsoft.com/office/drawing/2014/main" id="{CDE5A07D-D0AC-40C1-A4B2-6554F2C6C2A8}"/>
+                <a16:creationId xmlns:a16="http://schemas.microsoft.com/office/drawing/2014/main" id="{CDE5A07D-D0AC-40C1-A4B2-6554F2C6C2A8}"/>
               </a:ext>
             </a:extLst>
           </p:cNvPr>
@@ -11422,7 +13205,7 @@
           <p:cNvPr id="13" name="Picture 6" descr="https://lh4.googleusercontent.com/tDwfaWIODJwkVzC04hR4wphZ_bXVMzxILbAN9Qbng8EwIAbWv-Or6b11Jyv2qqyH2fMlHzvMDEqmubu33Vw1qj5t-PauwGvmDfLxtND69gtRglVB3TUtZhO0V3XG9FqWCcJLVMSl2JA">
             <a:extLst>
               <a:ext uri="{FF2B5EF4-FFF2-40B4-BE49-F238E27FC236}">
-                <a16:creationId xmlns="" xmlns:a16="http://schemas.microsoft.com/office/drawing/2014/main" id="{8E4C707E-0CDF-4F28-ACCD-1ADCB9155F03}"/>
+                <a16:creationId xmlns:a16="http://schemas.microsoft.com/office/drawing/2014/main" id="{8E4C707E-0CDF-4F28-ACCD-1ADCB9155F03}"/>
               </a:ext>
             </a:extLst>
           </p:cNvPr>
@@ -11494,10 +13277,9 @@
           <a:lstStyle/>
           <a:p>
             <a:r>
-              <a:rPr lang="fr-FR" dirty="0" smtClean="0"/>
+              <a:rPr lang="fr-FR" dirty="0"/>
               <a:t>Recherche de nouvelles architectures possibles afin de résoudre les problèmes soulevés:</a:t>
             </a:r>
-            <a:endParaRPr lang="fr-FR" dirty="0"/>
           </a:p>
         </p:txBody>
       </p:sp>
@@ -11598,7 +13380,7 @@
           <p:cNvPr id="4" name="ZoneTexte 3">
             <a:extLst>
               <a:ext uri="{FF2B5EF4-FFF2-40B4-BE49-F238E27FC236}">
-                <a16:creationId xmlns="" xmlns:a16="http://schemas.microsoft.com/office/drawing/2014/main" id="{11CB7687-B471-4549-A848-8326224DD138}"/>
+                <a16:creationId xmlns:a16="http://schemas.microsoft.com/office/drawing/2014/main" id="{11CB7687-B471-4549-A848-8326224DD138}"/>
               </a:ext>
             </a:extLst>
           </p:cNvPr>
@@ -11643,7 +13425,7 @@
           <p:cNvPr id="9" name="ZoneTexte 8">
             <a:extLst>
               <a:ext uri="{FF2B5EF4-FFF2-40B4-BE49-F238E27FC236}">
-                <a16:creationId xmlns="" xmlns:a16="http://schemas.microsoft.com/office/drawing/2014/main" id="{86FA704E-1B92-4AAF-B5EC-8BF8A05E9824}"/>
+                <a16:creationId xmlns:a16="http://schemas.microsoft.com/office/drawing/2014/main" id="{86FA704E-1B92-4AAF-B5EC-8BF8A05E9824}"/>
               </a:ext>
             </a:extLst>
           </p:cNvPr>
@@ -11694,7 +13476,7 @@
           <p:cNvPr id="15" name="Espace réservé du numéro de diapositive 14">
             <a:extLst>
               <a:ext uri="{FF2B5EF4-FFF2-40B4-BE49-F238E27FC236}">
-                <a16:creationId xmlns="" xmlns:a16="http://schemas.microsoft.com/office/drawing/2014/main" id="{CDE5A07D-D0AC-40C1-A4B2-6554F2C6C2A8}"/>
+                <a16:creationId xmlns:a16="http://schemas.microsoft.com/office/drawing/2014/main" id="{CDE5A07D-D0AC-40C1-A4B2-6554F2C6C2A8}"/>
               </a:ext>
             </a:extLst>
           </p:cNvPr>
@@ -11723,7 +13505,7 @@
           <p:cNvPr id="13" name="Picture 6" descr="https://lh4.googleusercontent.com/tDwfaWIODJwkVzC04hR4wphZ_bXVMzxILbAN9Qbng8EwIAbWv-Or6b11Jyv2qqyH2fMlHzvMDEqmubu33Vw1qj5t-PauwGvmDfLxtND69gtRglVB3TUtZhO0V3XG9FqWCcJLVMSl2JA">
             <a:extLst>
               <a:ext uri="{FF2B5EF4-FFF2-40B4-BE49-F238E27FC236}">
-                <a16:creationId xmlns="" xmlns:a16="http://schemas.microsoft.com/office/drawing/2014/main" id="{8E4C707E-0CDF-4F28-ACCD-1ADCB9155F03}"/>
+                <a16:creationId xmlns:a16="http://schemas.microsoft.com/office/drawing/2014/main" id="{8E4C707E-0CDF-4F28-ACCD-1ADCB9155F03}"/>
               </a:ext>
             </a:extLst>
           </p:cNvPr>
@@ -11845,7 +13627,7 @@
           <p:cNvPr id="4" name="ZoneTexte 3">
             <a:extLst>
               <a:ext uri="{FF2B5EF4-FFF2-40B4-BE49-F238E27FC236}">
-                <a16:creationId xmlns="" xmlns:a16="http://schemas.microsoft.com/office/drawing/2014/main" id="{11CB7687-B471-4549-A848-8326224DD138}"/>
+                <a16:creationId xmlns:a16="http://schemas.microsoft.com/office/drawing/2014/main" id="{11CB7687-B471-4549-A848-8326224DD138}"/>
               </a:ext>
             </a:extLst>
           </p:cNvPr>
@@ -11890,7 +13672,7 @@
           <p:cNvPr id="9" name="ZoneTexte 8">
             <a:extLst>
               <a:ext uri="{FF2B5EF4-FFF2-40B4-BE49-F238E27FC236}">
-                <a16:creationId xmlns="" xmlns:a16="http://schemas.microsoft.com/office/drawing/2014/main" id="{86FA704E-1B92-4AAF-B5EC-8BF8A05E9824}"/>
+                <a16:creationId xmlns:a16="http://schemas.microsoft.com/office/drawing/2014/main" id="{86FA704E-1B92-4AAF-B5EC-8BF8A05E9824}"/>
               </a:ext>
             </a:extLst>
           </p:cNvPr>
@@ -11942,7 +13724,7 @@
           <p:cNvPr id="15" name="Espace réservé du numéro de diapositive 14">
             <a:extLst>
               <a:ext uri="{FF2B5EF4-FFF2-40B4-BE49-F238E27FC236}">
-                <a16:creationId xmlns="" xmlns:a16="http://schemas.microsoft.com/office/drawing/2014/main" id="{CDE5A07D-D0AC-40C1-A4B2-6554F2C6C2A8}"/>
+                <a16:creationId xmlns:a16="http://schemas.microsoft.com/office/drawing/2014/main" id="{CDE5A07D-D0AC-40C1-A4B2-6554F2C6C2A8}"/>
               </a:ext>
             </a:extLst>
           </p:cNvPr>
@@ -11971,7 +13753,7 @@
           <p:cNvPr id="13" name="Picture 6" descr="https://lh4.googleusercontent.com/tDwfaWIODJwkVzC04hR4wphZ_bXVMzxILbAN9Qbng8EwIAbWv-Or6b11Jyv2qqyH2fMlHzvMDEqmubu33Vw1qj5t-PauwGvmDfLxtND69gtRglVB3TUtZhO0V3XG9FqWCcJLVMSl2JA">
             <a:extLst>
               <a:ext uri="{FF2B5EF4-FFF2-40B4-BE49-F238E27FC236}">
-                <a16:creationId xmlns="" xmlns:a16="http://schemas.microsoft.com/office/drawing/2014/main" id="{8E4C707E-0CDF-4F28-ACCD-1ADCB9155F03}"/>
+                <a16:creationId xmlns:a16="http://schemas.microsoft.com/office/drawing/2014/main" id="{8E4C707E-0CDF-4F28-ACCD-1ADCB9155F03}"/>
               </a:ext>
             </a:extLst>
           </p:cNvPr>
@@ -12067,7 +13849,7 @@
           <a:lstStyle/>
           <a:p>
             <a:r>
-              <a:rPr lang="fr-FR" dirty="0" smtClean="0"/>
+              <a:rPr lang="fr-FR" dirty="0"/>
               <a:t>Carte:</a:t>
             </a:r>
           </a:p>
@@ -12077,7 +13859,7 @@
               <a:buChar char="•"/>
             </a:pPr>
             <a:r>
-              <a:rPr lang="fr-FR" dirty="0" smtClean="0"/>
+              <a:rPr lang="fr-FR" dirty="0"/>
               <a:t>Composants CMS</a:t>
             </a:r>
           </a:p>
@@ -12087,7 +13869,7 @@
               <a:buChar char="•"/>
             </a:pPr>
             <a:r>
-              <a:rPr lang="fr-FR" dirty="0" smtClean="0"/>
+              <a:rPr lang="fr-FR" dirty="0"/>
               <a:t>Circuit logique</a:t>
             </a:r>
           </a:p>
@@ -12097,7 +13879,7 @@
               <a:buChar char="•"/>
             </a:pPr>
             <a:r>
-              <a:rPr lang="fr-FR" dirty="0" smtClean="0"/>
+              <a:rPr lang="fr-FR" dirty="0"/>
               <a:t>Fourni par la compétition</a:t>
             </a:r>
           </a:p>
@@ -12106,7 +13888,7 @@
           </a:p>
           <a:p>
             <a:r>
-              <a:rPr lang="fr-FR" dirty="0" smtClean="0"/>
+              <a:rPr lang="fr-FR" dirty="0"/>
               <a:t>Fonctions:</a:t>
             </a:r>
           </a:p>
@@ -12116,7 +13898,7 @@
               <a:buChar char="•"/>
             </a:pPr>
             <a:r>
-              <a:rPr lang="fr-FR" dirty="0" smtClean="0"/>
+              <a:rPr lang="fr-FR" dirty="0"/>
               <a:t>Couper le moteur en cas d’appui simultané de la pédale de frein et d’accélération</a:t>
             </a:r>
           </a:p>
@@ -12178,7 +13960,7 @@
           <p:cNvPr id="4" name="ZoneTexte 3">
             <a:extLst>
               <a:ext uri="{FF2B5EF4-FFF2-40B4-BE49-F238E27FC236}">
-                <a16:creationId xmlns="" xmlns:a16="http://schemas.microsoft.com/office/drawing/2014/main" id="{11CB7687-B471-4549-A848-8326224DD138}"/>
+                <a16:creationId xmlns:a16="http://schemas.microsoft.com/office/drawing/2014/main" id="{11CB7687-B471-4549-A848-8326224DD138}"/>
               </a:ext>
             </a:extLst>
           </p:cNvPr>
@@ -12223,7 +14005,7 @@
           <p:cNvPr id="9" name="ZoneTexte 8">
             <a:extLst>
               <a:ext uri="{FF2B5EF4-FFF2-40B4-BE49-F238E27FC236}">
-                <a16:creationId xmlns="" xmlns:a16="http://schemas.microsoft.com/office/drawing/2014/main" id="{86FA704E-1B92-4AAF-B5EC-8BF8A05E9824}"/>
+                <a16:creationId xmlns:a16="http://schemas.microsoft.com/office/drawing/2014/main" id="{86FA704E-1B92-4AAF-B5EC-8BF8A05E9824}"/>
               </a:ext>
             </a:extLst>
           </p:cNvPr>
@@ -12283,7 +14065,7 @@
           <p:cNvPr id="15" name="Espace réservé du numéro de diapositive 14">
             <a:extLst>
               <a:ext uri="{FF2B5EF4-FFF2-40B4-BE49-F238E27FC236}">
-                <a16:creationId xmlns="" xmlns:a16="http://schemas.microsoft.com/office/drawing/2014/main" id="{CDE5A07D-D0AC-40C1-A4B2-6554F2C6C2A8}"/>
+                <a16:creationId xmlns:a16="http://schemas.microsoft.com/office/drawing/2014/main" id="{CDE5A07D-D0AC-40C1-A4B2-6554F2C6C2A8}"/>
               </a:ext>
             </a:extLst>
           </p:cNvPr>
@@ -12312,7 +14094,7 @@
           <p:cNvPr id="13" name="Picture 6" descr="https://lh4.googleusercontent.com/tDwfaWIODJwkVzC04hR4wphZ_bXVMzxILbAN9Qbng8EwIAbWv-Or6b11Jyv2qqyH2fMlHzvMDEqmubu33Vw1qj5t-PauwGvmDfLxtND69gtRglVB3TUtZhO0V3XG9FqWCcJLVMSl2JA">
             <a:extLst>
               <a:ext uri="{FF2B5EF4-FFF2-40B4-BE49-F238E27FC236}">
-                <a16:creationId xmlns="" xmlns:a16="http://schemas.microsoft.com/office/drawing/2014/main" id="{8E4C707E-0CDF-4F28-ACCD-1ADCB9155F03}"/>
+                <a16:creationId xmlns:a16="http://schemas.microsoft.com/office/drawing/2014/main" id="{8E4C707E-0CDF-4F28-ACCD-1ADCB9155F03}"/>
               </a:ext>
             </a:extLst>
           </p:cNvPr>
@@ -12366,7 +14148,7 @@
           <p:cNvPr id="6" name="Image 5">
             <a:extLst>
               <a:ext uri="{FF2B5EF4-FFF2-40B4-BE49-F238E27FC236}">
-                <a16:creationId xmlns="" xmlns:a16="http://schemas.microsoft.com/office/drawing/2014/main" id="{3122D958-594F-4BD7-8E8C-E008D2E574A9}"/>
+                <a16:creationId xmlns:a16="http://schemas.microsoft.com/office/drawing/2014/main" id="{3122D958-594F-4BD7-8E8C-E008D2E574A9}"/>
               </a:ext>
             </a:extLst>
           </p:cNvPr>
@@ -12443,7 +14225,7 @@
           <p:cNvPr id="4" name="ZoneTexte 3">
             <a:extLst>
               <a:ext uri="{FF2B5EF4-FFF2-40B4-BE49-F238E27FC236}">
-                <a16:creationId xmlns="" xmlns:a16="http://schemas.microsoft.com/office/drawing/2014/main" id="{11CB7687-B471-4549-A848-8326224DD138}"/>
+                <a16:creationId xmlns:a16="http://schemas.microsoft.com/office/drawing/2014/main" id="{11CB7687-B471-4549-A848-8326224DD138}"/>
               </a:ext>
             </a:extLst>
           </p:cNvPr>
@@ -12488,7 +14270,7 @@
           <p:cNvPr id="9" name="ZoneTexte 8">
             <a:extLst>
               <a:ext uri="{FF2B5EF4-FFF2-40B4-BE49-F238E27FC236}">
-                <a16:creationId xmlns="" xmlns:a16="http://schemas.microsoft.com/office/drawing/2014/main" id="{86FA704E-1B92-4AAF-B5EC-8BF8A05E9824}"/>
+                <a16:creationId xmlns:a16="http://schemas.microsoft.com/office/drawing/2014/main" id="{86FA704E-1B92-4AAF-B5EC-8BF8A05E9824}"/>
               </a:ext>
             </a:extLst>
           </p:cNvPr>
@@ -12535,7 +14317,7 @@
           <p:cNvPr id="15" name="Espace réservé du numéro de diapositive 14">
             <a:extLst>
               <a:ext uri="{FF2B5EF4-FFF2-40B4-BE49-F238E27FC236}">
-                <a16:creationId xmlns="" xmlns:a16="http://schemas.microsoft.com/office/drawing/2014/main" id="{CDE5A07D-D0AC-40C1-A4B2-6554F2C6C2A8}"/>
+                <a16:creationId xmlns:a16="http://schemas.microsoft.com/office/drawing/2014/main" id="{CDE5A07D-D0AC-40C1-A4B2-6554F2C6C2A8}"/>
               </a:ext>
             </a:extLst>
           </p:cNvPr>
@@ -12569,7 +14351,7 @@
           <p:cNvPr id="13" name="Picture 6" descr="https://lh4.googleusercontent.com/tDwfaWIODJwkVzC04hR4wphZ_bXVMzxILbAN9Qbng8EwIAbWv-Or6b11Jyv2qqyH2fMlHzvMDEqmubu33Vw1qj5t-PauwGvmDfLxtND69gtRglVB3TUtZhO0V3XG9FqWCcJLVMSl2JA">
             <a:extLst>
               <a:ext uri="{FF2B5EF4-FFF2-40B4-BE49-F238E27FC236}">
-                <a16:creationId xmlns="" xmlns:a16="http://schemas.microsoft.com/office/drawing/2014/main" id="{8E4C707E-0CDF-4F28-ACCD-1ADCB9155F03}"/>
+                <a16:creationId xmlns:a16="http://schemas.microsoft.com/office/drawing/2014/main" id="{8E4C707E-0CDF-4F28-ACCD-1ADCB9155F03}"/>
               </a:ext>
             </a:extLst>
           </p:cNvPr>
@@ -12623,7 +14405,7 @@
           <p:cNvPr id="5" name="Diagramme 4">
             <a:extLst>
               <a:ext uri="{FF2B5EF4-FFF2-40B4-BE49-F238E27FC236}">
-                <a16:creationId xmlns="" xmlns:a16="http://schemas.microsoft.com/office/drawing/2014/main" id="{A38137FC-39B5-46A1-9A69-09DB7FAE9BD6}"/>
+                <a16:creationId xmlns:a16="http://schemas.microsoft.com/office/drawing/2014/main" id="{A38137FC-39B5-46A1-9A69-09DB7FAE9BD6}"/>
               </a:ext>
             </a:extLst>
           </p:cNvPr>
@@ -12651,7 +14433,7 @@
           <p:cNvPr id="16" name="Diagramme 15">
             <a:extLst>
               <a:ext uri="{FF2B5EF4-FFF2-40B4-BE49-F238E27FC236}">
-                <a16:creationId xmlns="" xmlns:a16="http://schemas.microsoft.com/office/drawing/2014/main" id="{625627D3-D958-4412-9790-FAA67DED812A}"/>
+                <a16:creationId xmlns:a16="http://schemas.microsoft.com/office/drawing/2014/main" id="{625627D3-D958-4412-9790-FAA67DED812A}"/>
               </a:ext>
             </a:extLst>
           </p:cNvPr>
@@ -12723,7 +14505,7 @@
           <p:cNvPr id="4" name="ZoneTexte 3">
             <a:extLst>
               <a:ext uri="{FF2B5EF4-FFF2-40B4-BE49-F238E27FC236}">
-                <a16:creationId xmlns="" xmlns:a16="http://schemas.microsoft.com/office/drawing/2014/main" id="{11CB7687-B471-4549-A848-8326224DD138}"/>
+                <a16:creationId xmlns:a16="http://schemas.microsoft.com/office/drawing/2014/main" id="{11CB7687-B471-4549-A848-8326224DD138}"/>
               </a:ext>
             </a:extLst>
           </p:cNvPr>
@@ -12768,7 +14550,7 @@
           <p:cNvPr id="5" name="ZoneTexte 4">
             <a:extLst>
               <a:ext uri="{FF2B5EF4-FFF2-40B4-BE49-F238E27FC236}">
-                <a16:creationId xmlns="" xmlns:a16="http://schemas.microsoft.com/office/drawing/2014/main" id="{191440EF-8A96-4CC0-8184-6A6D967ACA40}"/>
+                <a16:creationId xmlns:a16="http://schemas.microsoft.com/office/drawing/2014/main" id="{191440EF-8A96-4CC0-8184-6A6D967ACA40}"/>
               </a:ext>
             </a:extLst>
           </p:cNvPr>
@@ -12950,7 +14732,7 @@
           <p:cNvPr id="6" name="ZoneTexte 5">
             <a:extLst>
               <a:ext uri="{FF2B5EF4-FFF2-40B4-BE49-F238E27FC236}">
-                <a16:creationId xmlns="" xmlns:a16="http://schemas.microsoft.com/office/drawing/2014/main" id="{B706D5CA-AE61-48BA-8D33-7F02F4D6D110}"/>
+                <a16:creationId xmlns:a16="http://schemas.microsoft.com/office/drawing/2014/main" id="{B706D5CA-AE61-48BA-8D33-7F02F4D6D110}"/>
               </a:ext>
             </a:extLst>
           </p:cNvPr>
@@ -13013,7 +14795,7 @@
           <p:cNvPr id="2" name="ZoneTexte 1">
             <a:extLst>
               <a:ext uri="{FF2B5EF4-FFF2-40B4-BE49-F238E27FC236}">
-                <a16:creationId xmlns="" xmlns:a16="http://schemas.microsoft.com/office/drawing/2014/main" id="{11A2423A-5491-4C10-85EB-AF2D74FE6636}"/>
+                <a16:creationId xmlns:a16="http://schemas.microsoft.com/office/drawing/2014/main" id="{11A2423A-5491-4C10-85EB-AF2D74FE6636}"/>
               </a:ext>
             </a:extLst>
           </p:cNvPr>
@@ -13048,7 +14830,7 @@
           <p:cNvPr id="7" name="ZoneTexte 6">
             <a:extLst>
               <a:ext uri="{FF2B5EF4-FFF2-40B4-BE49-F238E27FC236}">
-                <a16:creationId xmlns="" xmlns:a16="http://schemas.microsoft.com/office/drawing/2014/main" id="{F89B1570-3925-414C-ABD4-3184A1506552}"/>
+                <a16:creationId xmlns:a16="http://schemas.microsoft.com/office/drawing/2014/main" id="{F89B1570-3925-414C-ABD4-3184A1506552}"/>
               </a:ext>
             </a:extLst>
           </p:cNvPr>
@@ -13119,7 +14901,7 @@
           <p:cNvPr id="10" name="Picture 6" descr="https://lh4.googleusercontent.com/tDwfaWIODJwkVzC04hR4wphZ_bXVMzxILbAN9Qbng8EwIAbWv-Or6b11Jyv2qqyH2fMlHzvMDEqmubu33Vw1qj5t-PauwGvmDfLxtND69gtRglVB3TUtZhO0V3XG9FqWCcJLVMSl2JA">
             <a:extLst>
               <a:ext uri="{FF2B5EF4-FFF2-40B4-BE49-F238E27FC236}">
-                <a16:creationId xmlns="" xmlns:a16="http://schemas.microsoft.com/office/drawing/2014/main" id="{1E3648CC-A220-4980-8EB4-9DBCC7979C23}"/>
+                <a16:creationId xmlns:a16="http://schemas.microsoft.com/office/drawing/2014/main" id="{1E3648CC-A220-4980-8EB4-9DBCC7979C23}"/>
               </a:ext>
             </a:extLst>
           </p:cNvPr>
@@ -13217,7 +14999,7 @@
           <p:cNvPr id="4" name="ZoneTexte 3">
             <a:extLst>
               <a:ext uri="{FF2B5EF4-FFF2-40B4-BE49-F238E27FC236}">
-                <a16:creationId xmlns="" xmlns:a16="http://schemas.microsoft.com/office/drawing/2014/main" id="{11CB7687-B471-4549-A848-8326224DD138}"/>
+                <a16:creationId xmlns:a16="http://schemas.microsoft.com/office/drawing/2014/main" id="{11CB7687-B471-4549-A848-8326224DD138}"/>
               </a:ext>
             </a:extLst>
           </p:cNvPr>
@@ -13262,7 +15044,7 @@
           <p:cNvPr id="9" name="ZoneTexte 8">
             <a:extLst>
               <a:ext uri="{FF2B5EF4-FFF2-40B4-BE49-F238E27FC236}">
-                <a16:creationId xmlns="" xmlns:a16="http://schemas.microsoft.com/office/drawing/2014/main" id="{86FA704E-1B92-4AAF-B5EC-8BF8A05E9824}"/>
+                <a16:creationId xmlns:a16="http://schemas.microsoft.com/office/drawing/2014/main" id="{86FA704E-1B92-4AAF-B5EC-8BF8A05E9824}"/>
               </a:ext>
             </a:extLst>
           </p:cNvPr>
@@ -13308,7 +15090,7 @@
           <p:cNvPr id="15" name="Espace réservé du numéro de diapositive 14">
             <a:extLst>
               <a:ext uri="{FF2B5EF4-FFF2-40B4-BE49-F238E27FC236}">
-                <a16:creationId xmlns="" xmlns:a16="http://schemas.microsoft.com/office/drawing/2014/main" id="{CDE5A07D-D0AC-40C1-A4B2-6554F2C6C2A8}"/>
+                <a16:creationId xmlns:a16="http://schemas.microsoft.com/office/drawing/2014/main" id="{CDE5A07D-D0AC-40C1-A4B2-6554F2C6C2A8}"/>
               </a:ext>
             </a:extLst>
           </p:cNvPr>
@@ -13337,7 +15119,7 @@
           <p:cNvPr id="13" name="Picture 6" descr="https://lh4.googleusercontent.com/tDwfaWIODJwkVzC04hR4wphZ_bXVMzxILbAN9Qbng8EwIAbWv-Or6b11Jyv2qqyH2fMlHzvMDEqmubu33Vw1qj5t-PauwGvmDfLxtND69gtRglVB3TUtZhO0V3XG9FqWCcJLVMSl2JA">
             <a:extLst>
               <a:ext uri="{FF2B5EF4-FFF2-40B4-BE49-F238E27FC236}">
-                <a16:creationId xmlns="" xmlns:a16="http://schemas.microsoft.com/office/drawing/2014/main" id="{8E4C707E-0CDF-4F28-ACCD-1ADCB9155F03}"/>
+                <a16:creationId xmlns:a16="http://schemas.microsoft.com/office/drawing/2014/main" id="{8E4C707E-0CDF-4F28-ACCD-1ADCB9155F03}"/>
               </a:ext>
             </a:extLst>
           </p:cNvPr>
@@ -13435,7 +15217,7 @@
           <p:cNvPr id="4" name="ZoneTexte 3">
             <a:extLst>
               <a:ext uri="{FF2B5EF4-FFF2-40B4-BE49-F238E27FC236}">
-                <a16:creationId xmlns="" xmlns:a16="http://schemas.microsoft.com/office/drawing/2014/main" id="{11CB7687-B471-4549-A848-8326224DD138}"/>
+                <a16:creationId xmlns:a16="http://schemas.microsoft.com/office/drawing/2014/main" id="{11CB7687-B471-4549-A848-8326224DD138}"/>
               </a:ext>
             </a:extLst>
           </p:cNvPr>
@@ -13480,7 +15262,7 @@
           <p:cNvPr id="15" name="Espace réservé du numéro de diapositive 14">
             <a:extLst>
               <a:ext uri="{FF2B5EF4-FFF2-40B4-BE49-F238E27FC236}">
-                <a16:creationId xmlns="" xmlns:a16="http://schemas.microsoft.com/office/drawing/2014/main" id="{CDE5A07D-D0AC-40C1-A4B2-6554F2C6C2A8}"/>
+                <a16:creationId xmlns:a16="http://schemas.microsoft.com/office/drawing/2014/main" id="{CDE5A07D-D0AC-40C1-A4B2-6554F2C6C2A8}"/>
               </a:ext>
             </a:extLst>
           </p:cNvPr>
@@ -13509,7 +15291,7 @@
           <p:cNvPr id="13" name="Picture 6" descr="https://lh4.googleusercontent.com/tDwfaWIODJwkVzC04hR4wphZ_bXVMzxILbAN9Qbng8EwIAbWv-Or6b11Jyv2qqyH2fMlHzvMDEqmubu33Vw1qj5t-PauwGvmDfLxtND69gtRglVB3TUtZhO0V3XG9FqWCcJLVMSl2JA">
             <a:extLst>
               <a:ext uri="{FF2B5EF4-FFF2-40B4-BE49-F238E27FC236}">
-                <a16:creationId xmlns="" xmlns:a16="http://schemas.microsoft.com/office/drawing/2014/main" id="{8E4C707E-0CDF-4F28-ACCD-1ADCB9155F03}"/>
+                <a16:creationId xmlns:a16="http://schemas.microsoft.com/office/drawing/2014/main" id="{8E4C707E-0CDF-4F28-ACCD-1ADCB9155F03}"/>
               </a:ext>
             </a:extLst>
           </p:cNvPr>
@@ -13563,7 +15345,7 @@
           <p:cNvPr id="7" name="ZoneTexte 6">
             <a:extLst>
               <a:ext uri="{FF2B5EF4-FFF2-40B4-BE49-F238E27FC236}">
-                <a16:creationId xmlns="" xmlns:a16="http://schemas.microsoft.com/office/drawing/2014/main" id="{2C8E76D1-3A8D-4D71-9701-519B1133BAF2}"/>
+                <a16:creationId xmlns:a16="http://schemas.microsoft.com/office/drawing/2014/main" id="{2C8E76D1-3A8D-4D71-9701-519B1133BAF2}"/>
               </a:ext>
             </a:extLst>
           </p:cNvPr>
@@ -13655,7 +15437,7 @@
           <p:cNvPr id="4" name="ZoneTexte 3">
             <a:extLst>
               <a:ext uri="{FF2B5EF4-FFF2-40B4-BE49-F238E27FC236}">
-                <a16:creationId xmlns="" xmlns:a16="http://schemas.microsoft.com/office/drawing/2014/main" id="{11CB7687-B471-4549-A848-8326224DD138}"/>
+                <a16:creationId xmlns:a16="http://schemas.microsoft.com/office/drawing/2014/main" id="{11CB7687-B471-4549-A848-8326224DD138}"/>
               </a:ext>
             </a:extLst>
           </p:cNvPr>
@@ -13700,7 +15482,7 @@
           <p:cNvPr id="9" name="ZoneTexte 8">
             <a:extLst>
               <a:ext uri="{FF2B5EF4-FFF2-40B4-BE49-F238E27FC236}">
-                <a16:creationId xmlns="" xmlns:a16="http://schemas.microsoft.com/office/drawing/2014/main" id="{86FA704E-1B92-4AAF-B5EC-8BF8A05E9824}"/>
+                <a16:creationId xmlns:a16="http://schemas.microsoft.com/office/drawing/2014/main" id="{86FA704E-1B92-4AAF-B5EC-8BF8A05E9824}"/>
               </a:ext>
             </a:extLst>
           </p:cNvPr>
@@ -13752,7 +15534,7 @@
           <p:cNvPr id="14" name="Image 13" descr="Une image contenant ciel, terrain, extérieur, route&#10;&#10;Description générée automatiquement">
             <a:extLst>
               <a:ext uri="{FF2B5EF4-FFF2-40B4-BE49-F238E27FC236}">
-                <a16:creationId xmlns="" xmlns:a16="http://schemas.microsoft.com/office/drawing/2014/main" id="{5C9450E1-E5EA-4C8B-9E25-E01F9F1B78C1}"/>
+                <a16:creationId xmlns:a16="http://schemas.microsoft.com/office/drawing/2014/main" id="{5C9450E1-E5EA-4C8B-9E25-E01F9F1B78C1}"/>
               </a:ext>
             </a:extLst>
           </p:cNvPr>
@@ -13787,7 +15569,7 @@
           <p:cNvPr id="15" name="Espace réservé du numéro de diapositive 14">
             <a:extLst>
               <a:ext uri="{FF2B5EF4-FFF2-40B4-BE49-F238E27FC236}">
-                <a16:creationId xmlns="" xmlns:a16="http://schemas.microsoft.com/office/drawing/2014/main" id="{CDE5A07D-D0AC-40C1-A4B2-6554F2C6C2A8}"/>
+                <a16:creationId xmlns:a16="http://schemas.microsoft.com/office/drawing/2014/main" id="{CDE5A07D-D0AC-40C1-A4B2-6554F2C6C2A8}"/>
               </a:ext>
             </a:extLst>
           </p:cNvPr>
@@ -13816,7 +15598,7 @@
           <p:cNvPr id="16" name="Rectangle 15">
             <a:extLst>
               <a:ext uri="{FF2B5EF4-FFF2-40B4-BE49-F238E27FC236}">
-                <a16:creationId xmlns="" xmlns:a16="http://schemas.microsoft.com/office/drawing/2014/main" id="{BE6506BA-AFF1-4381-8E0F-666C8AB1291C}"/>
+                <a16:creationId xmlns:a16="http://schemas.microsoft.com/office/drawing/2014/main" id="{BE6506BA-AFF1-4381-8E0F-666C8AB1291C}"/>
               </a:ext>
             </a:extLst>
           </p:cNvPr>
@@ -13887,7 +15669,7 @@
           <p:cNvPr id="2" name="Rectangle 1">
             <a:extLst>
               <a:ext uri="{FF2B5EF4-FFF2-40B4-BE49-F238E27FC236}">
-                <a16:creationId xmlns="" xmlns:a16="http://schemas.microsoft.com/office/drawing/2014/main" id="{332FE957-D054-47D9-9285-1C3335E069D4}"/>
+                <a16:creationId xmlns:a16="http://schemas.microsoft.com/office/drawing/2014/main" id="{332FE957-D054-47D9-9285-1C3335E069D4}"/>
               </a:ext>
             </a:extLst>
           </p:cNvPr>
@@ -13930,7 +15712,7 @@
           <p:cNvPr id="12" name="Image 11" descr="Une image contenant texte, signe, journal&#10;&#10;Description générée automatiquement">
             <a:extLst>
               <a:ext uri="{FF2B5EF4-FFF2-40B4-BE49-F238E27FC236}">
-                <a16:creationId xmlns="" xmlns:a16="http://schemas.microsoft.com/office/drawing/2014/main" id="{5E4420E1-29B6-457F-94BF-ED34C6F9748E}"/>
+                <a16:creationId xmlns:a16="http://schemas.microsoft.com/office/drawing/2014/main" id="{5E4420E1-29B6-457F-94BF-ED34C6F9748E}"/>
               </a:ext>
             </a:extLst>
           </p:cNvPr>
@@ -13983,7 +15765,7 @@
           <p:cNvPr id="13" name="Picture 6" descr="https://lh4.googleusercontent.com/tDwfaWIODJwkVzC04hR4wphZ_bXVMzxILbAN9Qbng8EwIAbWv-Or6b11Jyv2qqyH2fMlHzvMDEqmubu33Vw1qj5t-PauwGvmDfLxtND69gtRglVB3TUtZhO0V3XG9FqWCcJLVMSl2JA">
             <a:extLst>
               <a:ext uri="{FF2B5EF4-FFF2-40B4-BE49-F238E27FC236}">
-                <a16:creationId xmlns="" xmlns:a16="http://schemas.microsoft.com/office/drawing/2014/main" id="{1A62ACCB-1752-48FA-8254-6082E1EF8BD0}"/>
+                <a16:creationId xmlns:a16="http://schemas.microsoft.com/office/drawing/2014/main" id="{1A62ACCB-1752-48FA-8254-6082E1EF8BD0}"/>
               </a:ext>
             </a:extLst>
           </p:cNvPr>
@@ -14081,7 +15863,7 @@
           <p:cNvPr id="4" name="ZoneTexte 3">
             <a:extLst>
               <a:ext uri="{FF2B5EF4-FFF2-40B4-BE49-F238E27FC236}">
-                <a16:creationId xmlns="" xmlns:a16="http://schemas.microsoft.com/office/drawing/2014/main" id="{11CB7687-B471-4549-A848-8326224DD138}"/>
+                <a16:creationId xmlns:a16="http://schemas.microsoft.com/office/drawing/2014/main" id="{11CB7687-B471-4549-A848-8326224DD138}"/>
               </a:ext>
             </a:extLst>
           </p:cNvPr>
@@ -14126,7 +15908,7 @@
           <p:cNvPr id="9" name="ZoneTexte 8">
             <a:extLst>
               <a:ext uri="{FF2B5EF4-FFF2-40B4-BE49-F238E27FC236}">
-                <a16:creationId xmlns="" xmlns:a16="http://schemas.microsoft.com/office/drawing/2014/main" id="{86FA704E-1B92-4AAF-B5EC-8BF8A05E9824}"/>
+                <a16:creationId xmlns:a16="http://schemas.microsoft.com/office/drawing/2014/main" id="{86FA704E-1B92-4AAF-B5EC-8BF8A05E9824}"/>
               </a:ext>
             </a:extLst>
           </p:cNvPr>
@@ -14178,7 +15960,7 @@
           <p:cNvPr id="15" name="Espace réservé du numéro de diapositive 14">
             <a:extLst>
               <a:ext uri="{FF2B5EF4-FFF2-40B4-BE49-F238E27FC236}">
-                <a16:creationId xmlns="" xmlns:a16="http://schemas.microsoft.com/office/drawing/2014/main" id="{CDE5A07D-D0AC-40C1-A4B2-6554F2C6C2A8}"/>
+                <a16:creationId xmlns:a16="http://schemas.microsoft.com/office/drawing/2014/main" id="{CDE5A07D-D0AC-40C1-A4B2-6554F2C6C2A8}"/>
               </a:ext>
             </a:extLst>
           </p:cNvPr>
@@ -14207,7 +15989,7 @@
           <p:cNvPr id="3" name="Rectangle 2">
             <a:extLst>
               <a:ext uri="{FF2B5EF4-FFF2-40B4-BE49-F238E27FC236}">
-                <a16:creationId xmlns="" xmlns:a16="http://schemas.microsoft.com/office/drawing/2014/main" id="{AD0F395D-3E5D-4CC0-BC03-9E90D2D66BBE}"/>
+                <a16:creationId xmlns:a16="http://schemas.microsoft.com/office/drawing/2014/main" id="{AD0F395D-3E5D-4CC0-BC03-9E90D2D66BBE}"/>
               </a:ext>
             </a:extLst>
           </p:cNvPr>
@@ -14403,7 +16185,7 @@
           <p:cNvPr id="5" name="Rectangle 4">
             <a:extLst>
               <a:ext uri="{FF2B5EF4-FFF2-40B4-BE49-F238E27FC236}">
-                <a16:creationId xmlns="" xmlns:a16="http://schemas.microsoft.com/office/drawing/2014/main" id="{1BEEA98E-7FCE-4B56-8D6E-A94625E42495}"/>
+                <a16:creationId xmlns:a16="http://schemas.microsoft.com/office/drawing/2014/main" id="{1BEEA98E-7FCE-4B56-8D6E-A94625E42495}"/>
               </a:ext>
             </a:extLst>
           </p:cNvPr>
@@ -14541,7 +16323,7 @@
           <p:cNvPr id="6" name="Image 5">
             <a:extLst>
               <a:ext uri="{FF2B5EF4-FFF2-40B4-BE49-F238E27FC236}">
-                <a16:creationId xmlns="" xmlns:a16="http://schemas.microsoft.com/office/drawing/2014/main" id="{E7D7C383-9C24-4969-B3DC-5AA24F7CCECD}"/>
+                <a16:creationId xmlns:a16="http://schemas.microsoft.com/office/drawing/2014/main" id="{E7D7C383-9C24-4969-B3DC-5AA24F7CCECD}"/>
               </a:ext>
             </a:extLst>
           </p:cNvPr>
@@ -14571,7 +16353,7 @@
           <p:cNvPr id="7" name="Image 6">
             <a:extLst>
               <a:ext uri="{FF2B5EF4-FFF2-40B4-BE49-F238E27FC236}">
-                <a16:creationId xmlns="" xmlns:a16="http://schemas.microsoft.com/office/drawing/2014/main" id="{558EA555-8E0E-4ADF-BC43-262E22C90C39}"/>
+                <a16:creationId xmlns:a16="http://schemas.microsoft.com/office/drawing/2014/main" id="{558EA555-8E0E-4ADF-BC43-262E22C90C39}"/>
               </a:ext>
             </a:extLst>
           </p:cNvPr>
@@ -14600,7 +16382,7 @@
           <p:cNvPr id="18" name="Rectangle 17">
             <a:extLst>
               <a:ext uri="{FF2B5EF4-FFF2-40B4-BE49-F238E27FC236}">
-                <a16:creationId xmlns="" xmlns:a16="http://schemas.microsoft.com/office/drawing/2014/main" id="{B9DDB5A2-52F9-40FF-97E0-E7D86FCCF44F}"/>
+                <a16:creationId xmlns:a16="http://schemas.microsoft.com/office/drawing/2014/main" id="{B9DDB5A2-52F9-40FF-97E0-E7D86FCCF44F}"/>
               </a:ext>
             </a:extLst>
           </p:cNvPr>
@@ -14655,7 +16437,7 @@
           <p:cNvPr id="19" name="Rectangle 18">
             <a:extLst>
               <a:ext uri="{FF2B5EF4-FFF2-40B4-BE49-F238E27FC236}">
-                <a16:creationId xmlns="" xmlns:a16="http://schemas.microsoft.com/office/drawing/2014/main" id="{5D2EC7B7-6512-456C-BF6F-0FA8A89C9F2B}"/>
+                <a16:creationId xmlns:a16="http://schemas.microsoft.com/office/drawing/2014/main" id="{5D2EC7B7-6512-456C-BF6F-0FA8A89C9F2B}"/>
               </a:ext>
             </a:extLst>
           </p:cNvPr>
@@ -14710,7 +16492,7 @@
           <p:cNvPr id="21" name="Image 20" descr="Une image contenant texte, signe, journal&#10;&#10;Description générée automatiquement">
             <a:extLst>
               <a:ext uri="{FF2B5EF4-FFF2-40B4-BE49-F238E27FC236}">
-                <a16:creationId xmlns="" xmlns:a16="http://schemas.microsoft.com/office/drawing/2014/main" id="{439C2479-DA0B-4F92-A412-5653B408AA59}"/>
+                <a16:creationId xmlns:a16="http://schemas.microsoft.com/office/drawing/2014/main" id="{439C2479-DA0B-4F92-A412-5653B408AA59}"/>
               </a:ext>
             </a:extLst>
           </p:cNvPr>
@@ -14763,7 +16545,7 @@
           <p:cNvPr id="22" name="Picture 6" descr="https://lh4.googleusercontent.com/tDwfaWIODJwkVzC04hR4wphZ_bXVMzxILbAN9Qbng8EwIAbWv-Or6b11Jyv2qqyH2fMlHzvMDEqmubu33Vw1qj5t-PauwGvmDfLxtND69gtRglVB3TUtZhO0V3XG9FqWCcJLVMSl2JA">
             <a:extLst>
               <a:ext uri="{FF2B5EF4-FFF2-40B4-BE49-F238E27FC236}">
-                <a16:creationId xmlns="" xmlns:a16="http://schemas.microsoft.com/office/drawing/2014/main" id="{AC5014A4-6433-41BF-B958-8FCB0AFAC7AF}"/>
+                <a16:creationId xmlns:a16="http://schemas.microsoft.com/office/drawing/2014/main" id="{AC5014A4-6433-41BF-B958-8FCB0AFAC7AF}"/>
               </a:ext>
             </a:extLst>
           </p:cNvPr>
@@ -14861,7 +16643,7 @@
           <p:cNvPr id="4" name="ZoneTexte 3">
             <a:extLst>
               <a:ext uri="{FF2B5EF4-FFF2-40B4-BE49-F238E27FC236}">
-                <a16:creationId xmlns="" xmlns:a16="http://schemas.microsoft.com/office/drawing/2014/main" id="{11CB7687-B471-4549-A848-8326224DD138}"/>
+                <a16:creationId xmlns:a16="http://schemas.microsoft.com/office/drawing/2014/main" id="{11CB7687-B471-4549-A848-8326224DD138}"/>
               </a:ext>
             </a:extLst>
           </p:cNvPr>
@@ -14906,7 +16688,7 @@
           <p:cNvPr id="9" name="ZoneTexte 8">
             <a:extLst>
               <a:ext uri="{FF2B5EF4-FFF2-40B4-BE49-F238E27FC236}">
-                <a16:creationId xmlns="" xmlns:a16="http://schemas.microsoft.com/office/drawing/2014/main" id="{86FA704E-1B92-4AAF-B5EC-8BF8A05E9824}"/>
+                <a16:creationId xmlns:a16="http://schemas.microsoft.com/office/drawing/2014/main" id="{86FA704E-1B92-4AAF-B5EC-8BF8A05E9824}"/>
               </a:ext>
             </a:extLst>
           </p:cNvPr>
@@ -14958,7 +16740,7 @@
           <p:cNvPr id="10" name="Image 9" descr="Une image contenant texte, signe, journal&#10;&#10;Description générée automatiquement">
             <a:extLst>
               <a:ext uri="{FF2B5EF4-FFF2-40B4-BE49-F238E27FC236}">
-                <a16:creationId xmlns="" xmlns:a16="http://schemas.microsoft.com/office/drawing/2014/main" id="{C3E24DCF-232A-4D87-B073-EC3FA9FB7D88}"/>
+                <a16:creationId xmlns:a16="http://schemas.microsoft.com/office/drawing/2014/main" id="{C3E24DCF-232A-4D87-B073-EC3FA9FB7D88}"/>
               </a:ext>
             </a:extLst>
           </p:cNvPr>
@@ -15011,7 +16793,7 @@
           <p:cNvPr id="15" name="Espace réservé du numéro de diapositive 14">
             <a:extLst>
               <a:ext uri="{FF2B5EF4-FFF2-40B4-BE49-F238E27FC236}">
-                <a16:creationId xmlns="" xmlns:a16="http://schemas.microsoft.com/office/drawing/2014/main" id="{CDE5A07D-D0AC-40C1-A4B2-6554F2C6C2A8}"/>
+                <a16:creationId xmlns:a16="http://schemas.microsoft.com/office/drawing/2014/main" id="{CDE5A07D-D0AC-40C1-A4B2-6554F2C6C2A8}"/>
               </a:ext>
             </a:extLst>
           </p:cNvPr>
@@ -15040,7 +16822,7 @@
           <p:cNvPr id="3" name="Rectangle 2">
             <a:extLst>
               <a:ext uri="{FF2B5EF4-FFF2-40B4-BE49-F238E27FC236}">
-                <a16:creationId xmlns="" xmlns:a16="http://schemas.microsoft.com/office/drawing/2014/main" id="{AD0F395D-3E5D-4CC0-BC03-9E90D2D66BBE}"/>
+                <a16:creationId xmlns:a16="http://schemas.microsoft.com/office/drawing/2014/main" id="{AD0F395D-3E5D-4CC0-BC03-9E90D2D66BBE}"/>
               </a:ext>
             </a:extLst>
           </p:cNvPr>
@@ -15161,7 +16943,7 @@
           <p:cNvPr id="13" name="Picture 6" descr="https://lh4.googleusercontent.com/tDwfaWIODJwkVzC04hR4wphZ_bXVMzxILbAN9Qbng8EwIAbWv-Or6b11Jyv2qqyH2fMlHzvMDEqmubu33Vw1qj5t-PauwGvmDfLxtND69gtRglVB3TUtZhO0V3XG9FqWCcJLVMSl2JA">
             <a:extLst>
               <a:ext uri="{FF2B5EF4-FFF2-40B4-BE49-F238E27FC236}">
-                <a16:creationId xmlns="" xmlns:a16="http://schemas.microsoft.com/office/drawing/2014/main" id="{8E4C707E-0CDF-4F28-ACCD-1ADCB9155F03}"/>
+                <a16:creationId xmlns:a16="http://schemas.microsoft.com/office/drawing/2014/main" id="{8E4C707E-0CDF-4F28-ACCD-1ADCB9155F03}"/>
               </a:ext>
             </a:extLst>
           </p:cNvPr>
@@ -15215,7 +16997,7 @@
           <p:cNvPr id="12" name="Image 11" descr="Une image contenant cintre, objet, lampe&#10;&#10;Description générée automatiquement">
             <a:extLst>
               <a:ext uri="{FF2B5EF4-FFF2-40B4-BE49-F238E27FC236}">
-                <a16:creationId xmlns="" xmlns:a16="http://schemas.microsoft.com/office/drawing/2014/main" id="{8ED443B8-0545-4EBC-9705-5E9F30651122}"/>
+                <a16:creationId xmlns:a16="http://schemas.microsoft.com/office/drawing/2014/main" id="{8ED443B8-0545-4EBC-9705-5E9F30651122}"/>
               </a:ext>
             </a:extLst>
           </p:cNvPr>
@@ -15261,7 +17043,7 @@
           <p:cNvPr id="17" name="Image 16">
             <a:extLst>
               <a:ext uri="{FF2B5EF4-FFF2-40B4-BE49-F238E27FC236}">
-                <a16:creationId xmlns="" xmlns:a16="http://schemas.microsoft.com/office/drawing/2014/main" id="{A0FB46A7-986C-4893-A6EA-2233E23AE2E4}"/>
+                <a16:creationId xmlns:a16="http://schemas.microsoft.com/office/drawing/2014/main" id="{A0FB46A7-986C-4893-A6EA-2233E23AE2E4}"/>
               </a:ext>
             </a:extLst>
           </p:cNvPr>
@@ -15306,7 +17088,7 @@
           <p:cNvPr id="20" name="Rectangle 19">
             <a:extLst>
               <a:ext uri="{FF2B5EF4-FFF2-40B4-BE49-F238E27FC236}">
-                <a16:creationId xmlns="" xmlns:a16="http://schemas.microsoft.com/office/drawing/2014/main" id="{E7358B23-C194-4E1E-B254-6F913CF5D2F4}"/>
+                <a16:creationId xmlns:a16="http://schemas.microsoft.com/office/drawing/2014/main" id="{E7358B23-C194-4E1E-B254-6F913CF5D2F4}"/>
               </a:ext>
             </a:extLst>
           </p:cNvPr>
@@ -15361,7 +17143,7 @@
           <p:cNvPr id="21" name="Rectangle 20">
             <a:extLst>
               <a:ext uri="{FF2B5EF4-FFF2-40B4-BE49-F238E27FC236}">
-                <a16:creationId xmlns="" xmlns:a16="http://schemas.microsoft.com/office/drawing/2014/main" id="{1B4C8D5B-666A-40E5-9380-DFB55C9FB13E}"/>
+                <a16:creationId xmlns:a16="http://schemas.microsoft.com/office/drawing/2014/main" id="{1B4C8D5B-666A-40E5-9380-DFB55C9FB13E}"/>
               </a:ext>
             </a:extLst>
           </p:cNvPr>
@@ -15468,7 +17250,7 @@
           <p:cNvPr id="4" name="ZoneTexte 3">
             <a:extLst>
               <a:ext uri="{FF2B5EF4-FFF2-40B4-BE49-F238E27FC236}">
-                <a16:creationId xmlns="" xmlns:a16="http://schemas.microsoft.com/office/drawing/2014/main" id="{11CB7687-B471-4549-A848-8326224DD138}"/>
+                <a16:creationId xmlns:a16="http://schemas.microsoft.com/office/drawing/2014/main" id="{11CB7687-B471-4549-A848-8326224DD138}"/>
               </a:ext>
             </a:extLst>
           </p:cNvPr>
@@ -15513,7 +17295,7 @@
           <p:cNvPr id="9" name="ZoneTexte 8">
             <a:extLst>
               <a:ext uri="{FF2B5EF4-FFF2-40B4-BE49-F238E27FC236}">
-                <a16:creationId xmlns="" xmlns:a16="http://schemas.microsoft.com/office/drawing/2014/main" id="{86FA704E-1B92-4AAF-B5EC-8BF8A05E9824}"/>
+                <a16:creationId xmlns:a16="http://schemas.microsoft.com/office/drawing/2014/main" id="{86FA704E-1B92-4AAF-B5EC-8BF8A05E9824}"/>
               </a:ext>
             </a:extLst>
           </p:cNvPr>
@@ -15552,7 +17334,7 @@
           <p:cNvPr id="15" name="Espace réservé du numéro de diapositive 14">
             <a:extLst>
               <a:ext uri="{FF2B5EF4-FFF2-40B4-BE49-F238E27FC236}">
-                <a16:creationId xmlns="" xmlns:a16="http://schemas.microsoft.com/office/drawing/2014/main" id="{CDE5A07D-D0AC-40C1-A4B2-6554F2C6C2A8}"/>
+                <a16:creationId xmlns:a16="http://schemas.microsoft.com/office/drawing/2014/main" id="{CDE5A07D-D0AC-40C1-A4B2-6554F2C6C2A8}"/>
               </a:ext>
             </a:extLst>
           </p:cNvPr>
@@ -15581,7 +17363,7 @@
           <p:cNvPr id="13" name="Picture 6" descr="https://lh4.googleusercontent.com/tDwfaWIODJwkVzC04hR4wphZ_bXVMzxILbAN9Qbng8EwIAbWv-Or6b11Jyv2qqyH2fMlHzvMDEqmubu33Vw1qj5t-PauwGvmDfLxtND69gtRglVB3TUtZhO0V3XG9FqWCcJLVMSl2JA">
             <a:extLst>
               <a:ext uri="{FF2B5EF4-FFF2-40B4-BE49-F238E27FC236}">
-                <a16:creationId xmlns="" xmlns:a16="http://schemas.microsoft.com/office/drawing/2014/main" id="{8E4C707E-0CDF-4F28-ACCD-1ADCB9155F03}"/>
+                <a16:creationId xmlns:a16="http://schemas.microsoft.com/office/drawing/2014/main" id="{8E4C707E-0CDF-4F28-ACCD-1ADCB9155F03}"/>
               </a:ext>
             </a:extLst>
           </p:cNvPr>
@@ -15679,7 +17461,7 @@
           <p:cNvPr id="4" name="ZoneTexte 3">
             <a:extLst>
               <a:ext uri="{FF2B5EF4-FFF2-40B4-BE49-F238E27FC236}">
-                <a16:creationId xmlns="" xmlns:a16="http://schemas.microsoft.com/office/drawing/2014/main" id="{11CB7687-B471-4549-A848-8326224DD138}"/>
+                <a16:creationId xmlns:a16="http://schemas.microsoft.com/office/drawing/2014/main" id="{11CB7687-B471-4549-A848-8326224DD138}"/>
               </a:ext>
             </a:extLst>
           </p:cNvPr>
@@ -15724,7 +17506,7 @@
           <p:cNvPr id="9" name="ZoneTexte 8">
             <a:extLst>
               <a:ext uri="{FF2B5EF4-FFF2-40B4-BE49-F238E27FC236}">
-                <a16:creationId xmlns="" xmlns:a16="http://schemas.microsoft.com/office/drawing/2014/main" id="{86FA704E-1B92-4AAF-B5EC-8BF8A05E9824}"/>
+                <a16:creationId xmlns:a16="http://schemas.microsoft.com/office/drawing/2014/main" id="{86FA704E-1B92-4AAF-B5EC-8BF8A05E9824}"/>
               </a:ext>
             </a:extLst>
           </p:cNvPr>
@@ -15770,7 +17552,7 @@
           <p:cNvPr id="15" name="Espace réservé du numéro de diapositive 14">
             <a:extLst>
               <a:ext uri="{FF2B5EF4-FFF2-40B4-BE49-F238E27FC236}">
-                <a16:creationId xmlns="" xmlns:a16="http://schemas.microsoft.com/office/drawing/2014/main" id="{CDE5A07D-D0AC-40C1-A4B2-6554F2C6C2A8}"/>
+                <a16:creationId xmlns:a16="http://schemas.microsoft.com/office/drawing/2014/main" id="{CDE5A07D-D0AC-40C1-A4B2-6554F2C6C2A8}"/>
               </a:ext>
             </a:extLst>
           </p:cNvPr>
@@ -15799,7 +17581,7 @@
           <p:cNvPr id="13" name="Picture 6" descr="https://lh4.googleusercontent.com/tDwfaWIODJwkVzC04hR4wphZ_bXVMzxILbAN9Qbng8EwIAbWv-Or6b11Jyv2qqyH2fMlHzvMDEqmubu33Vw1qj5t-PauwGvmDfLxtND69gtRglVB3TUtZhO0V3XG9FqWCcJLVMSl2JA">
             <a:extLst>
               <a:ext uri="{FF2B5EF4-FFF2-40B4-BE49-F238E27FC236}">
-                <a16:creationId xmlns="" xmlns:a16="http://schemas.microsoft.com/office/drawing/2014/main" id="{8E4C707E-0CDF-4F28-ACCD-1ADCB9155F03}"/>
+                <a16:creationId xmlns:a16="http://schemas.microsoft.com/office/drawing/2014/main" id="{8E4C707E-0CDF-4F28-ACCD-1ADCB9155F03}"/>
               </a:ext>
             </a:extLst>
           </p:cNvPr>
@@ -15853,7 +17635,7 @@
           <p:cNvPr id="6" name="Image 5">
             <a:extLst>
               <a:ext uri="{FF2B5EF4-FFF2-40B4-BE49-F238E27FC236}">
-                <a16:creationId xmlns="" xmlns:a16="http://schemas.microsoft.com/office/drawing/2014/main" id="{B2BE5AC9-D1B9-4699-B03F-980B2F5C3B06}"/>
+                <a16:creationId xmlns:a16="http://schemas.microsoft.com/office/drawing/2014/main" id="{B2BE5AC9-D1B9-4699-B03F-980B2F5C3B06}"/>
               </a:ext>
             </a:extLst>
           </p:cNvPr>
@@ -15886,7 +17668,7 @@
           <p:cNvPr id="7" name="Image 6">
             <a:extLst>
               <a:ext uri="{FF2B5EF4-FFF2-40B4-BE49-F238E27FC236}">
-                <a16:creationId xmlns="" xmlns:a16="http://schemas.microsoft.com/office/drawing/2014/main" id="{C70DBC1C-A97C-4AC3-B75F-5664210A91C0}"/>
+                <a16:creationId xmlns:a16="http://schemas.microsoft.com/office/drawing/2014/main" id="{C70DBC1C-A97C-4AC3-B75F-5664210A91C0}"/>
               </a:ext>
             </a:extLst>
           </p:cNvPr>
@@ -15923,7 +17705,7 @@
           <p:cNvPr id="8" name="Rectangle 7">
             <a:extLst>
               <a:ext uri="{FF2B5EF4-FFF2-40B4-BE49-F238E27FC236}">
-                <a16:creationId xmlns="" xmlns:a16="http://schemas.microsoft.com/office/drawing/2014/main" id="{558BAC74-F16C-4066-876E-3129FB234732}"/>
+                <a16:creationId xmlns:a16="http://schemas.microsoft.com/office/drawing/2014/main" id="{558BAC74-F16C-4066-876E-3129FB234732}"/>
               </a:ext>
             </a:extLst>
           </p:cNvPr>
@@ -16010,7 +17792,7 @@
           <p:cNvPr id="4" name="ZoneTexte 3">
             <a:extLst>
               <a:ext uri="{FF2B5EF4-FFF2-40B4-BE49-F238E27FC236}">
-                <a16:creationId xmlns="" xmlns:a16="http://schemas.microsoft.com/office/drawing/2014/main" id="{11CB7687-B471-4549-A848-8326224DD138}"/>
+                <a16:creationId xmlns:a16="http://schemas.microsoft.com/office/drawing/2014/main" id="{11CB7687-B471-4549-A848-8326224DD138}"/>
               </a:ext>
             </a:extLst>
           </p:cNvPr>
@@ -16055,7 +17837,7 @@
           <p:cNvPr id="9" name="ZoneTexte 8">
             <a:extLst>
               <a:ext uri="{FF2B5EF4-FFF2-40B4-BE49-F238E27FC236}">
-                <a16:creationId xmlns="" xmlns:a16="http://schemas.microsoft.com/office/drawing/2014/main" id="{86FA704E-1B92-4AAF-B5EC-8BF8A05E9824}"/>
+                <a16:creationId xmlns:a16="http://schemas.microsoft.com/office/drawing/2014/main" id="{86FA704E-1B92-4AAF-B5EC-8BF8A05E9824}"/>
               </a:ext>
             </a:extLst>
           </p:cNvPr>
@@ -16101,7 +17883,7 @@
           <p:cNvPr id="15" name="Espace réservé du numéro de diapositive 14">
             <a:extLst>
               <a:ext uri="{FF2B5EF4-FFF2-40B4-BE49-F238E27FC236}">
-                <a16:creationId xmlns="" xmlns:a16="http://schemas.microsoft.com/office/drawing/2014/main" id="{CDE5A07D-D0AC-40C1-A4B2-6554F2C6C2A8}"/>
+                <a16:creationId xmlns:a16="http://schemas.microsoft.com/office/drawing/2014/main" id="{CDE5A07D-D0AC-40C1-A4B2-6554F2C6C2A8}"/>
               </a:ext>
             </a:extLst>
           </p:cNvPr>
@@ -16130,7 +17912,7 @@
           <p:cNvPr id="13" name="Picture 6" descr="https://lh4.googleusercontent.com/tDwfaWIODJwkVzC04hR4wphZ_bXVMzxILbAN9Qbng8EwIAbWv-Or6b11Jyv2qqyH2fMlHzvMDEqmubu33Vw1qj5t-PauwGvmDfLxtND69gtRglVB3TUtZhO0V3XG9FqWCcJLVMSl2JA">
             <a:extLst>
               <a:ext uri="{FF2B5EF4-FFF2-40B4-BE49-F238E27FC236}">
-                <a16:creationId xmlns="" xmlns:a16="http://schemas.microsoft.com/office/drawing/2014/main" id="{8E4C707E-0CDF-4F28-ACCD-1ADCB9155F03}"/>
+                <a16:creationId xmlns:a16="http://schemas.microsoft.com/office/drawing/2014/main" id="{8E4C707E-0CDF-4F28-ACCD-1ADCB9155F03}"/>
               </a:ext>
             </a:extLst>
           </p:cNvPr>
@@ -16184,7 +17966,7 @@
           <p:cNvPr id="6" name="Groupe 5">
             <a:extLst>
               <a:ext uri="{FF2B5EF4-FFF2-40B4-BE49-F238E27FC236}">
-                <a16:creationId xmlns="" xmlns:a16="http://schemas.microsoft.com/office/drawing/2014/main" id="{6C0521AA-AF37-45FC-A401-0780C53C04DD}"/>
+                <a16:creationId xmlns:a16="http://schemas.microsoft.com/office/drawing/2014/main" id="{6C0521AA-AF37-45FC-A401-0780C53C04DD}"/>
               </a:ext>
             </a:extLst>
           </p:cNvPr>
@@ -16204,7 +17986,7 @@
             <p:cNvPr id="7" name="Google Shape;123;p17">
               <a:extLst>
                 <a:ext uri="{FF2B5EF4-FFF2-40B4-BE49-F238E27FC236}">
-                  <a16:creationId xmlns="" xmlns:a16="http://schemas.microsoft.com/office/drawing/2014/main" id="{7542A512-D668-493C-9C95-166ED75BDFDE}"/>
+                  <a16:creationId xmlns:a16="http://schemas.microsoft.com/office/drawing/2014/main" id="{7542A512-D668-493C-9C95-166ED75BDFDE}"/>
                 </a:ext>
               </a:extLst>
             </p:cNvPr>
@@ -16231,14 +18013,14 @@
                   <a:gridCol w="2335875">
                     <a:extLst>
                       <a:ext uri="{9D8B030D-6E8A-4147-A177-3AD203B41FA5}">
-                        <a16:colId xmlns="" xmlns:a16="http://schemas.microsoft.com/office/drawing/2014/main" val="20000"/>
+                        <a16:colId xmlns:a16="http://schemas.microsoft.com/office/drawing/2014/main" val="20000"/>
                       </a:ext>
                     </a:extLst>
                   </a:gridCol>
                   <a:gridCol w="2335875">
                     <a:extLst>
                       <a:ext uri="{9D8B030D-6E8A-4147-A177-3AD203B41FA5}">
-                        <a16:colId xmlns="" xmlns:a16="http://schemas.microsoft.com/office/drawing/2014/main" val="20001"/>
+                        <a16:colId xmlns:a16="http://schemas.microsoft.com/office/drawing/2014/main" val="20001"/>
                       </a:ext>
                     </a:extLst>
                   </a:gridCol>
@@ -16324,7 +18106,7 @@
                   </a:tc>
                   <a:extLst>
                     <a:ext uri="{0D108BD9-81ED-4DB2-BD59-A6C34878D82A}">
-                      <a16:rowId xmlns="" xmlns:a16="http://schemas.microsoft.com/office/drawing/2014/main" val="10000"/>
+                      <a16:rowId xmlns:a16="http://schemas.microsoft.com/office/drawing/2014/main" val="10000"/>
                     </a:ext>
                   </a:extLst>
                 </a:tr>
@@ -16575,7 +18357,7 @@
                   </a:tc>
                   <a:extLst>
                     <a:ext uri="{0D108BD9-81ED-4DB2-BD59-A6C34878D82A}">
-                      <a16:rowId xmlns="" xmlns:a16="http://schemas.microsoft.com/office/drawing/2014/main" val="10001"/>
+                      <a16:rowId xmlns:a16="http://schemas.microsoft.com/office/drawing/2014/main" val="10001"/>
                     </a:ext>
                   </a:extLst>
                 </a:tr>
@@ -16588,7 +18370,7 @@
             <p:cNvPr id="8" name="Google Shape;124;p17">
               <a:extLst>
                 <a:ext uri="{FF2B5EF4-FFF2-40B4-BE49-F238E27FC236}">
-                  <a16:creationId xmlns="" xmlns:a16="http://schemas.microsoft.com/office/drawing/2014/main" id="{4AFBC506-4D79-4522-A670-8606AF81F4AF}"/>
+                  <a16:creationId xmlns:a16="http://schemas.microsoft.com/office/drawing/2014/main" id="{4AFBC506-4D79-4522-A670-8606AF81F4AF}"/>
                 </a:ext>
               </a:extLst>
             </p:cNvPr>
@@ -16615,14 +18397,14 @@
                   <a:gridCol w="2198483">
                     <a:extLst>
                       <a:ext uri="{9D8B030D-6E8A-4147-A177-3AD203B41FA5}">
-                        <a16:colId xmlns="" xmlns:a16="http://schemas.microsoft.com/office/drawing/2014/main" val="20000"/>
+                        <a16:colId xmlns:a16="http://schemas.microsoft.com/office/drawing/2014/main" val="20000"/>
                       </a:ext>
                     </a:extLst>
                   </a:gridCol>
                   <a:gridCol w="2199657">
                     <a:extLst>
                       <a:ext uri="{9D8B030D-6E8A-4147-A177-3AD203B41FA5}">
-                        <a16:colId xmlns="" xmlns:a16="http://schemas.microsoft.com/office/drawing/2014/main" val="20001"/>
+                        <a16:colId xmlns:a16="http://schemas.microsoft.com/office/drawing/2014/main" val="20001"/>
                       </a:ext>
                     </a:extLst>
                   </a:gridCol>
@@ -16708,7 +18490,7 @@
                   </a:tc>
                   <a:extLst>
                     <a:ext uri="{0D108BD9-81ED-4DB2-BD59-A6C34878D82A}">
-                      <a16:rowId xmlns="" xmlns:a16="http://schemas.microsoft.com/office/drawing/2014/main" val="10000"/>
+                      <a16:rowId xmlns:a16="http://schemas.microsoft.com/office/drawing/2014/main" val="10000"/>
                     </a:ext>
                   </a:extLst>
                 </a:tr>
@@ -16947,7 +18729,7 @@
                   </a:tc>
                   <a:extLst>
                     <a:ext uri="{0D108BD9-81ED-4DB2-BD59-A6C34878D82A}">
-                      <a16:rowId xmlns="" xmlns:a16="http://schemas.microsoft.com/office/drawing/2014/main" val="10001"/>
+                      <a16:rowId xmlns:a16="http://schemas.microsoft.com/office/drawing/2014/main" val="10001"/>
                     </a:ext>
                   </a:extLst>
                 </a:tr>
@@ -16960,7 +18742,7 @@
             <p:cNvPr id="10" name="Google Shape;125;p17">
               <a:extLst>
                 <a:ext uri="{FF2B5EF4-FFF2-40B4-BE49-F238E27FC236}">
-                  <a16:creationId xmlns="" xmlns:a16="http://schemas.microsoft.com/office/drawing/2014/main" id="{5196B8B5-6782-4425-9FC3-9FF742F3CFBA}"/>
+                  <a16:creationId xmlns:a16="http://schemas.microsoft.com/office/drawing/2014/main" id="{5196B8B5-6782-4425-9FC3-9FF742F3CFBA}"/>
                 </a:ext>
               </a:extLst>
             </p:cNvPr>
@@ -16987,14 +18769,14 @@
                   <a:gridCol w="1287921">
                     <a:extLst>
                       <a:ext uri="{9D8B030D-6E8A-4147-A177-3AD203B41FA5}">
-                        <a16:colId xmlns="" xmlns:a16="http://schemas.microsoft.com/office/drawing/2014/main" val="20000"/>
+                        <a16:colId xmlns:a16="http://schemas.microsoft.com/office/drawing/2014/main" val="20000"/>
                       </a:ext>
                     </a:extLst>
                   </a:gridCol>
                   <a:gridCol w="1287921">
                     <a:extLst>
                       <a:ext uri="{9D8B030D-6E8A-4147-A177-3AD203B41FA5}">
-                        <a16:colId xmlns="" xmlns:a16="http://schemas.microsoft.com/office/drawing/2014/main" val="20001"/>
+                        <a16:colId xmlns:a16="http://schemas.microsoft.com/office/drawing/2014/main" val="20001"/>
                       </a:ext>
                     </a:extLst>
                   </a:gridCol>
@@ -17080,7 +18862,7 @@
                   </a:tc>
                   <a:extLst>
                     <a:ext uri="{0D108BD9-81ED-4DB2-BD59-A6C34878D82A}">
-                      <a16:rowId xmlns="" xmlns:a16="http://schemas.microsoft.com/office/drawing/2014/main" val="10000"/>
+                      <a16:rowId xmlns:a16="http://schemas.microsoft.com/office/drawing/2014/main" val="10000"/>
                     </a:ext>
                   </a:extLst>
                 </a:tr>
@@ -17261,7 +19043,7 @@
                   </a:tc>
                   <a:extLst>
                     <a:ext uri="{0D108BD9-81ED-4DB2-BD59-A6C34878D82A}">
-                      <a16:rowId xmlns="" xmlns:a16="http://schemas.microsoft.com/office/drawing/2014/main" val="10001"/>
+                      <a16:rowId xmlns:a16="http://schemas.microsoft.com/office/drawing/2014/main" val="10001"/>
                     </a:ext>
                   </a:extLst>
                 </a:tr>
@@ -17274,7 +19056,7 @@
             <p:cNvPr id="11" name="Google Shape;126;p17">
               <a:extLst>
                 <a:ext uri="{FF2B5EF4-FFF2-40B4-BE49-F238E27FC236}">
-                  <a16:creationId xmlns="" xmlns:a16="http://schemas.microsoft.com/office/drawing/2014/main" id="{619820FD-ED35-4511-9E4E-5E3588EBAB29}"/>
+                  <a16:creationId xmlns:a16="http://schemas.microsoft.com/office/drawing/2014/main" id="{619820FD-ED35-4511-9E4E-5E3588EBAB29}"/>
                 </a:ext>
               </a:extLst>
             </p:cNvPr>
@@ -17301,14 +19083,14 @@
                   <a:gridCol w="1529975">
                     <a:extLst>
                       <a:ext uri="{9D8B030D-6E8A-4147-A177-3AD203B41FA5}">
-                        <a16:colId xmlns="" xmlns:a16="http://schemas.microsoft.com/office/drawing/2014/main" val="20000"/>
+                        <a16:colId xmlns:a16="http://schemas.microsoft.com/office/drawing/2014/main" val="20000"/>
                       </a:ext>
                     </a:extLst>
                   </a:gridCol>
                   <a:gridCol w="3096150">
                     <a:extLst>
                       <a:ext uri="{9D8B030D-6E8A-4147-A177-3AD203B41FA5}">
-                        <a16:colId xmlns="" xmlns:a16="http://schemas.microsoft.com/office/drawing/2014/main" val="20001"/>
+                        <a16:colId xmlns:a16="http://schemas.microsoft.com/office/drawing/2014/main" val="20001"/>
                       </a:ext>
                     </a:extLst>
                   </a:gridCol>
@@ -17394,7 +19176,7 @@
                   </a:tc>
                   <a:extLst>
                     <a:ext uri="{0D108BD9-81ED-4DB2-BD59-A6C34878D82A}">
-                      <a16:rowId xmlns="" xmlns:a16="http://schemas.microsoft.com/office/drawing/2014/main" val="10000"/>
+                      <a16:rowId xmlns:a16="http://schemas.microsoft.com/office/drawing/2014/main" val="10000"/>
                     </a:ext>
                   </a:extLst>
                 </a:tr>
@@ -17603,7 +19385,7 @@
                   </a:tc>
                   <a:extLst>
                     <a:ext uri="{0D108BD9-81ED-4DB2-BD59-A6C34878D82A}">
-                      <a16:rowId xmlns="" xmlns:a16="http://schemas.microsoft.com/office/drawing/2014/main" val="10001"/>
+                      <a16:rowId xmlns:a16="http://schemas.microsoft.com/office/drawing/2014/main" val="10001"/>
                     </a:ext>
                   </a:extLst>
                 </a:tr>
@@ -17616,7 +19398,7 @@
             <p:cNvPr id="12" name="Google Shape;127;p17">
               <a:extLst>
                 <a:ext uri="{FF2B5EF4-FFF2-40B4-BE49-F238E27FC236}">
-                  <a16:creationId xmlns="" xmlns:a16="http://schemas.microsoft.com/office/drawing/2014/main" id="{7C918014-CA1E-4AB2-9A83-B8AF1B5FD9B3}"/>
+                  <a16:creationId xmlns:a16="http://schemas.microsoft.com/office/drawing/2014/main" id="{7C918014-CA1E-4AB2-9A83-B8AF1B5FD9B3}"/>
                 </a:ext>
               </a:extLst>
             </p:cNvPr>
@@ -17643,21 +19425,21 @@
                   <a:gridCol w="1337100">
                     <a:extLst>
                       <a:ext uri="{9D8B030D-6E8A-4147-A177-3AD203B41FA5}">
-                        <a16:colId xmlns="" xmlns:a16="http://schemas.microsoft.com/office/drawing/2014/main" val="20000"/>
+                        <a16:colId xmlns:a16="http://schemas.microsoft.com/office/drawing/2014/main" val="20000"/>
                       </a:ext>
                     </a:extLst>
                   </a:gridCol>
                   <a:gridCol w="2710075">
                     <a:extLst>
                       <a:ext uri="{9D8B030D-6E8A-4147-A177-3AD203B41FA5}">
-                        <a16:colId xmlns="" xmlns:a16="http://schemas.microsoft.com/office/drawing/2014/main" val="20001"/>
+                        <a16:colId xmlns:a16="http://schemas.microsoft.com/office/drawing/2014/main" val="20001"/>
                       </a:ext>
                     </a:extLst>
                   </a:gridCol>
                   <a:gridCol w="2710075">
                     <a:extLst>
                       <a:ext uri="{9D8B030D-6E8A-4147-A177-3AD203B41FA5}">
-                        <a16:colId xmlns="" xmlns:a16="http://schemas.microsoft.com/office/drawing/2014/main" val="20002"/>
+                        <a16:colId xmlns:a16="http://schemas.microsoft.com/office/drawing/2014/main" val="20002"/>
                       </a:ext>
                     </a:extLst>
                   </a:gridCol>
@@ -17753,7 +19535,7 @@
                   </a:tc>
                   <a:extLst>
                     <a:ext uri="{0D108BD9-81ED-4DB2-BD59-A6C34878D82A}">
-                      <a16:rowId xmlns="" xmlns:a16="http://schemas.microsoft.com/office/drawing/2014/main" val="10000"/>
+                      <a16:rowId xmlns:a16="http://schemas.microsoft.com/office/drawing/2014/main" val="10000"/>
                     </a:ext>
                   </a:extLst>
                 </a:tr>
@@ -18067,7 +19849,7 @@
                   </a:tc>
                   <a:extLst>
                     <a:ext uri="{0D108BD9-81ED-4DB2-BD59-A6C34878D82A}">
-                      <a16:rowId xmlns="" xmlns:a16="http://schemas.microsoft.com/office/drawing/2014/main" val="10001"/>
+                      <a16:rowId xmlns:a16="http://schemas.microsoft.com/office/drawing/2014/main" val="10001"/>
                     </a:ext>
                   </a:extLst>
                 </a:tr>
@@ -18080,7 +19862,7 @@
             <p:cNvPr id="14" name="Google Shape;128;p17">
               <a:extLst>
                 <a:ext uri="{FF2B5EF4-FFF2-40B4-BE49-F238E27FC236}">
-                  <a16:creationId xmlns="" xmlns:a16="http://schemas.microsoft.com/office/drawing/2014/main" id="{551FC2E0-7C7D-4006-A645-27E323DF8705}"/>
+                  <a16:creationId xmlns:a16="http://schemas.microsoft.com/office/drawing/2014/main" id="{551FC2E0-7C7D-4006-A645-27E323DF8705}"/>
                 </a:ext>
               </a:extLst>
             </p:cNvPr>
@@ -18107,14 +19889,14 @@
                   <a:gridCol w="1408850">
                     <a:extLst>
                       <a:ext uri="{9D8B030D-6E8A-4147-A177-3AD203B41FA5}">
-                        <a16:colId xmlns="" xmlns:a16="http://schemas.microsoft.com/office/drawing/2014/main" val="20000"/>
+                        <a16:colId xmlns:a16="http://schemas.microsoft.com/office/drawing/2014/main" val="20000"/>
                       </a:ext>
                     </a:extLst>
                   </a:gridCol>
                   <a:gridCol w="2878225">
                     <a:extLst>
                       <a:ext uri="{9D8B030D-6E8A-4147-A177-3AD203B41FA5}">
-                        <a16:colId xmlns="" xmlns:a16="http://schemas.microsoft.com/office/drawing/2014/main" val="20001"/>
+                        <a16:colId xmlns:a16="http://schemas.microsoft.com/office/drawing/2014/main" val="20001"/>
                       </a:ext>
                     </a:extLst>
                   </a:gridCol>
@@ -18200,7 +19982,7 @@
                   </a:tc>
                   <a:extLst>
                     <a:ext uri="{0D108BD9-81ED-4DB2-BD59-A6C34878D82A}">
-                      <a16:rowId xmlns="" xmlns:a16="http://schemas.microsoft.com/office/drawing/2014/main" val="10000"/>
+                      <a16:rowId xmlns:a16="http://schemas.microsoft.com/office/drawing/2014/main" val="10000"/>
                     </a:ext>
                   </a:extLst>
                 </a:tr>
@@ -18425,7 +20207,7 @@
                   </a:tc>
                   <a:extLst>
                     <a:ext uri="{0D108BD9-81ED-4DB2-BD59-A6C34878D82A}">
-                      <a16:rowId xmlns="" xmlns:a16="http://schemas.microsoft.com/office/drawing/2014/main" val="10001"/>
+                      <a16:rowId xmlns:a16="http://schemas.microsoft.com/office/drawing/2014/main" val="10001"/>
                     </a:ext>
                   </a:extLst>
                 </a:tr>
@@ -18438,7 +20220,7 @@
             <p:cNvPr id="16" name="Google Shape;129;p17">
               <a:extLst>
                 <a:ext uri="{FF2B5EF4-FFF2-40B4-BE49-F238E27FC236}">
-                  <a16:creationId xmlns="" xmlns:a16="http://schemas.microsoft.com/office/drawing/2014/main" id="{482F216C-A609-4C99-AF13-87D7576C4F3D}"/>
+                  <a16:creationId xmlns:a16="http://schemas.microsoft.com/office/drawing/2014/main" id="{482F216C-A609-4C99-AF13-87D7576C4F3D}"/>
                 </a:ext>
               </a:extLst>
             </p:cNvPr>
@@ -18470,7 +20252,7 @@
             <p:cNvPr id="17" name="Google Shape;130;p17">
               <a:extLst>
                 <a:ext uri="{FF2B5EF4-FFF2-40B4-BE49-F238E27FC236}">
-                  <a16:creationId xmlns="" xmlns:a16="http://schemas.microsoft.com/office/drawing/2014/main" id="{49E55F35-D341-4E93-9685-DE92AE127028}"/>
+                  <a16:creationId xmlns:a16="http://schemas.microsoft.com/office/drawing/2014/main" id="{49E55F35-D341-4E93-9685-DE92AE127028}"/>
                 </a:ext>
               </a:extLst>
             </p:cNvPr>
@@ -18502,7 +20284,7 @@
             <p:cNvPr id="18" name="Google Shape;131;p17">
               <a:extLst>
                 <a:ext uri="{FF2B5EF4-FFF2-40B4-BE49-F238E27FC236}">
-                  <a16:creationId xmlns="" xmlns:a16="http://schemas.microsoft.com/office/drawing/2014/main" id="{64BB0AB9-180E-43AD-9EBA-994F8C06F939}"/>
+                  <a16:creationId xmlns:a16="http://schemas.microsoft.com/office/drawing/2014/main" id="{64BB0AB9-180E-43AD-9EBA-994F8C06F939}"/>
                 </a:ext>
               </a:extLst>
             </p:cNvPr>
@@ -18536,7 +20318,7 @@
             <p:cNvPr id="19" name="Google Shape;132;p17">
               <a:extLst>
                 <a:ext uri="{FF2B5EF4-FFF2-40B4-BE49-F238E27FC236}">
-                  <a16:creationId xmlns="" xmlns:a16="http://schemas.microsoft.com/office/drawing/2014/main" id="{9075963E-B8F5-46C6-AC7E-42C020205F9B}"/>
+                  <a16:creationId xmlns:a16="http://schemas.microsoft.com/office/drawing/2014/main" id="{9075963E-B8F5-46C6-AC7E-42C020205F9B}"/>
                 </a:ext>
               </a:extLst>
             </p:cNvPr>
@@ -18568,7 +20350,7 @@
             <p:cNvPr id="21" name="Google Shape;134;p17">
               <a:extLst>
                 <a:ext uri="{FF2B5EF4-FFF2-40B4-BE49-F238E27FC236}">
-                  <a16:creationId xmlns="" xmlns:a16="http://schemas.microsoft.com/office/drawing/2014/main" id="{B1076294-74D1-4795-837C-9A5E3A83BA88}"/>
+                  <a16:creationId xmlns:a16="http://schemas.microsoft.com/office/drawing/2014/main" id="{B1076294-74D1-4795-837C-9A5E3A83BA88}"/>
                 </a:ext>
               </a:extLst>
             </p:cNvPr>
@@ -18600,7 +20382,7 @@
             <p:cNvPr id="22" name="Google Shape;135;p17">
               <a:extLst>
                 <a:ext uri="{FF2B5EF4-FFF2-40B4-BE49-F238E27FC236}">
-                  <a16:creationId xmlns="" xmlns:a16="http://schemas.microsoft.com/office/drawing/2014/main" id="{28709554-E995-430B-B9CD-7321A4AA582B}"/>
+                  <a16:creationId xmlns:a16="http://schemas.microsoft.com/office/drawing/2014/main" id="{28709554-E995-430B-B9CD-7321A4AA582B}"/>
                 </a:ext>
               </a:extLst>
             </p:cNvPr>
@@ -18632,7 +20414,7 @@
             <p:cNvPr id="23" name="Google Shape;136;p17">
               <a:extLst>
                 <a:ext uri="{FF2B5EF4-FFF2-40B4-BE49-F238E27FC236}">
-                  <a16:creationId xmlns="" xmlns:a16="http://schemas.microsoft.com/office/drawing/2014/main" id="{31BA442E-3BA4-45E2-9B8A-2BBA39D78E28}"/>
+                  <a16:creationId xmlns:a16="http://schemas.microsoft.com/office/drawing/2014/main" id="{31BA442E-3BA4-45E2-9B8A-2BBA39D78E28}"/>
                 </a:ext>
               </a:extLst>
             </p:cNvPr>
@@ -18664,7 +20446,7 @@
             <p:cNvPr id="24" name="Google Shape;139;p17">
               <a:extLst>
                 <a:ext uri="{FF2B5EF4-FFF2-40B4-BE49-F238E27FC236}">
-                  <a16:creationId xmlns="" xmlns:a16="http://schemas.microsoft.com/office/drawing/2014/main" id="{8B179DB0-D731-49C3-9AC2-C2AD929AEC03}"/>
+                  <a16:creationId xmlns:a16="http://schemas.microsoft.com/office/drawing/2014/main" id="{8B179DB0-D731-49C3-9AC2-C2AD929AEC03}"/>
                 </a:ext>
               </a:extLst>
             </p:cNvPr>
@@ -18691,14 +20473,14 @@
                   <a:gridCol w="1337100">
                     <a:extLst>
                       <a:ext uri="{9D8B030D-6E8A-4147-A177-3AD203B41FA5}">
-                        <a16:colId xmlns="" xmlns:a16="http://schemas.microsoft.com/office/drawing/2014/main" val="20000"/>
+                        <a16:colId xmlns:a16="http://schemas.microsoft.com/office/drawing/2014/main" val="20000"/>
                       </a:ext>
                     </a:extLst>
                   </a:gridCol>
                   <a:gridCol w="2290695">
                     <a:extLst>
                       <a:ext uri="{9D8B030D-6E8A-4147-A177-3AD203B41FA5}">
-                        <a16:colId xmlns="" xmlns:a16="http://schemas.microsoft.com/office/drawing/2014/main" val="20001"/>
+                        <a16:colId xmlns:a16="http://schemas.microsoft.com/office/drawing/2014/main" val="20001"/>
                       </a:ext>
                     </a:extLst>
                   </a:gridCol>
@@ -18784,7 +20566,7 @@
                   </a:tc>
                   <a:extLst>
                     <a:ext uri="{0D108BD9-81ED-4DB2-BD59-A6C34878D82A}">
-                      <a16:rowId xmlns="" xmlns:a16="http://schemas.microsoft.com/office/drawing/2014/main" val="10000"/>
+                      <a16:rowId xmlns:a16="http://schemas.microsoft.com/office/drawing/2014/main" val="10000"/>
                     </a:ext>
                   </a:extLst>
                 </a:tr>
@@ -19000,7 +20782,7 @@
                   </a:tc>
                   <a:extLst>
                     <a:ext uri="{0D108BD9-81ED-4DB2-BD59-A6C34878D82A}">
-                      <a16:rowId xmlns="" xmlns:a16="http://schemas.microsoft.com/office/drawing/2014/main" val="10001"/>
+                      <a16:rowId xmlns:a16="http://schemas.microsoft.com/office/drawing/2014/main" val="10001"/>
                     </a:ext>
                   </a:extLst>
                 </a:tr>
@@ -19014,7 +20796,7 @@
           <p:cNvPr id="25" name="Google Shape;134;p17">
             <a:extLst>
               <a:ext uri="{FF2B5EF4-FFF2-40B4-BE49-F238E27FC236}">
-                <a16:creationId xmlns="" xmlns:a16="http://schemas.microsoft.com/office/drawing/2014/main" id="{B316BA49-7581-4BDF-82CA-DC8DC7A7909B}"/>
+                <a16:creationId xmlns:a16="http://schemas.microsoft.com/office/drawing/2014/main" id="{B316BA49-7581-4BDF-82CA-DC8DC7A7909B}"/>
               </a:ext>
             </a:extLst>
           </p:cNvPr>
@@ -19090,7 +20872,7 @@
           <p:cNvPr id="4" name="ZoneTexte 3">
             <a:extLst>
               <a:ext uri="{FF2B5EF4-FFF2-40B4-BE49-F238E27FC236}">
-                <a16:creationId xmlns="" xmlns:a16="http://schemas.microsoft.com/office/drawing/2014/main" id="{11CB7687-B471-4549-A848-8326224DD138}"/>
+                <a16:creationId xmlns:a16="http://schemas.microsoft.com/office/drawing/2014/main" id="{11CB7687-B471-4549-A848-8326224DD138}"/>
               </a:ext>
             </a:extLst>
           </p:cNvPr>
@@ -19135,7 +20917,7 @@
           <p:cNvPr id="9" name="ZoneTexte 8">
             <a:extLst>
               <a:ext uri="{FF2B5EF4-FFF2-40B4-BE49-F238E27FC236}">
-                <a16:creationId xmlns="" xmlns:a16="http://schemas.microsoft.com/office/drawing/2014/main" id="{86FA704E-1B92-4AAF-B5EC-8BF8A05E9824}"/>
+                <a16:creationId xmlns:a16="http://schemas.microsoft.com/office/drawing/2014/main" id="{86FA704E-1B92-4AAF-B5EC-8BF8A05E9824}"/>
               </a:ext>
             </a:extLst>
           </p:cNvPr>
@@ -19186,7 +20968,7 @@
           <p:cNvPr id="15" name="Espace réservé du numéro de diapositive 14">
             <a:extLst>
               <a:ext uri="{FF2B5EF4-FFF2-40B4-BE49-F238E27FC236}">
-                <a16:creationId xmlns="" xmlns:a16="http://schemas.microsoft.com/office/drawing/2014/main" id="{CDE5A07D-D0AC-40C1-A4B2-6554F2C6C2A8}"/>
+                <a16:creationId xmlns:a16="http://schemas.microsoft.com/office/drawing/2014/main" id="{CDE5A07D-D0AC-40C1-A4B2-6554F2C6C2A8}"/>
               </a:ext>
             </a:extLst>
           </p:cNvPr>
@@ -19215,7 +20997,7 @@
           <p:cNvPr id="13" name="Picture 6" descr="https://lh4.googleusercontent.com/tDwfaWIODJwkVzC04hR4wphZ_bXVMzxILbAN9Qbng8EwIAbWv-Or6b11Jyv2qqyH2fMlHzvMDEqmubu33Vw1qj5t-PauwGvmDfLxtND69gtRglVB3TUtZhO0V3XG9FqWCcJLVMSl2JA">
             <a:extLst>
               <a:ext uri="{FF2B5EF4-FFF2-40B4-BE49-F238E27FC236}">
-                <a16:creationId xmlns="" xmlns:a16="http://schemas.microsoft.com/office/drawing/2014/main" id="{8E4C707E-0CDF-4F28-ACCD-1ADCB9155F03}"/>
+                <a16:creationId xmlns:a16="http://schemas.microsoft.com/office/drawing/2014/main" id="{8E4C707E-0CDF-4F28-ACCD-1ADCB9155F03}"/>
               </a:ext>
             </a:extLst>
           </p:cNvPr>
